--- a/Mindstorm-AppEngine-Training.pptx
+++ b/Mindstorm-AppEngine-Training.pptx
@@ -2099,7 +2099,6 @@
             <a:rPr lang="en-US" dirty="0" smtClean="0"/>
             <a:t>Google Infrastructure</a:t>
           </a:r>
-          <a:endParaRPr lang="en-US" dirty="0" smtClean="0"/>
         </a:p>
       </dgm:t>
     </dgm:pt>
@@ -2136,7 +2135,6 @@
             <a:rPr lang="en-US" dirty="0" smtClean="0"/>
             <a:t>Generous Free Quota</a:t>
           </a:r>
-          <a:endParaRPr lang="en-US" dirty="0" smtClean="0"/>
         </a:p>
       </dgm:t>
     </dgm:pt>
@@ -2173,7 +2171,6 @@
             <a:rPr lang="en-US" dirty="0" smtClean="0"/>
             <a:t>Pay per use</a:t>
           </a:r>
-          <a:endParaRPr lang="en-US" dirty="0" smtClean="0"/>
         </a:p>
       </dgm:t>
     </dgm:pt>
@@ -2210,7 +2207,6 @@
             <a:rPr lang="en-US" dirty="0" smtClean="0"/>
             <a:t>Quick to start </a:t>
           </a:r>
-          <a:endParaRPr lang="en-US" dirty="0" smtClean="0"/>
         </a:p>
       </dgm:t>
     </dgm:pt>
@@ -2247,7 +2243,6 @@
             <a:rPr lang="en-US" dirty="0" smtClean="0"/>
             <a:t>99.95 SLA</a:t>
           </a:r>
-          <a:endParaRPr lang="en-US" dirty="0" smtClean="0"/>
         </a:p>
       </dgm:t>
     </dgm:pt>
@@ -2321,7 +2316,6 @@
             <a:rPr lang="en-US" dirty="0" smtClean="0"/>
             <a:t>Global Data Locations</a:t>
           </a:r>
-          <a:endParaRPr lang="en-US" dirty="0" smtClean="0"/>
         </a:p>
       </dgm:t>
     </dgm:pt>
@@ -2378,6 +2372,13 @@
         </dgm:presLayoutVars>
       </dgm:prSet>
       <dgm:spPr/>
+      <dgm:t>
+        <a:bodyPr/>
+        <a:lstStyle/>
+        <a:p>
+          <a:endParaRPr lang="en-US"/>
+        </a:p>
+      </dgm:t>
     </dgm:pt>
     <dgm:pt modelId="{96DEBCD8-BDBE-45AB-B70C-436E173613AA}" type="pres">
       <dgm:prSet presAssocID="{95E7239D-DE8B-4D1F-AC26-5236ED90C158}" presName="node" presStyleLbl="node1" presStyleIdx="0" presStyleCnt="9">
@@ -2405,6 +2406,13 @@
         </dgm:presLayoutVars>
       </dgm:prSet>
       <dgm:spPr/>
+      <dgm:t>
+        <a:bodyPr/>
+        <a:lstStyle/>
+        <a:p>
+          <a:endParaRPr lang="en-US"/>
+        </a:p>
+      </dgm:t>
     </dgm:pt>
     <dgm:pt modelId="{F4416DC4-71F2-48DC-BD61-CEA8A20FD486}" type="pres">
       <dgm:prSet presAssocID="{64D29B9C-4276-4E6F-BC67-3749C8C01D0A}" presName="sibTrans" presStyleCnt="0"/>
@@ -2417,6 +2425,13 @@
         </dgm:presLayoutVars>
       </dgm:prSet>
       <dgm:spPr/>
+      <dgm:t>
+        <a:bodyPr/>
+        <a:lstStyle/>
+        <a:p>
+          <a:endParaRPr lang="en-US"/>
+        </a:p>
+      </dgm:t>
     </dgm:pt>
     <dgm:pt modelId="{02F29E8D-B128-4DDC-9B39-E96739A0C287}" type="pres">
       <dgm:prSet presAssocID="{904AD0B2-4101-4F22-90C9-66DB34FCA071}" presName="sibTrans" presStyleCnt="0"/>
@@ -2429,6 +2444,13 @@
         </dgm:presLayoutVars>
       </dgm:prSet>
       <dgm:spPr/>
+      <dgm:t>
+        <a:bodyPr/>
+        <a:lstStyle/>
+        <a:p>
+          <a:endParaRPr lang="en-US"/>
+        </a:p>
+      </dgm:t>
     </dgm:pt>
     <dgm:pt modelId="{4374218B-F657-4522-B550-44266BCE8F54}" type="pres">
       <dgm:prSet presAssocID="{9853444B-69CF-4EFE-AE44-E83D07DED1DF}" presName="sibTrans" presStyleCnt="0"/>
@@ -2460,6 +2482,13 @@
         </dgm:presLayoutVars>
       </dgm:prSet>
       <dgm:spPr/>
+      <dgm:t>
+        <a:bodyPr/>
+        <a:lstStyle/>
+        <a:p>
+          <a:endParaRPr lang="en-US"/>
+        </a:p>
+      </dgm:t>
     </dgm:pt>
     <dgm:pt modelId="{4CBDAE43-85C8-48C4-9EFB-5AB1A5DB87A8}" type="pres">
       <dgm:prSet presAssocID="{0AAD8BC0-7897-4D70-A683-72750EE29DEC}" presName="sibTrans" presStyleCnt="0"/>
@@ -2472,6 +2501,13 @@
         </dgm:presLayoutVars>
       </dgm:prSet>
       <dgm:spPr/>
+      <dgm:t>
+        <a:bodyPr/>
+        <a:lstStyle/>
+        <a:p>
+          <a:endParaRPr lang="en-US"/>
+        </a:p>
+      </dgm:t>
     </dgm:pt>
     <dgm:pt modelId="{87FC511A-DDD2-44E0-BBCB-BCD6497440EB}" type="pres">
       <dgm:prSet presAssocID="{D0C5F9DF-48A6-418B-9078-4A4E7C7DD005}" presName="sibTrans" presStyleCnt="0"/>
@@ -2484,6 +2520,13 @@
         </dgm:presLayoutVars>
       </dgm:prSet>
       <dgm:spPr/>
+      <dgm:t>
+        <a:bodyPr/>
+        <a:lstStyle/>
+        <a:p>
+          <a:endParaRPr lang="en-US"/>
+        </a:p>
+      </dgm:t>
     </dgm:pt>
     <dgm:pt modelId="{C4CDBB6B-2386-4113-BFAA-104A09A1D4AD}" type="pres">
       <dgm:prSet presAssocID="{883DBC09-2E3F-48FC-952E-126F614813BA}" presName="sibTrans" presStyleCnt="0"/>
@@ -2506,25 +2549,25 @@
     </dgm:pt>
   </dgm:ptLst>
   <dgm:cxnLst>
+    <dgm:cxn modelId="{B6CE7FBC-31D5-4FFC-BCDA-FCEC5D396E6D}" type="presOf" srcId="{519A246B-25F1-474E-9B8D-483B3047920E}" destId="{D80DD0DD-774D-471B-995B-B74FAE814BBF}" srcOrd="0" destOrd="0" presId="urn:microsoft.com/office/officeart/2005/8/layout/default"/>
+    <dgm:cxn modelId="{AEA0BAE2-75FD-413A-A2ED-7E9A0EF7D271}" srcId="{E513B2C5-06B6-4731-B86D-C789820112DD}" destId="{9F75BB4D-E8A3-4778-84AF-5569EC295218}" srcOrd="7" destOrd="0" parTransId="{0A80231F-BB5C-4393-8EE6-1753DAAA30C5}" sibTransId="{883DBC09-2E3F-48FC-952E-126F614813BA}"/>
+    <dgm:cxn modelId="{6D9A71B2-3ACC-418A-9566-85C63F7E8B72}" srcId="{E513B2C5-06B6-4731-B86D-C789820112DD}" destId="{FCFC12C2-F4BD-42E5-A59F-023A0661B35B}" srcOrd="5" destOrd="0" parTransId="{835508CD-B74B-4482-8789-D1C3DEC5B0C3}" sibTransId="{0AAD8BC0-7897-4D70-A683-72750EE29DEC}"/>
+    <dgm:cxn modelId="{DE8CFB7C-9FC3-433D-AC93-547E1419F5D4}" type="presOf" srcId="{FCFC12C2-F4BD-42E5-A59F-023A0661B35B}" destId="{8C44E47B-6D07-4CC6-BDE1-639157D8309B}" srcOrd="0" destOrd="0" presId="urn:microsoft.com/office/officeart/2005/8/layout/default"/>
+    <dgm:cxn modelId="{D45FF813-80CA-4B8C-B0D6-3B0753F24FAC}" srcId="{E513B2C5-06B6-4731-B86D-C789820112DD}" destId="{6227630B-F21D-460A-A52A-B8EFEFDB5C0F}" srcOrd="2" destOrd="0" parTransId="{359C934B-1C79-41C8-A8DF-E6EB517209E5}" sibTransId="{904AD0B2-4101-4F22-90C9-66DB34FCA071}"/>
+    <dgm:cxn modelId="{AA1CEE46-EA0E-41CC-A6AC-8E4D272A9FA2}" type="presOf" srcId="{8A377082-189C-4207-982C-BEBA07B3E1C1}" destId="{0C23813D-1DA8-45AB-91ED-105921A27C98}" srcOrd="0" destOrd="0" presId="urn:microsoft.com/office/officeart/2005/8/layout/default"/>
+    <dgm:cxn modelId="{2C95941F-0F10-43D3-8376-57147D6C96F3}" type="presOf" srcId="{E513B2C5-06B6-4731-B86D-C789820112DD}" destId="{CAF580F3-3E66-4B6A-9C9F-BD5AE5DFCEC6}" srcOrd="0" destOrd="0" presId="urn:microsoft.com/office/officeart/2005/8/layout/default"/>
+    <dgm:cxn modelId="{C0B20157-2D76-4F09-86E6-151DC27F1FB1}" srcId="{E513B2C5-06B6-4731-B86D-C789820112DD}" destId="{95E7239D-DE8B-4D1F-AC26-5236ED90C158}" srcOrd="0" destOrd="0" parTransId="{8074F29B-6283-404D-BBBA-694FEF4EC5E9}" sibTransId="{53EF245A-44D2-4147-A9E1-DB9B26756CD0}"/>
     <dgm:cxn modelId="{D04B76E4-7442-4DE3-B156-7BEAFF0BDF0F}" type="presOf" srcId="{70F8B889-5DAD-4E10-B752-2D7FFC04906C}" destId="{4D3DDC0E-03D9-4284-A223-1191DD089603}" srcOrd="0" destOrd="0" presId="urn:microsoft.com/office/officeart/2005/8/layout/default"/>
-    <dgm:cxn modelId="{DE8CFB7C-9FC3-433D-AC93-547E1419F5D4}" type="presOf" srcId="{FCFC12C2-F4BD-42E5-A59F-023A0661B35B}" destId="{8C44E47B-6D07-4CC6-BDE1-639157D8309B}" srcOrd="0" destOrd="0" presId="urn:microsoft.com/office/officeart/2005/8/layout/default"/>
+    <dgm:cxn modelId="{13A4BDA5-204E-4FB0-9A2D-04D2C140EE33}" type="presOf" srcId="{A7D5D3E2-92C4-486D-B8FE-E88079D34392}" destId="{378D77AE-1643-45FB-9EF1-8D138A44EBFC}" srcOrd="0" destOrd="0" presId="urn:microsoft.com/office/officeart/2005/8/layout/default"/>
+    <dgm:cxn modelId="{A2832B0D-8D33-493B-B8C5-28B6C5871CD9}" type="presOf" srcId="{95E7239D-DE8B-4D1F-AC26-5236ED90C158}" destId="{96DEBCD8-BDBE-45AB-B70C-436E173613AA}" srcOrd="0" destOrd="0" presId="urn:microsoft.com/office/officeart/2005/8/layout/default"/>
+    <dgm:cxn modelId="{45165DAF-214B-4CCF-A1D5-F50385BE6C60}" srcId="{E513B2C5-06B6-4731-B86D-C789820112DD}" destId="{70F8B889-5DAD-4E10-B752-2D7FFC04906C}" srcOrd="1" destOrd="0" parTransId="{96798929-BE0C-45C9-A6D1-2410FB2628C5}" sibTransId="{64D29B9C-4276-4E6F-BC67-3749C8C01D0A}"/>
+    <dgm:cxn modelId="{2A95D78B-9A4C-4798-8BFE-DCE1D9FB725E}" srcId="{E513B2C5-06B6-4731-B86D-C789820112DD}" destId="{A7D5D3E2-92C4-486D-B8FE-E88079D34392}" srcOrd="3" destOrd="0" parTransId="{D13BCE59-E3B5-4061-90F3-8FEC3DF6F3E0}" sibTransId="{9853444B-69CF-4EFE-AE44-E83D07DED1DF}"/>
+    <dgm:cxn modelId="{C207C42C-5787-4964-9CB3-7042DDFB884C}" type="presOf" srcId="{6227630B-F21D-460A-A52A-B8EFEFDB5C0F}" destId="{3EEE70F2-02B4-4A71-9123-6F3E649E04D7}" srcOrd="0" destOrd="0" presId="urn:microsoft.com/office/officeart/2005/8/layout/default"/>
+    <dgm:cxn modelId="{E423BD8B-F589-4483-AFF0-014EC05AF17A}" type="presOf" srcId="{DD6A9BAE-E872-4A70-A135-607C46771FF8}" destId="{5AAC201E-84B1-4BCF-8FBB-6D923DC77269}" srcOrd="0" destOrd="0" presId="urn:microsoft.com/office/officeart/2005/8/layout/default"/>
     <dgm:cxn modelId="{5066CD9E-63B9-4B32-AD8B-D2CDBD0F5D97}" type="presOf" srcId="{9F75BB4D-E8A3-4778-84AF-5569EC295218}" destId="{D4EDB921-29BB-49D7-9B4A-5452E2427E64}" srcOrd="0" destOrd="0" presId="urn:microsoft.com/office/officeart/2005/8/layout/default"/>
-    <dgm:cxn modelId="{B6CE7FBC-31D5-4FFC-BCDA-FCEC5D396E6D}" type="presOf" srcId="{519A246B-25F1-474E-9B8D-483B3047920E}" destId="{D80DD0DD-774D-471B-995B-B74FAE814BBF}" srcOrd="0" destOrd="0" presId="urn:microsoft.com/office/officeart/2005/8/layout/default"/>
-    <dgm:cxn modelId="{13A4BDA5-204E-4FB0-9A2D-04D2C140EE33}" type="presOf" srcId="{A7D5D3E2-92C4-486D-B8FE-E88079D34392}" destId="{378D77AE-1643-45FB-9EF1-8D138A44EBFC}" srcOrd="0" destOrd="0" presId="urn:microsoft.com/office/officeart/2005/8/layout/default"/>
-    <dgm:cxn modelId="{45165DAF-214B-4CCF-A1D5-F50385BE6C60}" srcId="{E513B2C5-06B6-4731-B86D-C789820112DD}" destId="{70F8B889-5DAD-4E10-B752-2D7FFC04906C}" srcOrd="1" destOrd="0" parTransId="{96798929-BE0C-45C9-A6D1-2410FB2628C5}" sibTransId="{64D29B9C-4276-4E6F-BC67-3749C8C01D0A}"/>
-    <dgm:cxn modelId="{AA1CEE46-EA0E-41CC-A6AC-8E4D272A9FA2}" type="presOf" srcId="{8A377082-189C-4207-982C-BEBA07B3E1C1}" destId="{0C23813D-1DA8-45AB-91ED-105921A27C98}" srcOrd="0" destOrd="0" presId="urn:microsoft.com/office/officeart/2005/8/layout/default"/>
-    <dgm:cxn modelId="{C207C42C-5787-4964-9CB3-7042DDFB884C}" type="presOf" srcId="{6227630B-F21D-460A-A52A-B8EFEFDB5C0F}" destId="{3EEE70F2-02B4-4A71-9123-6F3E649E04D7}" srcOrd="0" destOrd="0" presId="urn:microsoft.com/office/officeart/2005/8/layout/default"/>
-    <dgm:cxn modelId="{C0B20157-2D76-4F09-86E6-151DC27F1FB1}" srcId="{E513B2C5-06B6-4731-B86D-C789820112DD}" destId="{95E7239D-DE8B-4D1F-AC26-5236ED90C158}" srcOrd="0" destOrd="0" parTransId="{8074F29B-6283-404D-BBBA-694FEF4EC5E9}" sibTransId="{53EF245A-44D2-4147-A9E1-DB9B26756CD0}"/>
-    <dgm:cxn modelId="{A2832B0D-8D33-493B-B8C5-28B6C5871CD9}" type="presOf" srcId="{95E7239D-DE8B-4D1F-AC26-5236ED90C158}" destId="{96DEBCD8-BDBE-45AB-B70C-436E173613AA}" srcOrd="0" destOrd="0" presId="urn:microsoft.com/office/officeart/2005/8/layout/default"/>
-    <dgm:cxn modelId="{E423BD8B-F589-4483-AFF0-014EC05AF17A}" type="presOf" srcId="{DD6A9BAE-E872-4A70-A135-607C46771FF8}" destId="{5AAC201E-84B1-4BCF-8FBB-6D923DC77269}" srcOrd="0" destOrd="0" presId="urn:microsoft.com/office/officeart/2005/8/layout/default"/>
-    <dgm:cxn modelId="{6D9A71B2-3ACC-418A-9566-85C63F7E8B72}" srcId="{E513B2C5-06B6-4731-B86D-C789820112DD}" destId="{FCFC12C2-F4BD-42E5-A59F-023A0661B35B}" srcOrd="5" destOrd="0" parTransId="{835508CD-B74B-4482-8789-D1C3DEC5B0C3}" sibTransId="{0AAD8BC0-7897-4D70-A683-72750EE29DEC}"/>
-    <dgm:cxn modelId="{D45FF813-80CA-4B8C-B0D6-3B0753F24FAC}" srcId="{E513B2C5-06B6-4731-B86D-C789820112DD}" destId="{6227630B-F21D-460A-A52A-B8EFEFDB5C0F}" srcOrd="2" destOrd="0" parTransId="{359C934B-1C79-41C8-A8DF-E6EB517209E5}" sibTransId="{904AD0B2-4101-4F22-90C9-66DB34FCA071}"/>
-    <dgm:cxn modelId="{2A95D78B-9A4C-4798-8BFE-DCE1D9FB725E}" srcId="{E513B2C5-06B6-4731-B86D-C789820112DD}" destId="{A7D5D3E2-92C4-486D-B8FE-E88079D34392}" srcOrd="3" destOrd="0" parTransId="{D13BCE59-E3B5-4061-90F3-8FEC3DF6F3E0}" sibTransId="{9853444B-69CF-4EFE-AE44-E83D07DED1DF}"/>
+    <dgm:cxn modelId="{BD8B4E7E-29B8-4533-A215-DD49881A1CE4}" srcId="{E513B2C5-06B6-4731-B86D-C789820112DD}" destId="{8A377082-189C-4207-982C-BEBA07B3E1C1}" srcOrd="4" destOrd="0" parTransId="{E46627D0-8BAB-4C50-B113-D18D57316326}" sibTransId="{8F8B72AE-0A6D-453C-9248-BA97DF62A212}"/>
+    <dgm:cxn modelId="{B5E01B8A-E8FE-41D5-9A65-83E733ECE771}" srcId="{E513B2C5-06B6-4731-B86D-C789820112DD}" destId="{519A246B-25F1-474E-9B8D-483B3047920E}" srcOrd="8" destOrd="0" parTransId="{E100B885-1327-4CDF-A041-4E1E55CC9FBE}" sibTransId="{1D636F90-E37B-47D8-B6AE-44E154AE4FFD}"/>
     <dgm:cxn modelId="{23FC5E1E-0EA1-4D74-A6EF-68BB84E9B995}" srcId="{E513B2C5-06B6-4731-B86D-C789820112DD}" destId="{DD6A9BAE-E872-4A70-A135-607C46771FF8}" srcOrd="6" destOrd="0" parTransId="{AD0C3167-EAAD-43F5-9159-6DFEB1D0EEF9}" sibTransId="{D0C5F9DF-48A6-418B-9078-4A4E7C7DD005}"/>
-    <dgm:cxn modelId="{B5E01B8A-E8FE-41D5-9A65-83E733ECE771}" srcId="{E513B2C5-06B6-4731-B86D-C789820112DD}" destId="{519A246B-25F1-474E-9B8D-483B3047920E}" srcOrd="8" destOrd="0" parTransId="{E100B885-1327-4CDF-A041-4E1E55CC9FBE}" sibTransId="{1D636F90-E37B-47D8-B6AE-44E154AE4FFD}"/>
-    <dgm:cxn modelId="{BD8B4E7E-29B8-4533-A215-DD49881A1CE4}" srcId="{E513B2C5-06B6-4731-B86D-C789820112DD}" destId="{8A377082-189C-4207-982C-BEBA07B3E1C1}" srcOrd="4" destOrd="0" parTransId="{E46627D0-8BAB-4C50-B113-D18D57316326}" sibTransId="{8F8B72AE-0A6D-453C-9248-BA97DF62A212}"/>
-    <dgm:cxn modelId="{2C95941F-0F10-43D3-8376-57147D6C96F3}" type="presOf" srcId="{E513B2C5-06B6-4731-B86D-C789820112DD}" destId="{CAF580F3-3E66-4B6A-9C9F-BD5AE5DFCEC6}" srcOrd="0" destOrd="0" presId="urn:microsoft.com/office/officeart/2005/8/layout/default"/>
-    <dgm:cxn modelId="{AEA0BAE2-75FD-413A-A2ED-7E9A0EF7D271}" srcId="{E513B2C5-06B6-4731-B86D-C789820112DD}" destId="{9F75BB4D-E8A3-4778-84AF-5569EC295218}" srcOrd="7" destOrd="0" parTransId="{0A80231F-BB5C-4393-8EE6-1753DAAA30C5}" sibTransId="{883DBC09-2E3F-48FC-952E-126F614813BA}"/>
     <dgm:cxn modelId="{076D269C-9986-49B4-B630-8CDF60BE147B}" type="presParOf" srcId="{CAF580F3-3E66-4B6A-9C9F-BD5AE5DFCEC6}" destId="{96DEBCD8-BDBE-45AB-B70C-436E173613AA}" srcOrd="0" destOrd="0" presId="urn:microsoft.com/office/officeart/2005/8/layout/default"/>
     <dgm:cxn modelId="{12CF16F3-CEC1-4945-8DAF-E39E71CEF091}" type="presParOf" srcId="{CAF580F3-3E66-4B6A-9C9F-BD5AE5DFCEC6}" destId="{ECCBCEBB-8449-49DD-B287-7BF4D8C9E19D}" srcOrd="1" destOrd="0" presId="urn:microsoft.com/office/officeart/2005/8/layout/default"/>
     <dgm:cxn modelId="{4C83DE2F-E0DC-45D9-B438-98F0A0B73C02}" type="presParOf" srcId="{CAF580F3-3E66-4B6A-9C9F-BD5AE5DFCEC6}" destId="{4D3DDC0E-03D9-4284-A223-1191DD089603}" srcOrd="2" destOrd="0" presId="urn:microsoft.com/office/officeart/2005/8/layout/default"/>
@@ -2902,6 +2945,13 @@
         </dgm:presLayoutVars>
       </dgm:prSet>
       <dgm:spPr/>
+      <dgm:t>
+        <a:bodyPr/>
+        <a:lstStyle/>
+        <a:p>
+          <a:endParaRPr lang="en-US"/>
+        </a:p>
+      </dgm:t>
     </dgm:pt>
     <dgm:pt modelId="{C84A8602-F915-4B43-9163-6C98755544E3}" type="pres">
       <dgm:prSet presAssocID="{45CC75B1-051F-4923-86FE-E942DC385111}" presName="node" presStyleLbl="node1" presStyleIdx="0" presStyleCnt="9">
@@ -2910,6 +2960,13 @@
         </dgm:presLayoutVars>
       </dgm:prSet>
       <dgm:spPr/>
+      <dgm:t>
+        <a:bodyPr/>
+        <a:lstStyle/>
+        <a:p>
+          <a:endParaRPr lang="en-US"/>
+        </a:p>
+      </dgm:t>
     </dgm:pt>
     <dgm:pt modelId="{79A8F401-B962-42B6-A309-99CF59896CC7}" type="pres">
       <dgm:prSet presAssocID="{C06DB88B-0916-444C-9035-85DB486093D3}" presName="sibTrans" presStyleCnt="0"/>
@@ -2922,6 +2979,13 @@
         </dgm:presLayoutVars>
       </dgm:prSet>
       <dgm:spPr/>
+      <dgm:t>
+        <a:bodyPr/>
+        <a:lstStyle/>
+        <a:p>
+          <a:endParaRPr lang="en-US"/>
+        </a:p>
+      </dgm:t>
     </dgm:pt>
     <dgm:pt modelId="{634CE46D-4583-4C99-9319-CF581AF0768F}" type="pres">
       <dgm:prSet presAssocID="{A8D29AE5-CAEF-4A27-919B-89A0CF79B9B1}" presName="sibTrans" presStyleCnt="0"/>
@@ -2934,6 +2998,13 @@
         </dgm:presLayoutVars>
       </dgm:prSet>
       <dgm:spPr/>
+      <dgm:t>
+        <a:bodyPr/>
+        <a:lstStyle/>
+        <a:p>
+          <a:endParaRPr lang="en-US"/>
+        </a:p>
+      </dgm:t>
     </dgm:pt>
     <dgm:pt modelId="{84C2AE51-E4E0-4BC0-805D-0800922427E3}" type="pres">
       <dgm:prSet presAssocID="{77A0097E-64E8-481B-A88E-6C7D4A400684}" presName="sibTrans" presStyleCnt="0"/>
@@ -2965,6 +3036,13 @@
         </dgm:presLayoutVars>
       </dgm:prSet>
       <dgm:spPr/>
+      <dgm:t>
+        <a:bodyPr/>
+        <a:lstStyle/>
+        <a:p>
+          <a:endParaRPr lang="en-US"/>
+        </a:p>
+      </dgm:t>
     </dgm:pt>
     <dgm:pt modelId="{D175644D-B668-4282-B054-B12D94064415}" type="pres">
       <dgm:prSet presAssocID="{F7EFE61F-77DA-48BC-9BD6-D765B9565DE9}" presName="sibTrans" presStyleCnt="0"/>
@@ -3034,28 +3112,35 @@
         </dgm:presLayoutVars>
       </dgm:prSet>
       <dgm:spPr/>
+      <dgm:t>
+        <a:bodyPr/>
+        <a:lstStyle/>
+        <a:p>
+          <a:endParaRPr lang="en-US"/>
+        </a:p>
+      </dgm:t>
     </dgm:pt>
   </dgm:ptLst>
   <dgm:cxnLst>
+    <dgm:cxn modelId="{A4BDAF3B-93F4-425E-A9D7-7AFCAA087891}" type="presOf" srcId="{39021EB8-2489-44B2-8FE2-88DAB987AE43}" destId="{7AFAA7D8-CA54-46C6-962D-C2B67686E44C}" srcOrd="0" destOrd="0" presId="urn:microsoft.com/office/officeart/2005/8/layout/default"/>
     <dgm:cxn modelId="{90B5B58A-9F51-416E-906C-7A5251327240}" type="presOf" srcId="{45CC75B1-051F-4923-86FE-E942DC385111}" destId="{C84A8602-F915-4B43-9163-6C98755544E3}" srcOrd="0" destOrd="0" presId="urn:microsoft.com/office/officeart/2005/8/layout/default"/>
-    <dgm:cxn modelId="{C770C1F6-3593-4148-A178-1F04968A9E5D}" type="presOf" srcId="{E160CFFF-84C6-42C3-BFF7-380611DFA742}" destId="{E3BD266C-44B0-44B1-8231-27F4541FDD6E}" srcOrd="0" destOrd="0" presId="urn:microsoft.com/office/officeart/2005/8/layout/default"/>
+    <dgm:cxn modelId="{0F59E6FD-C6FF-486C-A53D-C90954C4C76F}" srcId="{39021EB8-2489-44B2-8FE2-88DAB987AE43}" destId="{45CC75B1-051F-4923-86FE-E942DC385111}" srcOrd="0" destOrd="0" parTransId="{6660C5FA-4B35-4EEF-AB0E-6FE8F97F1BBB}" sibTransId="{C06DB88B-0916-444C-9035-85DB486093D3}"/>
+    <dgm:cxn modelId="{E93C89BC-4C73-4D50-AADB-1026407F4DF7}" srcId="{39021EB8-2489-44B2-8FE2-88DAB987AE43}" destId="{7ECE9FA6-0DEF-4EBB-B39F-AA9743A5E149}" srcOrd="1" destOrd="0" parTransId="{76BBBB5E-B8CE-49E1-981D-4000E980A89C}" sibTransId="{A8D29AE5-CAEF-4A27-919B-89A0CF79B9B1}"/>
+    <dgm:cxn modelId="{6041A1F6-9E95-4400-9147-5E65E9D483A2}" type="presOf" srcId="{4F712E1B-D78B-4291-866B-2A1C48AFD47D}" destId="{AD96EDA4-9386-4AFF-9F7A-3953EECCE5E7}" srcOrd="0" destOrd="0" presId="urn:microsoft.com/office/officeart/2005/8/layout/default"/>
+    <dgm:cxn modelId="{23D5F7C8-5103-46A5-8B95-1E60B267CED6}" srcId="{39021EB8-2489-44B2-8FE2-88DAB987AE43}" destId="{63D1D216-C75C-4F01-9409-17EAA8D7E9BB}" srcOrd="7" destOrd="0" parTransId="{76E9E770-7205-47E2-8BE6-496F5D8E4825}" sibTransId="{025AEFC5-23D4-4496-BB38-11B9D5BB0D8F}"/>
+    <dgm:cxn modelId="{2A7CC01F-2070-4132-8C72-EE7538FA1583}" type="presOf" srcId="{AA758EF8-076E-4BC9-9396-5AFC50192816}" destId="{2B228D1D-3884-461A-A5E7-10B3F8FA5636}" srcOrd="0" destOrd="0" presId="urn:microsoft.com/office/officeart/2005/8/layout/default"/>
+    <dgm:cxn modelId="{325DC9A9-26A3-4FFB-9BA2-2F529149DF18}" type="presOf" srcId="{06761268-D5E6-4526-BD83-98AC55A97C3F}" destId="{F87BB16C-08F3-406A-A416-88512D757FC7}" srcOrd="0" destOrd="0" presId="urn:microsoft.com/office/officeart/2005/8/layout/default"/>
     <dgm:cxn modelId="{02E9095E-6353-4447-9CA2-51743292AD2C}" srcId="{39021EB8-2489-44B2-8FE2-88DAB987AE43}" destId="{5B8000F6-CF51-4E4C-A9D8-E2EAB1DAF4C8}" srcOrd="6" destOrd="0" parTransId="{DACD93BC-29FB-4CA7-9E62-9010308B0D5F}" sibTransId="{17941095-BF30-43FF-956A-CC9B1BBABB00}"/>
+    <dgm:cxn modelId="{8B6BF876-34A5-40DF-929F-CA8DA060D7E2}" type="presOf" srcId="{CE8F0992-960B-4D40-87C5-308532EC8C82}" destId="{9C7270C8-0760-4E10-8A45-FB5DB4CC3CBC}" srcOrd="0" destOrd="0" presId="urn:microsoft.com/office/officeart/2005/8/layout/default"/>
+    <dgm:cxn modelId="{53D3DE3B-9D81-44BD-B367-377136279214}" srcId="{39021EB8-2489-44B2-8FE2-88DAB987AE43}" destId="{06761268-D5E6-4526-BD83-98AC55A97C3F}" srcOrd="8" destOrd="0" parTransId="{78D88DB8-9D53-410B-8136-AAF98D4B71A7}" sibTransId="{EE2B3ACA-607B-4A85-A50D-B2AC1778B7C4}"/>
+    <dgm:cxn modelId="{48CA4E9E-0CF4-4828-9BD6-303633E4C256}" type="presOf" srcId="{7ECE9FA6-0DEF-4EBB-B39F-AA9743A5E149}" destId="{551E75B7-BE5D-4C13-BB46-2F9954CD2302}" srcOrd="0" destOrd="0" presId="urn:microsoft.com/office/officeart/2005/8/layout/default"/>
     <dgm:cxn modelId="{66108206-BCC1-4C19-B05B-C49F9BF51C12}" srcId="{39021EB8-2489-44B2-8FE2-88DAB987AE43}" destId="{4F712E1B-D78B-4291-866B-2A1C48AFD47D}" srcOrd="5" destOrd="0" parTransId="{C64355B1-28CA-4778-9EB3-0E120E49846E}" sibTransId="{83A720CB-F46B-405C-834F-CA3E0F3EAD64}"/>
     <dgm:cxn modelId="{49732026-CF9F-4CCF-A935-1CAD10B6427D}" type="presOf" srcId="{63D1D216-C75C-4F01-9409-17EAA8D7E9BB}" destId="{7637041C-F3D7-47AD-B794-BFABE7216958}" srcOrd="0" destOrd="0" presId="urn:microsoft.com/office/officeart/2005/8/layout/default"/>
-    <dgm:cxn modelId="{89BEDC8D-68FB-4C71-8869-ED39B332CC65}" srcId="{39021EB8-2489-44B2-8FE2-88DAB987AE43}" destId="{E160CFFF-84C6-42C3-BFF7-380611DFA742}" srcOrd="3" destOrd="0" parTransId="{132CED2A-6DE9-4913-832E-60AA8682B704}" sibTransId="{24301587-6C79-47CC-889B-09A6E338CF14}"/>
-    <dgm:cxn modelId="{6041A1F6-9E95-4400-9147-5E65E9D483A2}" type="presOf" srcId="{4F712E1B-D78B-4291-866B-2A1C48AFD47D}" destId="{AD96EDA4-9386-4AFF-9F7A-3953EECCE5E7}" srcOrd="0" destOrd="0" presId="urn:microsoft.com/office/officeart/2005/8/layout/default"/>
-    <dgm:cxn modelId="{53D3DE3B-9D81-44BD-B367-377136279214}" srcId="{39021EB8-2489-44B2-8FE2-88DAB987AE43}" destId="{06761268-D5E6-4526-BD83-98AC55A97C3F}" srcOrd="8" destOrd="0" parTransId="{78D88DB8-9D53-410B-8136-AAF98D4B71A7}" sibTransId="{EE2B3ACA-607B-4A85-A50D-B2AC1778B7C4}"/>
-    <dgm:cxn modelId="{325DC9A9-26A3-4FFB-9BA2-2F529149DF18}" type="presOf" srcId="{06761268-D5E6-4526-BD83-98AC55A97C3F}" destId="{F87BB16C-08F3-406A-A416-88512D757FC7}" srcOrd="0" destOrd="0" presId="urn:microsoft.com/office/officeart/2005/8/layout/default"/>
     <dgm:cxn modelId="{3961C73A-CBC5-45C0-89FF-885167A4487B}" srcId="{39021EB8-2489-44B2-8FE2-88DAB987AE43}" destId="{CE8F0992-960B-4D40-87C5-308532EC8C82}" srcOrd="2" destOrd="0" parTransId="{05973E7D-83BB-4346-AFA5-65865ECE1A41}" sibTransId="{77A0097E-64E8-481B-A88E-6C7D4A400684}"/>
     <dgm:cxn modelId="{D24C8086-6E0C-42A5-82D7-66D5DFC85BCD}" srcId="{39021EB8-2489-44B2-8FE2-88DAB987AE43}" destId="{AA758EF8-076E-4BC9-9396-5AFC50192816}" srcOrd="4" destOrd="0" parTransId="{4709B308-379F-4CAB-BC28-E820B10FF738}" sibTransId="{F7EFE61F-77DA-48BC-9BD6-D765B9565DE9}"/>
-    <dgm:cxn modelId="{E93C89BC-4C73-4D50-AADB-1026407F4DF7}" srcId="{39021EB8-2489-44B2-8FE2-88DAB987AE43}" destId="{7ECE9FA6-0DEF-4EBB-B39F-AA9743A5E149}" srcOrd="1" destOrd="0" parTransId="{76BBBB5E-B8CE-49E1-981D-4000E980A89C}" sibTransId="{A8D29AE5-CAEF-4A27-919B-89A0CF79B9B1}"/>
-    <dgm:cxn modelId="{48CA4E9E-0CF4-4828-9BD6-303633E4C256}" type="presOf" srcId="{7ECE9FA6-0DEF-4EBB-B39F-AA9743A5E149}" destId="{551E75B7-BE5D-4C13-BB46-2F9954CD2302}" srcOrd="0" destOrd="0" presId="urn:microsoft.com/office/officeart/2005/8/layout/default"/>
+    <dgm:cxn modelId="{C770C1F6-3593-4148-A178-1F04968A9E5D}" type="presOf" srcId="{E160CFFF-84C6-42C3-BFF7-380611DFA742}" destId="{E3BD266C-44B0-44B1-8231-27F4541FDD6E}" srcOrd="0" destOrd="0" presId="urn:microsoft.com/office/officeart/2005/8/layout/default"/>
+    <dgm:cxn modelId="{89BEDC8D-68FB-4C71-8869-ED39B332CC65}" srcId="{39021EB8-2489-44B2-8FE2-88DAB987AE43}" destId="{E160CFFF-84C6-42C3-BFF7-380611DFA742}" srcOrd="3" destOrd="0" parTransId="{132CED2A-6DE9-4913-832E-60AA8682B704}" sibTransId="{24301587-6C79-47CC-889B-09A6E338CF14}"/>
     <dgm:cxn modelId="{7072ADF7-3068-4A4E-B89B-13F0CD0E719F}" type="presOf" srcId="{5B8000F6-CF51-4E4C-A9D8-E2EAB1DAF4C8}" destId="{A2C5AEF9-E52B-44DE-A730-7D83689287C4}" srcOrd="0" destOrd="0" presId="urn:microsoft.com/office/officeart/2005/8/layout/default"/>
-    <dgm:cxn modelId="{23D5F7C8-5103-46A5-8B95-1E60B267CED6}" srcId="{39021EB8-2489-44B2-8FE2-88DAB987AE43}" destId="{63D1D216-C75C-4F01-9409-17EAA8D7E9BB}" srcOrd="7" destOrd="0" parTransId="{76E9E770-7205-47E2-8BE6-496F5D8E4825}" sibTransId="{025AEFC5-23D4-4496-BB38-11B9D5BB0D8F}"/>
-    <dgm:cxn modelId="{8B6BF876-34A5-40DF-929F-CA8DA060D7E2}" type="presOf" srcId="{CE8F0992-960B-4D40-87C5-308532EC8C82}" destId="{9C7270C8-0760-4E10-8A45-FB5DB4CC3CBC}" srcOrd="0" destOrd="0" presId="urn:microsoft.com/office/officeart/2005/8/layout/default"/>
-    <dgm:cxn modelId="{A4BDAF3B-93F4-425E-A9D7-7AFCAA087891}" type="presOf" srcId="{39021EB8-2489-44B2-8FE2-88DAB987AE43}" destId="{7AFAA7D8-CA54-46C6-962D-C2B67686E44C}" srcOrd="0" destOrd="0" presId="urn:microsoft.com/office/officeart/2005/8/layout/default"/>
-    <dgm:cxn modelId="{2A7CC01F-2070-4132-8C72-EE7538FA1583}" type="presOf" srcId="{AA758EF8-076E-4BC9-9396-5AFC50192816}" destId="{2B228D1D-3884-461A-A5E7-10B3F8FA5636}" srcOrd="0" destOrd="0" presId="urn:microsoft.com/office/officeart/2005/8/layout/default"/>
-    <dgm:cxn modelId="{0F59E6FD-C6FF-486C-A53D-C90954C4C76F}" srcId="{39021EB8-2489-44B2-8FE2-88DAB987AE43}" destId="{45CC75B1-051F-4923-86FE-E942DC385111}" srcOrd="0" destOrd="0" parTransId="{6660C5FA-4B35-4EEF-AB0E-6FE8F97F1BBB}" sibTransId="{C06DB88B-0916-444C-9035-85DB486093D3}"/>
     <dgm:cxn modelId="{34EB961A-B0D3-4296-A14F-E655B0F29956}" type="presParOf" srcId="{7AFAA7D8-CA54-46C6-962D-C2B67686E44C}" destId="{C84A8602-F915-4B43-9163-6C98755544E3}" srcOrd="0" destOrd="0" presId="urn:microsoft.com/office/officeart/2005/8/layout/default"/>
     <dgm:cxn modelId="{8315C09E-364D-440A-BB39-51793371916B}" type="presParOf" srcId="{7AFAA7D8-CA54-46C6-962D-C2B67686E44C}" destId="{79A8F401-B962-42B6-A309-99CF59896CC7}" srcOrd="1" destOrd="0" presId="urn:microsoft.com/office/officeart/2005/8/layout/default"/>
     <dgm:cxn modelId="{010FBD84-B47F-46AF-905D-519C6F3E2C7A}" type="presParOf" srcId="{7AFAA7D8-CA54-46C6-962D-C2B67686E44C}" destId="{551E75B7-BE5D-4C13-BB46-2F9954CD2302}" srcOrd="2" destOrd="0" presId="urn:microsoft.com/office/officeart/2005/8/layout/default"/>
@@ -11401,11 +11486,7 @@
             <a:pPr algn="ctr"/>
             <a:r>
               <a:rPr lang="en-US" sz="4400" dirty="0" smtClean="0"/>
-              <a:t>April 21, </a:t>
-            </a:r>
-            <a:r>
-              <a:rPr lang="en-US" sz="4400" dirty="0" smtClean="0"/>
-              <a:t>2013</a:t>
+              <a:t>April 21, 2013</a:t>
             </a:r>
             <a:endParaRPr lang="en-IN" sz="4400" dirty="0"/>
           </a:p>
@@ -11470,7 +11551,7 @@
       </p:pic>
       <p:pic>
         <p:nvPicPr>
-          <p:cNvPr id="9" name="Picture 2"/>
+          <p:cNvPr id="10" name="Picture 2" descr="C:\Users\paresh.mayani\Desktop\GDG-logo1.png"/>
           <p:cNvPicPr>
             <a:picLocks noChangeAspect="1" noChangeArrowheads="1"/>
           </p:cNvPicPr>
@@ -11485,20 +11566,13 @@
         </p:blipFill>
         <p:spPr bwMode="auto">
           <a:xfrm>
-            <a:off x="304800" y="5105400"/>
-            <a:ext cx="4314825" cy="733425"/>
+            <a:off x="457200" y="5105400"/>
+            <a:ext cx="4286250" cy="733425"/>
           </a:xfrm>
           <a:prstGeom prst="rect">
             <a:avLst/>
           </a:prstGeom>
           <a:noFill/>
-          <a:ln w="9525">
-            <a:noFill/>
-            <a:miter lim="800000"/>
-            <a:headEnd/>
-            <a:tailEnd/>
-          </a:ln>
-          <a:effectLst/>
         </p:spPr>
       </p:pic>
     </p:spTree>
@@ -11964,15 +12038,7 @@
             <a:pPr algn="ctr"/>
             <a:r>
               <a:rPr lang="en-US" sz="4400" dirty="0" smtClean="0"/>
-              <a:t>Session </a:t>
-            </a:r>
-            <a:r>
-              <a:rPr lang="en-US" sz="4400" dirty="0" smtClean="0"/>
-              <a:t>2 </a:t>
-            </a:r>
-            <a:r>
-              <a:rPr lang="en-US" sz="4400" dirty="0" smtClean="0"/>
-              <a:t>– App Engine Overview</a:t>
+              <a:t>Session 2 – App Engine Overview</a:t>
             </a:r>
             <a:endParaRPr lang="en-IN" sz="4400" dirty="0"/>
           </a:p>
@@ -12267,7 +12333,7 @@
         <p:spPr/>
         <p:txBody>
           <a:bodyPr>
-            <a:normAutofit lnSpcReduction="10000"/>
+            <a:normAutofit/>
           </a:bodyPr>
           <a:lstStyle/>
           <a:p>
@@ -12429,7 +12495,7 @@
         </p:spPr>
         <p:txBody>
           <a:bodyPr>
-            <a:normAutofit fontScale="92500"/>
+            <a:normAutofit/>
           </a:bodyPr>
           <a:lstStyle/>
           <a:p>
@@ -12529,21 +12595,8 @@
             </a:pPr>
             <a:r>
               <a:rPr lang="en-GB" sz="4000" dirty="0" smtClean="0"/>
-              <a:t> Current Version : </a:t>
-            </a:r>
-            <a:r>
-              <a:rPr lang="en-GB" sz="4000" dirty="0" smtClean="0"/>
-              <a:t>1.7.7 </a:t>
-            </a:r>
-            <a:r>
-              <a:rPr lang="en-GB" sz="4000" dirty="0" smtClean="0"/>
-              <a:t>– </a:t>
-            </a:r>
-            <a:r>
-              <a:rPr lang="en-GB" sz="4000" dirty="0" smtClean="0"/>
-              <a:t>April 9, 2013</a:t>
-            </a:r>
-            <a:endParaRPr lang="en-GB" sz="4000" dirty="0" smtClean="0"/>
+              <a:t> Current Version : 1.7.7 – April 9, 2013</a:t>
+            </a:r>
           </a:p>
           <a:p>
             <a:pPr marL="431800" indent="-323850">
@@ -12679,7 +12732,7 @@
         <p:spPr/>
         <p:txBody>
           <a:bodyPr>
-            <a:normAutofit fontScale="92500" lnSpcReduction="10000"/>
+            <a:normAutofit fontScale="92500"/>
           </a:bodyPr>
           <a:lstStyle/>
           <a:p>
@@ -12731,7 +12784,6 @@
               <a:rPr lang="en-GB" dirty="0" smtClean="0"/>
               <a:t>Use Google Infrastructure</a:t>
             </a:r>
-            <a:endParaRPr lang="en-GB" dirty="0" smtClean="0"/>
           </a:p>
           <a:p>
             <a:pPr marL="751840" lvl="1" indent="-323850">
@@ -12755,17 +12807,8 @@
             </a:pPr>
             <a:r>
               <a:rPr lang="en-GB" dirty="0" smtClean="0"/>
-              <a:t>Python</a:t>
-            </a:r>
-            <a:r>
-              <a:rPr lang="en-GB" dirty="0" smtClean="0"/>
-              <a:t>, Java or </a:t>
-            </a:r>
-            <a:r>
-              <a:rPr lang="en-GB" dirty="0" smtClean="0"/>
-              <a:t>Go Applications</a:t>
-            </a:r>
-            <a:endParaRPr lang="en-GB" dirty="0" smtClean="0"/>
+              <a:t>Python, Java or Go Applications</a:t>
+            </a:r>
           </a:p>
           <a:p>
             <a:pPr marL="751840" lvl="1" indent="-323850">
@@ -12864,13 +12907,8 @@
             </a:pPr>
             <a:r>
               <a:rPr lang="en-GB" dirty="0" smtClean="0"/>
-              <a:t>App Engine </a:t>
-            </a:r>
-            <a:r>
-              <a:rPr lang="en-GB" dirty="0" smtClean="0"/>
-              <a:t>SDK (Java, Python, Go)</a:t>
-            </a:r>
-            <a:endParaRPr lang="en-GB" dirty="0" smtClean="0"/>
+              <a:t>App Engine SDK (Java, Python, Go)</a:t>
+            </a:r>
           </a:p>
           <a:p>
             <a:pPr marL="751840" lvl="1" indent="-323850">
@@ -13150,11 +13188,7 @@
           <a:p>
             <a:r>
               <a:rPr lang="en-US" dirty="0" smtClean="0"/>
-              <a:t>Files </a:t>
-            </a:r>
-            <a:r>
-              <a:rPr lang="en-US" dirty="0" smtClean="0"/>
-              <a:t>API &amp; integration with Google Cloud Storage (GCS)</a:t>
+              <a:t>Files API &amp; integration with Google Cloud Storage (GCS)</a:t>
             </a:r>
           </a:p>
           <a:p>
@@ -13341,11 +13375,7 @@
           <a:p>
             <a:r>
               <a:rPr lang="en-US" dirty="0" smtClean="0"/>
-              <a:t>App </a:t>
-            </a:r>
-            <a:r>
-              <a:rPr lang="en-US" dirty="0" smtClean="0"/>
-              <a:t>Engine Map Reduce</a:t>
+              <a:t>App Engine Map Reduce</a:t>
             </a:r>
           </a:p>
           <a:p>
@@ -13373,11 +13403,7 @@
           <a:p>
             <a:r>
               <a:rPr lang="en-US" dirty="0" smtClean="0"/>
-              <a:t>Google Cloud </a:t>
-            </a:r>
-            <a:r>
-              <a:rPr lang="en-US" dirty="0" smtClean="0"/>
-              <a:t>Endpoints</a:t>
+              <a:t>Google Cloud Endpoints</a:t>
             </a:r>
           </a:p>
           <a:p>
@@ -13502,11 +13528,7 @@
           <a:p>
             <a:r>
               <a:rPr lang="en-US" dirty="0" smtClean="0"/>
-              <a:t>What </a:t>
-            </a:r>
-            <a:r>
-              <a:rPr lang="en-US" dirty="0" smtClean="0"/>
-              <a:t>is Google App Engine?</a:t>
+              <a:t>What is Google App Engine?</a:t>
             </a:r>
           </a:p>
           <a:p>
@@ -13514,7 +13536,6 @@
               <a:rPr lang="en-US" dirty="0" smtClean="0"/>
               <a:t>Setup your Google App Engine account </a:t>
             </a:r>
-            <a:endParaRPr lang="en-US" dirty="0" smtClean="0"/>
           </a:p>
           <a:p>
             <a:r>
@@ -13525,21 +13546,13 @@
           <a:p>
             <a:r>
               <a:rPr lang="en-US" dirty="0" smtClean="0"/>
-              <a:t>Cover </a:t>
-            </a:r>
+              <a:t>Cover various App Engine APIs / Services.</a:t>
+            </a:r>
+          </a:p>
+          <a:p>
             <a:r>
               <a:rPr lang="en-US" dirty="0" smtClean="0"/>
-              <a:t>various App Engine APIs / Services.</a:t>
-            </a:r>
-          </a:p>
-          <a:p>
-            <a:r>
-              <a:rPr lang="en-US" dirty="0" smtClean="0"/>
-              <a:t>Help you </a:t>
-            </a:r>
-            <a:r>
-              <a:rPr lang="en-US" dirty="0" smtClean="0"/>
-              <a:t>to take your next leap into writing Cloud Applications running on Google App Engine infrastructure.</a:t>
+              <a:t>Help you to take your next leap into writing Cloud Applications running on Google App Engine infrastructure.</a:t>
             </a:r>
             <a:endParaRPr lang="en-IN" dirty="0"/>
           </a:p>
@@ -13734,6 +13747,13 @@
   <p:clrMapOvr>
     <a:masterClrMapping/>
   </p:clrMapOvr>
+  <p:timing>
+    <p:tnLst>
+      <p:par>
+        <p:cTn id="1" dur="indefinite" restart="never" nodeType="tmRoot"/>
+      </p:par>
+    </p:tnLst>
+  </p:timing>
 </p:sld>
 </file>
 
@@ -15389,15 +15409,7 @@
             <a:pPr algn="ctr"/>
             <a:r>
               <a:rPr lang="en-US" sz="4400" dirty="0" smtClean="0"/>
-              <a:t>Session </a:t>
-            </a:r>
-            <a:r>
-              <a:rPr lang="en-US" sz="4400" dirty="0" smtClean="0"/>
-              <a:t>3 </a:t>
-            </a:r>
-            <a:r>
-              <a:rPr lang="en-US" sz="4400" dirty="0" smtClean="0"/>
-              <a:t>– App Engine Setup</a:t>
+              <a:t>Session 3 – App Engine Setup</a:t>
             </a:r>
             <a:endParaRPr lang="en-IN" sz="4400" dirty="0"/>
           </a:p>
@@ -15591,40 +15603,15 @@
             <a:pPr lvl="1"/>
             <a:r>
               <a:rPr lang="en-US" dirty="0" smtClean="0"/>
-              <a:t>Java SDK  </a:t>
-            </a:r>
+              <a:t>Java SDK  ( 1.6 or 1.7 )</a:t>
+            </a:r>
+          </a:p>
+          <a:p>
+            <a:pPr lvl="1"/>
             <a:r>
               <a:rPr lang="en-US" dirty="0" smtClean="0"/>
-              <a:t>(</a:t>
-            </a:r>
-            <a:r>
-              <a:rPr lang="en-US" dirty="0" smtClean="0"/>
-              <a:t> </a:t>
-            </a:r>
-            <a:r>
-              <a:rPr lang="en-US" dirty="0" smtClean="0"/>
-              <a:t>1.6 or 1.7</a:t>
-            </a:r>
-            <a:r>
-              <a:rPr lang="en-US" dirty="0" smtClean="0"/>
-              <a:t> </a:t>
-            </a:r>
-            <a:r>
-              <a:rPr lang="en-US" dirty="0" smtClean="0"/>
-              <a:t>)</a:t>
-            </a:r>
-          </a:p>
-          <a:p>
-            <a:pPr lvl="1"/>
-            <a:r>
-              <a:rPr lang="en-US" dirty="0" smtClean="0"/>
-              <a:t>App Engine SDK (Latest version is </a:t>
-            </a:r>
-            <a:r>
-              <a:rPr lang="en-US" dirty="0" smtClean="0"/>
-              <a:t>1.7.7)</a:t>
-            </a:r>
-            <a:endParaRPr lang="en-US" dirty="0" smtClean="0"/>
+              <a:t>App Engine SDK (Latest version is 1.7.7)</a:t>
+            </a:r>
           </a:p>
           <a:p>
             <a:pPr lvl="1"/>
@@ -15787,13 +15774,8 @@
             </a:r>
             <a:r>
               <a:rPr lang="en-US" dirty="0" smtClean="0"/>
-              <a:t> </a:t>
-            </a:r>
-            <a:r>
-              <a:rPr lang="en-US" dirty="0" smtClean="0"/>
-              <a:t>folder </a:t>
-            </a:r>
-            <a:endParaRPr lang="en-US" dirty="0" smtClean="0"/>
+              <a:t> folder </a:t>
+            </a:r>
           </a:p>
           <a:p>
             <a:pPr lvl="1"/>
@@ -15803,19 +15785,7 @@
             </a:r>
             <a:r>
               <a:rPr lang="en-IN" b="1" dirty="0" smtClean="0"/>
-              <a:t>From </a:t>
-            </a:r>
-            <a:r>
-              <a:rPr lang="en-IN" b="1" dirty="0" smtClean="0"/>
-              <a:t>Scratch - Google App Engine </a:t>
-            </a:r>
-            <a:r>
-              <a:rPr lang="en-IN" b="1" dirty="0" smtClean="0"/>
-              <a:t>Development </a:t>
-            </a:r>
-            <a:r>
-              <a:rPr lang="en-IN" b="1" dirty="0" smtClean="0"/>
-              <a:t>Environment Setup.docx.</a:t>
+              <a:t>From Scratch - Google App Engine Development Environment Setup.docx.</a:t>
             </a:r>
             <a:endParaRPr lang="en-US" b="1" dirty="0" smtClean="0"/>
           </a:p>
@@ -16118,15 +16088,7 @@
             <a:pPr algn="ctr"/>
             <a:r>
               <a:rPr lang="en-US" sz="4400" dirty="0" smtClean="0"/>
-              <a:t>Session </a:t>
-            </a:r>
-            <a:r>
-              <a:rPr lang="en-US" sz="4400" dirty="0" smtClean="0"/>
-              <a:t>4 </a:t>
-            </a:r>
-            <a:r>
-              <a:rPr lang="en-US" sz="4400" dirty="0" smtClean="0"/>
-              <a:t>– Hello World</a:t>
+              <a:t>Session 4 – Hello World</a:t>
             </a:r>
             <a:endParaRPr lang="en-IN" sz="4400" dirty="0"/>
           </a:p>
@@ -16283,15 +16245,7 @@
           <a:p>
             <a:r>
               <a:rPr lang="en-US" dirty="0" smtClean="0"/>
-              <a:t>Deploy our Application </a:t>
-            </a:r>
-            <a:r>
-              <a:rPr lang="en-US" dirty="0" smtClean="0"/>
-              <a:t>to App </a:t>
-            </a:r>
-            <a:r>
-              <a:rPr lang="en-US" dirty="0" smtClean="0"/>
-              <a:t>Engine cloud</a:t>
+              <a:t>Deploy our Application to App Engine cloud</a:t>
             </a:r>
           </a:p>
           <a:p>
@@ -16409,7 +16363,7 @@
         <p:spPr/>
         <p:txBody>
           <a:bodyPr>
-            <a:normAutofit lnSpcReduction="10000"/>
+            <a:normAutofit/>
           </a:bodyPr>
           <a:lstStyle/>
           <a:p>
@@ -16762,11 +16716,7 @@
           <a:p>
             <a:r>
               <a:rPr lang="en-US" dirty="0" smtClean="0"/>
-              <a:t>Test it out locally</a:t>
-            </a:r>
-            <a:r>
-              <a:rPr lang="en-US" dirty="0" smtClean="0"/>
-              <a:t>.</a:t>
+              <a:t>Test it out locally.</a:t>
             </a:r>
           </a:p>
           <a:p>
@@ -16878,7 +16828,7 @@
         <p:spPr/>
         <p:txBody>
           <a:bodyPr>
-            <a:normAutofit fontScale="92500" lnSpcReduction="10000"/>
+            <a:normAutofit fontScale="92500"/>
           </a:bodyPr>
           <a:lstStyle/>
           <a:p>
@@ -17172,15 +17122,7 @@
             <a:pPr algn="ctr"/>
             <a:r>
               <a:rPr lang="en-US" sz="4400" dirty="0" smtClean="0"/>
-              <a:t>Session </a:t>
-            </a:r>
-            <a:r>
-              <a:rPr lang="en-US" sz="4400" dirty="0" smtClean="0"/>
-              <a:t>5 </a:t>
-            </a:r>
-            <a:r>
-              <a:rPr lang="en-US" sz="4400" dirty="0" smtClean="0"/>
-              <a:t>– Exam Results App</a:t>
+              <a:t>Session 5 – Exam Results App</a:t>
             </a:r>
             <a:endParaRPr lang="en-IN" sz="4400" dirty="0"/>
           </a:p>
@@ -17724,15 +17666,7 @@
             <a:pPr algn="ctr"/>
             <a:r>
               <a:rPr lang="en-US" sz="4400" dirty="0" smtClean="0"/>
-              <a:t>Session </a:t>
-            </a:r>
-            <a:r>
-              <a:rPr lang="en-US" sz="4400" dirty="0" smtClean="0"/>
-              <a:t>6 </a:t>
-            </a:r>
-            <a:r>
-              <a:rPr lang="en-US" sz="4400" dirty="0" smtClean="0"/>
-              <a:t>– Code Lab</a:t>
+              <a:t>Session 6 – Code Lab</a:t>
             </a:r>
             <a:endParaRPr lang="en-IN" sz="4400" dirty="0"/>
           </a:p>
@@ -18857,19 +18791,11 @@
             <a:pPr lvl="1"/>
             <a:r>
               <a:rPr lang="en-US" dirty="0" smtClean="0"/>
-              <a:t>Go </a:t>
-            </a:r>
-            <a:r>
-              <a:rPr lang="en-US" dirty="0" smtClean="0"/>
-              <a:t>to </a:t>
+              <a:t>Go to </a:t>
             </a:r>
             <a:r>
               <a:rPr lang="en-US" b="1" dirty="0" smtClean="0"/>
-              <a:t>/</a:t>
-            </a:r>
-            <a:r>
-              <a:rPr lang="en-US" b="1" dirty="0" smtClean="0"/>
-              <a:t>hands-on-exercises/ExamResults-Step2-WebInterface.docx</a:t>
+              <a:t>/hands-on-exercises/ExamResults-Step2-WebInterface.docx</a:t>
             </a:r>
           </a:p>
           <a:p>
@@ -18886,7 +18812,6 @@
               <a:rPr lang="en-US" dirty="0" smtClean="0"/>
               <a:t> just contains an empty template app so do not use that but you can use that as a starter project for any App Engine app.</a:t>
             </a:r>
-            <a:endParaRPr lang="en-US" dirty="0" smtClean="0"/>
           </a:p>
           <a:p>
             <a:endParaRPr lang="en-US" dirty="0" smtClean="0"/>
@@ -19028,15 +18953,7 @@
             <a:pPr algn="ctr"/>
             <a:r>
               <a:rPr lang="en-US" sz="4400" dirty="0" smtClean="0"/>
-              <a:t>Session </a:t>
-            </a:r>
-            <a:r>
-              <a:rPr lang="en-US" sz="4400" dirty="0" smtClean="0"/>
-              <a:t>7 </a:t>
-            </a:r>
-            <a:r>
-              <a:rPr lang="en-US" sz="4400" dirty="0" smtClean="0"/>
-              <a:t>– Code Lab</a:t>
+              <a:t>Session 7 – Code Lab</a:t>
             </a:r>
             <a:endParaRPr lang="en-IN" sz="4400" dirty="0"/>
           </a:p>
@@ -20413,7 +20330,7 @@
         </p:spPr>
         <p:txBody>
           <a:bodyPr>
-            <a:normAutofit fontScale="92500" lnSpcReduction="10000"/>
+            <a:normAutofit fontScale="92500"/>
           </a:bodyPr>
           <a:lstStyle/>
           <a:p>
@@ -20622,15 +20539,7 @@
             <a:pPr algn="ctr"/>
             <a:r>
               <a:rPr lang="en-US" sz="4400" dirty="0" smtClean="0"/>
-              <a:t>Session </a:t>
-            </a:r>
-            <a:r>
-              <a:rPr lang="en-US" sz="4400" dirty="0" smtClean="0"/>
-              <a:t>8 </a:t>
-            </a:r>
-            <a:r>
-              <a:rPr lang="en-US" sz="4400" dirty="0" smtClean="0"/>
-              <a:t>– Code Lab</a:t>
+              <a:t>Session 8 – Code Lab</a:t>
             </a:r>
             <a:endParaRPr lang="en-IN" sz="4400" dirty="0"/>
           </a:p>
@@ -20850,7 +20759,7 @@
         <p:spPr/>
         <p:txBody>
           <a:bodyPr>
-            <a:normAutofit lnSpcReduction="10000"/>
+            <a:normAutofit/>
           </a:bodyPr>
           <a:lstStyle/>
           <a:p>
@@ -21166,7 +21075,7 @@
         <p:spPr/>
         <p:txBody>
           <a:bodyPr>
-            <a:normAutofit fontScale="92500"/>
+            <a:normAutofit lnSpcReduction="10000"/>
           </a:bodyPr>
           <a:lstStyle/>
           <a:p>
@@ -21294,7 +21203,7 @@
         <p:spPr/>
         <p:txBody>
           <a:bodyPr>
-            <a:normAutofit fontScale="92500" lnSpcReduction="10000"/>
+            <a:normAutofit lnSpcReduction="10000"/>
           </a:bodyPr>
           <a:lstStyle/>
           <a:p>
@@ -21457,11 +21366,7 @@
           <a:p>
             <a:r>
               <a:rPr lang="en-US" sz="3600" dirty="0" smtClean="0"/>
-              <a:t>Session 1 – </a:t>
-            </a:r>
-            <a:r>
-              <a:rPr lang="en-US" sz="3600" dirty="0" smtClean="0"/>
-              <a:t>Cloud Computing Overview</a:t>
+              <a:t>Session 1 – Cloud Computing Overview</a:t>
             </a:r>
             <a:endParaRPr lang="en-IN" sz="3600" dirty="0"/>
           </a:p>
@@ -21720,7 +21625,7 @@
         </p:spPr>
         <p:txBody>
           <a:bodyPr>
-            <a:normAutofit fontScale="92500" lnSpcReduction="20000"/>
+            <a:normAutofit lnSpcReduction="10000"/>
           </a:bodyPr>
           <a:lstStyle/>
           <a:p>
@@ -21913,7 +21818,7 @@
         <p:spPr/>
         <p:txBody>
           <a:bodyPr>
-            <a:normAutofit fontScale="92500" lnSpcReduction="10000"/>
+            <a:normAutofit fontScale="92500"/>
           </a:bodyPr>
           <a:lstStyle/>
           <a:p>
@@ -22895,15 +22800,7 @@
             <a:pPr algn="ctr"/>
             <a:r>
               <a:rPr lang="en-US" sz="4400" dirty="0" smtClean="0"/>
-              <a:t>Session </a:t>
-            </a:r>
-            <a:r>
-              <a:rPr lang="en-US" sz="4400" dirty="0" smtClean="0"/>
-              <a:t>9 </a:t>
-            </a:r>
-            <a:r>
-              <a:rPr lang="en-US" sz="4400" dirty="0" smtClean="0"/>
-              <a:t>– Code Lab</a:t>
+              <a:t>Session 9 – Code Lab</a:t>
             </a:r>
             <a:endParaRPr lang="en-IN" sz="4400" dirty="0"/>
           </a:p>
@@ -23129,7 +23026,7 @@
         <p:spPr/>
         <p:txBody>
           <a:bodyPr>
-            <a:normAutofit fontScale="92500" lnSpcReduction="20000"/>
+            <a:normAutofit fontScale="92500" lnSpcReduction="10000"/>
           </a:bodyPr>
           <a:lstStyle/>
           <a:p>
@@ -23293,13 +23190,8 @@
           <a:p>
             <a:r>
               <a:rPr lang="en-IN" dirty="0" smtClean="0"/>
-              <a:t>For email, the app can receive messages at </a:t>
-            </a:r>
-            <a:r>
-              <a:rPr lang="en-IN" dirty="0" smtClean="0"/>
-              <a:t>following address:</a:t>
-            </a:r>
-            <a:endParaRPr lang="en-IN" dirty="0" smtClean="0"/>
+              <a:t>For email, the app can receive messages at following address:</a:t>
+            </a:r>
           </a:p>
           <a:p>
             <a:pPr lvl="1"/>
@@ -23559,15 +23451,7 @@
             <a:pPr algn="just"/>
             <a:r>
               <a:rPr lang="en-US" sz="2800" dirty="0" smtClean="0"/>
-              <a:t>Cloud </a:t>
-            </a:r>
-            <a:r>
-              <a:rPr lang="en-US" sz="2800" dirty="0" smtClean="0"/>
-              <a:t>Computing </a:t>
-            </a:r>
-            <a:r>
-              <a:rPr lang="en-US" sz="2800" dirty="0" smtClean="0"/>
-              <a:t>is a </a:t>
+              <a:t>Cloud Computing is a </a:t>
             </a:r>
             <a:r>
               <a:rPr lang="en-US" sz="2800" b="1" dirty="0" smtClean="0">
@@ -23892,7 +23776,7 @@
         </p:spPr>
         <p:txBody>
           <a:bodyPr>
-            <a:normAutofit fontScale="92500"/>
+            <a:normAutofit lnSpcReduction="10000"/>
           </a:bodyPr>
           <a:lstStyle/>
           <a:p>
@@ -24626,7 +24510,7 @@
         <p:spPr/>
         <p:txBody>
           <a:bodyPr>
-            <a:normAutofit lnSpcReduction="10000"/>
+            <a:normAutofit/>
           </a:bodyPr>
           <a:lstStyle/>
           <a:p>
@@ -25245,15 +25129,7 @@
             <a:pPr algn="ctr"/>
             <a:r>
               <a:rPr lang="en-US" sz="4400" dirty="0" smtClean="0"/>
-              <a:t>Session </a:t>
-            </a:r>
-            <a:r>
-              <a:rPr lang="en-US" sz="4400" dirty="0" smtClean="0"/>
-              <a:t>10 </a:t>
-            </a:r>
-            <a:r>
-              <a:rPr lang="en-US" sz="4400" dirty="0" smtClean="0"/>
-              <a:t>– Code Lab</a:t>
+              <a:t>Session 10 – Code Lab</a:t>
             </a:r>
             <a:endParaRPr lang="en-IN" sz="4400" dirty="0"/>
           </a:p>
@@ -25455,7 +25331,7 @@
         <p:spPr/>
         <p:txBody>
           <a:bodyPr>
-            <a:normAutofit fontScale="92500" lnSpcReduction="20000"/>
+            <a:normAutofit fontScale="92500" lnSpcReduction="10000"/>
           </a:bodyPr>
           <a:lstStyle/>
           <a:p>
@@ -25816,7 +25692,7 @@
         <p:spPr/>
         <p:txBody>
           <a:bodyPr>
-            <a:normAutofit fontScale="92500" lnSpcReduction="10000"/>
+            <a:normAutofit lnSpcReduction="10000"/>
           </a:bodyPr>
           <a:lstStyle/>
           <a:p>
@@ -26030,7 +25906,7 @@
         </p:spPr>
         <p:txBody>
           <a:bodyPr>
-            <a:normAutofit fontScale="92500"/>
+            <a:normAutofit/>
           </a:bodyPr>
           <a:lstStyle/>
           <a:p>
@@ -26738,15 +26614,7 @@
             <a:pPr algn="ctr"/>
             <a:r>
               <a:rPr lang="en-US" sz="4400" dirty="0" smtClean="0"/>
-              <a:t>Session </a:t>
-            </a:r>
-            <a:r>
-              <a:rPr lang="en-US" sz="4400" dirty="0" smtClean="0"/>
-              <a:t>11 </a:t>
-            </a:r>
-            <a:r>
-              <a:rPr lang="en-US" sz="4400" dirty="0" smtClean="0"/>
-              <a:t>– Code Lab</a:t>
+              <a:t>Session 11 – Code Lab</a:t>
             </a:r>
             <a:endParaRPr lang="en-IN" sz="4400" dirty="0"/>
           </a:p>
@@ -27418,7 +27286,7 @@
         </p:spPr>
         <p:txBody>
           <a:bodyPr>
-            <a:normAutofit fontScale="92500"/>
+            <a:normAutofit/>
           </a:bodyPr>
           <a:lstStyle/>
           <a:p>
@@ -28032,7 +27900,6 @@
               <a:rPr lang="en-US" dirty="0" smtClean="0"/>
               <a:t> </a:t>
             </a:r>
-            <a:endParaRPr lang="en-US" dirty="0" smtClean="0"/>
           </a:p>
         </p:txBody>
       </p:sp>
@@ -28394,11 +28261,7 @@
             </a:r>
             <a:r>
               <a:rPr lang="en-US" sz="2400" dirty="0" smtClean="0"/>
-              <a:t>Gmail, </a:t>
-            </a:r>
-            <a:r>
-              <a:rPr lang="en-US" sz="2400" dirty="0" smtClean="0"/>
-              <a:t>SalesForce.com, Google Apps, Office Live</a:t>
+              <a:t>Gmail, SalesForce.com, Google Apps, Office Live</a:t>
             </a:r>
             <a:r>
               <a:rPr lang="en-US" sz="3200" dirty="0"/>
@@ -28440,11 +28303,7 @@
             </a:pPr>
             <a:r>
               <a:rPr lang="en-US" sz="2400" dirty="0" smtClean="0"/>
-              <a:t>Google </a:t>
-            </a:r>
-            <a:r>
-              <a:rPr lang="en-US" sz="2400" dirty="0" smtClean="0"/>
-              <a:t>App Engine</a:t>
+              <a:t>Google App Engine</a:t>
             </a:r>
           </a:p>
           <a:p>
@@ -28455,11 +28314,7 @@
             </a:pPr>
             <a:r>
               <a:rPr lang="en-US" sz="2400" dirty="0" smtClean="0"/>
-              <a:t>Windows </a:t>
-            </a:r>
-            <a:r>
-              <a:rPr lang="en-US" sz="2400" dirty="0" smtClean="0"/>
-              <a:t>Azure</a:t>
+              <a:t>Windows Azure</a:t>
             </a:r>
           </a:p>
           <a:p>
@@ -28544,11 +28399,7 @@
             </a:r>
             <a:r>
               <a:rPr lang="en-US" sz="2400" dirty="0" smtClean="0"/>
-              <a:t>Amazon Web Services (AWS</a:t>
-            </a:r>
-            <a:r>
-              <a:rPr lang="en-US" sz="2400" dirty="0" smtClean="0"/>
-              <a:t>), Google, Microsoft, IBM, EMC</a:t>
+              <a:t>Amazon Web Services (AWS), Google, Microsoft, IBM, EMC</a:t>
             </a:r>
             <a:r>
               <a:rPr lang="en-US" sz="3300" b="1" dirty="0"/>

--- a/Mindstorm-AppEngine-Training.pptx
+++ b/Mindstorm-AppEngine-Training.pptx
@@ -5,10 +5,10 @@
     <p:sldMasterId id="2147483660" r:id="rId1"/>
   </p:sldMasterIdLst>
   <p:notesMasterIdLst>
-    <p:notesMasterId r:id="rId81"/>
+    <p:notesMasterId r:id="rId83"/>
   </p:notesMasterIdLst>
   <p:handoutMasterIdLst>
-    <p:handoutMasterId r:id="rId82"/>
+    <p:handoutMasterId r:id="rId84"/>
   </p:handoutMasterIdLst>
   <p:sldIdLst>
     <p:sldId id="309" r:id="rId2"/>
@@ -53,43 +53,45 @@
     <p:sldId id="600" r:id="rId41"/>
     <p:sldId id="534" r:id="rId42"/>
     <p:sldId id="605" r:id="rId43"/>
-    <p:sldId id="606" r:id="rId44"/>
-    <p:sldId id="604" r:id="rId45"/>
-    <p:sldId id="535" r:id="rId46"/>
-    <p:sldId id="573" r:id="rId47"/>
-    <p:sldId id="546" r:id="rId48"/>
-    <p:sldId id="574" r:id="rId49"/>
-    <p:sldId id="577" r:id="rId50"/>
-    <p:sldId id="578" r:id="rId51"/>
-    <p:sldId id="579" r:id="rId52"/>
-    <p:sldId id="580" r:id="rId53"/>
-    <p:sldId id="581" r:id="rId54"/>
-    <p:sldId id="583" r:id="rId55"/>
-    <p:sldId id="584" r:id="rId56"/>
-    <p:sldId id="536" r:id="rId57"/>
-    <p:sldId id="539" r:id="rId58"/>
-    <p:sldId id="540" r:id="rId59"/>
-    <p:sldId id="544" r:id="rId60"/>
-    <p:sldId id="560" r:id="rId61"/>
-    <p:sldId id="542" r:id="rId62"/>
-    <p:sldId id="545" r:id="rId63"/>
-    <p:sldId id="543" r:id="rId64"/>
-    <p:sldId id="547" r:id="rId65"/>
-    <p:sldId id="552" r:id="rId66"/>
-    <p:sldId id="537" r:id="rId67"/>
-    <p:sldId id="553" r:id="rId68"/>
-    <p:sldId id="554" r:id="rId69"/>
-    <p:sldId id="555" r:id="rId70"/>
-    <p:sldId id="556" r:id="rId71"/>
-    <p:sldId id="557" r:id="rId72"/>
-    <p:sldId id="538" r:id="rId73"/>
-    <p:sldId id="548" r:id="rId74"/>
-    <p:sldId id="549" r:id="rId75"/>
-    <p:sldId id="550" r:id="rId76"/>
-    <p:sldId id="551" r:id="rId77"/>
-    <p:sldId id="561" r:id="rId78"/>
-    <p:sldId id="599" r:id="rId79"/>
-    <p:sldId id="316" r:id="rId80"/>
+    <p:sldId id="615" r:id="rId44"/>
+    <p:sldId id="617" r:id="rId45"/>
+    <p:sldId id="618" r:id="rId46"/>
+    <p:sldId id="604" r:id="rId47"/>
+    <p:sldId id="535" r:id="rId48"/>
+    <p:sldId id="573" r:id="rId49"/>
+    <p:sldId id="546" r:id="rId50"/>
+    <p:sldId id="574" r:id="rId51"/>
+    <p:sldId id="577" r:id="rId52"/>
+    <p:sldId id="578" r:id="rId53"/>
+    <p:sldId id="579" r:id="rId54"/>
+    <p:sldId id="580" r:id="rId55"/>
+    <p:sldId id="581" r:id="rId56"/>
+    <p:sldId id="583" r:id="rId57"/>
+    <p:sldId id="584" r:id="rId58"/>
+    <p:sldId id="536" r:id="rId59"/>
+    <p:sldId id="539" r:id="rId60"/>
+    <p:sldId id="540" r:id="rId61"/>
+    <p:sldId id="544" r:id="rId62"/>
+    <p:sldId id="560" r:id="rId63"/>
+    <p:sldId id="542" r:id="rId64"/>
+    <p:sldId id="545" r:id="rId65"/>
+    <p:sldId id="543" r:id="rId66"/>
+    <p:sldId id="547" r:id="rId67"/>
+    <p:sldId id="552" r:id="rId68"/>
+    <p:sldId id="537" r:id="rId69"/>
+    <p:sldId id="553" r:id="rId70"/>
+    <p:sldId id="554" r:id="rId71"/>
+    <p:sldId id="555" r:id="rId72"/>
+    <p:sldId id="556" r:id="rId73"/>
+    <p:sldId id="557" r:id="rId74"/>
+    <p:sldId id="538" r:id="rId75"/>
+    <p:sldId id="548" r:id="rId76"/>
+    <p:sldId id="549" r:id="rId77"/>
+    <p:sldId id="550" r:id="rId78"/>
+    <p:sldId id="551" r:id="rId79"/>
+    <p:sldId id="561" r:id="rId80"/>
+    <p:sldId id="599" r:id="rId81"/>
+    <p:sldId id="316" r:id="rId82"/>
   </p:sldIdLst>
   <p:sldSz cx="9144000" cy="6858000" type="screen4x3"/>
   <p:notesSz cx="6858000" cy="9144000"/>
@@ -5609,7 +5611,7 @@
             <a:fld id="{1BA51D97-022B-4480-9EC8-BE185C2D8528}" type="datetimeFigureOut">
               <a:rPr lang="en-IN" smtClean="0"/>
               <a:pPr/>
-              <a:t>17-04-2013</a:t>
+              <a:t>19-04-2013</a:t>
             </a:fld>
             <a:endParaRPr lang="en-IN"/>
           </a:p>
@@ -5771,7 +5773,7 @@
             <a:fld id="{06847785-F4B1-4B4B-8734-A11976B5384E}" type="datetimeFigureOut">
               <a:rPr lang="en-IN" smtClean="0"/>
               <a:pPr/>
-              <a:t>17-04-2013</a:t>
+              <a:t>19-04-2013</a:t>
             </a:fld>
             <a:endParaRPr lang="en-IN"/>
           </a:p>
@@ -6597,7 +6599,7 @@
             <a:fld id="{D5DBC080-8F06-40DC-9FC5-55CC87FC9076}" type="slidenum">
               <a:rPr lang="en-US" smtClean="0"/>
               <a:pPr/>
-              <a:t>45</a:t>
+              <a:t>47</a:t>
             </a:fld>
             <a:endParaRPr lang="en-US" dirty="0"/>
           </a:p>
@@ -6679,7 +6681,7 @@
             <a:fld id="{D5DBC080-8F06-40DC-9FC5-55CC87FC9076}" type="slidenum">
               <a:rPr lang="en-US" smtClean="0"/>
               <a:pPr/>
-              <a:t>56</a:t>
+              <a:t>58</a:t>
             </a:fld>
             <a:endParaRPr lang="en-US" dirty="0"/>
           </a:p>
@@ -6761,7 +6763,7 @@
             <a:fld id="{D5DBC080-8F06-40DC-9FC5-55CC87FC9076}" type="slidenum">
               <a:rPr lang="en-US" smtClean="0"/>
               <a:pPr/>
-              <a:t>66</a:t>
+              <a:t>68</a:t>
             </a:fld>
             <a:endParaRPr lang="en-US" dirty="0"/>
           </a:p>
@@ -6843,7 +6845,7 @@
             <a:fld id="{D5DBC080-8F06-40DC-9FC5-55CC87FC9076}" type="slidenum">
               <a:rPr lang="en-US" smtClean="0"/>
               <a:pPr/>
-              <a:t>72</a:t>
+              <a:t>74</a:t>
             </a:fld>
             <a:endParaRPr lang="en-US" dirty="0"/>
           </a:p>
@@ -7813,7 +7815,7 @@
             <a:fld id="{D6563E86-4730-4A25-9F15-F3F8C9FA149B}" type="datetimeFigureOut">
               <a:rPr lang="en-IN" smtClean="0"/>
               <a:pPr/>
-              <a:t>17-04-2013</a:t>
+              <a:t>19-04-2013</a:t>
             </a:fld>
             <a:endParaRPr lang="en-IN"/>
           </a:p>
@@ -8223,7 +8225,7 @@
             <a:fld id="{D6563E86-4730-4A25-9F15-F3F8C9FA149B}" type="datetimeFigureOut">
               <a:rPr lang="en-IN" smtClean="0"/>
               <a:pPr/>
-              <a:t>17-04-2013</a:t>
+              <a:t>19-04-2013</a:t>
             </a:fld>
             <a:endParaRPr lang="en-IN"/>
           </a:p>
@@ -8410,7 +8412,7 @@
             <a:fld id="{D6563E86-4730-4A25-9F15-F3F8C9FA149B}" type="datetimeFigureOut">
               <a:rPr lang="en-IN" smtClean="0"/>
               <a:pPr/>
-              <a:t>17-04-2013</a:t>
+              <a:t>19-04-2013</a:t>
             </a:fld>
             <a:endParaRPr lang="en-IN"/>
           </a:p>
@@ -8675,7 +8677,7 @@
             <a:fld id="{D6563E86-4730-4A25-9F15-F3F8C9FA149B}" type="datetimeFigureOut">
               <a:rPr lang="en-IN" smtClean="0"/>
               <a:pPr/>
-              <a:t>17-04-2013</a:t>
+              <a:t>19-04-2013</a:t>
             </a:fld>
             <a:endParaRPr lang="en-IN"/>
           </a:p>
@@ -9103,7 +9105,7 @@
             <a:fld id="{D6563E86-4730-4A25-9F15-F3F8C9FA149B}" type="datetimeFigureOut">
               <a:rPr lang="en-IN" smtClean="0"/>
               <a:pPr/>
-              <a:t>17-04-2013</a:t>
+              <a:t>19-04-2013</a:t>
             </a:fld>
             <a:endParaRPr lang="en-IN"/>
           </a:p>
@@ -9347,7 +9349,7 @@
             <a:fld id="{D6563E86-4730-4A25-9F15-F3F8C9FA149B}" type="datetimeFigureOut">
               <a:rPr lang="en-IN" smtClean="0"/>
               <a:pPr/>
-              <a:t>17-04-2013</a:t>
+              <a:t>19-04-2013</a:t>
             </a:fld>
             <a:endParaRPr lang="en-IN"/>
           </a:p>
@@ -9585,7 +9587,7 @@
             <a:fld id="{D6563E86-4730-4A25-9F15-F3F8C9FA149B}" type="datetimeFigureOut">
               <a:rPr lang="en-IN" smtClean="0"/>
               <a:pPr/>
-              <a:t>17-04-2013</a:t>
+              <a:t>19-04-2013</a:t>
             </a:fld>
             <a:endParaRPr lang="en-IN"/>
           </a:p>
@@ -9782,7 +9784,7 @@
             <a:fld id="{D6563E86-4730-4A25-9F15-F3F8C9FA149B}" type="datetimeFigureOut">
               <a:rPr lang="en-IN" smtClean="0"/>
               <a:pPr/>
-              <a:t>17-04-2013</a:t>
+              <a:t>19-04-2013</a:t>
             </a:fld>
             <a:endParaRPr lang="en-IN"/>
           </a:p>
@@ -9882,7 +9884,7 @@
             <a:fld id="{D6563E86-4730-4A25-9F15-F3F8C9FA149B}" type="datetimeFigureOut">
               <a:rPr lang="en-IN" smtClean="0"/>
               <a:pPr/>
-              <a:t>17-04-2013</a:t>
+              <a:t>19-04-2013</a:t>
             </a:fld>
             <a:endParaRPr lang="en-IN"/>
           </a:p>
@@ -10020,7 +10022,7 @@
             <a:fld id="{D6563E86-4730-4A25-9F15-F3F8C9FA149B}" type="datetimeFigureOut">
               <a:rPr lang="en-IN" smtClean="0"/>
               <a:pPr/>
-              <a:t>17-04-2013</a:t>
+              <a:t>19-04-2013</a:t>
             </a:fld>
             <a:endParaRPr lang="en-IN"/>
           </a:p>
@@ -10540,7 +10542,7 @@
             <a:fld id="{D6563E86-4730-4A25-9F15-F3F8C9FA149B}" type="datetimeFigureOut">
               <a:rPr lang="en-IN" smtClean="0"/>
               <a:pPr/>
-              <a:t>17-04-2013</a:t>
+              <a:t>19-04-2013</a:t>
             </a:fld>
             <a:endParaRPr lang="en-IN"/>
           </a:p>
@@ -10803,7 +10805,7 @@
             <a:fld id="{D6563E86-4730-4A25-9F15-F3F8C9FA149B}" type="datetimeFigureOut">
               <a:rPr lang="en-IN" smtClean="0"/>
               <a:pPr/>
-              <a:t>17-04-2013</a:t>
+              <a:t>19-04-2013</a:t>
             </a:fld>
             <a:endParaRPr lang="en-IN"/>
           </a:p>
@@ -12333,7 +12335,7 @@
         <p:spPr/>
         <p:txBody>
           <a:bodyPr>
-            <a:normAutofit/>
+            <a:normAutofit lnSpcReduction="10000"/>
           </a:bodyPr>
           <a:lstStyle/>
           <a:p>
@@ -12495,7 +12497,7 @@
         </p:spPr>
         <p:txBody>
           <a:bodyPr>
-            <a:normAutofit/>
+            <a:normAutofit fontScale="92500"/>
           </a:bodyPr>
           <a:lstStyle/>
           <a:p>
@@ -12732,7 +12734,7 @@
         <p:spPr/>
         <p:txBody>
           <a:bodyPr>
-            <a:normAutofit fontScale="92500"/>
+            <a:normAutofit fontScale="92500" lnSpcReduction="10000"/>
           </a:bodyPr>
           <a:lstStyle/>
           <a:p>
@@ -15591,7 +15593,9 @@
         </p:nvSpPr>
         <p:spPr/>
         <p:txBody>
-          <a:bodyPr/>
+          <a:bodyPr>
+            <a:normAutofit/>
+          </a:bodyPr>
           <a:lstStyle/>
           <a:p>
             <a:r>
@@ -15610,8 +15614,13 @@
             <a:pPr lvl="1"/>
             <a:r>
               <a:rPr lang="en-US" dirty="0" smtClean="0"/>
-              <a:t>App Engine SDK (Latest version is 1.7.7)</a:t>
-            </a:r>
+              <a:t>App Engine SDK (Latest version is </a:t>
+            </a:r>
+            <a:r>
+              <a:rPr lang="en-US" dirty="0" smtClean="0"/>
+              <a:t>1.7.7.1)</a:t>
+            </a:r>
+            <a:endParaRPr lang="en-US" dirty="0" smtClean="0"/>
           </a:p>
           <a:p>
             <a:pPr lvl="1"/>
@@ -15632,7 +15641,24 @@
             </a:r>
             <a:r>
               <a:rPr lang="en-US" dirty="0" smtClean="0"/>
-              <a:t> for Eclipse Juno</a:t>
+              <a:t> for Eclipse </a:t>
+            </a:r>
+            <a:r>
+              <a:rPr lang="en-US" dirty="0" smtClean="0"/>
+              <a:t>Juno</a:t>
+            </a:r>
+          </a:p>
+          <a:p>
+            <a:pPr lvl="1"/>
+            <a:endParaRPr lang="en-US" dirty="0" smtClean="0"/>
+          </a:p>
+          <a:p>
+            <a:pPr lvl="1">
+              <a:buNone/>
+            </a:pPr>
+            <a:r>
+              <a:rPr lang="en-US" dirty="0" smtClean="0"/>
+              <a:t>   </a:t>
             </a:r>
             <a:endParaRPr lang="en-IN" dirty="0"/>
           </a:p>
@@ -15666,6 +15692,62 @@
               <a:t>24</a:t>
             </a:fld>
             <a:endParaRPr lang="en-US" dirty="0"/>
+          </a:p>
+        </p:txBody>
+      </p:sp>
+      <p:sp>
+        <p:nvSpPr>
+          <p:cNvPr id="5" name="Rectangle 4"/>
+          <p:cNvSpPr/>
+          <p:nvPr/>
+        </p:nvSpPr>
+        <p:spPr>
+          <a:xfrm>
+            <a:off x="685800" y="4895671"/>
+            <a:ext cx="8153400" cy="892552"/>
+          </a:xfrm>
+          <a:prstGeom prst="rect">
+            <a:avLst/>
+          </a:prstGeom>
+          <a:solidFill>
+            <a:srgbClr val="C00000"/>
+          </a:solidFill>
+        </p:spPr>
+        <p:txBody>
+          <a:bodyPr wrap="square">
+            <a:spAutoFit/>
+          </a:bodyPr>
+          <a:lstStyle/>
+          <a:p>
+            <a:pPr lvl="1">
+              <a:buNone/>
+            </a:pPr>
+            <a:r>
+              <a:rPr lang="en-US" dirty="0" smtClean="0"/>
+              <a:t>Note: 1.7.7 has a bug in uploading the application,</a:t>
+            </a:r>
+            <a:br>
+              <a:rPr lang="en-US" dirty="0" smtClean="0"/>
+            </a:br>
+            <a:r>
+              <a:rPr lang="en-US" dirty="0" smtClean="0"/>
+              <a:t>hence you may need to download 1.7.7.1 </a:t>
+            </a:r>
+            <a:r>
+              <a:rPr lang="en-US" sz="1600" dirty="0" smtClean="0"/>
+              <a:t>(</a:t>
+            </a:r>
+            <a:r>
+              <a:rPr lang="en-US" sz="1600" dirty="0" smtClean="0">
+                <a:hlinkClick r:id="rId2"/>
+              </a:rPr>
+              <a:t>http://googleappengine.googlecode.com/files/appengine-java-sdk-1.7.7.1.zip</a:t>
+            </a:r>
+            <a:r>
+              <a:rPr lang="en-US" sz="1600" dirty="0" smtClean="0"/>
+              <a:t>) </a:t>
+            </a:r>
+            <a:endParaRPr lang="en-IN" dirty="0"/>
           </a:p>
         </p:txBody>
       </p:sp>
@@ -16363,7 +16445,7 @@
         <p:spPr/>
         <p:txBody>
           <a:bodyPr>
-            <a:normAutofit/>
+            <a:normAutofit lnSpcReduction="10000"/>
           </a:bodyPr>
           <a:lstStyle/>
           <a:p>
@@ -16828,7 +16910,7 @@
         <p:spPr/>
         <p:txBody>
           <a:bodyPr>
-            <a:normAutofit fontScale="92500"/>
+            <a:normAutofit fontScale="92500" lnSpcReduction="10000"/>
           </a:bodyPr>
           <a:lstStyle/>
           <a:p>
@@ -19149,14 +19231,45 @@
         <p:spPr/>
         <p:txBody>
           <a:bodyPr>
-            <a:normAutofit fontScale="92500" lnSpcReduction="10000"/>
+            <a:normAutofit/>
           </a:bodyPr>
           <a:lstStyle/>
           <a:p>
             <a:r>
               <a:rPr lang="en-US" dirty="0" smtClean="0"/>
-              <a:t>App Engine provides a highly scalable option for persisting your data</a:t>
-            </a:r>
+              <a:t>App Engine provides a highly scalable option for persisting your </a:t>
+            </a:r>
+            <a:r>
+              <a:rPr lang="en-US" dirty="0" smtClean="0"/>
+              <a:t>data</a:t>
+            </a:r>
+          </a:p>
+          <a:p>
+            <a:r>
+              <a:rPr lang="en-US" dirty="0" smtClean="0"/>
+              <a:t>App Engine provides </a:t>
+            </a:r>
+            <a:r>
+              <a:rPr lang="en-US" dirty="0" err="1" smtClean="0"/>
+              <a:t>NoSQL</a:t>
+            </a:r>
+            <a:r>
+              <a:rPr lang="en-US" dirty="0" smtClean="0"/>
+              <a:t> </a:t>
+            </a:r>
+            <a:r>
+              <a:rPr lang="en-US" dirty="0" err="1" smtClean="0"/>
+              <a:t>schemaless</a:t>
+            </a:r>
+            <a:r>
+              <a:rPr lang="en-US" dirty="0" smtClean="0"/>
+              <a:t> </a:t>
+            </a:r>
+            <a:r>
+              <a:rPr lang="en-US" dirty="0" smtClean="0"/>
+              <a:t>object store.</a:t>
+            </a:r>
+            <a:endParaRPr lang="en-US" dirty="0" smtClean="0"/>
           </a:p>
           <a:p>
             <a:r>
@@ -19208,42 +19321,8 @@
           </a:p>
           <a:p>
             <a:r>
-              <a:rPr lang="en-IN" dirty="0" smtClean="0"/>
-              <a:t>The </a:t>
-            </a:r>
-            <a:r>
-              <a:rPr lang="en-IN" dirty="0" err="1" smtClean="0"/>
-              <a:t>datastore</a:t>
-            </a:r>
-            <a:r>
-              <a:rPr lang="en-IN" dirty="0" smtClean="0"/>
-              <a:t> supports two standard Java interfaces: </a:t>
-            </a:r>
-            <a:r>
-              <a:rPr lang="en-IN" u="sng" dirty="0" smtClean="0">
-                <a:hlinkClick r:id="rId2"/>
-              </a:rPr>
-              <a:t>Java Data Objects</a:t>
-            </a:r>
-            <a:r>
-              <a:rPr lang="en-IN" dirty="0" smtClean="0"/>
-              <a:t> (JDO) 2.3 and </a:t>
-            </a:r>
-            <a:r>
-              <a:rPr lang="en-IN" u="sng" dirty="0" smtClean="0">
-                <a:hlinkClick r:id="rId3"/>
-              </a:rPr>
-              <a:t>Java Persistence API</a:t>
-            </a:r>
-            <a:r>
-              <a:rPr lang="en-IN" dirty="0" smtClean="0"/>
-              <a:t> (JPA) 1.0</a:t>
-            </a:r>
-          </a:p>
-          <a:p>
-            <a:r>
-              <a:rPr lang="en-US" dirty="0" smtClean="0"/>
-              <a:t>Various 3</a:t>
+              <a:rPr lang="en-US" dirty="0" smtClean="0"/>
+              <a:t>JDO, JPA and other 3</a:t>
             </a:r>
             <a:r>
               <a:rPr lang="en-US" baseline="30000" dirty="0" smtClean="0"/>
@@ -19251,9 +19330,40 @@
             </a:r>
             <a:r>
               <a:rPr lang="en-US" dirty="0" smtClean="0"/>
-              <a:t> party libraries also exist to make life easier. E.g. Objectify</a:t>
-            </a:r>
-            <a:endParaRPr lang="en-IN" dirty="0"/>
+              <a:t> party libraries (Objectify)</a:t>
+            </a:r>
+            <a:endParaRPr lang="en-US" dirty="0" smtClean="0"/>
+          </a:p>
+        </p:txBody>
+      </p:sp>
+      <p:sp>
+        <p:nvSpPr>
+          <p:cNvPr id="4" name="Slide Number Placeholder 4"/>
+          <p:cNvSpPr>
+            <a:spLocks noGrp="1"/>
+          </p:cNvSpPr>
+          <p:nvPr>
+            <p:ph type="sldNum" sz="quarter" idx="12"/>
+          </p:nvPr>
+        </p:nvSpPr>
+        <p:spPr>
+          <a:xfrm>
+            <a:off x="0" y="1279524"/>
+            <a:ext cx="533400" cy="244476"/>
+          </a:xfrm>
+        </p:spPr>
+        <p:txBody>
+          <a:bodyPr>
+            <a:normAutofit fontScale="85000" lnSpcReduction="20000"/>
+          </a:bodyPr>
+          <a:lstStyle/>
+          <a:p>
+            <a:fld id="{F2BF1754-4D2F-46D8-A35A-EF7FA01DA8F5}" type="slidenum">
+              <a:rPr lang="en-US" smtClean="0"/>
+              <a:pPr/>
+              <a:t>42</a:t>
+            </a:fld>
+            <a:endParaRPr lang="en-US" dirty="0"/>
           </a:p>
         </p:txBody>
       </p:sp>
@@ -19306,14 +19416,14 @@
           <a:p>
             <a:pPr algn="ctr"/>
             <a:r>
-              <a:rPr lang="en-US" dirty="0" smtClean="0"/>
-              <a:t>App Engine </a:t>
-            </a:r>
-            <a:r>
               <a:rPr lang="en-US" dirty="0" err="1" smtClean="0"/>
-              <a:t>Datastore</a:t>
-            </a:r>
-            <a:endParaRPr lang="en-IN" dirty="0"/>
+              <a:t>Modelling</a:t>
+            </a:r>
+            <a:r>
+              <a:rPr lang="en-US" dirty="0" smtClean="0"/>
+              <a:t> an Entity</a:t>
+            </a:r>
+            <a:endParaRPr lang="en-US" dirty="0"/>
           </a:p>
         </p:txBody>
       </p:sp>
@@ -19325,934 +19435,93 @@
           </p:cNvSpPr>
           <p:nvPr>
             <p:ph sz="quarter" idx="1"/>
+          </p:nvPr>
+        </p:nvSpPr>
+        <p:spPr/>
+        <p:txBody>
+          <a:bodyPr/>
+          <a:lstStyle/>
+          <a:p>
+            <a:r>
+              <a:rPr lang="en-US" dirty="0" smtClean="0"/>
+              <a:t>Every data object is known as </a:t>
+            </a:r>
+            <a:r>
+              <a:rPr lang="en-US" b="1" i="1" dirty="0" smtClean="0"/>
+              <a:t>Entity</a:t>
+            </a:r>
+          </a:p>
+          <a:p>
+            <a:r>
+              <a:rPr lang="en-US" dirty="0" smtClean="0"/>
+              <a:t>Entities do not have columns, they have one </a:t>
+            </a:r>
+            <a:r>
+              <a:rPr lang="en-US" dirty="0" smtClean="0"/>
+              <a:t>or more </a:t>
+            </a:r>
+            <a:r>
+              <a:rPr lang="en-US" b="1" i="1" dirty="0" smtClean="0"/>
+              <a:t>properties</a:t>
+            </a:r>
+          </a:p>
+          <a:p>
+            <a:r>
+              <a:rPr lang="en-US" dirty="0" smtClean="0"/>
+              <a:t>A property can be one of several types: String, Integer, etc.</a:t>
+            </a:r>
+          </a:p>
+          <a:p>
+            <a:r>
+              <a:rPr lang="en-US" dirty="0" smtClean="0"/>
+              <a:t>Each entity is identified by its Kind &amp; Key</a:t>
+            </a:r>
+          </a:p>
+          <a:p>
+            <a:pPr lvl="1"/>
+            <a:r>
+              <a:rPr lang="en-US" dirty="0" smtClean="0"/>
+              <a:t>Kind : Categorization</a:t>
+            </a:r>
+          </a:p>
+          <a:p>
+            <a:pPr lvl="1"/>
+            <a:r>
+              <a:rPr lang="en-US" dirty="0" smtClean="0"/>
+              <a:t>Key : Unique value</a:t>
+            </a:r>
+            <a:endParaRPr lang="en-US" dirty="0"/>
+          </a:p>
+        </p:txBody>
+      </p:sp>
+      <p:sp>
+        <p:nvSpPr>
+          <p:cNvPr id="4" name="Slide Number Placeholder 4"/>
+          <p:cNvSpPr>
+            <a:spLocks noGrp="1"/>
+          </p:cNvSpPr>
+          <p:nvPr>
+            <p:ph type="sldNum" sz="quarter" idx="12"/>
           </p:nvPr>
         </p:nvSpPr>
         <p:spPr>
           <a:xfrm>
-            <a:off x="612648" y="1600200"/>
-            <a:ext cx="8153400" cy="990600"/>
+            <a:off x="0" y="1279524"/>
+            <a:ext cx="533400" cy="244476"/>
           </a:xfrm>
         </p:spPr>
         <p:txBody>
-          <a:bodyPr/>
-          <a:lstStyle/>
-          <a:p>
-            <a:r>
-              <a:rPr lang="en-US" dirty="0" smtClean="0"/>
-              <a:t>We shall use JDO Annotations to setup an Entity class to be persistent ready</a:t>
-            </a:r>
-          </a:p>
-          <a:p>
-            <a:endParaRPr lang="en-IN" dirty="0"/>
-          </a:p>
-        </p:txBody>
-      </p:sp>
-      <p:sp>
-        <p:nvSpPr>
-          <p:cNvPr id="108545" name="Rectangle 1"/>
-          <p:cNvSpPr>
-            <a:spLocks noChangeArrowheads="1"/>
-          </p:cNvSpPr>
-          <p:nvPr/>
-        </p:nvSpPr>
-        <p:spPr bwMode="auto">
-          <a:xfrm>
-            <a:off x="1066800" y="2908281"/>
-            <a:ext cx="7315200" cy="3046988"/>
-          </a:xfrm>
-          <a:prstGeom prst="rect">
-            <a:avLst/>
-          </a:prstGeom>
-          <a:solidFill>
-            <a:srgbClr val="EEECE1"/>
-          </a:solidFill>
-          <a:ln w="9525">
-            <a:noFill/>
-            <a:miter lim="800000"/>
-            <a:headEnd/>
-            <a:tailEnd/>
-          </a:ln>
-          <a:effectLst/>
-        </p:spPr>
-        <p:txBody>
-          <a:bodyPr vert="horz" wrap="square" lIns="91440" tIns="45720" rIns="91440" bIns="45720" numCol="1" anchor="ctr" anchorCtr="0" compatLnSpc="1">
-            <a:prstTxWarp prst="textNoShape">
-              <a:avLst/>
-            </a:prstTxWarp>
-            <a:spAutoFit/>
+          <a:bodyPr>
+            <a:normAutofit fontScale="85000" lnSpcReduction="20000"/>
           </a:bodyPr>
           <a:lstStyle/>
           <a:p>
-            <a:pPr marL="0" marR="0" lvl="0" indent="0" algn="l" defTabSz="914400" rtl="0" eaLnBrk="1" fontAlgn="base" latinLnBrk="0" hangingPunct="1">
-              <a:lnSpc>
-                <a:spcPct val="100000"/>
-              </a:lnSpc>
-              <a:spcBef>
-                <a:spcPct val="0"/>
-              </a:spcBef>
-              <a:spcAft>
-                <a:spcPct val="0"/>
-              </a:spcAft>
-              <a:buClrTx/>
-              <a:buSzTx/>
-              <a:buFontTx/>
-              <a:buNone/>
-              <a:tabLst/>
-            </a:pPr>
-            <a:r>
-              <a:rPr kumimoji="0" lang="en-US" sz="1600" b="0" i="0" u="none" strike="noStrike" cap="none" normalizeH="0" baseline="0" dirty="0" smtClean="0">
-                <a:ln>
-                  <a:noFill/>
-                </a:ln>
-                <a:solidFill>
-                  <a:srgbClr val="646464"/>
-                </a:solidFill>
-                <a:effectLst/>
-                <a:latin typeface="Consolas" pitchFamily="49" charset="0"/>
-                <a:ea typeface="Calibri" pitchFamily="34" charset="0"/>
-                <a:cs typeface="Consolas" pitchFamily="49" charset="0"/>
-              </a:rPr>
-              <a:t>@</a:t>
-            </a:r>
-            <a:r>
-              <a:rPr kumimoji="0" lang="en-US" sz="1600" b="0" i="0" u="none" strike="noStrike" cap="none" normalizeH="0" baseline="0" dirty="0" err="1" smtClean="0">
-                <a:ln>
-                  <a:noFill/>
-                </a:ln>
-                <a:solidFill>
-                  <a:srgbClr val="646464"/>
-                </a:solidFill>
-                <a:effectLst/>
-                <a:latin typeface="Consolas" pitchFamily="49" charset="0"/>
-                <a:ea typeface="Calibri" pitchFamily="34" charset="0"/>
-                <a:cs typeface="Consolas" pitchFamily="49" charset="0"/>
-              </a:rPr>
-              <a:t>PersistenceCapable</a:t>
-            </a:r>
-            <a:endParaRPr kumimoji="0" lang="en-US" sz="1200" b="0" i="0" u="none" strike="noStrike" cap="none" normalizeH="0" baseline="0" dirty="0" smtClean="0">
-              <a:ln>
-                <a:noFill/>
-              </a:ln>
-              <a:solidFill>
-                <a:schemeClr val="tx1"/>
-              </a:solidFill>
-              <a:effectLst/>
-              <a:latin typeface="Arial" pitchFamily="34" charset="0"/>
-              <a:cs typeface="Arial" pitchFamily="34" charset="0"/>
-            </a:endParaRPr>
-          </a:p>
-          <a:p>
-            <a:pPr marL="0" marR="0" lvl="0" indent="0" algn="l" defTabSz="914400" rtl="0" eaLnBrk="0" fontAlgn="base" latinLnBrk="0" hangingPunct="0">
-              <a:lnSpc>
-                <a:spcPct val="100000"/>
-              </a:lnSpc>
-              <a:spcBef>
-                <a:spcPct val="0"/>
-              </a:spcBef>
-              <a:spcAft>
-                <a:spcPct val="0"/>
-              </a:spcAft>
-              <a:buClrTx/>
-              <a:buSzTx/>
-              <a:buFontTx/>
-              <a:buNone/>
-              <a:tabLst/>
-            </a:pPr>
-            <a:r>
-              <a:rPr kumimoji="0" lang="en-US" sz="1600" b="1" i="0" u="none" strike="noStrike" cap="none" normalizeH="0" baseline="0" dirty="0" smtClean="0">
-                <a:ln>
-                  <a:noFill/>
-                </a:ln>
-                <a:solidFill>
-                  <a:srgbClr val="7F0055"/>
-                </a:solidFill>
-                <a:effectLst/>
-                <a:latin typeface="Consolas" pitchFamily="49" charset="0"/>
-                <a:ea typeface="Calibri" pitchFamily="34" charset="0"/>
-                <a:cs typeface="Consolas" pitchFamily="49" charset="0"/>
-              </a:rPr>
-              <a:t>public</a:t>
-            </a:r>
-            <a:r>
-              <a:rPr kumimoji="0" lang="en-US" sz="1600" b="0" i="0" u="none" strike="noStrike" cap="none" normalizeH="0" baseline="0" dirty="0" smtClean="0">
-                <a:ln>
-                  <a:noFill/>
-                </a:ln>
-                <a:solidFill>
-                  <a:srgbClr val="000000"/>
-                </a:solidFill>
-                <a:effectLst/>
-                <a:latin typeface="Consolas" pitchFamily="49" charset="0"/>
-                <a:ea typeface="Calibri" pitchFamily="34" charset="0"/>
-                <a:cs typeface="Consolas" pitchFamily="49" charset="0"/>
-              </a:rPr>
-              <a:t> </a:t>
-            </a:r>
-            <a:r>
-              <a:rPr kumimoji="0" lang="en-US" sz="1600" b="1" i="0" u="none" strike="noStrike" cap="none" normalizeH="0" baseline="0" dirty="0" smtClean="0">
-                <a:ln>
-                  <a:noFill/>
-                </a:ln>
-                <a:solidFill>
-                  <a:srgbClr val="7F0055"/>
-                </a:solidFill>
-                <a:effectLst/>
-                <a:latin typeface="Consolas" pitchFamily="49" charset="0"/>
-                <a:ea typeface="Calibri" pitchFamily="34" charset="0"/>
-                <a:cs typeface="Consolas" pitchFamily="49" charset="0"/>
-              </a:rPr>
-              <a:t>class</a:t>
-            </a:r>
-            <a:r>
-              <a:rPr kumimoji="0" lang="en-US" sz="1600" b="0" i="0" u="none" strike="noStrike" cap="none" normalizeH="0" baseline="0" dirty="0" smtClean="0">
-                <a:ln>
-                  <a:noFill/>
-                </a:ln>
-                <a:solidFill>
-                  <a:srgbClr val="000000"/>
-                </a:solidFill>
-                <a:effectLst/>
-                <a:latin typeface="Consolas" pitchFamily="49" charset="0"/>
-                <a:ea typeface="Calibri" pitchFamily="34" charset="0"/>
-                <a:cs typeface="Consolas" pitchFamily="49" charset="0"/>
-              </a:rPr>
-              <a:t> </a:t>
-            </a:r>
-            <a:r>
-              <a:rPr kumimoji="0" lang="en-US" sz="1600" b="0" i="0" u="sng" strike="noStrike" cap="none" normalizeH="0" baseline="0" dirty="0" err="1" smtClean="0">
-                <a:ln>
-                  <a:noFill/>
-                </a:ln>
-                <a:solidFill>
-                  <a:srgbClr val="000000"/>
-                </a:solidFill>
-                <a:effectLst/>
-                <a:latin typeface="Consolas" pitchFamily="49" charset="0"/>
-                <a:ea typeface="Calibri" pitchFamily="34" charset="0"/>
-                <a:cs typeface="Consolas" pitchFamily="49" charset="0"/>
-              </a:rPr>
-              <a:t>ExamResult</a:t>
-            </a:r>
-            <a:r>
-              <a:rPr kumimoji="0" lang="en-US" sz="1600" b="0" i="0" u="none" strike="noStrike" cap="none" normalizeH="0" baseline="0" dirty="0" smtClean="0">
-                <a:ln>
-                  <a:noFill/>
-                </a:ln>
-                <a:solidFill>
-                  <a:srgbClr val="000000"/>
-                </a:solidFill>
-                <a:effectLst/>
-                <a:latin typeface="Consolas" pitchFamily="49" charset="0"/>
-                <a:ea typeface="Calibri" pitchFamily="34" charset="0"/>
-                <a:cs typeface="Consolas" pitchFamily="49" charset="0"/>
-              </a:rPr>
-              <a:t> </a:t>
-            </a:r>
-            <a:r>
-              <a:rPr kumimoji="0" lang="en-US" sz="1600" b="1" i="0" u="none" strike="noStrike" cap="none" normalizeH="0" baseline="0" dirty="0" smtClean="0">
-                <a:ln>
-                  <a:noFill/>
-                </a:ln>
-                <a:solidFill>
-                  <a:srgbClr val="7F0055"/>
-                </a:solidFill>
-                <a:effectLst/>
-                <a:latin typeface="Consolas" pitchFamily="49" charset="0"/>
-                <a:ea typeface="Calibri" pitchFamily="34" charset="0"/>
-                <a:cs typeface="Consolas" pitchFamily="49" charset="0"/>
-              </a:rPr>
-              <a:t>implements</a:t>
-            </a:r>
-            <a:r>
-              <a:rPr kumimoji="0" lang="en-US" sz="1600" b="0" i="0" u="none" strike="noStrike" cap="none" normalizeH="0" baseline="0" dirty="0" smtClean="0">
-                <a:ln>
-                  <a:noFill/>
-                </a:ln>
-                <a:solidFill>
-                  <a:srgbClr val="000000"/>
-                </a:solidFill>
-                <a:effectLst/>
-                <a:latin typeface="Consolas" pitchFamily="49" charset="0"/>
-                <a:ea typeface="Calibri" pitchFamily="34" charset="0"/>
-                <a:cs typeface="Consolas" pitchFamily="49" charset="0"/>
-              </a:rPr>
-              <a:t> </a:t>
-            </a:r>
-            <a:r>
-              <a:rPr kumimoji="0" lang="en-US" sz="1600" b="0" i="0" u="none" strike="noStrike" cap="none" normalizeH="0" baseline="0" dirty="0" err="1" smtClean="0">
-                <a:ln>
-                  <a:noFill/>
-                </a:ln>
-                <a:solidFill>
-                  <a:srgbClr val="000000"/>
-                </a:solidFill>
-                <a:effectLst/>
-                <a:latin typeface="Consolas" pitchFamily="49" charset="0"/>
-                <a:ea typeface="Calibri" pitchFamily="34" charset="0"/>
-                <a:cs typeface="Consolas" pitchFamily="49" charset="0"/>
-              </a:rPr>
-              <a:t>Serializable</a:t>
-            </a:r>
-            <a:r>
-              <a:rPr kumimoji="0" lang="en-US" sz="1600" b="0" i="0" u="none" strike="noStrike" cap="none" normalizeH="0" baseline="0" dirty="0" smtClean="0">
-                <a:ln>
-                  <a:noFill/>
-                </a:ln>
-                <a:solidFill>
-                  <a:srgbClr val="000000"/>
-                </a:solidFill>
-                <a:effectLst/>
-                <a:latin typeface="Consolas" pitchFamily="49" charset="0"/>
-                <a:ea typeface="Calibri" pitchFamily="34" charset="0"/>
-                <a:cs typeface="Consolas" pitchFamily="49" charset="0"/>
-              </a:rPr>
-              <a:t> {</a:t>
-            </a:r>
-            <a:endParaRPr kumimoji="0" lang="en-US" sz="1200" b="0" i="0" u="none" strike="noStrike" cap="none" normalizeH="0" baseline="0" dirty="0" smtClean="0">
-              <a:ln>
-                <a:noFill/>
-              </a:ln>
-              <a:solidFill>
-                <a:schemeClr val="tx1"/>
-              </a:solidFill>
-              <a:effectLst/>
-              <a:latin typeface="Arial" pitchFamily="34" charset="0"/>
-              <a:cs typeface="Arial" pitchFamily="34" charset="0"/>
-            </a:endParaRPr>
-          </a:p>
-          <a:p>
-            <a:pPr marL="0" marR="0" lvl="0" indent="0" algn="l" defTabSz="914400" rtl="0" eaLnBrk="0" fontAlgn="base" latinLnBrk="0" hangingPunct="0">
-              <a:lnSpc>
-                <a:spcPct val="100000"/>
-              </a:lnSpc>
-              <a:spcBef>
-                <a:spcPct val="0"/>
-              </a:spcBef>
-              <a:spcAft>
-                <a:spcPct val="0"/>
-              </a:spcAft>
-              <a:buClrTx/>
-              <a:buSzTx/>
-              <a:buFontTx/>
-              <a:buNone/>
-              <a:tabLst/>
-            </a:pPr>
-            <a:r>
-              <a:rPr kumimoji="0" lang="en-US" sz="1600" b="0" i="0" u="none" strike="noStrike" cap="none" normalizeH="0" baseline="0" dirty="0" smtClean="0">
-                <a:ln>
-                  <a:noFill/>
-                </a:ln>
-                <a:solidFill>
-                  <a:srgbClr val="000000"/>
-                </a:solidFill>
-                <a:effectLst/>
-                <a:latin typeface="Consolas" pitchFamily="49" charset="0"/>
-                <a:ea typeface="Calibri" pitchFamily="34" charset="0"/>
-                <a:cs typeface="Consolas" pitchFamily="49" charset="0"/>
-              </a:rPr>
-              <a:t>	</a:t>
-            </a:r>
-            <a:endParaRPr kumimoji="0" lang="en-US" sz="1200" b="0" i="0" u="none" strike="noStrike" cap="none" normalizeH="0" baseline="0" dirty="0" smtClean="0">
-              <a:ln>
-                <a:noFill/>
-              </a:ln>
-              <a:solidFill>
-                <a:schemeClr val="tx1"/>
-              </a:solidFill>
-              <a:effectLst/>
-              <a:latin typeface="Arial" pitchFamily="34" charset="0"/>
-              <a:cs typeface="Arial" pitchFamily="34" charset="0"/>
-            </a:endParaRPr>
-          </a:p>
-          <a:p>
-            <a:pPr marL="0" marR="0" lvl="0" indent="0" algn="l" defTabSz="914400" rtl="0" eaLnBrk="0" fontAlgn="base" latinLnBrk="0" hangingPunct="0">
-              <a:lnSpc>
-                <a:spcPct val="100000"/>
-              </a:lnSpc>
-              <a:spcBef>
-                <a:spcPct val="0"/>
-              </a:spcBef>
-              <a:spcAft>
-                <a:spcPct val="0"/>
-              </a:spcAft>
-              <a:buClrTx/>
-              <a:buSzTx/>
-              <a:buFontTx/>
-              <a:buNone/>
-              <a:tabLst/>
-            </a:pPr>
-            <a:r>
-              <a:rPr kumimoji="0" lang="en-US" sz="1600" b="0" i="0" u="none" strike="noStrike" cap="none" normalizeH="0" baseline="0" dirty="0" smtClean="0">
-                <a:ln>
-                  <a:noFill/>
-                </a:ln>
-                <a:solidFill>
-                  <a:srgbClr val="646464"/>
-                </a:solidFill>
-                <a:effectLst/>
-                <a:latin typeface="Consolas" pitchFamily="49" charset="0"/>
-                <a:ea typeface="Calibri" pitchFamily="34" charset="0"/>
-                <a:cs typeface="Consolas" pitchFamily="49" charset="0"/>
-              </a:rPr>
-              <a:t>    @</a:t>
-            </a:r>
-            <a:r>
-              <a:rPr kumimoji="0" lang="en-US" sz="1600" b="0" i="0" u="none" strike="noStrike" cap="none" normalizeH="0" baseline="0" dirty="0" err="1" smtClean="0">
-                <a:ln>
-                  <a:noFill/>
-                </a:ln>
-                <a:solidFill>
-                  <a:srgbClr val="646464"/>
-                </a:solidFill>
-                <a:effectLst/>
-                <a:latin typeface="Consolas" pitchFamily="49" charset="0"/>
-                <a:ea typeface="Calibri" pitchFamily="34" charset="0"/>
-                <a:cs typeface="Consolas" pitchFamily="49" charset="0"/>
-              </a:rPr>
-              <a:t>PrimaryKey</a:t>
-            </a:r>
-            <a:endParaRPr kumimoji="0" lang="en-US" sz="1200" b="0" i="0" u="none" strike="noStrike" cap="none" normalizeH="0" baseline="0" dirty="0" smtClean="0">
-              <a:ln>
-                <a:noFill/>
-              </a:ln>
-              <a:solidFill>
-                <a:schemeClr val="tx1"/>
-              </a:solidFill>
-              <a:effectLst/>
-              <a:latin typeface="Arial" pitchFamily="34" charset="0"/>
-              <a:cs typeface="Arial" pitchFamily="34" charset="0"/>
-            </a:endParaRPr>
-          </a:p>
-          <a:p>
-            <a:pPr marL="0" marR="0" lvl="0" indent="0" algn="l" defTabSz="914400" rtl="0" eaLnBrk="0" fontAlgn="base" latinLnBrk="0" hangingPunct="0">
-              <a:lnSpc>
-                <a:spcPct val="100000"/>
-              </a:lnSpc>
-              <a:spcBef>
-                <a:spcPct val="0"/>
-              </a:spcBef>
-              <a:spcAft>
-                <a:spcPct val="0"/>
-              </a:spcAft>
-              <a:buClrTx/>
-              <a:buSzTx/>
-              <a:buFontTx/>
-              <a:buNone/>
-              <a:tabLst/>
-            </a:pPr>
-            <a:r>
-              <a:rPr kumimoji="0" lang="en-US" sz="1600" b="0" i="0" u="none" strike="noStrike" cap="none" normalizeH="0" baseline="0" dirty="0" smtClean="0">
-                <a:ln>
-                  <a:noFill/>
-                </a:ln>
-                <a:solidFill>
-                  <a:srgbClr val="000000"/>
-                </a:solidFill>
-                <a:effectLst/>
-                <a:latin typeface="Consolas" pitchFamily="49" charset="0"/>
-                <a:ea typeface="Calibri" pitchFamily="34" charset="0"/>
-                <a:cs typeface="Consolas" pitchFamily="49" charset="0"/>
-              </a:rPr>
-              <a:t>    </a:t>
-            </a:r>
-            <a:r>
-              <a:rPr kumimoji="0" lang="en-US" sz="1600" b="0" i="0" u="none" strike="noStrike" cap="none" normalizeH="0" baseline="0" dirty="0" smtClean="0">
-                <a:ln>
-                  <a:noFill/>
-                </a:ln>
-                <a:solidFill>
-                  <a:srgbClr val="646464"/>
-                </a:solidFill>
-                <a:effectLst/>
-                <a:latin typeface="Consolas" pitchFamily="49" charset="0"/>
-                <a:ea typeface="Calibri" pitchFamily="34" charset="0"/>
-                <a:cs typeface="Consolas" pitchFamily="49" charset="0"/>
-              </a:rPr>
-              <a:t>@Persistent</a:t>
-            </a:r>
-            <a:r>
-              <a:rPr kumimoji="0" lang="en-US" sz="1600" b="0" i="0" u="none" strike="noStrike" cap="none" normalizeH="0" baseline="0" dirty="0" smtClean="0">
-                <a:ln>
-                  <a:noFill/>
-                </a:ln>
-                <a:solidFill>
-                  <a:srgbClr val="000000"/>
-                </a:solidFill>
-                <a:effectLst/>
-                <a:latin typeface="Consolas" pitchFamily="49" charset="0"/>
-                <a:ea typeface="Calibri" pitchFamily="34" charset="0"/>
-                <a:cs typeface="Consolas" pitchFamily="49" charset="0"/>
-              </a:rPr>
-              <a:t>(</a:t>
-            </a:r>
-            <a:r>
-              <a:rPr kumimoji="0" lang="en-US" sz="1600" b="0" i="0" u="none" strike="noStrike" cap="none" normalizeH="0" baseline="0" dirty="0" err="1" smtClean="0">
-                <a:ln>
-                  <a:noFill/>
-                </a:ln>
-                <a:solidFill>
-                  <a:srgbClr val="000000"/>
-                </a:solidFill>
-                <a:effectLst/>
-                <a:latin typeface="Consolas" pitchFamily="49" charset="0"/>
-                <a:ea typeface="Calibri" pitchFamily="34" charset="0"/>
-                <a:cs typeface="Consolas" pitchFamily="49" charset="0"/>
-              </a:rPr>
-              <a:t>valueStrategy</a:t>
-            </a:r>
-            <a:r>
-              <a:rPr kumimoji="0" lang="en-US" sz="1600" b="0" i="0" u="none" strike="noStrike" cap="none" normalizeH="0" baseline="0" dirty="0" smtClean="0">
-                <a:ln>
-                  <a:noFill/>
-                </a:ln>
-                <a:solidFill>
-                  <a:srgbClr val="000000"/>
-                </a:solidFill>
-                <a:effectLst/>
-                <a:latin typeface="Consolas" pitchFamily="49" charset="0"/>
-                <a:ea typeface="Calibri" pitchFamily="34" charset="0"/>
-                <a:cs typeface="Consolas" pitchFamily="49" charset="0"/>
-              </a:rPr>
-              <a:t> = </a:t>
-            </a:r>
-            <a:r>
-              <a:rPr kumimoji="0" lang="en-US" sz="1600" b="0" i="0" u="none" strike="noStrike" cap="none" normalizeH="0" baseline="0" dirty="0" err="1" smtClean="0">
-                <a:ln>
-                  <a:noFill/>
-                </a:ln>
-                <a:solidFill>
-                  <a:srgbClr val="000000"/>
-                </a:solidFill>
-                <a:effectLst/>
-                <a:latin typeface="Consolas" pitchFamily="49" charset="0"/>
-                <a:ea typeface="Calibri" pitchFamily="34" charset="0"/>
-                <a:cs typeface="Consolas" pitchFamily="49" charset="0"/>
-              </a:rPr>
-              <a:t>IdGeneratorStrategy.</a:t>
-            </a:r>
-            <a:r>
-              <a:rPr kumimoji="0" lang="en-US" sz="1600" b="0" i="1" u="none" strike="noStrike" cap="none" normalizeH="0" baseline="0" dirty="0" err="1" smtClean="0">
-                <a:ln>
-                  <a:noFill/>
-                </a:ln>
-                <a:solidFill>
-                  <a:srgbClr val="0000C0"/>
-                </a:solidFill>
-                <a:effectLst/>
-                <a:latin typeface="Consolas" pitchFamily="49" charset="0"/>
-                <a:ea typeface="Calibri" pitchFamily="34" charset="0"/>
-                <a:cs typeface="Consolas" pitchFamily="49" charset="0"/>
-              </a:rPr>
-              <a:t>IDENTITY</a:t>
-            </a:r>
-            <a:r>
-              <a:rPr kumimoji="0" lang="en-US" sz="1600" b="0" i="0" u="none" strike="noStrike" cap="none" normalizeH="0" baseline="0" dirty="0" smtClean="0">
-                <a:ln>
-                  <a:noFill/>
-                </a:ln>
-                <a:solidFill>
-                  <a:srgbClr val="000000"/>
-                </a:solidFill>
-                <a:effectLst/>
-                <a:latin typeface="Consolas" pitchFamily="49" charset="0"/>
-                <a:ea typeface="Calibri" pitchFamily="34" charset="0"/>
-                <a:cs typeface="Consolas" pitchFamily="49" charset="0"/>
-              </a:rPr>
-              <a:t>)</a:t>
-            </a:r>
-            <a:endParaRPr kumimoji="0" lang="en-US" sz="1200" b="0" i="0" u="none" strike="noStrike" cap="none" normalizeH="0" baseline="0" dirty="0" smtClean="0">
-              <a:ln>
-                <a:noFill/>
-              </a:ln>
-              <a:solidFill>
-                <a:schemeClr val="tx1"/>
-              </a:solidFill>
-              <a:effectLst/>
-              <a:latin typeface="Arial" pitchFamily="34" charset="0"/>
-              <a:cs typeface="Arial" pitchFamily="34" charset="0"/>
-            </a:endParaRPr>
-          </a:p>
-          <a:p>
-            <a:pPr lvl="0" eaLnBrk="0" fontAlgn="base" hangingPunct="0">
-              <a:spcBef>
-                <a:spcPct val="0"/>
-              </a:spcBef>
-              <a:spcAft>
-                <a:spcPct val="0"/>
-              </a:spcAft>
-            </a:pPr>
-            <a:r>
-              <a:rPr kumimoji="0" lang="en-US" sz="1600" b="0" i="0" u="none" strike="noStrike" cap="none" normalizeH="0" baseline="0" dirty="0" smtClean="0">
-                <a:ln>
-                  <a:noFill/>
-                </a:ln>
-                <a:solidFill>
-                  <a:srgbClr val="000000"/>
-                </a:solidFill>
-                <a:effectLst/>
-                <a:latin typeface="Consolas" pitchFamily="49" charset="0"/>
-                <a:ea typeface="Calibri" pitchFamily="34" charset="0"/>
-                <a:cs typeface="Consolas" pitchFamily="49" charset="0"/>
-              </a:rPr>
-              <a:t>    Key    </a:t>
-            </a:r>
-            <a:r>
-              <a:rPr kumimoji="0" lang="en-US" sz="1600" b="0" i="0" u="none" strike="noStrike" cap="none" normalizeH="0" baseline="0" dirty="0" err="1" smtClean="0">
-                <a:ln>
-                  <a:noFill/>
-                </a:ln>
-                <a:solidFill>
-                  <a:srgbClr val="0000C0"/>
-                </a:solidFill>
-                <a:effectLst/>
-                <a:latin typeface="Consolas" pitchFamily="49" charset="0"/>
-                <a:ea typeface="Calibri" pitchFamily="34" charset="0"/>
-                <a:cs typeface="Consolas" pitchFamily="49" charset="0"/>
-              </a:rPr>
-              <a:t>seatNumber</a:t>
-            </a:r>
-            <a:r>
-              <a:rPr kumimoji="0" lang="en-US" sz="1600" b="0" i="0" u="none" strike="noStrike" cap="none" normalizeH="0" baseline="0" dirty="0" smtClean="0">
-                <a:ln>
-                  <a:noFill/>
-                </a:ln>
-                <a:solidFill>
-                  <a:srgbClr val="000000"/>
-                </a:solidFill>
-                <a:effectLst/>
-                <a:latin typeface="Consolas" pitchFamily="49" charset="0"/>
-                <a:ea typeface="Calibri" pitchFamily="34" charset="0"/>
-                <a:cs typeface="Consolas" pitchFamily="49" charset="0"/>
-              </a:rPr>
-              <a:t>;</a:t>
-            </a:r>
-            <a:br>
-              <a:rPr kumimoji="0" lang="en-US" sz="1600" b="0" i="0" u="none" strike="noStrike" cap="none" normalizeH="0" baseline="0" dirty="0" smtClean="0">
-                <a:ln>
-                  <a:noFill/>
-                </a:ln>
-                <a:solidFill>
-                  <a:srgbClr val="000000"/>
-                </a:solidFill>
-                <a:effectLst/>
-                <a:latin typeface="Consolas" pitchFamily="49" charset="0"/>
-                <a:ea typeface="Calibri" pitchFamily="34" charset="0"/>
-                <a:cs typeface="Consolas" pitchFamily="49" charset="0"/>
-              </a:rPr>
-            </a:br>
-            <a:r>
-              <a:rPr kumimoji="0" lang="en-US" sz="1600" b="0" i="0" u="none" strike="noStrike" cap="none" normalizeH="0" baseline="0" dirty="0" smtClean="0">
-                <a:ln>
-                  <a:noFill/>
-                </a:ln>
-                <a:solidFill>
-                  <a:srgbClr val="000000"/>
-                </a:solidFill>
-                <a:effectLst/>
-                <a:latin typeface="Consolas" pitchFamily="49" charset="0"/>
-                <a:ea typeface="Calibri" pitchFamily="34" charset="0"/>
-                <a:cs typeface="Consolas" pitchFamily="49" charset="0"/>
-              </a:rPr>
-              <a:t>    </a:t>
-            </a:r>
-            <a:r>
-              <a:rPr lang="en-US" sz="1600" dirty="0" smtClean="0">
-                <a:solidFill>
-                  <a:srgbClr val="646464"/>
-                </a:solidFill>
-                <a:latin typeface="Consolas" pitchFamily="49" charset="0"/>
-                <a:ea typeface="Calibri" pitchFamily="34" charset="0"/>
-                <a:cs typeface="Consolas" pitchFamily="49" charset="0"/>
-              </a:rPr>
-              <a:t>@Persistent</a:t>
-            </a:r>
-            <a:r>
-              <a:rPr kumimoji="0" lang="en-US" sz="1600" b="0" i="0" u="none" strike="noStrike" cap="none" normalizeH="0" baseline="0" dirty="0" smtClean="0">
-                <a:ln>
-                  <a:noFill/>
-                </a:ln>
-                <a:solidFill>
-                  <a:srgbClr val="000000"/>
-                </a:solidFill>
-                <a:effectLst/>
-                <a:latin typeface="Consolas" pitchFamily="49" charset="0"/>
-                <a:ea typeface="Calibri" pitchFamily="34" charset="0"/>
-                <a:cs typeface="Consolas" pitchFamily="49" charset="0"/>
-              </a:rPr>
-              <a:t>    </a:t>
-            </a:r>
-            <a:br>
-              <a:rPr kumimoji="0" lang="en-US" sz="1600" b="0" i="0" u="none" strike="noStrike" cap="none" normalizeH="0" baseline="0" dirty="0" smtClean="0">
-                <a:ln>
-                  <a:noFill/>
-                </a:ln>
-                <a:solidFill>
-                  <a:srgbClr val="000000"/>
-                </a:solidFill>
-                <a:effectLst/>
-                <a:latin typeface="Consolas" pitchFamily="49" charset="0"/>
-                <a:ea typeface="Calibri" pitchFamily="34" charset="0"/>
-                <a:cs typeface="Consolas" pitchFamily="49" charset="0"/>
-              </a:rPr>
-            </a:br>
-            <a:r>
-              <a:rPr kumimoji="0" lang="en-US" sz="1600" b="0" i="0" u="none" strike="noStrike" cap="none" normalizeH="0" baseline="0" dirty="0" smtClean="0">
-                <a:ln>
-                  <a:noFill/>
-                </a:ln>
-                <a:solidFill>
-                  <a:srgbClr val="000000"/>
-                </a:solidFill>
-                <a:effectLst/>
-                <a:latin typeface="Consolas" pitchFamily="49" charset="0"/>
-                <a:ea typeface="Calibri" pitchFamily="34" charset="0"/>
-                <a:cs typeface="Consolas" pitchFamily="49" charset="0"/>
-              </a:rPr>
-              <a:t>    String </a:t>
-            </a:r>
-            <a:r>
-              <a:rPr kumimoji="0" lang="en-US" sz="1600" b="0" i="0" u="none" strike="noStrike" cap="none" normalizeH="0" baseline="0" dirty="0" err="1" smtClean="0">
-                <a:ln>
-                  <a:noFill/>
-                </a:ln>
-                <a:solidFill>
-                  <a:srgbClr val="0000C0"/>
-                </a:solidFill>
-                <a:effectLst/>
-                <a:latin typeface="Consolas" pitchFamily="49" charset="0"/>
-                <a:ea typeface="Calibri" pitchFamily="34" charset="0"/>
-                <a:cs typeface="Consolas" pitchFamily="49" charset="0"/>
-              </a:rPr>
-              <a:t>studentName</a:t>
-            </a:r>
-            <a:r>
-              <a:rPr kumimoji="0" lang="en-US" sz="1600" b="0" i="0" u="none" strike="noStrike" cap="none" normalizeH="0" baseline="0" dirty="0" smtClean="0">
-                <a:ln>
-                  <a:noFill/>
-                </a:ln>
-                <a:solidFill>
-                  <a:srgbClr val="000000"/>
-                </a:solidFill>
-                <a:effectLst/>
-                <a:latin typeface="Consolas" pitchFamily="49" charset="0"/>
-                <a:ea typeface="Calibri" pitchFamily="34" charset="0"/>
-                <a:cs typeface="Consolas" pitchFamily="49" charset="0"/>
-              </a:rPr>
-              <a:t>;</a:t>
-            </a:r>
-            <a:br>
-              <a:rPr kumimoji="0" lang="en-US" sz="1600" b="0" i="0" u="none" strike="noStrike" cap="none" normalizeH="0" baseline="0" dirty="0" smtClean="0">
-                <a:ln>
-                  <a:noFill/>
-                </a:ln>
-                <a:solidFill>
-                  <a:srgbClr val="000000"/>
-                </a:solidFill>
-                <a:effectLst/>
-                <a:latin typeface="Consolas" pitchFamily="49" charset="0"/>
-                <a:ea typeface="Calibri" pitchFamily="34" charset="0"/>
-                <a:cs typeface="Consolas" pitchFamily="49" charset="0"/>
-              </a:rPr>
-            </a:br>
-            <a:r>
-              <a:rPr kumimoji="0" lang="en-US" sz="1600" b="0" i="0" u="none" strike="noStrike" cap="none" normalizeH="0" baseline="0" dirty="0" smtClean="0">
-                <a:ln>
-                  <a:noFill/>
-                </a:ln>
-                <a:solidFill>
-                  <a:srgbClr val="000000"/>
-                </a:solidFill>
-                <a:effectLst/>
-                <a:latin typeface="Consolas" pitchFamily="49" charset="0"/>
-                <a:ea typeface="Calibri" pitchFamily="34" charset="0"/>
-                <a:cs typeface="Consolas" pitchFamily="49" charset="0"/>
-              </a:rPr>
-              <a:t>    </a:t>
-            </a:r>
-            <a:r>
-              <a:rPr lang="en-US" sz="1600" dirty="0" smtClean="0">
-                <a:solidFill>
-                  <a:srgbClr val="646464"/>
-                </a:solidFill>
-                <a:latin typeface="Consolas" pitchFamily="49" charset="0"/>
-                <a:ea typeface="Calibri" pitchFamily="34" charset="0"/>
-                <a:cs typeface="Consolas" pitchFamily="49" charset="0"/>
-              </a:rPr>
-              <a:t>@Persistent</a:t>
-            </a:r>
-            <a:endParaRPr kumimoji="0" lang="en-US" sz="1600" b="0" i="0" u="none" strike="noStrike" cap="none" normalizeH="0" baseline="0" dirty="0" smtClean="0">
-              <a:ln>
-                <a:noFill/>
-              </a:ln>
-              <a:solidFill>
-                <a:schemeClr val="tx1"/>
-              </a:solidFill>
-              <a:effectLst/>
-              <a:latin typeface="Arial" pitchFamily="34" charset="0"/>
-              <a:cs typeface="Arial" pitchFamily="34" charset="0"/>
-            </a:endParaRPr>
-          </a:p>
-          <a:p>
-            <a:pPr marL="0" marR="0" lvl="0" indent="0" algn="l" defTabSz="914400" rtl="0" eaLnBrk="0" fontAlgn="base" latinLnBrk="0" hangingPunct="0">
-              <a:lnSpc>
-                <a:spcPct val="100000"/>
-              </a:lnSpc>
-              <a:spcBef>
-                <a:spcPct val="0"/>
-              </a:spcBef>
-              <a:spcAft>
-                <a:spcPct val="0"/>
-              </a:spcAft>
-              <a:buClrTx/>
-              <a:buSzTx/>
-              <a:buFontTx/>
-              <a:buNone/>
-              <a:tabLst/>
-            </a:pPr>
-            <a:r>
-              <a:rPr kumimoji="0" lang="en-US" sz="1600" b="0" i="0" u="none" strike="noStrike" cap="none" normalizeH="0" baseline="0" dirty="0" smtClean="0">
-                <a:ln>
-                  <a:noFill/>
-                </a:ln>
-                <a:solidFill>
-                  <a:srgbClr val="000000"/>
-                </a:solidFill>
-                <a:effectLst/>
-                <a:latin typeface="Consolas" pitchFamily="49" charset="0"/>
-                <a:ea typeface="Calibri" pitchFamily="34" charset="0"/>
-                <a:cs typeface="Consolas" pitchFamily="49" charset="0"/>
-              </a:rPr>
-              <a:t>    String </a:t>
-            </a:r>
-            <a:r>
-              <a:rPr kumimoji="0" lang="en-US" sz="1600" b="0" i="0" u="none" strike="noStrike" cap="none" normalizeH="0" baseline="0" dirty="0" err="1" smtClean="0">
-                <a:ln>
-                  <a:noFill/>
-                </a:ln>
-                <a:solidFill>
-                  <a:srgbClr val="0000C0"/>
-                </a:solidFill>
-                <a:effectLst/>
-                <a:latin typeface="Consolas" pitchFamily="49" charset="0"/>
-                <a:ea typeface="Calibri" pitchFamily="34" charset="0"/>
-                <a:cs typeface="Consolas" pitchFamily="49" charset="0"/>
-              </a:rPr>
-              <a:t>marks_Math</a:t>
-            </a:r>
-            <a:r>
-              <a:rPr kumimoji="0" lang="en-US" sz="1600" b="0" i="0" u="none" strike="noStrike" cap="none" normalizeH="0" baseline="0" dirty="0" smtClean="0">
-                <a:ln>
-                  <a:noFill/>
-                </a:ln>
-                <a:solidFill>
-                  <a:srgbClr val="000000"/>
-                </a:solidFill>
-                <a:effectLst/>
-                <a:latin typeface="Consolas" pitchFamily="49" charset="0"/>
-                <a:ea typeface="Calibri" pitchFamily="34" charset="0"/>
-                <a:cs typeface="Consolas" pitchFamily="49" charset="0"/>
-              </a:rPr>
-              <a:t>;</a:t>
-            </a:r>
-            <a:endParaRPr kumimoji="0" lang="en-US" sz="1200" b="0" i="0" u="none" strike="noStrike" cap="none" normalizeH="0" baseline="0" dirty="0" smtClean="0">
-              <a:ln>
-                <a:noFill/>
-              </a:ln>
-              <a:solidFill>
-                <a:schemeClr val="tx1"/>
-              </a:solidFill>
-              <a:effectLst/>
-              <a:latin typeface="Arial" pitchFamily="34" charset="0"/>
-              <a:cs typeface="Arial" pitchFamily="34" charset="0"/>
-            </a:endParaRPr>
-          </a:p>
-          <a:p>
-            <a:pPr marL="0" marR="0" lvl="0" indent="0" algn="l" defTabSz="914400" rtl="0" eaLnBrk="0" fontAlgn="base" latinLnBrk="0" hangingPunct="0">
-              <a:lnSpc>
-                <a:spcPct val="100000"/>
-              </a:lnSpc>
-              <a:spcBef>
-                <a:spcPct val="0"/>
-              </a:spcBef>
-              <a:spcAft>
-                <a:spcPct val="0"/>
-              </a:spcAft>
-              <a:buClrTx/>
-              <a:buSzTx/>
-              <a:buFontTx/>
-              <a:buNone/>
-              <a:tabLst/>
-            </a:pPr>
-            <a:r>
-              <a:rPr kumimoji="0" lang="en-US" sz="1600" b="0" i="0" u="none" strike="noStrike" cap="none" normalizeH="0" baseline="0" dirty="0" smtClean="0">
-                <a:ln>
-                  <a:noFill/>
-                </a:ln>
-                <a:solidFill>
-                  <a:srgbClr val="000000"/>
-                </a:solidFill>
-                <a:effectLst/>
-                <a:latin typeface="Consolas" pitchFamily="49" charset="0"/>
-                <a:ea typeface="Calibri" pitchFamily="34" charset="0"/>
-                <a:cs typeface="Consolas" pitchFamily="49" charset="0"/>
-              </a:rPr>
-              <a:t>    ...</a:t>
-            </a:r>
-            <a:endParaRPr kumimoji="0" lang="en-US" sz="1200" b="0" i="0" u="none" strike="noStrike" cap="none" normalizeH="0" baseline="0" dirty="0" smtClean="0">
-              <a:ln>
-                <a:noFill/>
-              </a:ln>
-              <a:solidFill>
-                <a:schemeClr val="tx1"/>
-              </a:solidFill>
-              <a:effectLst/>
-              <a:latin typeface="Arial" pitchFamily="34" charset="0"/>
-              <a:cs typeface="Arial" pitchFamily="34" charset="0"/>
-            </a:endParaRPr>
-          </a:p>
-          <a:p>
-            <a:pPr marL="0" marR="0" lvl="0" indent="0" algn="l" defTabSz="914400" rtl="0" eaLnBrk="0" fontAlgn="base" latinLnBrk="0" hangingPunct="0">
-              <a:lnSpc>
-                <a:spcPct val="100000"/>
-              </a:lnSpc>
-              <a:spcBef>
-                <a:spcPct val="0"/>
-              </a:spcBef>
-              <a:spcAft>
-                <a:spcPct val="0"/>
-              </a:spcAft>
-              <a:buClrTx/>
-              <a:buSzTx/>
-              <a:buFontTx/>
-              <a:buNone/>
-              <a:tabLst/>
-            </a:pPr>
-            <a:r>
-              <a:rPr kumimoji="0" lang="en-US" sz="1600" b="0" i="0" u="none" strike="noStrike" cap="none" normalizeH="0" baseline="0" dirty="0" smtClean="0">
-                <a:ln>
-                  <a:noFill/>
-                </a:ln>
-                <a:solidFill>
-                  <a:srgbClr val="000000"/>
-                </a:solidFill>
-                <a:effectLst/>
-                <a:latin typeface="Consolas" pitchFamily="49" charset="0"/>
-                <a:ea typeface="Calibri" pitchFamily="34" charset="0"/>
-                <a:cs typeface="Consolas" pitchFamily="49" charset="0"/>
-              </a:rPr>
-              <a:t>}</a:t>
-            </a:r>
-            <a:endParaRPr kumimoji="0" lang="en-US" sz="3600" b="0" i="0" u="none" strike="noStrike" cap="none" normalizeH="0" baseline="0" dirty="0" smtClean="0">
-              <a:ln>
-                <a:noFill/>
-              </a:ln>
-              <a:solidFill>
-                <a:schemeClr val="tx1"/>
-              </a:solidFill>
-              <a:effectLst/>
-              <a:latin typeface="Arial" pitchFamily="34" charset="0"/>
-              <a:cs typeface="Arial" pitchFamily="34" charset="0"/>
-            </a:endParaRPr>
+            <a:fld id="{F2BF1754-4D2F-46D8-A35A-EF7FA01DA8F5}" type="slidenum">
+              <a:rPr lang="en-US" smtClean="0"/>
+              <a:pPr/>
+              <a:t>43</a:t>
+            </a:fld>
+            <a:endParaRPr lang="en-US" dirty="0"/>
           </a:p>
         </p:txBody>
       </p:sp>
@@ -20261,13 +19530,6 @@
   <p:clrMapOvr>
     <a:masterClrMapping/>
   </p:clrMapOvr>
-  <p:timing>
-    <p:tnLst>
-      <p:par>
-        <p:cTn id="1" dur="indefinite" restart="never" nodeType="tmRoot"/>
-      </p:par>
-    </p:tnLst>
-  </p:timing>
 </p:sld>
 </file>
 
@@ -20305,6 +19567,650 @@
           <a:p>
             <a:pPr algn="ctr"/>
             <a:r>
+              <a:rPr lang="en-US" dirty="0" smtClean="0"/>
+              <a:t>Exam Result Entity</a:t>
+            </a:r>
+            <a:endParaRPr lang="en-US" dirty="0"/>
+          </a:p>
+        </p:txBody>
+      </p:sp>
+      <p:sp>
+        <p:nvSpPr>
+          <p:cNvPr id="3" name="Content Placeholder 2"/>
+          <p:cNvSpPr>
+            <a:spLocks noGrp="1"/>
+          </p:cNvSpPr>
+          <p:nvPr>
+            <p:ph sz="quarter" idx="1"/>
+          </p:nvPr>
+        </p:nvSpPr>
+        <p:spPr/>
+        <p:txBody>
+          <a:bodyPr/>
+          <a:lstStyle/>
+          <a:p>
+            <a:r>
+              <a:rPr lang="en-US" dirty="0" smtClean="0"/>
+              <a:t>Entity</a:t>
+            </a:r>
+          </a:p>
+          <a:p>
+            <a:pPr lvl="1"/>
+            <a:r>
+              <a:rPr lang="en-US" dirty="0" smtClean="0"/>
+              <a:t>Kind = </a:t>
+            </a:r>
+            <a:r>
+              <a:rPr lang="en-US" dirty="0" err="1" smtClean="0"/>
+              <a:t>ExamResult</a:t>
+            </a:r>
+            <a:endParaRPr lang="en-US" dirty="0" smtClean="0"/>
+          </a:p>
+          <a:p>
+            <a:pPr lvl="1"/>
+            <a:r>
+              <a:rPr lang="en-US" dirty="0" smtClean="0"/>
+              <a:t>Key = </a:t>
+            </a:r>
+            <a:r>
+              <a:rPr lang="en-US" dirty="0" err="1" smtClean="0"/>
+              <a:t>SeatNumber</a:t>
+            </a:r>
+            <a:endParaRPr lang="en-US" dirty="0" smtClean="0"/>
+          </a:p>
+          <a:p>
+            <a:pPr lvl="1"/>
+            <a:r>
+              <a:rPr lang="en-US" dirty="0" smtClean="0"/>
+              <a:t>Properties </a:t>
+            </a:r>
+          </a:p>
+          <a:p>
+            <a:pPr lvl="2"/>
+            <a:r>
+              <a:rPr lang="en-US" dirty="0" smtClean="0"/>
+              <a:t>Student Name</a:t>
+            </a:r>
+          </a:p>
+          <a:p>
+            <a:pPr lvl="2"/>
+            <a:r>
+              <a:rPr lang="en-US" dirty="0" err="1" smtClean="0"/>
+              <a:t>Marks_Math</a:t>
+            </a:r>
+            <a:endParaRPr lang="en-US" dirty="0" smtClean="0"/>
+          </a:p>
+          <a:p>
+            <a:pPr lvl="2"/>
+            <a:r>
+              <a:rPr lang="en-US" dirty="0" err="1" smtClean="0"/>
+              <a:t>Marks_CommSkills</a:t>
+            </a:r>
+            <a:endParaRPr lang="en-US" dirty="0" smtClean="0"/>
+          </a:p>
+          <a:p>
+            <a:pPr lvl="2"/>
+            <a:r>
+              <a:rPr lang="en-US" dirty="0" err="1" smtClean="0"/>
+              <a:t>Marks_Total</a:t>
+            </a:r>
+            <a:endParaRPr lang="en-US" dirty="0" smtClean="0"/>
+          </a:p>
+          <a:p>
+            <a:pPr lvl="2"/>
+            <a:r>
+              <a:rPr lang="en-US" dirty="0" err="1" smtClean="0"/>
+              <a:t>Marks_Percentage</a:t>
+            </a:r>
+            <a:endParaRPr lang="en-US" dirty="0" smtClean="0"/>
+          </a:p>
+          <a:p>
+            <a:pPr lvl="2"/>
+            <a:r>
+              <a:rPr lang="en-US" dirty="0" smtClean="0"/>
+              <a:t>…..</a:t>
+            </a:r>
+            <a:endParaRPr lang="en-US" dirty="0"/>
+          </a:p>
+        </p:txBody>
+      </p:sp>
+      <p:sp>
+        <p:nvSpPr>
+          <p:cNvPr id="4" name="Slide Number Placeholder 4"/>
+          <p:cNvSpPr>
+            <a:spLocks noGrp="1"/>
+          </p:cNvSpPr>
+          <p:nvPr>
+            <p:ph type="sldNum" sz="quarter" idx="12"/>
+          </p:nvPr>
+        </p:nvSpPr>
+        <p:spPr>
+          <a:xfrm>
+            <a:off x="0" y="1279524"/>
+            <a:ext cx="533400" cy="244476"/>
+          </a:xfrm>
+        </p:spPr>
+        <p:txBody>
+          <a:bodyPr>
+            <a:normAutofit fontScale="85000" lnSpcReduction="20000"/>
+          </a:bodyPr>
+          <a:lstStyle/>
+          <a:p>
+            <a:fld id="{F2BF1754-4D2F-46D8-A35A-EF7FA01DA8F5}" type="slidenum">
+              <a:rPr lang="en-US" smtClean="0"/>
+              <a:pPr/>
+              <a:t>44</a:t>
+            </a:fld>
+            <a:endParaRPr lang="en-US" dirty="0"/>
+          </a:p>
+        </p:txBody>
+      </p:sp>
+    </p:spTree>
+  </p:cSld>
+  <p:clrMapOvr>
+    <a:masterClrMapping/>
+  </p:clrMapOvr>
+</p:sld>
+</file>
+
+<file path=ppt/slides/slide45.xml><?xml version="1.0" encoding="utf-8"?>
+<p:sld xmlns:a="http://schemas.openxmlformats.org/drawingml/2006/main" xmlns:r="http://schemas.openxmlformats.org/officeDocument/2006/relationships" xmlns:p="http://schemas.openxmlformats.org/presentationml/2006/main">
+  <p:cSld>
+    <p:spTree>
+      <p:nvGrpSpPr>
+        <p:cNvPr id="1" name=""/>
+        <p:cNvGrpSpPr/>
+        <p:nvPr/>
+      </p:nvGrpSpPr>
+      <p:grpSpPr>
+        <a:xfrm>
+          <a:off x="0" y="0"/>
+          <a:ext cx="0" cy="0"/>
+          <a:chOff x="0" y="0"/>
+          <a:chExt cx="0" cy="0"/>
+        </a:xfrm>
+      </p:grpSpPr>
+      <p:sp>
+        <p:nvSpPr>
+          <p:cNvPr id="2" name="Title 1"/>
+          <p:cNvSpPr>
+            <a:spLocks noGrp="1"/>
+          </p:cNvSpPr>
+          <p:nvPr>
+            <p:ph type="title"/>
+          </p:nvPr>
+        </p:nvSpPr>
+        <p:spPr/>
+        <p:txBody>
+          <a:bodyPr/>
+          <a:lstStyle/>
+          <a:p>
+            <a:pPr algn="ctr"/>
+            <a:r>
+              <a:rPr lang="en-US" dirty="0" smtClean="0"/>
+              <a:t>Add an Entity</a:t>
+            </a:r>
+            <a:endParaRPr lang="en-US" dirty="0"/>
+          </a:p>
+        </p:txBody>
+      </p:sp>
+      <p:sp>
+        <p:nvSpPr>
+          <p:cNvPr id="4" name="Slide Number Placeholder 4"/>
+          <p:cNvSpPr>
+            <a:spLocks noGrp="1"/>
+          </p:cNvSpPr>
+          <p:nvPr>
+            <p:ph type="sldNum" sz="quarter" idx="12"/>
+          </p:nvPr>
+        </p:nvSpPr>
+        <p:spPr>
+          <a:xfrm>
+            <a:off x="0" y="1279524"/>
+            <a:ext cx="533400" cy="244476"/>
+          </a:xfrm>
+        </p:spPr>
+        <p:txBody>
+          <a:bodyPr>
+            <a:normAutofit fontScale="85000" lnSpcReduction="20000"/>
+          </a:bodyPr>
+          <a:lstStyle/>
+          <a:p>
+            <a:fld id="{F2BF1754-4D2F-46D8-A35A-EF7FA01DA8F5}" type="slidenum">
+              <a:rPr lang="en-US" smtClean="0"/>
+              <a:pPr/>
+              <a:t>45</a:t>
+            </a:fld>
+            <a:endParaRPr lang="en-US" dirty="0"/>
+          </a:p>
+        </p:txBody>
+      </p:sp>
+      <p:sp>
+        <p:nvSpPr>
+          <p:cNvPr id="6" name="Rectangle 5"/>
+          <p:cNvSpPr/>
+          <p:nvPr/>
+        </p:nvSpPr>
+        <p:spPr>
+          <a:xfrm>
+            <a:off x="381000" y="1676400"/>
+            <a:ext cx="8305800" cy="4524315"/>
+          </a:xfrm>
+          <a:prstGeom prst="rect">
+            <a:avLst/>
+          </a:prstGeom>
+        </p:spPr>
+        <p:txBody>
+          <a:bodyPr wrap="square">
+            <a:spAutoFit/>
+          </a:bodyPr>
+          <a:lstStyle/>
+          <a:p>
+            <a:r>
+              <a:rPr lang="en-US" b="1" dirty="0" smtClean="0"/>
+              <a:t>//Entity (Type, Key)</a:t>
+            </a:r>
+          </a:p>
+          <a:p>
+            <a:r>
+              <a:rPr lang="en-US" b="1" dirty="0" smtClean="0"/>
+              <a:t>Entity</a:t>
+            </a:r>
+            <a:r>
+              <a:rPr lang="en-US" dirty="0" smtClean="0"/>
+              <a:t> </a:t>
+            </a:r>
+            <a:r>
+              <a:rPr lang="en-US" dirty="0" err="1" smtClean="0"/>
+              <a:t>examresult</a:t>
+            </a:r>
+            <a:r>
+              <a:rPr lang="en-US" dirty="0" smtClean="0"/>
+              <a:t> </a:t>
+            </a:r>
+            <a:r>
+              <a:rPr lang="en-US" dirty="0" smtClean="0"/>
+              <a:t>= </a:t>
+            </a:r>
+            <a:r>
+              <a:rPr lang="en-US" b="1" dirty="0" smtClean="0"/>
+              <a:t>new Entity("</a:t>
+            </a:r>
+            <a:r>
+              <a:rPr lang="en-US" b="1" dirty="0" err="1" smtClean="0"/>
+              <a:t>ExamResult</a:t>
+            </a:r>
+            <a:r>
+              <a:rPr lang="en-US" b="1" dirty="0" smtClean="0"/>
+              <a:t>", </a:t>
+            </a:r>
+            <a:r>
+              <a:rPr lang="en-US" b="1" dirty="0" err="1" smtClean="0"/>
+              <a:t>seatnumber</a:t>
+            </a:r>
+            <a:r>
+              <a:rPr lang="en-US" b="1" dirty="0" smtClean="0"/>
+              <a:t>);</a:t>
+            </a:r>
+          </a:p>
+          <a:p>
+            <a:endParaRPr lang="en-US" dirty="0" smtClean="0"/>
+          </a:p>
+          <a:p>
+            <a:r>
+              <a:rPr lang="en-US" b="1" dirty="0" smtClean="0"/>
+              <a:t>//Set the Properties (Remember there is no schema, just properties)</a:t>
+            </a:r>
+          </a:p>
+          <a:p>
+            <a:r>
+              <a:rPr lang="en-US" dirty="0" smtClean="0"/>
+              <a:t>  </a:t>
+            </a:r>
+            <a:r>
+              <a:rPr lang="en-US" dirty="0" err="1" smtClean="0"/>
+              <a:t>examresult.setProperty</a:t>
+            </a:r>
+            <a:r>
+              <a:rPr lang="en-US" dirty="0" smtClean="0"/>
+              <a:t>("</a:t>
+            </a:r>
+            <a:r>
+              <a:rPr lang="en-US" dirty="0" err="1" smtClean="0"/>
+              <a:t>studentName</a:t>
+            </a:r>
+            <a:r>
+              <a:rPr lang="en-US" dirty="0" smtClean="0"/>
+              <a:t>", </a:t>
+            </a:r>
+            <a:r>
+              <a:rPr lang="en-US" dirty="0" err="1" smtClean="0"/>
+              <a:t>studentName</a:t>
+            </a:r>
+            <a:r>
+              <a:rPr lang="en-US" dirty="0" smtClean="0"/>
+              <a:t>);</a:t>
+            </a:r>
+          </a:p>
+          <a:p>
+            <a:r>
+              <a:rPr lang="en-US" dirty="0" smtClean="0"/>
+              <a:t>  </a:t>
+            </a:r>
+            <a:r>
+              <a:rPr lang="en-US" dirty="0" err="1" smtClean="0"/>
+              <a:t>examresult.setProperty</a:t>
+            </a:r>
+            <a:r>
+              <a:rPr lang="en-US" dirty="0" smtClean="0"/>
+              <a:t>("</a:t>
+            </a:r>
+            <a:r>
+              <a:rPr lang="en-US" dirty="0" err="1" smtClean="0"/>
+              <a:t>marks_Math</a:t>
+            </a:r>
+            <a:r>
+              <a:rPr lang="en-US" dirty="0" smtClean="0"/>
+              <a:t>", </a:t>
+            </a:r>
+            <a:r>
+              <a:rPr lang="en-US" dirty="0" err="1" smtClean="0"/>
+              <a:t>marks_Math</a:t>
+            </a:r>
+            <a:r>
+              <a:rPr lang="en-US" dirty="0" smtClean="0"/>
+              <a:t>);</a:t>
+            </a:r>
+          </a:p>
+          <a:p>
+            <a:r>
+              <a:rPr lang="en-US" dirty="0" smtClean="0"/>
+              <a:t>  </a:t>
+            </a:r>
+            <a:r>
+              <a:rPr lang="en-US" dirty="0" err="1" smtClean="0"/>
+              <a:t>examresult.setProperty</a:t>
+            </a:r>
+            <a:r>
+              <a:rPr lang="en-US" dirty="0" smtClean="0"/>
+              <a:t>("</a:t>
+            </a:r>
+            <a:r>
+              <a:rPr lang="en-US" dirty="0" err="1" smtClean="0"/>
+              <a:t>marks_CommSkills</a:t>
+            </a:r>
+            <a:r>
+              <a:rPr lang="en-US" dirty="0" smtClean="0"/>
+              <a:t>", </a:t>
+            </a:r>
+            <a:r>
+              <a:rPr lang="en-US" dirty="0" err="1" smtClean="0"/>
+              <a:t>marks_CommSkills</a:t>
+            </a:r>
+            <a:r>
+              <a:rPr lang="en-US" dirty="0" smtClean="0"/>
+              <a:t>);</a:t>
+            </a:r>
+          </a:p>
+          <a:p>
+            <a:r>
+              <a:rPr lang="en-US" dirty="0" smtClean="0"/>
+              <a:t>  </a:t>
+            </a:r>
+            <a:r>
+              <a:rPr lang="en-US" dirty="0" err="1" smtClean="0"/>
+              <a:t>examresult.setProperty</a:t>
+            </a:r>
+            <a:r>
+              <a:rPr lang="en-US" dirty="0" smtClean="0"/>
+              <a:t>("</a:t>
+            </a:r>
+            <a:r>
+              <a:rPr lang="en-US" dirty="0" err="1" smtClean="0"/>
+              <a:t>marks_Programming</a:t>
+            </a:r>
+            <a:r>
+              <a:rPr lang="en-US" dirty="0" smtClean="0"/>
+              <a:t>", </a:t>
+            </a:r>
+            <a:r>
+              <a:rPr lang="en-US" dirty="0" err="1" smtClean="0"/>
+              <a:t>marks_Programming</a:t>
+            </a:r>
+            <a:r>
+              <a:rPr lang="en-US" dirty="0" smtClean="0"/>
+              <a:t>);</a:t>
+            </a:r>
+          </a:p>
+          <a:p>
+            <a:r>
+              <a:rPr lang="en-US" dirty="0" smtClean="0"/>
+              <a:t>  </a:t>
+            </a:r>
+            <a:r>
+              <a:rPr lang="en-US" dirty="0" err="1" smtClean="0"/>
+              <a:t>examresult.setProperty</a:t>
+            </a:r>
+            <a:r>
+              <a:rPr lang="en-US" dirty="0" smtClean="0"/>
+              <a:t>("</a:t>
+            </a:r>
+            <a:r>
+              <a:rPr lang="en-US" dirty="0" err="1" smtClean="0"/>
+              <a:t>marks_ElectronicCircuits</a:t>
+            </a:r>
+            <a:r>
+              <a:rPr lang="en-US" dirty="0" smtClean="0"/>
+              <a:t>", </a:t>
+            </a:r>
+            <a:r>
+              <a:rPr lang="en-US" dirty="0" err="1" smtClean="0"/>
+              <a:t>marks_ElectronicCircuits</a:t>
+            </a:r>
+            <a:r>
+              <a:rPr lang="en-US" dirty="0" smtClean="0"/>
+              <a:t>);</a:t>
+            </a:r>
+          </a:p>
+          <a:p>
+            <a:r>
+              <a:rPr lang="en-US" dirty="0" smtClean="0"/>
+              <a:t>  </a:t>
+            </a:r>
+            <a:r>
+              <a:rPr lang="en-US" dirty="0" err="1" smtClean="0"/>
+              <a:t>examresult.setProperty</a:t>
+            </a:r>
+            <a:r>
+              <a:rPr lang="en-US" dirty="0" smtClean="0"/>
+              <a:t>("</a:t>
+            </a:r>
+            <a:r>
+              <a:rPr lang="en-US" dirty="0" err="1" smtClean="0"/>
+              <a:t>marks_Total</a:t>
+            </a:r>
+            <a:r>
+              <a:rPr lang="en-US" dirty="0" smtClean="0"/>
+              <a:t>", </a:t>
+            </a:r>
+            <a:r>
+              <a:rPr lang="en-US" dirty="0" err="1" smtClean="0"/>
+              <a:t>marks_Total</a:t>
+            </a:r>
+            <a:r>
+              <a:rPr lang="en-US" dirty="0" smtClean="0"/>
+              <a:t>);</a:t>
+            </a:r>
+          </a:p>
+          <a:p>
+            <a:r>
+              <a:rPr lang="en-US" dirty="0" smtClean="0"/>
+              <a:t>  </a:t>
+            </a:r>
+            <a:r>
+              <a:rPr lang="en-US" dirty="0" err="1" smtClean="0"/>
+              <a:t>examresult.setProperty</a:t>
+            </a:r>
+            <a:r>
+              <a:rPr lang="en-US" dirty="0" smtClean="0"/>
+              <a:t>("</a:t>
+            </a:r>
+            <a:r>
+              <a:rPr lang="en-US" dirty="0" err="1" smtClean="0"/>
+              <a:t>marks_Percentage</a:t>
+            </a:r>
+            <a:r>
+              <a:rPr lang="en-US" dirty="0" smtClean="0"/>
+              <a:t>", </a:t>
+            </a:r>
+            <a:r>
+              <a:rPr lang="en-US" dirty="0" err="1" smtClean="0"/>
+              <a:t>marks_Percentage</a:t>
+            </a:r>
+            <a:r>
+              <a:rPr lang="en-US" dirty="0" smtClean="0"/>
+              <a:t>);</a:t>
+            </a:r>
+          </a:p>
+          <a:p>
+            <a:endParaRPr lang="en-US" dirty="0" smtClean="0"/>
+          </a:p>
+          <a:p>
+            <a:r>
+              <a:rPr lang="en-US" dirty="0" smtClean="0"/>
+              <a:t>//Get the </a:t>
+            </a:r>
+            <a:r>
+              <a:rPr lang="en-US" dirty="0" err="1" smtClean="0"/>
+              <a:t>Datastore</a:t>
+            </a:r>
+            <a:r>
+              <a:rPr lang="en-US" dirty="0" smtClean="0"/>
+              <a:t> Service</a:t>
+            </a:r>
+          </a:p>
+          <a:p>
+            <a:r>
+              <a:rPr lang="en-US" dirty="0" err="1" smtClean="0"/>
+              <a:t>DatastoreService</a:t>
+            </a:r>
+            <a:r>
+              <a:rPr lang="en-US" dirty="0" smtClean="0"/>
+              <a:t> </a:t>
+            </a:r>
+            <a:r>
+              <a:rPr lang="en-US" i="1" dirty="0" err="1" smtClean="0"/>
+              <a:t>datastore</a:t>
+            </a:r>
+            <a:r>
+              <a:rPr lang="en-US" i="1" dirty="0" smtClean="0"/>
+              <a:t> = </a:t>
+            </a:r>
+            <a:r>
+              <a:rPr lang="en-US" i="1" dirty="0" smtClean="0"/>
+              <a:t> </a:t>
+            </a:r>
+            <a:r>
+              <a:rPr lang="en-US" dirty="0" err="1" smtClean="0"/>
+              <a:t>DatastoreServiceFactory.</a:t>
+            </a:r>
+            <a:r>
+              <a:rPr lang="en-US" i="1" dirty="0" err="1" smtClean="0"/>
+              <a:t>getDatastoreService</a:t>
+            </a:r>
+            <a:r>
+              <a:rPr lang="en-US" i="1" dirty="0" smtClean="0"/>
+              <a:t>();</a:t>
+            </a:r>
+          </a:p>
+          <a:p>
+            <a:r>
+              <a:rPr lang="en-US" i="1" dirty="0" smtClean="0"/>
+              <a:t>//Call </a:t>
+            </a:r>
+            <a:r>
+              <a:rPr lang="en-US" b="1" i="1" dirty="0" smtClean="0"/>
+              <a:t>put</a:t>
+            </a:r>
+            <a:r>
+              <a:rPr lang="en-US" i="1" dirty="0" smtClean="0"/>
+              <a:t> method</a:t>
+            </a:r>
+          </a:p>
+          <a:p>
+            <a:r>
+              <a:rPr lang="en-US" i="1" dirty="0" err="1" smtClean="0"/>
+              <a:t>datastore.</a:t>
+            </a:r>
+            <a:r>
+              <a:rPr lang="en-US" b="1" i="1" dirty="0" err="1" smtClean="0"/>
+              <a:t>put</a:t>
+            </a:r>
+            <a:r>
+              <a:rPr lang="en-US" i="1" dirty="0" smtClean="0"/>
+              <a:t>(</a:t>
+            </a:r>
+            <a:r>
+              <a:rPr lang="en-US" i="1" dirty="0" err="1" smtClean="0"/>
+              <a:t>examresult</a:t>
+            </a:r>
+            <a:r>
+              <a:rPr lang="en-US" i="1" dirty="0" smtClean="0"/>
+              <a:t>);</a:t>
+            </a:r>
+            <a:endParaRPr lang="en-US" dirty="0"/>
+          </a:p>
+        </p:txBody>
+      </p:sp>
+    </p:spTree>
+  </p:cSld>
+  <p:clrMapOvr>
+    <a:masterClrMapping/>
+  </p:clrMapOvr>
+  <p:timing>
+    <p:tnLst>
+      <p:par>
+        <p:cTn id="1" dur="indefinite" restart="never" nodeType="tmRoot"/>
+      </p:par>
+    </p:tnLst>
+  </p:timing>
+</p:sld>
+</file>
+
+<file path=ppt/slides/slide46.xml><?xml version="1.0" encoding="utf-8"?>
+<p:sld xmlns:a="http://schemas.openxmlformats.org/drawingml/2006/main" xmlns:r="http://schemas.openxmlformats.org/officeDocument/2006/relationships" xmlns:p="http://schemas.openxmlformats.org/presentationml/2006/main">
+  <p:cSld>
+    <p:spTree>
+      <p:nvGrpSpPr>
+        <p:cNvPr id="1" name=""/>
+        <p:cNvGrpSpPr/>
+        <p:nvPr/>
+      </p:nvGrpSpPr>
+      <p:grpSpPr>
+        <a:xfrm>
+          <a:off x="0" y="0"/>
+          <a:ext cx="0" cy="0"/>
+          <a:chOff x="0" y="0"/>
+          <a:chExt cx="0" cy="0"/>
+        </a:xfrm>
+      </p:grpSpPr>
+      <p:sp>
+        <p:nvSpPr>
+          <p:cNvPr id="2" name="Title 1"/>
+          <p:cNvSpPr>
+            <a:spLocks noGrp="1"/>
+          </p:cNvSpPr>
+          <p:nvPr>
+            <p:ph type="title"/>
+          </p:nvPr>
+        </p:nvSpPr>
+        <p:spPr/>
+        <p:txBody>
+          <a:bodyPr/>
+          <a:lstStyle/>
+          <a:p>
+            <a:pPr algn="ctr"/>
+            <a:r>
               <a:rPr lang="en-US" b="1" dirty="0" smtClean="0"/>
               <a:t>Hands On Exercise</a:t>
             </a:r>
@@ -20330,7 +20236,7 @@
         </p:spPr>
         <p:txBody>
           <a:bodyPr>
-            <a:normAutofit fontScale="92500"/>
+            <a:normAutofit fontScale="92500" lnSpcReduction="10000"/>
           </a:bodyPr>
           <a:lstStyle/>
           <a:p>
@@ -20424,7 +20330,7 @@
             <a:fld id="{F2BF1754-4D2F-46D8-A35A-EF7FA01DA8F5}" type="slidenum">
               <a:rPr lang="en-US" smtClean="0"/>
               <a:pPr/>
-              <a:t>44</a:t>
+              <a:t>46</a:t>
             </a:fld>
             <a:endParaRPr lang="en-US" dirty="0"/>
           </a:p>
@@ -20471,7 +20377,7 @@
 </p:sld>
 </file>
 
-<file path=ppt/slides/slide45.xml><?xml version="1.0" encoding="utf-8"?>
+<file path=ppt/slides/slide47.xml><?xml version="1.0" encoding="utf-8"?>
 <p:sld xmlns:a="http://schemas.openxmlformats.org/drawingml/2006/main" xmlns:r="http://schemas.openxmlformats.org/officeDocument/2006/relationships" xmlns:p="http://schemas.openxmlformats.org/presentationml/2006/main">
   <p:cSld>
     <p:spTree>
@@ -20508,7 +20414,7 @@
             <a:fld id="{F2BF1754-4D2F-46D8-A35A-EF7FA01DA8F5}" type="slidenum">
               <a:rPr lang="en-US" smtClean="0"/>
               <a:pPr/>
-              <a:t>45</a:t>
+              <a:t>47</a:t>
             </a:fld>
             <a:endParaRPr lang="en-US" dirty="0"/>
           </a:p>
@@ -20703,322 +20609,6 @@
 </p:sld>
 </file>
 
-<file path=ppt/slides/slide46.xml><?xml version="1.0" encoding="utf-8"?>
-<p:sld xmlns:a="http://schemas.openxmlformats.org/drawingml/2006/main" xmlns:r="http://schemas.openxmlformats.org/officeDocument/2006/relationships" xmlns:p="http://schemas.openxmlformats.org/presentationml/2006/main">
-  <p:cSld>
-    <p:spTree>
-      <p:nvGrpSpPr>
-        <p:cNvPr id="1" name=""/>
-        <p:cNvGrpSpPr/>
-        <p:nvPr/>
-      </p:nvGrpSpPr>
-      <p:grpSpPr>
-        <a:xfrm>
-          <a:off x="0" y="0"/>
-          <a:ext cx="0" cy="0"/>
-          <a:chOff x="0" y="0"/>
-          <a:chExt cx="0" cy="0"/>
-        </a:xfrm>
-      </p:grpSpPr>
-      <p:sp>
-        <p:nvSpPr>
-          <p:cNvPr id="2" name="Title 1"/>
-          <p:cNvSpPr>
-            <a:spLocks noGrp="1"/>
-          </p:cNvSpPr>
-          <p:nvPr>
-            <p:ph type="title"/>
-          </p:nvPr>
-        </p:nvSpPr>
-        <p:spPr/>
-        <p:txBody>
-          <a:bodyPr>
-            <a:normAutofit/>
-          </a:bodyPr>
-          <a:lstStyle/>
-          <a:p>
-            <a:pPr algn="ctr"/>
-            <a:r>
-              <a:rPr lang="en-US" sz="4000" dirty="0" smtClean="0"/>
-              <a:t>App Engine – XMPP Service</a:t>
-            </a:r>
-            <a:endParaRPr lang="en-IN" sz="4000" dirty="0"/>
-          </a:p>
-        </p:txBody>
-      </p:sp>
-      <p:sp>
-        <p:nvSpPr>
-          <p:cNvPr id="3" name="Content Placeholder 2"/>
-          <p:cNvSpPr>
-            <a:spLocks noGrp="1"/>
-          </p:cNvSpPr>
-          <p:nvPr>
-            <p:ph sz="quarter" idx="1"/>
-          </p:nvPr>
-        </p:nvSpPr>
-        <p:spPr/>
-        <p:txBody>
-          <a:bodyPr>
-            <a:normAutofit/>
-          </a:bodyPr>
-          <a:lstStyle/>
-          <a:p>
-            <a:r>
-              <a:rPr lang="en-US" dirty="0" smtClean="0"/>
-              <a:t>Instant Messages or Chat.</a:t>
-            </a:r>
-          </a:p>
-          <a:p>
-            <a:r>
-              <a:rPr lang="en-US" dirty="0" smtClean="0"/>
-              <a:t>App Engine Application can talk to any XMPP-compatible Chat Service such as Google Talk or Jabber.</a:t>
-            </a:r>
-          </a:p>
-          <a:p>
-            <a:r>
-              <a:rPr lang="en-US" dirty="0" smtClean="0"/>
-              <a:t>Useful for creating interactive Chat based applications that a user can add to Google Talk and communicate via a subset of commands.</a:t>
-            </a:r>
-          </a:p>
-          <a:p>
-            <a:r>
-              <a:rPr lang="en-US" dirty="0" smtClean="0"/>
-              <a:t>For e.g. A Weather XMPP </a:t>
-            </a:r>
-            <a:r>
-              <a:rPr lang="en-US" dirty="0" err="1" smtClean="0"/>
-              <a:t>Bot</a:t>
-            </a:r>
-            <a:r>
-              <a:rPr lang="en-US" dirty="0" smtClean="0"/>
-              <a:t> which when provided a city name, gives its current weather conditions.</a:t>
-            </a:r>
-            <a:endParaRPr lang="en-IN" dirty="0"/>
-          </a:p>
-        </p:txBody>
-      </p:sp>
-      <p:sp>
-        <p:nvSpPr>
-          <p:cNvPr id="5" name="Slide Number Placeholder 4"/>
-          <p:cNvSpPr>
-            <a:spLocks noGrp="1"/>
-          </p:cNvSpPr>
-          <p:nvPr>
-            <p:ph type="sldNum" sz="quarter" idx="12"/>
-          </p:nvPr>
-        </p:nvSpPr>
-        <p:spPr>
-          <a:xfrm>
-            <a:off x="0" y="1279524"/>
-            <a:ext cx="533400" cy="244476"/>
-          </a:xfrm>
-        </p:spPr>
-        <p:txBody>
-          <a:bodyPr>
-            <a:normAutofit fontScale="85000" lnSpcReduction="20000"/>
-          </a:bodyPr>
-          <a:lstStyle/>
-          <a:p>
-            <a:fld id="{F2BF1754-4D2F-46D8-A35A-EF7FA01DA8F5}" type="slidenum">
-              <a:rPr lang="en-US" smtClean="0"/>
-              <a:pPr/>
-              <a:t>46</a:t>
-            </a:fld>
-            <a:endParaRPr lang="en-US" dirty="0"/>
-          </a:p>
-        </p:txBody>
-      </p:sp>
-    </p:spTree>
-  </p:cSld>
-  <p:clrMapOvr>
-    <a:masterClrMapping/>
-  </p:clrMapOvr>
-  <p:timing>
-    <p:tnLst>
-      <p:par>
-        <p:cTn id="1" dur="indefinite" restart="never" nodeType="tmRoot"/>
-      </p:par>
-    </p:tnLst>
-  </p:timing>
-</p:sld>
-</file>
-
-<file path=ppt/slides/slide47.xml><?xml version="1.0" encoding="utf-8"?>
-<p:sld xmlns:a="http://schemas.openxmlformats.org/drawingml/2006/main" xmlns:r="http://schemas.openxmlformats.org/officeDocument/2006/relationships" xmlns:p="http://schemas.openxmlformats.org/presentationml/2006/main">
-  <p:cSld>
-    <p:spTree>
-      <p:nvGrpSpPr>
-        <p:cNvPr id="1" name=""/>
-        <p:cNvGrpSpPr/>
-        <p:nvPr/>
-      </p:nvGrpSpPr>
-      <p:grpSpPr>
-        <a:xfrm>
-          <a:off x="0" y="0"/>
-          <a:ext cx="0" cy="0"/>
-          <a:chOff x="0" y="0"/>
-          <a:chExt cx="0" cy="0"/>
-        </a:xfrm>
-      </p:grpSpPr>
-      <p:sp>
-        <p:nvSpPr>
-          <p:cNvPr id="2" name="Title 1"/>
-          <p:cNvSpPr>
-            <a:spLocks noGrp="1"/>
-          </p:cNvSpPr>
-          <p:nvPr>
-            <p:ph type="title"/>
-          </p:nvPr>
-        </p:nvSpPr>
-        <p:spPr/>
-        <p:txBody>
-          <a:bodyPr>
-            <a:normAutofit/>
-          </a:bodyPr>
-          <a:lstStyle/>
-          <a:p>
-            <a:pPr algn="ctr"/>
-            <a:r>
-              <a:rPr lang="en-US" sz="4000" dirty="0" smtClean="0"/>
-              <a:t>App Engine – XMPP Service</a:t>
-            </a:r>
-            <a:endParaRPr lang="en-IN" sz="4000" dirty="0"/>
-          </a:p>
-        </p:txBody>
-      </p:sp>
-      <p:sp>
-        <p:nvSpPr>
-          <p:cNvPr id="3" name="Content Placeholder 2"/>
-          <p:cNvSpPr>
-            <a:spLocks noGrp="1"/>
-          </p:cNvSpPr>
-          <p:nvPr>
-            <p:ph sz="quarter" idx="1"/>
-          </p:nvPr>
-        </p:nvSpPr>
-        <p:spPr/>
-        <p:txBody>
-          <a:bodyPr/>
-          <a:lstStyle/>
-          <a:p>
-            <a:r>
-              <a:rPr lang="en-US" dirty="0" smtClean="0"/>
-              <a:t>XMPP Service support includes</a:t>
-            </a:r>
-          </a:p>
-          <a:p>
-            <a:pPr lvl="1"/>
-            <a:r>
-              <a:rPr lang="en-US" dirty="0" smtClean="0"/>
-              <a:t>Sending XMPP Messages</a:t>
-            </a:r>
-          </a:p>
-          <a:p>
-            <a:pPr lvl="1"/>
-            <a:r>
-              <a:rPr lang="en-US" dirty="0" smtClean="0"/>
-              <a:t>Receiving XMPP Messages</a:t>
-            </a:r>
-          </a:p>
-          <a:p>
-            <a:pPr lvl="1"/>
-            <a:r>
-              <a:rPr lang="en-US" dirty="0" smtClean="0"/>
-              <a:t>Sending Invitations</a:t>
-            </a:r>
-          </a:p>
-          <a:p>
-            <a:pPr lvl="1"/>
-            <a:r>
-              <a:rPr lang="en-US" dirty="0" smtClean="0"/>
-              <a:t>Managing Presence</a:t>
-            </a:r>
-            <a:endParaRPr lang="en-IN" dirty="0"/>
-          </a:p>
-        </p:txBody>
-      </p:sp>
-      <p:sp>
-        <p:nvSpPr>
-          <p:cNvPr id="5" name="Slide Number Placeholder 4"/>
-          <p:cNvSpPr>
-            <a:spLocks noGrp="1"/>
-          </p:cNvSpPr>
-          <p:nvPr>
-            <p:ph type="sldNum" sz="quarter" idx="12"/>
-          </p:nvPr>
-        </p:nvSpPr>
-        <p:spPr>
-          <a:xfrm>
-            <a:off x="0" y="1279524"/>
-            <a:ext cx="533400" cy="244476"/>
-          </a:xfrm>
-        </p:spPr>
-        <p:txBody>
-          <a:bodyPr>
-            <a:normAutofit fontScale="85000" lnSpcReduction="20000"/>
-          </a:bodyPr>
-          <a:lstStyle/>
-          <a:p>
-            <a:fld id="{F2BF1754-4D2F-46D8-A35A-EF7FA01DA8F5}" type="slidenum">
-              <a:rPr lang="en-US" smtClean="0"/>
-              <a:pPr/>
-              <a:t>47</a:t>
-            </a:fld>
-            <a:endParaRPr lang="en-US" dirty="0"/>
-          </a:p>
-        </p:txBody>
-      </p:sp>
-      <p:sp>
-        <p:nvSpPr>
-          <p:cNvPr id="6" name="Rectangle 5"/>
-          <p:cNvSpPr/>
-          <p:nvPr/>
-        </p:nvSpPr>
-        <p:spPr>
-          <a:xfrm>
-            <a:off x="838200" y="4763869"/>
-            <a:ext cx="7315200" cy="400110"/>
-          </a:xfrm>
-          <a:prstGeom prst="rect">
-            <a:avLst/>
-          </a:prstGeom>
-        </p:spPr>
-        <p:txBody>
-          <a:bodyPr wrap="square">
-            <a:spAutoFit/>
-          </a:bodyPr>
-          <a:lstStyle/>
-          <a:p>
-            <a:pPr algn="ctr"/>
-            <a:r>
-              <a:rPr lang="en-IN" sz="2000" b="1" dirty="0" smtClean="0">
-                <a:hlinkClick r:id="rId2"/>
-              </a:rPr>
-              <a:t>https://developers.google.com/appengine/docs/java/xmpp/</a:t>
-            </a:r>
-            <a:r>
-              <a:rPr lang="en-IN" sz="2000" b="1" dirty="0" smtClean="0"/>
-              <a:t> </a:t>
-            </a:r>
-            <a:endParaRPr lang="en-IN" sz="2000" b="1" dirty="0"/>
-          </a:p>
-        </p:txBody>
-      </p:sp>
-    </p:spTree>
-  </p:cSld>
-  <p:clrMapOvr>
-    <a:masterClrMapping/>
-  </p:clrMapOvr>
-  <p:timing>
-    <p:tnLst>
-      <p:par>
-        <p:cTn id="1" dur="indefinite" restart="never" nodeType="tmRoot"/>
-      </p:par>
-    </p:tnLst>
-  </p:timing>
-</p:sld>
-</file>
-
 <file path=ppt/slides/slide48.xml><?xml version="1.0" encoding="utf-8"?>
 <p:sld xmlns:a="http://schemas.openxmlformats.org/drawingml/2006/main" xmlns:r="http://schemas.openxmlformats.org/officeDocument/2006/relationships" xmlns:p="http://schemas.openxmlformats.org/presentationml/2006/main">
   <p:cSld>
@@ -21081,22 +20671,34 @@
           <a:p>
             <a:r>
               <a:rPr lang="en-US" dirty="0" smtClean="0"/>
-              <a:t>Sending XMPP message is as simple as invoking the similar to invoking any HTTP request, simply invoke the XMPP API to send the message. Optionally, you can monitor for errors.</a:t>
-            </a:r>
-          </a:p>
-          <a:p>
-            <a:r>
-              <a:rPr lang="en-US" dirty="0" smtClean="0"/>
-              <a:t>Receiving XMPP is similar to receiving HTTP requests. App Engine wraps the message and invokes standard Request Handlers for XMPP in your application.</a:t>
-            </a:r>
-          </a:p>
-          <a:p>
-            <a:r>
-              <a:rPr lang="en-US" dirty="0" smtClean="0"/>
-              <a:t>The message is put in the HTTP Request payload and you can parse it out.</a:t>
-            </a:r>
-          </a:p>
-          <a:p>
+              <a:t>Instant Messages or Chat.</a:t>
+            </a:r>
+          </a:p>
+          <a:p>
+            <a:r>
+              <a:rPr lang="en-US" dirty="0" smtClean="0"/>
+              <a:t>App Engine Application can talk to any XMPP-compatible Chat Service such as Google Talk or Jabber.</a:t>
+            </a:r>
+          </a:p>
+          <a:p>
+            <a:r>
+              <a:rPr lang="en-US" dirty="0" smtClean="0"/>
+              <a:t>Useful for creating interactive Chat based applications that a user can add to Google Talk and communicate via a subset of commands.</a:t>
+            </a:r>
+          </a:p>
+          <a:p>
+            <a:r>
+              <a:rPr lang="en-US" dirty="0" smtClean="0"/>
+              <a:t>For e.g. A Weather XMPP </a:t>
+            </a:r>
+            <a:r>
+              <a:rPr lang="en-US" dirty="0" err="1" smtClean="0"/>
+              <a:t>Bot</a:t>
+            </a:r>
+            <a:r>
+              <a:rPr lang="en-US" dirty="0" smtClean="0"/>
+              <a:t> which when provided a city name, gives its current weather conditions.</a:t>
+            </a:r>
             <a:endParaRPr lang="en-IN" dirty="0"/>
           </a:p>
         </p:txBody>
@@ -21184,7 +20786,7 @@
             <a:pPr algn="ctr"/>
             <a:r>
               <a:rPr lang="en-US" sz="4000" dirty="0" smtClean="0"/>
-              <a:t>App Engine – XMPP JID</a:t>
+              <a:t>App Engine – XMPP Service</a:t>
             </a:r>
             <a:endParaRPr lang="en-IN" sz="4000" dirty="0"/>
           </a:p>
@@ -21202,54 +20804,42 @@
         </p:nvSpPr>
         <p:spPr/>
         <p:txBody>
-          <a:bodyPr>
-            <a:normAutofit lnSpcReduction="10000"/>
-          </a:bodyPr>
-          <a:lstStyle/>
-          <a:p>
-            <a:r>
-              <a:rPr lang="en-IN" dirty="0" smtClean="0"/>
-              <a:t>Each participant in an XMPP Application is identified by a Jabber ID (JID)</a:t>
-            </a:r>
-          </a:p>
-          <a:p>
-            <a:r>
-              <a:rPr lang="en-IN" dirty="0" smtClean="0"/>
-              <a:t>Jabber ID : username @ domain / resource</a:t>
-            </a:r>
-          </a:p>
-          <a:p>
-            <a:r>
-              <a:rPr lang="en-US" dirty="0" smtClean="0"/>
-              <a:t>To send a XMPP Message, you send the message to your own server, which delivers it to the other server and if the user is online, the message is delivered to the client application e.g. Google Talk.</a:t>
-            </a:r>
-          </a:p>
-          <a:p>
-            <a:r>
-              <a:rPr lang="en-US" dirty="0" smtClean="0"/>
-              <a:t>For XMPP Chat, your App Engine application can receive messages at </a:t>
-            </a:r>
-            <a:r>
-              <a:rPr lang="en-US" dirty="0" smtClean="0">
-                <a:hlinkClick r:id="rId2"/>
-              </a:rPr>
-              <a:t>app-id@appspot.com</a:t>
-            </a:r>
-            <a:r>
-              <a:rPr lang="en-US" dirty="0" smtClean="0"/>
-              <a:t> or </a:t>
-            </a:r>
-            <a:r>
-              <a:rPr lang="en-US" dirty="0" smtClean="0">
-                <a:hlinkClick r:id="rId3"/>
-              </a:rPr>
-              <a:t>anything@app-id.appspotchat.com</a:t>
-            </a:r>
-            <a:r>
-              <a:rPr lang="en-US" dirty="0" smtClean="0"/>
-              <a:t> </a:t>
-            </a:r>
-            <a:endParaRPr lang="en-IN" dirty="0" smtClean="0"/>
+          <a:bodyPr/>
+          <a:lstStyle/>
+          <a:p>
+            <a:r>
+              <a:rPr lang="en-US" dirty="0" smtClean="0"/>
+              <a:t>XMPP Service support includes</a:t>
+            </a:r>
+          </a:p>
+          <a:p>
+            <a:pPr lvl="1"/>
+            <a:r>
+              <a:rPr lang="en-US" dirty="0" smtClean="0"/>
+              <a:t>Sending XMPP Messages</a:t>
+            </a:r>
+          </a:p>
+          <a:p>
+            <a:pPr lvl="1"/>
+            <a:r>
+              <a:rPr lang="en-US" dirty="0" smtClean="0"/>
+              <a:t>Receiving XMPP Messages</a:t>
+            </a:r>
+          </a:p>
+          <a:p>
+            <a:pPr lvl="1"/>
+            <a:r>
+              <a:rPr lang="en-US" dirty="0" smtClean="0"/>
+              <a:t>Sending Invitations</a:t>
+            </a:r>
+          </a:p>
+          <a:p>
+            <a:pPr lvl="1"/>
+            <a:r>
+              <a:rPr lang="en-US" dirty="0" smtClean="0"/>
+              <a:t>Managing Presence</a:t>
+            </a:r>
+            <a:endParaRPr lang="en-IN" dirty="0"/>
           </a:p>
         </p:txBody>
       </p:sp>
@@ -21281,6 +20871,42 @@
               <a:t>49</a:t>
             </a:fld>
             <a:endParaRPr lang="en-US" dirty="0"/>
+          </a:p>
+        </p:txBody>
+      </p:sp>
+      <p:sp>
+        <p:nvSpPr>
+          <p:cNvPr id="6" name="Rectangle 5"/>
+          <p:cNvSpPr/>
+          <p:nvPr/>
+        </p:nvSpPr>
+        <p:spPr>
+          <a:xfrm>
+            <a:off x="838200" y="4763869"/>
+            <a:ext cx="7315200" cy="400110"/>
+          </a:xfrm>
+          <a:prstGeom prst="rect">
+            <a:avLst/>
+          </a:prstGeom>
+        </p:spPr>
+        <p:txBody>
+          <a:bodyPr wrap="square">
+            <a:spAutoFit/>
+          </a:bodyPr>
+          <a:lstStyle/>
+          <a:p>
+            <a:pPr algn="ctr"/>
+            <a:r>
+              <a:rPr lang="en-IN" sz="2000" b="1" dirty="0" smtClean="0">
+                <a:hlinkClick r:id="rId2"/>
+              </a:rPr>
+              <a:t>https://developers.google.com/appengine/docs/java/xmpp/</a:t>
+            </a:r>
+            <a:r>
+              <a:rPr lang="en-IN" sz="2000" b="1" dirty="0" smtClean="0"/>
+              <a:t> </a:t>
+            </a:r>
+            <a:endParaRPr lang="en-IN" sz="2000" b="1" dirty="0"/>
           </a:p>
         </p:txBody>
       </p:sp>
@@ -21486,6 +21112,286 @@
           </a:p>
         </p:txBody>
       </p:sp>
+      <p:sp>
+        <p:nvSpPr>
+          <p:cNvPr id="3" name="Content Placeholder 2"/>
+          <p:cNvSpPr>
+            <a:spLocks noGrp="1"/>
+          </p:cNvSpPr>
+          <p:nvPr>
+            <p:ph sz="quarter" idx="1"/>
+          </p:nvPr>
+        </p:nvSpPr>
+        <p:spPr/>
+        <p:txBody>
+          <a:bodyPr>
+            <a:normAutofit fontScale="92500"/>
+          </a:bodyPr>
+          <a:lstStyle/>
+          <a:p>
+            <a:r>
+              <a:rPr lang="en-US" dirty="0" smtClean="0"/>
+              <a:t>Sending XMPP message is as simple as invoking the similar to invoking any HTTP request, simply invoke the XMPP API to send the message. Optionally, you can monitor for errors.</a:t>
+            </a:r>
+          </a:p>
+          <a:p>
+            <a:r>
+              <a:rPr lang="en-US" dirty="0" smtClean="0"/>
+              <a:t>Receiving XMPP is similar to receiving HTTP requests. App Engine wraps the message and invokes standard Request Handlers for XMPP in your application.</a:t>
+            </a:r>
+          </a:p>
+          <a:p>
+            <a:r>
+              <a:rPr lang="en-US" dirty="0" smtClean="0"/>
+              <a:t>The message is put in the HTTP Request payload and you can parse it out.</a:t>
+            </a:r>
+          </a:p>
+          <a:p>
+            <a:endParaRPr lang="en-IN" dirty="0"/>
+          </a:p>
+        </p:txBody>
+      </p:sp>
+      <p:sp>
+        <p:nvSpPr>
+          <p:cNvPr id="5" name="Slide Number Placeholder 4"/>
+          <p:cNvSpPr>
+            <a:spLocks noGrp="1"/>
+          </p:cNvSpPr>
+          <p:nvPr>
+            <p:ph type="sldNum" sz="quarter" idx="12"/>
+          </p:nvPr>
+        </p:nvSpPr>
+        <p:spPr>
+          <a:xfrm>
+            <a:off x="0" y="1279524"/>
+            <a:ext cx="533400" cy="244476"/>
+          </a:xfrm>
+        </p:spPr>
+        <p:txBody>
+          <a:bodyPr>
+            <a:normAutofit fontScale="85000" lnSpcReduction="20000"/>
+          </a:bodyPr>
+          <a:lstStyle/>
+          <a:p>
+            <a:fld id="{F2BF1754-4D2F-46D8-A35A-EF7FA01DA8F5}" type="slidenum">
+              <a:rPr lang="en-US" smtClean="0"/>
+              <a:pPr/>
+              <a:t>50</a:t>
+            </a:fld>
+            <a:endParaRPr lang="en-US" dirty="0"/>
+          </a:p>
+        </p:txBody>
+      </p:sp>
+    </p:spTree>
+  </p:cSld>
+  <p:clrMapOvr>
+    <a:masterClrMapping/>
+  </p:clrMapOvr>
+  <p:timing>
+    <p:tnLst>
+      <p:par>
+        <p:cTn id="1" dur="indefinite" restart="never" nodeType="tmRoot"/>
+      </p:par>
+    </p:tnLst>
+  </p:timing>
+</p:sld>
+</file>
+
+<file path=ppt/slides/slide51.xml><?xml version="1.0" encoding="utf-8"?>
+<p:sld xmlns:a="http://schemas.openxmlformats.org/drawingml/2006/main" xmlns:r="http://schemas.openxmlformats.org/officeDocument/2006/relationships" xmlns:p="http://schemas.openxmlformats.org/presentationml/2006/main">
+  <p:cSld>
+    <p:spTree>
+      <p:nvGrpSpPr>
+        <p:cNvPr id="1" name=""/>
+        <p:cNvGrpSpPr/>
+        <p:nvPr/>
+      </p:nvGrpSpPr>
+      <p:grpSpPr>
+        <a:xfrm>
+          <a:off x="0" y="0"/>
+          <a:ext cx="0" cy="0"/>
+          <a:chOff x="0" y="0"/>
+          <a:chExt cx="0" cy="0"/>
+        </a:xfrm>
+      </p:grpSpPr>
+      <p:sp>
+        <p:nvSpPr>
+          <p:cNvPr id="2" name="Title 1"/>
+          <p:cNvSpPr>
+            <a:spLocks noGrp="1"/>
+          </p:cNvSpPr>
+          <p:nvPr>
+            <p:ph type="title"/>
+          </p:nvPr>
+        </p:nvSpPr>
+        <p:spPr/>
+        <p:txBody>
+          <a:bodyPr>
+            <a:normAutofit/>
+          </a:bodyPr>
+          <a:lstStyle/>
+          <a:p>
+            <a:pPr algn="ctr"/>
+            <a:r>
+              <a:rPr lang="en-US" sz="4000" dirty="0" smtClean="0"/>
+              <a:t>App Engine – XMPP JID</a:t>
+            </a:r>
+            <a:endParaRPr lang="en-IN" sz="4000" dirty="0"/>
+          </a:p>
+        </p:txBody>
+      </p:sp>
+      <p:sp>
+        <p:nvSpPr>
+          <p:cNvPr id="3" name="Content Placeholder 2"/>
+          <p:cNvSpPr>
+            <a:spLocks noGrp="1"/>
+          </p:cNvSpPr>
+          <p:nvPr>
+            <p:ph sz="quarter" idx="1"/>
+          </p:nvPr>
+        </p:nvSpPr>
+        <p:spPr/>
+        <p:txBody>
+          <a:bodyPr>
+            <a:normAutofit fontScale="92500" lnSpcReduction="10000"/>
+          </a:bodyPr>
+          <a:lstStyle/>
+          <a:p>
+            <a:r>
+              <a:rPr lang="en-IN" dirty="0" smtClean="0"/>
+              <a:t>Each participant in an XMPP Application is identified by a Jabber ID (JID)</a:t>
+            </a:r>
+          </a:p>
+          <a:p>
+            <a:r>
+              <a:rPr lang="en-IN" dirty="0" smtClean="0"/>
+              <a:t>Jabber ID : username @ domain / resource</a:t>
+            </a:r>
+          </a:p>
+          <a:p>
+            <a:r>
+              <a:rPr lang="en-US" dirty="0" smtClean="0"/>
+              <a:t>To send a XMPP Message, you send the message to your own server, which delivers it to the other server and if the user is online, the message is delivered to the client application e.g. Google Talk.</a:t>
+            </a:r>
+          </a:p>
+          <a:p>
+            <a:r>
+              <a:rPr lang="en-US" dirty="0" smtClean="0"/>
+              <a:t>For XMPP Chat, your App Engine application can receive messages at </a:t>
+            </a:r>
+            <a:r>
+              <a:rPr lang="en-US" dirty="0" smtClean="0">
+                <a:hlinkClick r:id="rId2"/>
+              </a:rPr>
+              <a:t>app-id@appspot.com</a:t>
+            </a:r>
+            <a:r>
+              <a:rPr lang="en-US" dirty="0" smtClean="0"/>
+              <a:t> or </a:t>
+            </a:r>
+            <a:r>
+              <a:rPr lang="en-US" dirty="0" smtClean="0">
+                <a:hlinkClick r:id="rId3"/>
+              </a:rPr>
+              <a:t>anything@app-id.appspotchat.com</a:t>
+            </a:r>
+            <a:r>
+              <a:rPr lang="en-US" dirty="0" smtClean="0"/>
+              <a:t> </a:t>
+            </a:r>
+            <a:endParaRPr lang="en-IN" dirty="0" smtClean="0"/>
+          </a:p>
+        </p:txBody>
+      </p:sp>
+      <p:sp>
+        <p:nvSpPr>
+          <p:cNvPr id="5" name="Slide Number Placeholder 4"/>
+          <p:cNvSpPr>
+            <a:spLocks noGrp="1"/>
+          </p:cNvSpPr>
+          <p:nvPr>
+            <p:ph type="sldNum" sz="quarter" idx="12"/>
+          </p:nvPr>
+        </p:nvSpPr>
+        <p:spPr>
+          <a:xfrm>
+            <a:off x="0" y="1279524"/>
+            <a:ext cx="533400" cy="244476"/>
+          </a:xfrm>
+        </p:spPr>
+        <p:txBody>
+          <a:bodyPr>
+            <a:normAutofit fontScale="85000" lnSpcReduction="20000"/>
+          </a:bodyPr>
+          <a:lstStyle/>
+          <a:p>
+            <a:fld id="{F2BF1754-4D2F-46D8-A35A-EF7FA01DA8F5}" type="slidenum">
+              <a:rPr lang="en-US" smtClean="0"/>
+              <a:pPr/>
+              <a:t>51</a:t>
+            </a:fld>
+            <a:endParaRPr lang="en-US" dirty="0"/>
+          </a:p>
+        </p:txBody>
+      </p:sp>
+    </p:spTree>
+  </p:cSld>
+  <p:clrMapOvr>
+    <a:masterClrMapping/>
+  </p:clrMapOvr>
+  <p:timing>
+    <p:tnLst>
+      <p:par>
+        <p:cTn id="1" dur="indefinite" restart="never" nodeType="tmRoot"/>
+      </p:par>
+    </p:tnLst>
+  </p:timing>
+</p:sld>
+</file>
+
+<file path=ppt/slides/slide52.xml><?xml version="1.0" encoding="utf-8"?>
+<p:sld xmlns:a="http://schemas.openxmlformats.org/drawingml/2006/main" xmlns:r="http://schemas.openxmlformats.org/officeDocument/2006/relationships" xmlns:p="http://schemas.openxmlformats.org/presentationml/2006/main">
+  <p:cSld>
+    <p:spTree>
+      <p:nvGrpSpPr>
+        <p:cNvPr id="1" name=""/>
+        <p:cNvGrpSpPr/>
+        <p:nvPr/>
+      </p:nvGrpSpPr>
+      <p:grpSpPr>
+        <a:xfrm>
+          <a:off x="0" y="0"/>
+          <a:ext cx="0" cy="0"/>
+          <a:chOff x="0" y="0"/>
+          <a:chExt cx="0" cy="0"/>
+        </a:xfrm>
+      </p:grpSpPr>
+      <p:sp>
+        <p:nvSpPr>
+          <p:cNvPr id="2" name="Title 1"/>
+          <p:cNvSpPr>
+            <a:spLocks noGrp="1"/>
+          </p:cNvSpPr>
+          <p:nvPr>
+            <p:ph type="title"/>
+          </p:nvPr>
+        </p:nvSpPr>
+        <p:spPr/>
+        <p:txBody>
+          <a:bodyPr>
+            <a:normAutofit/>
+          </a:bodyPr>
+          <a:lstStyle/>
+          <a:p>
+            <a:pPr algn="ctr"/>
+            <a:r>
+              <a:rPr lang="en-US" sz="4000" dirty="0" smtClean="0"/>
+              <a:t>App Engine – XMPP Service</a:t>
+            </a:r>
+            <a:endParaRPr lang="en-IN" sz="4000" dirty="0"/>
+          </a:p>
+        </p:txBody>
+      </p:sp>
       <p:pic>
         <p:nvPicPr>
           <p:cNvPr id="84994" name="Picture 2"/>
@@ -21543,7 +21449,7 @@
             <a:fld id="{F2BF1754-4D2F-46D8-A35A-EF7FA01DA8F5}" type="slidenum">
               <a:rPr lang="en-US" smtClean="0"/>
               <a:pPr/>
-              <a:t>50</a:t>
+              <a:t>52</a:t>
             </a:fld>
             <a:endParaRPr lang="en-US" dirty="0"/>
           </a:p>
@@ -21564,7 +21470,7 @@
 </p:sld>
 </file>
 
-<file path=ppt/slides/slide51.xml><?xml version="1.0" encoding="utf-8"?>
+<file path=ppt/slides/slide53.xml><?xml version="1.0" encoding="utf-8"?>
 <p:sld xmlns:a="http://schemas.openxmlformats.org/drawingml/2006/main" xmlns:r="http://schemas.openxmlformats.org/officeDocument/2006/relationships" xmlns:p="http://schemas.openxmlformats.org/presentationml/2006/main">
   <p:cSld>
     <p:spTree>
@@ -21625,7 +21531,7 @@
         </p:spPr>
         <p:txBody>
           <a:bodyPr>
-            <a:normAutofit lnSpcReduction="10000"/>
+            <a:normAutofit fontScale="92500" lnSpcReduction="20000"/>
           </a:bodyPr>
           <a:lstStyle/>
           <a:p>
@@ -21741,7 +21647,7 @@
             <a:fld id="{F2BF1754-4D2F-46D8-A35A-EF7FA01DA8F5}" type="slidenum">
               <a:rPr lang="en-US" smtClean="0"/>
               <a:pPr/>
-              <a:t>51</a:t>
+              <a:t>53</a:t>
             </a:fld>
             <a:endParaRPr lang="en-US" dirty="0"/>
           </a:p>
@@ -21762,7 +21668,7 @@
 </p:sld>
 </file>
 
-<file path=ppt/slides/slide52.xml><?xml version="1.0" encoding="utf-8"?>
+<file path=ppt/slides/slide54.xml><?xml version="1.0" encoding="utf-8"?>
 <p:sld xmlns:a="http://schemas.openxmlformats.org/drawingml/2006/main" xmlns:r="http://schemas.openxmlformats.org/officeDocument/2006/relationships" xmlns:p="http://schemas.openxmlformats.org/presentationml/2006/main">
   <p:cSld>
     <p:spTree>
@@ -21818,7 +21724,7 @@
         <p:spPr/>
         <p:txBody>
           <a:bodyPr>
-            <a:normAutofit fontScale="92500"/>
+            <a:normAutofit fontScale="92500" lnSpcReduction="10000"/>
           </a:bodyPr>
           <a:lstStyle/>
           <a:p>
@@ -21934,588 +21840,6 @@
             <a:fld id="{F2BF1754-4D2F-46D8-A35A-EF7FA01DA8F5}" type="slidenum">
               <a:rPr lang="en-US" smtClean="0"/>
               <a:pPr/>
-              <a:t>52</a:t>
-            </a:fld>
-            <a:endParaRPr lang="en-US" dirty="0"/>
-          </a:p>
-        </p:txBody>
-      </p:sp>
-    </p:spTree>
-  </p:cSld>
-  <p:clrMapOvr>
-    <a:masterClrMapping/>
-  </p:clrMapOvr>
-  <p:timing>
-    <p:tnLst>
-      <p:par>
-        <p:cTn id="1" dur="indefinite" restart="never" nodeType="tmRoot"/>
-      </p:par>
-    </p:tnLst>
-  </p:timing>
-</p:sld>
-</file>
-
-<file path=ppt/slides/slide53.xml><?xml version="1.0" encoding="utf-8"?>
-<p:sld xmlns:a="http://schemas.openxmlformats.org/drawingml/2006/main" xmlns:r="http://schemas.openxmlformats.org/officeDocument/2006/relationships" xmlns:p="http://schemas.openxmlformats.org/presentationml/2006/main">
-  <p:cSld>
-    <p:spTree>
-      <p:nvGrpSpPr>
-        <p:cNvPr id="1" name=""/>
-        <p:cNvGrpSpPr/>
-        <p:nvPr/>
-      </p:nvGrpSpPr>
-      <p:grpSpPr>
-        <a:xfrm>
-          <a:off x="0" y="0"/>
-          <a:ext cx="0" cy="0"/>
-          <a:chOff x="0" y="0"/>
-          <a:chExt cx="0" cy="0"/>
-        </a:xfrm>
-      </p:grpSpPr>
-      <p:sp>
-        <p:nvSpPr>
-          <p:cNvPr id="2" name="Title 1"/>
-          <p:cNvSpPr>
-            <a:spLocks noGrp="1"/>
-          </p:cNvSpPr>
-          <p:nvPr>
-            <p:ph type="title"/>
-          </p:nvPr>
-        </p:nvSpPr>
-        <p:spPr>
-          <a:xfrm>
-            <a:off x="533400" y="228600"/>
-            <a:ext cx="8153400" cy="990600"/>
-          </a:xfrm>
-        </p:spPr>
-        <p:txBody>
-          <a:bodyPr>
-            <a:normAutofit/>
-          </a:bodyPr>
-          <a:lstStyle/>
-          <a:p>
-            <a:pPr algn="ctr"/>
-            <a:r>
-              <a:rPr lang="en-US" sz="2800" dirty="0" smtClean="0"/>
-              <a:t>App Engine – Receiving XMPP Message</a:t>
-            </a:r>
-            <a:endParaRPr lang="en-IN" sz="4000" dirty="0"/>
-          </a:p>
-        </p:txBody>
-      </p:sp>
-      <p:sp>
-        <p:nvSpPr>
-          <p:cNvPr id="5" name="Rectangle 4"/>
-          <p:cNvSpPr/>
-          <p:nvPr/>
-        </p:nvSpPr>
-        <p:spPr>
-          <a:xfrm>
-            <a:off x="76200" y="1600200"/>
-            <a:ext cx="9067800" cy="4093428"/>
-          </a:xfrm>
-          <a:prstGeom prst="rect">
-            <a:avLst/>
-          </a:prstGeom>
-          <a:solidFill>
-            <a:schemeClr val="bg2"/>
-          </a:solidFill>
-        </p:spPr>
-        <p:txBody>
-          <a:bodyPr wrap="square">
-            <a:spAutoFit/>
-          </a:bodyPr>
-          <a:lstStyle/>
-          <a:p>
-            <a:r>
-              <a:rPr lang="en-IN" sz="2000" dirty="0" smtClean="0"/>
-              <a:t>public class </a:t>
-            </a:r>
-            <a:r>
-              <a:rPr lang="en-IN" sz="2000" dirty="0" err="1" smtClean="0"/>
-              <a:t>XMPPReceiverServlet</a:t>
-            </a:r>
-            <a:r>
-              <a:rPr lang="en-IN" sz="2000" dirty="0" smtClean="0"/>
-              <a:t> extends </a:t>
-            </a:r>
-            <a:r>
-              <a:rPr lang="en-IN" sz="2000" dirty="0" err="1" smtClean="0"/>
-              <a:t>HttpServlet</a:t>
-            </a:r>
-            <a:r>
-              <a:rPr lang="en-IN" sz="2000" dirty="0" smtClean="0"/>
-              <a:t> {</a:t>
-            </a:r>
-          </a:p>
-          <a:p>
-            <a:r>
-              <a:rPr lang="en-IN" sz="2000" dirty="0" smtClean="0"/>
-              <a:t>public void </a:t>
-            </a:r>
-            <a:r>
-              <a:rPr lang="en-IN" sz="2000" dirty="0" err="1" smtClean="0"/>
-              <a:t>doPost</a:t>
-            </a:r>
-            <a:r>
-              <a:rPr lang="en-IN" sz="2000" dirty="0" smtClean="0"/>
-              <a:t>(</a:t>
-            </a:r>
-            <a:r>
-              <a:rPr lang="en-IN" sz="2000" dirty="0" err="1" smtClean="0"/>
-              <a:t>HttpServletRequest</a:t>
-            </a:r>
-            <a:r>
-              <a:rPr lang="en-IN" sz="2000" dirty="0" smtClean="0"/>
-              <a:t> </a:t>
-            </a:r>
-            <a:r>
-              <a:rPr lang="en-IN" sz="2000" dirty="0" err="1" smtClean="0"/>
-              <a:t>req</a:t>
-            </a:r>
-            <a:r>
-              <a:rPr lang="en-IN" sz="2000" dirty="0" smtClean="0"/>
-              <a:t>, </a:t>
-            </a:r>
-            <a:r>
-              <a:rPr lang="en-IN" sz="2000" dirty="0" err="1" smtClean="0"/>
-              <a:t>HttpServletResponse</a:t>
-            </a:r>
-            <a:r>
-              <a:rPr lang="en-IN" sz="2000" dirty="0" smtClean="0"/>
-              <a:t> </a:t>
-            </a:r>
-            <a:r>
-              <a:rPr lang="en-IN" sz="2000" dirty="0" err="1" smtClean="0"/>
-              <a:t>resp</a:t>
-            </a:r>
-            <a:r>
-              <a:rPr lang="en-IN" sz="2000" dirty="0" smtClean="0"/>
-              <a:t>)</a:t>
-            </a:r>
-          </a:p>
-          <a:p>
-            <a:r>
-              <a:rPr lang="en-IN" sz="2000" dirty="0" smtClean="0"/>
-              <a:t>throws </a:t>
-            </a:r>
-            <a:r>
-              <a:rPr lang="en-IN" sz="2000" dirty="0" err="1" smtClean="0"/>
-              <a:t>IOException</a:t>
-            </a:r>
-            <a:r>
-              <a:rPr lang="en-IN" sz="2000" dirty="0" smtClean="0"/>
-              <a:t> {</a:t>
-            </a:r>
-          </a:p>
-          <a:p>
-            <a:endParaRPr lang="en-IN" sz="2000" dirty="0" smtClean="0"/>
-          </a:p>
-          <a:p>
-            <a:r>
-              <a:rPr lang="en-IN" sz="2000" dirty="0" err="1" smtClean="0"/>
-              <a:t>XMPPService</a:t>
-            </a:r>
-            <a:r>
-              <a:rPr lang="en-IN" sz="2000" dirty="0" smtClean="0"/>
-              <a:t> </a:t>
-            </a:r>
-            <a:r>
-              <a:rPr lang="en-IN" sz="2000" dirty="0" err="1" smtClean="0"/>
-              <a:t>xmpp</a:t>
-            </a:r>
-            <a:r>
-              <a:rPr lang="en-IN" sz="2000" dirty="0" smtClean="0"/>
-              <a:t> = </a:t>
-            </a:r>
-            <a:r>
-              <a:rPr lang="en-IN" sz="2000" dirty="0" err="1" smtClean="0"/>
-              <a:t>XMPPServiceFactory.getXMPPService</a:t>
-            </a:r>
-            <a:r>
-              <a:rPr lang="en-IN" sz="2000" dirty="0" smtClean="0"/>
-              <a:t>();</a:t>
-            </a:r>
-          </a:p>
-          <a:p>
-            <a:r>
-              <a:rPr lang="en-IN" sz="2000" dirty="0" smtClean="0"/>
-              <a:t>Message </a:t>
-            </a:r>
-            <a:r>
-              <a:rPr lang="en-IN" sz="2000" dirty="0" err="1" smtClean="0"/>
-              <a:t>message</a:t>
-            </a:r>
-            <a:r>
-              <a:rPr lang="en-IN" sz="2000" dirty="0" smtClean="0"/>
-              <a:t> = </a:t>
-            </a:r>
-            <a:r>
-              <a:rPr lang="en-IN" sz="2000" dirty="0" err="1" smtClean="0"/>
-              <a:t>xmpp.parseMessage</a:t>
-            </a:r>
-            <a:r>
-              <a:rPr lang="en-IN" sz="2000" dirty="0" smtClean="0"/>
-              <a:t>(</a:t>
-            </a:r>
-            <a:r>
-              <a:rPr lang="en-IN" sz="2000" dirty="0" err="1" smtClean="0"/>
-              <a:t>req</a:t>
-            </a:r>
-            <a:r>
-              <a:rPr lang="en-IN" sz="2000" dirty="0" smtClean="0"/>
-              <a:t>);</a:t>
-            </a:r>
-          </a:p>
-          <a:p>
-            <a:r>
-              <a:rPr lang="en-IN" sz="2000" dirty="0" smtClean="0"/>
-              <a:t>// ... Use methods like</a:t>
-            </a:r>
-          </a:p>
-          <a:p>
-            <a:r>
-              <a:rPr lang="en-US" sz="2000" dirty="0" smtClean="0"/>
-              <a:t>// </a:t>
-            </a:r>
-            <a:r>
-              <a:rPr lang="en-US" sz="2000" dirty="0" err="1" smtClean="0"/>
-              <a:t>message.getFromJid</a:t>
-            </a:r>
-            <a:r>
-              <a:rPr lang="en-US" sz="2000" dirty="0" smtClean="0"/>
-              <a:t>();</a:t>
-            </a:r>
-          </a:p>
-          <a:p>
-            <a:r>
-              <a:rPr lang="en-US" sz="2000" dirty="0" smtClean="0"/>
-              <a:t>// </a:t>
-            </a:r>
-            <a:r>
-              <a:rPr lang="en-US" sz="2000" dirty="0" err="1" smtClean="0"/>
-              <a:t>message.getBody</a:t>
-            </a:r>
-            <a:r>
-              <a:rPr lang="en-US" sz="2000" dirty="0" smtClean="0"/>
-              <a:t>();</a:t>
-            </a:r>
-            <a:endParaRPr lang="en-IN" sz="2000" dirty="0" smtClean="0"/>
-          </a:p>
-          <a:p>
-            <a:endParaRPr lang="en-IN" sz="2000" dirty="0" smtClean="0"/>
-          </a:p>
-          <a:p>
-            <a:r>
-              <a:rPr lang="en-IN" sz="2000" dirty="0" smtClean="0"/>
-              <a:t>}</a:t>
-            </a:r>
-          </a:p>
-          <a:p>
-            <a:endParaRPr lang="en-IN" sz="2000" dirty="0" smtClean="0"/>
-          </a:p>
-          <a:p>
-            <a:r>
-              <a:rPr lang="en-IN" sz="2000" dirty="0" smtClean="0"/>
-              <a:t>}</a:t>
-            </a:r>
-            <a:endParaRPr lang="en-IN" sz="2000" dirty="0"/>
-          </a:p>
-        </p:txBody>
-      </p:sp>
-      <p:sp>
-        <p:nvSpPr>
-          <p:cNvPr id="4" name="Slide Number Placeholder 4"/>
-          <p:cNvSpPr>
-            <a:spLocks noGrp="1"/>
-          </p:cNvSpPr>
-          <p:nvPr>
-            <p:ph type="sldNum" sz="quarter" idx="12"/>
-          </p:nvPr>
-        </p:nvSpPr>
-        <p:spPr>
-          <a:xfrm>
-            <a:off x="0" y="1279524"/>
-            <a:ext cx="533400" cy="244476"/>
-          </a:xfrm>
-        </p:spPr>
-        <p:txBody>
-          <a:bodyPr>
-            <a:normAutofit fontScale="85000" lnSpcReduction="20000"/>
-          </a:bodyPr>
-          <a:lstStyle/>
-          <a:p>
-            <a:fld id="{F2BF1754-4D2F-46D8-A35A-EF7FA01DA8F5}" type="slidenum">
-              <a:rPr lang="en-US" smtClean="0"/>
-              <a:pPr/>
-              <a:t>53</a:t>
-            </a:fld>
-            <a:endParaRPr lang="en-US" dirty="0"/>
-          </a:p>
-        </p:txBody>
-      </p:sp>
-    </p:spTree>
-  </p:cSld>
-  <p:clrMapOvr>
-    <a:masterClrMapping/>
-  </p:clrMapOvr>
-  <p:timing>
-    <p:tnLst>
-      <p:par>
-        <p:cTn id="1" dur="indefinite" restart="never" nodeType="tmRoot"/>
-      </p:par>
-    </p:tnLst>
-  </p:timing>
-</p:sld>
-</file>
-
-<file path=ppt/slides/slide54.xml><?xml version="1.0" encoding="utf-8"?>
-<p:sld xmlns:a="http://schemas.openxmlformats.org/drawingml/2006/main" xmlns:r="http://schemas.openxmlformats.org/officeDocument/2006/relationships" xmlns:p="http://schemas.openxmlformats.org/presentationml/2006/main">
-  <p:cSld>
-    <p:spTree>
-      <p:nvGrpSpPr>
-        <p:cNvPr id="1" name=""/>
-        <p:cNvGrpSpPr/>
-        <p:nvPr/>
-      </p:nvGrpSpPr>
-      <p:grpSpPr>
-        <a:xfrm>
-          <a:off x="0" y="0"/>
-          <a:ext cx="0" cy="0"/>
-          <a:chOff x="0" y="0"/>
-          <a:chExt cx="0" cy="0"/>
-        </a:xfrm>
-      </p:grpSpPr>
-      <p:sp>
-        <p:nvSpPr>
-          <p:cNvPr id="2" name="Title 1"/>
-          <p:cNvSpPr>
-            <a:spLocks noGrp="1"/>
-          </p:cNvSpPr>
-          <p:nvPr>
-            <p:ph type="title"/>
-          </p:nvPr>
-        </p:nvSpPr>
-        <p:spPr/>
-        <p:txBody>
-          <a:bodyPr>
-            <a:normAutofit/>
-          </a:bodyPr>
-          <a:lstStyle/>
-          <a:p>
-            <a:pPr algn="ctr"/>
-            <a:r>
-              <a:rPr lang="en-US" sz="2800" dirty="0" smtClean="0"/>
-              <a:t>App Engine – Sending XMPP Message</a:t>
-            </a:r>
-            <a:endParaRPr lang="en-IN" sz="2800" dirty="0"/>
-          </a:p>
-        </p:txBody>
-      </p:sp>
-      <p:sp>
-        <p:nvSpPr>
-          <p:cNvPr id="4" name="Rectangle 3"/>
-          <p:cNvSpPr/>
-          <p:nvPr/>
-        </p:nvSpPr>
-        <p:spPr>
-          <a:xfrm>
-            <a:off x="0" y="1600200"/>
-            <a:ext cx="9601200" cy="4893647"/>
-          </a:xfrm>
-          <a:prstGeom prst="rect">
-            <a:avLst/>
-          </a:prstGeom>
-          <a:solidFill>
-            <a:schemeClr val="bg2"/>
-          </a:solidFill>
-        </p:spPr>
-        <p:txBody>
-          <a:bodyPr wrap="square">
-            <a:spAutoFit/>
-          </a:bodyPr>
-          <a:lstStyle/>
-          <a:p>
-            <a:r>
-              <a:rPr lang="en-IN" sz="2400" dirty="0" err="1" smtClean="0"/>
-              <a:t>XMPPService</a:t>
-            </a:r>
-            <a:r>
-              <a:rPr lang="en-IN" sz="2400" dirty="0" smtClean="0"/>
-              <a:t> </a:t>
-            </a:r>
-            <a:r>
-              <a:rPr lang="en-IN" sz="2400" dirty="0" err="1" smtClean="0"/>
-              <a:t>xmpp</a:t>
-            </a:r>
-            <a:r>
-              <a:rPr lang="en-IN" sz="2400" dirty="0" smtClean="0"/>
-              <a:t> = </a:t>
-            </a:r>
-            <a:r>
-              <a:rPr lang="en-IN" sz="2400" dirty="0" err="1" smtClean="0"/>
-              <a:t>XMPPServiceFactory.getXMPPService</a:t>
-            </a:r>
-            <a:r>
-              <a:rPr lang="en-IN" sz="2400" dirty="0" smtClean="0"/>
-              <a:t>();</a:t>
-            </a:r>
-          </a:p>
-          <a:p>
-            <a:r>
-              <a:rPr lang="en-IN" sz="2400" dirty="0" smtClean="0"/>
-              <a:t/>
-            </a:r>
-            <a:br>
-              <a:rPr lang="en-IN" sz="2400" dirty="0" smtClean="0"/>
-            </a:br>
-            <a:r>
-              <a:rPr lang="en-IN" sz="2400" dirty="0" smtClean="0"/>
-              <a:t>JID recipient = new JID(“romin.k.irani@gmail.com");</a:t>
-            </a:r>
-          </a:p>
-          <a:p>
-            <a:endParaRPr lang="en-IN" sz="2400" dirty="0" smtClean="0"/>
-          </a:p>
-          <a:p>
-            <a:r>
-              <a:rPr lang="en-IN" sz="2400" dirty="0" smtClean="0"/>
-              <a:t>Message </a:t>
-            </a:r>
-            <a:r>
-              <a:rPr lang="en-IN" sz="2400" dirty="0" err="1" smtClean="0"/>
-              <a:t>message</a:t>
-            </a:r>
-            <a:r>
-              <a:rPr lang="en-IN" sz="2400" dirty="0" smtClean="0"/>
-              <a:t> = new </a:t>
-            </a:r>
-            <a:r>
-              <a:rPr lang="en-IN" sz="2400" dirty="0" err="1" smtClean="0"/>
-              <a:t>MessageBuilder</a:t>
-            </a:r>
-            <a:r>
-              <a:rPr lang="en-IN" sz="2400" dirty="0" smtClean="0"/>
-              <a:t>()</a:t>
-            </a:r>
-          </a:p>
-          <a:p>
-            <a:r>
-              <a:rPr lang="en-IN" sz="2400" dirty="0" smtClean="0"/>
-              <a:t>.</a:t>
-            </a:r>
-            <a:r>
-              <a:rPr lang="en-IN" sz="2400" dirty="0" err="1" smtClean="0"/>
-              <a:t>withRecipientJids</a:t>
-            </a:r>
-            <a:r>
-              <a:rPr lang="en-IN" sz="2400" dirty="0" smtClean="0"/>
-              <a:t>(recipient)</a:t>
-            </a:r>
-          </a:p>
-          <a:p>
-            <a:r>
-              <a:rPr lang="en-IN" sz="2400" dirty="0" smtClean="0"/>
-              <a:t>.</a:t>
-            </a:r>
-            <a:r>
-              <a:rPr lang="en-IN" sz="2400" dirty="0" err="1" smtClean="0"/>
-              <a:t>withBody</a:t>
-            </a:r>
-            <a:r>
-              <a:rPr lang="en-IN" sz="2400" dirty="0" smtClean="0"/>
-              <a:t>(“Welcome to App Engine!")</a:t>
-            </a:r>
-          </a:p>
-          <a:p>
-            <a:r>
-              <a:rPr lang="en-IN" sz="2400" dirty="0" smtClean="0"/>
-              <a:t>.build();</a:t>
-            </a:r>
-          </a:p>
-          <a:p>
-            <a:endParaRPr lang="en-IN" sz="2400" dirty="0" smtClean="0"/>
-          </a:p>
-          <a:p>
-            <a:r>
-              <a:rPr lang="en-IN" sz="2400" dirty="0" err="1" smtClean="0"/>
-              <a:t>SendResponse</a:t>
-            </a:r>
-            <a:r>
-              <a:rPr lang="en-IN" sz="2400" dirty="0" smtClean="0"/>
-              <a:t> success = </a:t>
-            </a:r>
-            <a:r>
-              <a:rPr lang="en-IN" sz="2400" dirty="0" err="1" smtClean="0"/>
-              <a:t>xmpp.sendMessage</a:t>
-            </a:r>
-            <a:r>
-              <a:rPr lang="en-IN" sz="2400" dirty="0" smtClean="0"/>
-              <a:t>(message);</a:t>
-            </a:r>
-          </a:p>
-          <a:p>
-            <a:r>
-              <a:rPr lang="en-IN" sz="2400" dirty="0" smtClean="0"/>
-              <a:t>if (</a:t>
-            </a:r>
-            <a:r>
-              <a:rPr lang="en-IN" sz="2400" dirty="0" err="1" smtClean="0"/>
-              <a:t>success.getStatusMap</a:t>
-            </a:r>
-            <a:r>
-              <a:rPr lang="en-IN" sz="2400" dirty="0" smtClean="0"/>
-              <a:t>().get(recipient) !=</a:t>
-            </a:r>
-            <a:r>
-              <a:rPr lang="en-IN" sz="2400" dirty="0" err="1" smtClean="0"/>
-              <a:t>endResponse.Status.SUCCESS</a:t>
-            </a:r>
-            <a:r>
-              <a:rPr lang="en-IN" sz="2400" dirty="0" smtClean="0"/>
-              <a:t>) {</a:t>
-            </a:r>
-          </a:p>
-          <a:p>
-            <a:r>
-              <a:rPr lang="en-IN" sz="2400" dirty="0" smtClean="0"/>
-              <a:t>// ...</a:t>
-            </a:r>
-          </a:p>
-          <a:p>
-            <a:r>
-              <a:rPr lang="en-IN" sz="2400" dirty="0" smtClean="0"/>
-              <a:t>}</a:t>
-            </a:r>
-            <a:endParaRPr lang="en-IN" sz="2200" dirty="0"/>
-          </a:p>
-        </p:txBody>
-      </p:sp>
-      <p:sp>
-        <p:nvSpPr>
-          <p:cNvPr id="5" name="Slide Number Placeholder 4"/>
-          <p:cNvSpPr>
-            <a:spLocks noGrp="1"/>
-          </p:cNvSpPr>
-          <p:nvPr>
-            <p:ph type="sldNum" sz="quarter" idx="12"/>
-          </p:nvPr>
-        </p:nvSpPr>
-        <p:spPr>
-          <a:xfrm>
-            <a:off x="0" y="1279524"/>
-            <a:ext cx="533400" cy="244476"/>
-          </a:xfrm>
-        </p:spPr>
-        <p:txBody>
-          <a:bodyPr>
-            <a:normAutofit fontScale="85000" lnSpcReduction="20000"/>
-          </a:bodyPr>
-          <a:lstStyle/>
-          <a:p>
-            <a:fld id="{F2BF1754-4D2F-46D8-A35A-EF7FA01DA8F5}" type="slidenum">
-              <a:rPr lang="en-US" smtClean="0"/>
-              <a:pPr/>
               <a:t>54</a:t>
             </a:fld>
             <a:endParaRPr lang="en-US" dirty="0"/>
@@ -22564,6 +21888,588 @@
             <p:ph type="title"/>
           </p:nvPr>
         </p:nvSpPr>
+        <p:spPr>
+          <a:xfrm>
+            <a:off x="533400" y="228600"/>
+            <a:ext cx="8153400" cy="990600"/>
+          </a:xfrm>
+        </p:spPr>
+        <p:txBody>
+          <a:bodyPr>
+            <a:normAutofit/>
+          </a:bodyPr>
+          <a:lstStyle/>
+          <a:p>
+            <a:pPr algn="ctr"/>
+            <a:r>
+              <a:rPr lang="en-US" sz="2800" dirty="0" smtClean="0"/>
+              <a:t>App Engine – Receiving XMPP Message</a:t>
+            </a:r>
+            <a:endParaRPr lang="en-IN" sz="4000" dirty="0"/>
+          </a:p>
+        </p:txBody>
+      </p:sp>
+      <p:sp>
+        <p:nvSpPr>
+          <p:cNvPr id="5" name="Rectangle 4"/>
+          <p:cNvSpPr/>
+          <p:nvPr/>
+        </p:nvSpPr>
+        <p:spPr>
+          <a:xfrm>
+            <a:off x="76200" y="1600200"/>
+            <a:ext cx="9067800" cy="4093428"/>
+          </a:xfrm>
+          <a:prstGeom prst="rect">
+            <a:avLst/>
+          </a:prstGeom>
+          <a:solidFill>
+            <a:schemeClr val="bg2"/>
+          </a:solidFill>
+        </p:spPr>
+        <p:txBody>
+          <a:bodyPr wrap="square">
+            <a:spAutoFit/>
+          </a:bodyPr>
+          <a:lstStyle/>
+          <a:p>
+            <a:r>
+              <a:rPr lang="en-IN" sz="2000" dirty="0" smtClean="0"/>
+              <a:t>public class </a:t>
+            </a:r>
+            <a:r>
+              <a:rPr lang="en-IN" sz="2000" dirty="0" err="1" smtClean="0"/>
+              <a:t>XMPPReceiverServlet</a:t>
+            </a:r>
+            <a:r>
+              <a:rPr lang="en-IN" sz="2000" dirty="0" smtClean="0"/>
+              <a:t> extends </a:t>
+            </a:r>
+            <a:r>
+              <a:rPr lang="en-IN" sz="2000" dirty="0" err="1" smtClean="0"/>
+              <a:t>HttpServlet</a:t>
+            </a:r>
+            <a:r>
+              <a:rPr lang="en-IN" sz="2000" dirty="0" smtClean="0"/>
+              <a:t> {</a:t>
+            </a:r>
+          </a:p>
+          <a:p>
+            <a:r>
+              <a:rPr lang="en-IN" sz="2000" dirty="0" smtClean="0"/>
+              <a:t>public void </a:t>
+            </a:r>
+            <a:r>
+              <a:rPr lang="en-IN" sz="2000" dirty="0" err="1" smtClean="0"/>
+              <a:t>doPost</a:t>
+            </a:r>
+            <a:r>
+              <a:rPr lang="en-IN" sz="2000" dirty="0" smtClean="0"/>
+              <a:t>(</a:t>
+            </a:r>
+            <a:r>
+              <a:rPr lang="en-IN" sz="2000" dirty="0" err="1" smtClean="0"/>
+              <a:t>HttpServletRequest</a:t>
+            </a:r>
+            <a:r>
+              <a:rPr lang="en-IN" sz="2000" dirty="0" smtClean="0"/>
+              <a:t> </a:t>
+            </a:r>
+            <a:r>
+              <a:rPr lang="en-IN" sz="2000" dirty="0" err="1" smtClean="0"/>
+              <a:t>req</a:t>
+            </a:r>
+            <a:r>
+              <a:rPr lang="en-IN" sz="2000" dirty="0" smtClean="0"/>
+              <a:t>, </a:t>
+            </a:r>
+            <a:r>
+              <a:rPr lang="en-IN" sz="2000" dirty="0" err="1" smtClean="0"/>
+              <a:t>HttpServletResponse</a:t>
+            </a:r>
+            <a:r>
+              <a:rPr lang="en-IN" sz="2000" dirty="0" smtClean="0"/>
+              <a:t> </a:t>
+            </a:r>
+            <a:r>
+              <a:rPr lang="en-IN" sz="2000" dirty="0" err="1" smtClean="0"/>
+              <a:t>resp</a:t>
+            </a:r>
+            <a:r>
+              <a:rPr lang="en-IN" sz="2000" dirty="0" smtClean="0"/>
+              <a:t>)</a:t>
+            </a:r>
+          </a:p>
+          <a:p>
+            <a:r>
+              <a:rPr lang="en-IN" sz="2000" dirty="0" smtClean="0"/>
+              <a:t>throws </a:t>
+            </a:r>
+            <a:r>
+              <a:rPr lang="en-IN" sz="2000" dirty="0" err="1" smtClean="0"/>
+              <a:t>IOException</a:t>
+            </a:r>
+            <a:r>
+              <a:rPr lang="en-IN" sz="2000" dirty="0" smtClean="0"/>
+              <a:t> {</a:t>
+            </a:r>
+          </a:p>
+          <a:p>
+            <a:endParaRPr lang="en-IN" sz="2000" dirty="0" smtClean="0"/>
+          </a:p>
+          <a:p>
+            <a:r>
+              <a:rPr lang="en-IN" sz="2000" dirty="0" err="1" smtClean="0"/>
+              <a:t>XMPPService</a:t>
+            </a:r>
+            <a:r>
+              <a:rPr lang="en-IN" sz="2000" dirty="0" smtClean="0"/>
+              <a:t> </a:t>
+            </a:r>
+            <a:r>
+              <a:rPr lang="en-IN" sz="2000" dirty="0" err="1" smtClean="0"/>
+              <a:t>xmpp</a:t>
+            </a:r>
+            <a:r>
+              <a:rPr lang="en-IN" sz="2000" dirty="0" smtClean="0"/>
+              <a:t> = </a:t>
+            </a:r>
+            <a:r>
+              <a:rPr lang="en-IN" sz="2000" dirty="0" err="1" smtClean="0"/>
+              <a:t>XMPPServiceFactory.getXMPPService</a:t>
+            </a:r>
+            <a:r>
+              <a:rPr lang="en-IN" sz="2000" dirty="0" smtClean="0"/>
+              <a:t>();</a:t>
+            </a:r>
+          </a:p>
+          <a:p>
+            <a:r>
+              <a:rPr lang="en-IN" sz="2000" dirty="0" smtClean="0"/>
+              <a:t>Message </a:t>
+            </a:r>
+            <a:r>
+              <a:rPr lang="en-IN" sz="2000" dirty="0" err="1" smtClean="0"/>
+              <a:t>message</a:t>
+            </a:r>
+            <a:r>
+              <a:rPr lang="en-IN" sz="2000" dirty="0" smtClean="0"/>
+              <a:t> = </a:t>
+            </a:r>
+            <a:r>
+              <a:rPr lang="en-IN" sz="2000" dirty="0" err="1" smtClean="0"/>
+              <a:t>xmpp.parseMessage</a:t>
+            </a:r>
+            <a:r>
+              <a:rPr lang="en-IN" sz="2000" dirty="0" smtClean="0"/>
+              <a:t>(</a:t>
+            </a:r>
+            <a:r>
+              <a:rPr lang="en-IN" sz="2000" dirty="0" err="1" smtClean="0"/>
+              <a:t>req</a:t>
+            </a:r>
+            <a:r>
+              <a:rPr lang="en-IN" sz="2000" dirty="0" smtClean="0"/>
+              <a:t>);</a:t>
+            </a:r>
+          </a:p>
+          <a:p>
+            <a:r>
+              <a:rPr lang="en-IN" sz="2000" dirty="0" smtClean="0"/>
+              <a:t>// ... Use methods like</a:t>
+            </a:r>
+          </a:p>
+          <a:p>
+            <a:r>
+              <a:rPr lang="en-US" sz="2000" dirty="0" smtClean="0"/>
+              <a:t>// </a:t>
+            </a:r>
+            <a:r>
+              <a:rPr lang="en-US" sz="2000" dirty="0" err="1" smtClean="0"/>
+              <a:t>message.getFromJid</a:t>
+            </a:r>
+            <a:r>
+              <a:rPr lang="en-US" sz="2000" dirty="0" smtClean="0"/>
+              <a:t>();</a:t>
+            </a:r>
+          </a:p>
+          <a:p>
+            <a:r>
+              <a:rPr lang="en-US" sz="2000" dirty="0" smtClean="0"/>
+              <a:t>// </a:t>
+            </a:r>
+            <a:r>
+              <a:rPr lang="en-US" sz="2000" dirty="0" err="1" smtClean="0"/>
+              <a:t>message.getBody</a:t>
+            </a:r>
+            <a:r>
+              <a:rPr lang="en-US" sz="2000" dirty="0" smtClean="0"/>
+              <a:t>();</a:t>
+            </a:r>
+            <a:endParaRPr lang="en-IN" sz="2000" dirty="0" smtClean="0"/>
+          </a:p>
+          <a:p>
+            <a:endParaRPr lang="en-IN" sz="2000" dirty="0" smtClean="0"/>
+          </a:p>
+          <a:p>
+            <a:r>
+              <a:rPr lang="en-IN" sz="2000" dirty="0" smtClean="0"/>
+              <a:t>}</a:t>
+            </a:r>
+          </a:p>
+          <a:p>
+            <a:endParaRPr lang="en-IN" sz="2000" dirty="0" smtClean="0"/>
+          </a:p>
+          <a:p>
+            <a:r>
+              <a:rPr lang="en-IN" sz="2000" dirty="0" smtClean="0"/>
+              <a:t>}</a:t>
+            </a:r>
+            <a:endParaRPr lang="en-IN" sz="2000" dirty="0"/>
+          </a:p>
+        </p:txBody>
+      </p:sp>
+      <p:sp>
+        <p:nvSpPr>
+          <p:cNvPr id="4" name="Slide Number Placeholder 4"/>
+          <p:cNvSpPr>
+            <a:spLocks noGrp="1"/>
+          </p:cNvSpPr>
+          <p:nvPr>
+            <p:ph type="sldNum" sz="quarter" idx="12"/>
+          </p:nvPr>
+        </p:nvSpPr>
+        <p:spPr>
+          <a:xfrm>
+            <a:off x="0" y="1279524"/>
+            <a:ext cx="533400" cy="244476"/>
+          </a:xfrm>
+        </p:spPr>
+        <p:txBody>
+          <a:bodyPr>
+            <a:normAutofit fontScale="85000" lnSpcReduction="20000"/>
+          </a:bodyPr>
+          <a:lstStyle/>
+          <a:p>
+            <a:fld id="{F2BF1754-4D2F-46D8-A35A-EF7FA01DA8F5}" type="slidenum">
+              <a:rPr lang="en-US" smtClean="0"/>
+              <a:pPr/>
+              <a:t>55</a:t>
+            </a:fld>
+            <a:endParaRPr lang="en-US" dirty="0"/>
+          </a:p>
+        </p:txBody>
+      </p:sp>
+    </p:spTree>
+  </p:cSld>
+  <p:clrMapOvr>
+    <a:masterClrMapping/>
+  </p:clrMapOvr>
+  <p:timing>
+    <p:tnLst>
+      <p:par>
+        <p:cTn id="1" dur="indefinite" restart="never" nodeType="tmRoot"/>
+      </p:par>
+    </p:tnLst>
+  </p:timing>
+</p:sld>
+</file>
+
+<file path=ppt/slides/slide56.xml><?xml version="1.0" encoding="utf-8"?>
+<p:sld xmlns:a="http://schemas.openxmlformats.org/drawingml/2006/main" xmlns:r="http://schemas.openxmlformats.org/officeDocument/2006/relationships" xmlns:p="http://schemas.openxmlformats.org/presentationml/2006/main">
+  <p:cSld>
+    <p:spTree>
+      <p:nvGrpSpPr>
+        <p:cNvPr id="1" name=""/>
+        <p:cNvGrpSpPr/>
+        <p:nvPr/>
+      </p:nvGrpSpPr>
+      <p:grpSpPr>
+        <a:xfrm>
+          <a:off x="0" y="0"/>
+          <a:ext cx="0" cy="0"/>
+          <a:chOff x="0" y="0"/>
+          <a:chExt cx="0" cy="0"/>
+        </a:xfrm>
+      </p:grpSpPr>
+      <p:sp>
+        <p:nvSpPr>
+          <p:cNvPr id="2" name="Title 1"/>
+          <p:cNvSpPr>
+            <a:spLocks noGrp="1"/>
+          </p:cNvSpPr>
+          <p:nvPr>
+            <p:ph type="title"/>
+          </p:nvPr>
+        </p:nvSpPr>
+        <p:spPr/>
+        <p:txBody>
+          <a:bodyPr>
+            <a:normAutofit/>
+          </a:bodyPr>
+          <a:lstStyle/>
+          <a:p>
+            <a:pPr algn="ctr"/>
+            <a:r>
+              <a:rPr lang="en-US" sz="2800" dirty="0" smtClean="0"/>
+              <a:t>App Engine – Sending XMPP Message</a:t>
+            </a:r>
+            <a:endParaRPr lang="en-IN" sz="2800" dirty="0"/>
+          </a:p>
+        </p:txBody>
+      </p:sp>
+      <p:sp>
+        <p:nvSpPr>
+          <p:cNvPr id="4" name="Rectangle 3"/>
+          <p:cNvSpPr/>
+          <p:nvPr/>
+        </p:nvSpPr>
+        <p:spPr>
+          <a:xfrm>
+            <a:off x="0" y="1600200"/>
+            <a:ext cx="9601200" cy="4893647"/>
+          </a:xfrm>
+          <a:prstGeom prst="rect">
+            <a:avLst/>
+          </a:prstGeom>
+          <a:solidFill>
+            <a:schemeClr val="bg2"/>
+          </a:solidFill>
+        </p:spPr>
+        <p:txBody>
+          <a:bodyPr wrap="square">
+            <a:spAutoFit/>
+          </a:bodyPr>
+          <a:lstStyle/>
+          <a:p>
+            <a:r>
+              <a:rPr lang="en-IN" sz="2400" dirty="0" err="1" smtClean="0"/>
+              <a:t>XMPPService</a:t>
+            </a:r>
+            <a:r>
+              <a:rPr lang="en-IN" sz="2400" dirty="0" smtClean="0"/>
+              <a:t> </a:t>
+            </a:r>
+            <a:r>
+              <a:rPr lang="en-IN" sz="2400" dirty="0" err="1" smtClean="0"/>
+              <a:t>xmpp</a:t>
+            </a:r>
+            <a:r>
+              <a:rPr lang="en-IN" sz="2400" dirty="0" smtClean="0"/>
+              <a:t> = </a:t>
+            </a:r>
+            <a:r>
+              <a:rPr lang="en-IN" sz="2400" dirty="0" err="1" smtClean="0"/>
+              <a:t>XMPPServiceFactory.getXMPPService</a:t>
+            </a:r>
+            <a:r>
+              <a:rPr lang="en-IN" sz="2400" dirty="0" smtClean="0"/>
+              <a:t>();</a:t>
+            </a:r>
+          </a:p>
+          <a:p>
+            <a:r>
+              <a:rPr lang="en-IN" sz="2400" dirty="0" smtClean="0"/>
+              <a:t/>
+            </a:r>
+            <a:br>
+              <a:rPr lang="en-IN" sz="2400" dirty="0" smtClean="0"/>
+            </a:br>
+            <a:r>
+              <a:rPr lang="en-IN" sz="2400" dirty="0" smtClean="0"/>
+              <a:t>JID recipient = new JID(“romin.k.irani@gmail.com");</a:t>
+            </a:r>
+          </a:p>
+          <a:p>
+            <a:endParaRPr lang="en-IN" sz="2400" dirty="0" smtClean="0"/>
+          </a:p>
+          <a:p>
+            <a:r>
+              <a:rPr lang="en-IN" sz="2400" dirty="0" smtClean="0"/>
+              <a:t>Message </a:t>
+            </a:r>
+            <a:r>
+              <a:rPr lang="en-IN" sz="2400" dirty="0" err="1" smtClean="0"/>
+              <a:t>message</a:t>
+            </a:r>
+            <a:r>
+              <a:rPr lang="en-IN" sz="2400" dirty="0" smtClean="0"/>
+              <a:t> = new </a:t>
+            </a:r>
+            <a:r>
+              <a:rPr lang="en-IN" sz="2400" dirty="0" err="1" smtClean="0"/>
+              <a:t>MessageBuilder</a:t>
+            </a:r>
+            <a:r>
+              <a:rPr lang="en-IN" sz="2400" dirty="0" smtClean="0"/>
+              <a:t>()</a:t>
+            </a:r>
+          </a:p>
+          <a:p>
+            <a:r>
+              <a:rPr lang="en-IN" sz="2400" dirty="0" smtClean="0"/>
+              <a:t>.</a:t>
+            </a:r>
+            <a:r>
+              <a:rPr lang="en-IN" sz="2400" dirty="0" err="1" smtClean="0"/>
+              <a:t>withRecipientJids</a:t>
+            </a:r>
+            <a:r>
+              <a:rPr lang="en-IN" sz="2400" dirty="0" smtClean="0"/>
+              <a:t>(recipient)</a:t>
+            </a:r>
+          </a:p>
+          <a:p>
+            <a:r>
+              <a:rPr lang="en-IN" sz="2400" dirty="0" smtClean="0"/>
+              <a:t>.</a:t>
+            </a:r>
+            <a:r>
+              <a:rPr lang="en-IN" sz="2400" dirty="0" err="1" smtClean="0"/>
+              <a:t>withBody</a:t>
+            </a:r>
+            <a:r>
+              <a:rPr lang="en-IN" sz="2400" dirty="0" smtClean="0"/>
+              <a:t>(“Welcome to App Engine!")</a:t>
+            </a:r>
+          </a:p>
+          <a:p>
+            <a:r>
+              <a:rPr lang="en-IN" sz="2400" dirty="0" smtClean="0"/>
+              <a:t>.build();</a:t>
+            </a:r>
+          </a:p>
+          <a:p>
+            <a:endParaRPr lang="en-IN" sz="2400" dirty="0" smtClean="0"/>
+          </a:p>
+          <a:p>
+            <a:r>
+              <a:rPr lang="en-IN" sz="2400" dirty="0" err="1" smtClean="0"/>
+              <a:t>SendResponse</a:t>
+            </a:r>
+            <a:r>
+              <a:rPr lang="en-IN" sz="2400" dirty="0" smtClean="0"/>
+              <a:t> success = </a:t>
+            </a:r>
+            <a:r>
+              <a:rPr lang="en-IN" sz="2400" dirty="0" err="1" smtClean="0"/>
+              <a:t>xmpp.sendMessage</a:t>
+            </a:r>
+            <a:r>
+              <a:rPr lang="en-IN" sz="2400" dirty="0" smtClean="0"/>
+              <a:t>(message);</a:t>
+            </a:r>
+          </a:p>
+          <a:p>
+            <a:r>
+              <a:rPr lang="en-IN" sz="2400" dirty="0" smtClean="0"/>
+              <a:t>if (</a:t>
+            </a:r>
+            <a:r>
+              <a:rPr lang="en-IN" sz="2400" dirty="0" err="1" smtClean="0"/>
+              <a:t>success.getStatusMap</a:t>
+            </a:r>
+            <a:r>
+              <a:rPr lang="en-IN" sz="2400" dirty="0" smtClean="0"/>
+              <a:t>().get(recipient) !=</a:t>
+            </a:r>
+            <a:r>
+              <a:rPr lang="en-IN" sz="2400" dirty="0" err="1" smtClean="0"/>
+              <a:t>endResponse.Status.SUCCESS</a:t>
+            </a:r>
+            <a:r>
+              <a:rPr lang="en-IN" sz="2400" dirty="0" smtClean="0"/>
+              <a:t>) {</a:t>
+            </a:r>
+          </a:p>
+          <a:p>
+            <a:r>
+              <a:rPr lang="en-IN" sz="2400" dirty="0" smtClean="0"/>
+              <a:t>// ...</a:t>
+            </a:r>
+          </a:p>
+          <a:p>
+            <a:r>
+              <a:rPr lang="en-IN" sz="2400" dirty="0" smtClean="0"/>
+              <a:t>}</a:t>
+            </a:r>
+            <a:endParaRPr lang="en-IN" sz="2200" dirty="0"/>
+          </a:p>
+        </p:txBody>
+      </p:sp>
+      <p:sp>
+        <p:nvSpPr>
+          <p:cNvPr id="5" name="Slide Number Placeholder 4"/>
+          <p:cNvSpPr>
+            <a:spLocks noGrp="1"/>
+          </p:cNvSpPr>
+          <p:nvPr>
+            <p:ph type="sldNum" sz="quarter" idx="12"/>
+          </p:nvPr>
+        </p:nvSpPr>
+        <p:spPr>
+          <a:xfrm>
+            <a:off x="0" y="1279524"/>
+            <a:ext cx="533400" cy="244476"/>
+          </a:xfrm>
+        </p:spPr>
+        <p:txBody>
+          <a:bodyPr>
+            <a:normAutofit fontScale="85000" lnSpcReduction="20000"/>
+          </a:bodyPr>
+          <a:lstStyle/>
+          <a:p>
+            <a:fld id="{F2BF1754-4D2F-46D8-A35A-EF7FA01DA8F5}" type="slidenum">
+              <a:rPr lang="en-US" smtClean="0"/>
+              <a:pPr/>
+              <a:t>56</a:t>
+            </a:fld>
+            <a:endParaRPr lang="en-US" dirty="0"/>
+          </a:p>
+        </p:txBody>
+      </p:sp>
+    </p:spTree>
+  </p:cSld>
+  <p:clrMapOvr>
+    <a:masterClrMapping/>
+  </p:clrMapOvr>
+  <p:timing>
+    <p:tnLst>
+      <p:par>
+        <p:cTn id="1" dur="indefinite" restart="never" nodeType="tmRoot"/>
+      </p:par>
+    </p:tnLst>
+  </p:timing>
+</p:sld>
+</file>
+
+<file path=ppt/slides/slide57.xml><?xml version="1.0" encoding="utf-8"?>
+<p:sld xmlns:a="http://schemas.openxmlformats.org/drawingml/2006/main" xmlns:r="http://schemas.openxmlformats.org/officeDocument/2006/relationships" xmlns:p="http://schemas.openxmlformats.org/presentationml/2006/main">
+  <p:cSld>
+    <p:spTree>
+      <p:nvGrpSpPr>
+        <p:cNvPr id="1" name=""/>
+        <p:cNvGrpSpPr/>
+        <p:nvPr/>
+      </p:nvGrpSpPr>
+      <p:grpSpPr>
+        <a:xfrm>
+          <a:off x="0" y="0"/>
+          <a:ext cx="0" cy="0"/>
+          <a:chOff x="0" y="0"/>
+          <a:chExt cx="0" cy="0"/>
+        </a:xfrm>
+      </p:grpSpPr>
+      <p:sp>
+        <p:nvSpPr>
+          <p:cNvPr id="2" name="Title 1"/>
+          <p:cNvSpPr>
+            <a:spLocks noGrp="1"/>
+          </p:cNvSpPr>
+          <p:nvPr>
+            <p:ph type="title"/>
+          </p:nvPr>
+        </p:nvSpPr>
         <p:spPr/>
         <p:txBody>
           <a:bodyPr/>
@@ -22655,7 +22561,7 @@
             <a:fld id="{F2BF1754-4D2F-46D8-A35A-EF7FA01DA8F5}" type="slidenum">
               <a:rPr lang="en-US" smtClean="0"/>
               <a:pPr/>
-              <a:t>55</a:t>
+              <a:t>57</a:t>
             </a:fld>
             <a:endParaRPr lang="en-US" dirty="0"/>
           </a:p>
@@ -22702,7 +22608,7 @@
 </p:sld>
 </file>
 
-<file path=ppt/slides/slide56.xml><?xml version="1.0" encoding="utf-8"?>
+<file path=ppt/slides/slide58.xml><?xml version="1.0" encoding="utf-8"?>
 <p:sld xmlns:a="http://schemas.openxmlformats.org/drawingml/2006/main" xmlns:r="http://schemas.openxmlformats.org/officeDocument/2006/relationships" xmlns:p="http://schemas.openxmlformats.org/presentationml/2006/main">
   <p:cSld>
     <p:spTree>
@@ -22769,7 +22675,7 @@
             <a:fld id="{F2BF1754-4D2F-46D8-A35A-EF7FA01DA8F5}" type="slidenum">
               <a:rPr lang="en-US" smtClean="0"/>
               <a:pPr/>
-              <a:t>56</a:t>
+              <a:t>58</a:t>
             </a:fld>
             <a:endParaRPr lang="en-US" dirty="0"/>
           </a:p>
@@ -22964,306 +22870,6 @@
 </p:sld>
 </file>
 
-<file path=ppt/slides/slide57.xml><?xml version="1.0" encoding="utf-8"?>
-<p:sld xmlns:a="http://schemas.openxmlformats.org/drawingml/2006/main" xmlns:r="http://schemas.openxmlformats.org/officeDocument/2006/relationships" xmlns:p="http://schemas.openxmlformats.org/presentationml/2006/main">
-  <p:cSld>
-    <p:spTree>
-      <p:nvGrpSpPr>
-        <p:cNvPr id="1" name=""/>
-        <p:cNvGrpSpPr/>
-        <p:nvPr/>
-      </p:nvGrpSpPr>
-      <p:grpSpPr>
-        <a:xfrm>
-          <a:off x="0" y="0"/>
-          <a:ext cx="0" cy="0"/>
-          <a:chOff x="0" y="0"/>
-          <a:chExt cx="0" cy="0"/>
-        </a:xfrm>
-      </p:grpSpPr>
-      <p:sp>
-        <p:nvSpPr>
-          <p:cNvPr id="2" name="Title 1"/>
-          <p:cNvSpPr>
-            <a:spLocks noGrp="1"/>
-          </p:cNvSpPr>
-          <p:nvPr>
-            <p:ph type="title"/>
-          </p:nvPr>
-        </p:nvSpPr>
-        <p:spPr/>
-        <p:txBody>
-          <a:bodyPr/>
-          <a:lstStyle/>
-          <a:p>
-            <a:pPr algn="ctr"/>
-            <a:r>
-              <a:rPr lang="en-US" dirty="0" smtClean="0"/>
-              <a:t>App </a:t>
-            </a:r>
-            <a:r>
-              <a:rPr lang="en-US" sz="4000" dirty="0" smtClean="0"/>
-              <a:t>Engine</a:t>
-            </a:r>
-            <a:r>
-              <a:rPr lang="en-US" dirty="0" smtClean="0"/>
-              <a:t> – Mail Service</a:t>
-            </a:r>
-            <a:endParaRPr lang="en-IN" dirty="0"/>
-          </a:p>
-        </p:txBody>
-      </p:sp>
-      <p:sp>
-        <p:nvSpPr>
-          <p:cNvPr id="3" name="Content Placeholder 2"/>
-          <p:cNvSpPr>
-            <a:spLocks noGrp="1"/>
-          </p:cNvSpPr>
-          <p:nvPr>
-            <p:ph sz="quarter" idx="1"/>
-          </p:nvPr>
-        </p:nvSpPr>
-        <p:spPr/>
-        <p:txBody>
-          <a:bodyPr>
-            <a:normAutofit fontScale="92500" lnSpcReduction="10000"/>
-          </a:bodyPr>
-          <a:lstStyle/>
-          <a:p>
-            <a:r>
-              <a:rPr lang="en-US" dirty="0" smtClean="0"/>
-              <a:t>App Engine provides the Mail Service API</a:t>
-            </a:r>
-          </a:p>
-          <a:p>
-            <a:r>
-              <a:rPr lang="en-US" dirty="0" smtClean="0"/>
-              <a:t>Used for sending and receiving email</a:t>
-            </a:r>
-          </a:p>
-          <a:p>
-            <a:r>
-              <a:rPr lang="en-US" dirty="0" smtClean="0"/>
-              <a:t>Sending Email is similar to invoking any HTTP request, simply invoke the Mail API to send email.</a:t>
-            </a:r>
-          </a:p>
-          <a:p>
-            <a:r>
-              <a:rPr lang="en-US" dirty="0" smtClean="0"/>
-              <a:t>Receiving Email is similar to receiving HTTP requests. App Engine wraps the message and invokes standard Request Handlers for Mail in your application</a:t>
-            </a:r>
-          </a:p>
-          <a:p>
-            <a:r>
-              <a:rPr lang="en-US" dirty="0" smtClean="0"/>
-              <a:t>The message is put in the HTTP Request payload</a:t>
-            </a:r>
-          </a:p>
-          <a:p>
-            <a:r>
-              <a:rPr lang="en-US" dirty="0" smtClean="0">
-                <a:hlinkClick r:id="rId2"/>
-              </a:rPr>
-              <a:t>https://developers.google.com/appengine/docs/java/mail/</a:t>
-            </a:r>
-            <a:r>
-              <a:rPr lang="en-US" dirty="0" smtClean="0"/>
-              <a:t> </a:t>
-            </a:r>
-          </a:p>
-          <a:p>
-            <a:endParaRPr lang="en-IN" dirty="0"/>
-          </a:p>
-        </p:txBody>
-      </p:sp>
-      <p:sp>
-        <p:nvSpPr>
-          <p:cNvPr id="4" name="Slide Number Placeholder 4"/>
-          <p:cNvSpPr>
-            <a:spLocks noGrp="1"/>
-          </p:cNvSpPr>
-          <p:nvPr>
-            <p:ph type="sldNum" sz="quarter" idx="12"/>
-          </p:nvPr>
-        </p:nvSpPr>
-        <p:spPr>
-          <a:xfrm>
-            <a:off x="0" y="1279524"/>
-            <a:ext cx="533400" cy="244476"/>
-          </a:xfrm>
-        </p:spPr>
-        <p:txBody>
-          <a:bodyPr>
-            <a:normAutofit fontScale="85000" lnSpcReduction="20000"/>
-          </a:bodyPr>
-          <a:lstStyle/>
-          <a:p>
-            <a:fld id="{F2BF1754-4D2F-46D8-A35A-EF7FA01DA8F5}" type="slidenum">
-              <a:rPr lang="en-US" smtClean="0"/>
-              <a:pPr/>
-              <a:t>57</a:t>
-            </a:fld>
-            <a:endParaRPr lang="en-US" dirty="0"/>
-          </a:p>
-        </p:txBody>
-      </p:sp>
-    </p:spTree>
-  </p:cSld>
-  <p:clrMapOvr>
-    <a:masterClrMapping/>
-  </p:clrMapOvr>
-  <p:timing>
-    <p:tnLst>
-      <p:par>
-        <p:cTn id="1" dur="indefinite" restart="never" nodeType="tmRoot"/>
-      </p:par>
-    </p:tnLst>
-  </p:timing>
-</p:sld>
-</file>
-
-<file path=ppt/slides/slide58.xml><?xml version="1.0" encoding="utf-8"?>
-<p:sld xmlns:a="http://schemas.openxmlformats.org/drawingml/2006/main" xmlns:r="http://schemas.openxmlformats.org/officeDocument/2006/relationships" xmlns:p="http://schemas.openxmlformats.org/presentationml/2006/main">
-  <p:cSld>
-    <p:spTree>
-      <p:nvGrpSpPr>
-        <p:cNvPr id="1" name=""/>
-        <p:cNvGrpSpPr/>
-        <p:nvPr/>
-      </p:nvGrpSpPr>
-      <p:grpSpPr>
-        <a:xfrm>
-          <a:off x="0" y="0"/>
-          <a:ext cx="0" cy="0"/>
-          <a:chOff x="0" y="0"/>
-          <a:chExt cx="0" cy="0"/>
-        </a:xfrm>
-      </p:grpSpPr>
-      <p:sp>
-        <p:nvSpPr>
-          <p:cNvPr id="2" name="Title 1"/>
-          <p:cNvSpPr>
-            <a:spLocks noGrp="1"/>
-          </p:cNvSpPr>
-          <p:nvPr>
-            <p:ph type="title"/>
-          </p:nvPr>
-        </p:nvSpPr>
-        <p:spPr/>
-        <p:txBody>
-          <a:bodyPr>
-            <a:normAutofit/>
-          </a:bodyPr>
-          <a:lstStyle/>
-          <a:p>
-            <a:pPr algn="ctr"/>
-            <a:r>
-              <a:rPr lang="en-US" sz="4000" dirty="0" smtClean="0"/>
-              <a:t>App Engine – Mail Service</a:t>
-            </a:r>
-            <a:endParaRPr lang="en-IN" sz="4000" dirty="0"/>
-          </a:p>
-        </p:txBody>
-      </p:sp>
-      <p:sp>
-        <p:nvSpPr>
-          <p:cNvPr id="3" name="Content Placeholder 2"/>
-          <p:cNvSpPr>
-            <a:spLocks noGrp="1"/>
-          </p:cNvSpPr>
-          <p:nvPr>
-            <p:ph sz="quarter" idx="1"/>
-          </p:nvPr>
-        </p:nvSpPr>
-        <p:spPr/>
-        <p:txBody>
-          <a:bodyPr>
-            <a:normAutofit/>
-          </a:bodyPr>
-          <a:lstStyle/>
-          <a:p>
-            <a:r>
-              <a:rPr lang="en-IN" dirty="0" smtClean="0"/>
-              <a:t>Each app has its own set of incoming email addresses, based on its application ID. </a:t>
-            </a:r>
-          </a:p>
-          <a:p>
-            <a:r>
-              <a:rPr lang="en-IN" dirty="0" smtClean="0"/>
-              <a:t>For email, the app can receive messages at following address:</a:t>
-            </a:r>
-          </a:p>
-          <a:p>
-            <a:pPr lvl="1"/>
-            <a:r>
-              <a:rPr lang="en-IN" i="1" dirty="0" smtClean="0">
-                <a:hlinkClick r:id="rId2"/>
-              </a:rPr>
-              <a:t>anything@app-id.appspotmail.com</a:t>
-            </a:r>
-            <a:endParaRPr lang="en-IN" i="1" dirty="0" smtClean="0"/>
-          </a:p>
-          <a:p>
-            <a:r>
-              <a:rPr lang="en-US" dirty="0" smtClean="0"/>
-              <a:t>Free Quota : 100 per day external, 5000 per day (Administrator)</a:t>
-            </a:r>
-          </a:p>
-          <a:p>
-            <a:r>
-              <a:rPr lang="en-US" dirty="0" smtClean="0"/>
-              <a:t>Dev Server supports API but does not send out actual email. It just shows it in the Log.</a:t>
-            </a:r>
-            <a:endParaRPr lang="en-IN" dirty="0"/>
-          </a:p>
-        </p:txBody>
-      </p:sp>
-      <p:sp>
-        <p:nvSpPr>
-          <p:cNvPr id="4" name="Slide Number Placeholder 4"/>
-          <p:cNvSpPr>
-            <a:spLocks noGrp="1"/>
-          </p:cNvSpPr>
-          <p:nvPr>
-            <p:ph type="sldNum" sz="quarter" idx="12"/>
-          </p:nvPr>
-        </p:nvSpPr>
-        <p:spPr>
-          <a:xfrm>
-            <a:off x="0" y="1279524"/>
-            <a:ext cx="533400" cy="244476"/>
-          </a:xfrm>
-        </p:spPr>
-        <p:txBody>
-          <a:bodyPr>
-            <a:normAutofit fontScale="85000" lnSpcReduction="20000"/>
-          </a:bodyPr>
-          <a:lstStyle/>
-          <a:p>
-            <a:fld id="{F2BF1754-4D2F-46D8-A35A-EF7FA01DA8F5}" type="slidenum">
-              <a:rPr lang="en-US" smtClean="0"/>
-              <a:pPr/>
-              <a:t>58</a:t>
-            </a:fld>
-            <a:endParaRPr lang="en-US" dirty="0"/>
-          </a:p>
-        </p:txBody>
-      </p:sp>
-    </p:spTree>
-  </p:cSld>
-  <p:clrMapOvr>
-    <a:masterClrMapping/>
-  </p:clrMapOvr>
-  <p:timing>
-    <p:tnLst>
-      <p:par>
-        <p:cTn id="1" dur="indefinite" restart="never" nodeType="tmRoot"/>
-      </p:par>
-    </p:tnLst>
-  </p:timing>
-</p:sld>
-</file>
-
 <file path=ppt/slides/slide59.xml><?xml version="1.0" encoding="utf-8"?>
 <p:sld xmlns:a="http://schemas.openxmlformats.org/drawingml/2006/main" xmlns:r="http://schemas.openxmlformats.org/officeDocument/2006/relationships" xmlns:p="http://schemas.openxmlformats.org/presentationml/2006/main">
   <p:cSld>
@@ -23293,52 +22899,89 @@
         </p:nvSpPr>
         <p:spPr/>
         <p:txBody>
+          <a:bodyPr/>
+          <a:lstStyle/>
+          <a:p>
+            <a:pPr algn="ctr"/>
+            <a:r>
+              <a:rPr lang="en-US" dirty="0" smtClean="0"/>
+              <a:t>App </a:t>
+            </a:r>
+            <a:r>
+              <a:rPr lang="en-US" sz="4000" dirty="0" smtClean="0"/>
+              <a:t>Engine</a:t>
+            </a:r>
+            <a:r>
+              <a:rPr lang="en-US" dirty="0" smtClean="0"/>
+              <a:t> – Mail Service</a:t>
+            </a:r>
+            <a:endParaRPr lang="en-IN" dirty="0"/>
+          </a:p>
+        </p:txBody>
+      </p:sp>
+      <p:sp>
+        <p:nvSpPr>
+          <p:cNvPr id="3" name="Content Placeholder 2"/>
+          <p:cNvSpPr>
+            <a:spLocks noGrp="1"/>
+          </p:cNvSpPr>
+          <p:nvPr>
+            <p:ph sz="quarter" idx="1"/>
+          </p:nvPr>
+        </p:nvSpPr>
+        <p:spPr/>
+        <p:txBody>
           <a:bodyPr>
-            <a:normAutofit/>
+            <a:normAutofit fontScale="92500" lnSpcReduction="20000"/>
           </a:bodyPr>
           <a:lstStyle/>
           <a:p>
-            <a:pPr algn="ctr"/>
-            <a:r>
-              <a:rPr lang="en-US" sz="4000" dirty="0" smtClean="0"/>
-              <a:t>App Engine – Mail Service</a:t>
-            </a:r>
-            <a:endParaRPr lang="en-IN" sz="4000" dirty="0"/>
-          </a:p>
-        </p:txBody>
-      </p:sp>
-      <p:pic>
-        <p:nvPicPr>
-          <p:cNvPr id="2050" name="Picture 2"/>
-          <p:cNvPicPr>
-            <a:picLocks noChangeAspect="1" noChangeArrowheads="1"/>
-          </p:cNvPicPr>
-          <p:nvPr/>
-        </p:nvPicPr>
-        <p:blipFill>
-          <a:blip r:embed="rId2" cstate="print"/>
-          <a:srcRect/>
-          <a:stretch>
-            <a:fillRect/>
-          </a:stretch>
-        </p:blipFill>
-        <p:spPr bwMode="auto">
-          <a:xfrm>
-            <a:off x="2133600" y="1524000"/>
-            <a:ext cx="5053012" cy="4593647"/>
-          </a:xfrm>
-          <a:prstGeom prst="rect">
-            <a:avLst/>
-          </a:prstGeom>
-          <a:noFill/>
-          <a:ln w="9525">
-            <a:noFill/>
-            <a:miter lim="800000"/>
-            <a:headEnd/>
-            <a:tailEnd/>
-          </a:ln>
-        </p:spPr>
-      </p:pic>
+            <a:r>
+              <a:rPr lang="en-US" dirty="0" smtClean="0"/>
+              <a:t>App Engine provides the Mail Service API</a:t>
+            </a:r>
+          </a:p>
+          <a:p>
+            <a:r>
+              <a:rPr lang="en-US" dirty="0" smtClean="0"/>
+              <a:t>Used for sending and receiving email</a:t>
+            </a:r>
+          </a:p>
+          <a:p>
+            <a:r>
+              <a:rPr lang="en-US" dirty="0" smtClean="0"/>
+              <a:t>Sending Email is similar to invoking any HTTP request, simply invoke the Mail API to send email.</a:t>
+            </a:r>
+          </a:p>
+          <a:p>
+            <a:r>
+              <a:rPr lang="en-US" dirty="0" smtClean="0"/>
+              <a:t>Receiving Email is similar to receiving HTTP requests. App Engine wraps the message and invokes standard Request Handlers for Mail in your application</a:t>
+            </a:r>
+          </a:p>
+          <a:p>
+            <a:r>
+              <a:rPr lang="en-US" dirty="0" smtClean="0"/>
+              <a:t>The message is put in the HTTP Request payload</a:t>
+            </a:r>
+          </a:p>
+          <a:p>
+            <a:r>
+              <a:rPr lang="en-US" dirty="0" smtClean="0">
+                <a:hlinkClick r:id="rId2"/>
+              </a:rPr>
+              <a:t>https://developers.google.com/appengine/docs/java/mail/</a:t>
+            </a:r>
+            <a:r>
+              <a:rPr lang="en-US" dirty="0" smtClean="0"/>
+              <a:t> </a:t>
+            </a:r>
+          </a:p>
+          <a:p>
+            <a:endParaRPr lang="en-IN" dirty="0"/>
+          </a:p>
+        </p:txBody>
+      </p:sp>
       <p:sp>
         <p:nvSpPr>
           <p:cNvPr id="4" name="Slide Number Placeholder 4"/>
@@ -23751,10 +23394,10 @@
           <a:p>
             <a:pPr algn="ctr"/>
             <a:r>
-              <a:rPr lang="en-US" sz="3600" dirty="0" smtClean="0"/>
-              <a:t>App Engine – Receiving Email</a:t>
-            </a:r>
-            <a:endParaRPr lang="en-IN" sz="3600" dirty="0"/>
+              <a:rPr lang="en-US" sz="4000" dirty="0" smtClean="0"/>
+              <a:t>App Engine – Mail Service</a:t>
+            </a:r>
+            <a:endParaRPr lang="en-IN" sz="4000" dirty="0"/>
           </a:p>
         </p:txBody>
       </p:sp>
@@ -23768,97 +23411,52 @@
             <p:ph sz="quarter" idx="1"/>
           </p:nvPr>
         </p:nvSpPr>
-        <p:spPr>
-          <a:xfrm>
-            <a:off x="612648" y="1600200"/>
-            <a:ext cx="8153400" cy="1905000"/>
-          </a:xfrm>
-        </p:spPr>
+        <p:spPr/>
         <p:txBody>
           <a:bodyPr>
-            <a:normAutofit lnSpcReduction="10000"/>
+            <a:normAutofit/>
           </a:bodyPr>
           <a:lstStyle/>
           <a:p>
             <a:r>
-              <a:rPr lang="en-US" dirty="0" smtClean="0"/>
-              <a:t>To receive email in your application, first enabled the feature in the application configuration</a:t>
-            </a:r>
-          </a:p>
-          <a:p>
-            <a:r>
-              <a:rPr lang="en-US" dirty="0" smtClean="0"/>
-              <a:t>Go to </a:t>
-            </a:r>
-            <a:r>
-              <a:rPr lang="en-US" b="1" dirty="0" smtClean="0"/>
-              <a:t>appengine-web.xml</a:t>
-            </a:r>
-            <a:r>
-              <a:rPr lang="en-US" dirty="0" smtClean="0"/>
-              <a:t> in </a:t>
-            </a:r>
-            <a:r>
-              <a:rPr lang="en-US" b="1" dirty="0" smtClean="0"/>
-              <a:t>/WEB-INF</a:t>
-            </a:r>
-            <a:r>
-              <a:rPr lang="en-US" dirty="0" smtClean="0"/>
-              <a:t> folder and add the following entry:</a:t>
-            </a:r>
-          </a:p>
-          <a:p>
-            <a:endParaRPr lang="en-US" dirty="0" smtClean="0"/>
-          </a:p>
-        </p:txBody>
-      </p:sp>
-      <p:sp>
-        <p:nvSpPr>
-          <p:cNvPr id="5" name="Rectangle 4"/>
-          <p:cNvSpPr/>
-          <p:nvPr/>
-        </p:nvSpPr>
-        <p:spPr>
-          <a:xfrm>
-            <a:off x="1371600" y="3953470"/>
-            <a:ext cx="6400800" cy="1569660"/>
-          </a:xfrm>
-          <a:prstGeom prst="rect">
-            <a:avLst/>
-          </a:prstGeom>
-          <a:solidFill>
-            <a:schemeClr val="bg2"/>
-          </a:solidFill>
-        </p:spPr>
-        <p:txBody>
-          <a:bodyPr wrap="square">
-            <a:spAutoFit/>
-          </a:bodyPr>
-          <a:lstStyle/>
-          <a:p>
-            <a:r>
-              <a:rPr lang="en-IN" sz="3200" dirty="0" smtClean="0"/>
-              <a:t>&lt;inbound-services&gt;</a:t>
-            </a:r>
-          </a:p>
-          <a:p>
-            <a:r>
-              <a:rPr lang="en-IN" sz="3200" dirty="0" smtClean="0"/>
-              <a:t>	&lt;service&gt;mail&lt;/service&gt;</a:t>
-            </a:r>
-          </a:p>
-          <a:p>
-            <a:r>
-              <a:rPr lang="en-IN" sz="3200" dirty="0" smtClean="0"/>
-              <a:t>&lt;/inbound-services&gt;</a:t>
-            </a:r>
-            <a:endParaRPr lang="en-IN" sz="3200" dirty="0"/>
-          </a:p>
-        </p:txBody>
-      </p:sp>
-      <p:sp>
-        <p:nvSpPr>
-          <p:cNvPr id="6" name="Slide Number Placeholder 4"/>
+              <a:rPr lang="en-IN" dirty="0" smtClean="0"/>
+              <a:t>Each app has its own set of incoming email addresses, based on its application ID. </a:t>
+            </a:r>
+          </a:p>
+          <a:p>
+            <a:r>
+              <a:rPr lang="en-IN" dirty="0" smtClean="0"/>
+              <a:t>For email, the app can receive messages at following address:</a:t>
+            </a:r>
+          </a:p>
+          <a:p>
+            <a:pPr lvl="1"/>
+            <a:r>
+              <a:rPr lang="en-IN" i="1" dirty="0" smtClean="0">
+                <a:hlinkClick r:id="rId2"/>
+              </a:rPr>
+              <a:t>anything@app-id.appspotmail.com</a:t>
+            </a:r>
+            <a:endParaRPr lang="en-IN" i="1" dirty="0" smtClean="0"/>
+          </a:p>
+          <a:p>
+            <a:r>
+              <a:rPr lang="en-US" dirty="0" smtClean="0"/>
+              <a:t>Free Quota : 100 per day external, 5000 per day (Administrator)</a:t>
+            </a:r>
+          </a:p>
+          <a:p>
+            <a:r>
+              <a:rPr lang="en-US" dirty="0" smtClean="0"/>
+              <a:t>Dev Server supports API but does not send out actual email. It just shows it in the Log.</a:t>
+            </a:r>
+            <a:endParaRPr lang="en-IN" dirty="0"/>
+          </a:p>
+        </p:txBody>
+      </p:sp>
+      <p:sp>
+        <p:nvSpPr>
+          <p:cNvPr id="4" name="Slide Number Placeholder 4"/>
           <p:cNvSpPr>
             <a:spLocks noGrp="1"/>
           </p:cNvSpPr>
@@ -23938,6 +23536,314 @@
           <a:p>
             <a:pPr algn="ctr"/>
             <a:r>
+              <a:rPr lang="en-US" sz="4000" dirty="0" smtClean="0"/>
+              <a:t>App Engine – Mail Service</a:t>
+            </a:r>
+            <a:endParaRPr lang="en-IN" sz="4000" dirty="0"/>
+          </a:p>
+        </p:txBody>
+      </p:sp>
+      <p:pic>
+        <p:nvPicPr>
+          <p:cNvPr id="2050" name="Picture 2"/>
+          <p:cNvPicPr>
+            <a:picLocks noChangeAspect="1" noChangeArrowheads="1"/>
+          </p:cNvPicPr>
+          <p:nvPr/>
+        </p:nvPicPr>
+        <p:blipFill>
+          <a:blip r:embed="rId2" cstate="print"/>
+          <a:srcRect/>
+          <a:stretch>
+            <a:fillRect/>
+          </a:stretch>
+        </p:blipFill>
+        <p:spPr bwMode="auto">
+          <a:xfrm>
+            <a:off x="2133600" y="1524000"/>
+            <a:ext cx="5053012" cy="4593647"/>
+          </a:xfrm>
+          <a:prstGeom prst="rect">
+            <a:avLst/>
+          </a:prstGeom>
+          <a:noFill/>
+          <a:ln w="9525">
+            <a:noFill/>
+            <a:miter lim="800000"/>
+            <a:headEnd/>
+            <a:tailEnd/>
+          </a:ln>
+        </p:spPr>
+      </p:pic>
+      <p:sp>
+        <p:nvSpPr>
+          <p:cNvPr id="4" name="Slide Number Placeholder 4"/>
+          <p:cNvSpPr>
+            <a:spLocks noGrp="1"/>
+          </p:cNvSpPr>
+          <p:nvPr>
+            <p:ph type="sldNum" sz="quarter" idx="12"/>
+          </p:nvPr>
+        </p:nvSpPr>
+        <p:spPr>
+          <a:xfrm>
+            <a:off x="0" y="1279524"/>
+            <a:ext cx="533400" cy="244476"/>
+          </a:xfrm>
+        </p:spPr>
+        <p:txBody>
+          <a:bodyPr>
+            <a:normAutofit fontScale="85000" lnSpcReduction="20000"/>
+          </a:bodyPr>
+          <a:lstStyle/>
+          <a:p>
+            <a:fld id="{F2BF1754-4D2F-46D8-A35A-EF7FA01DA8F5}" type="slidenum">
+              <a:rPr lang="en-US" smtClean="0"/>
+              <a:pPr/>
+              <a:t>61</a:t>
+            </a:fld>
+            <a:endParaRPr lang="en-US" dirty="0"/>
+          </a:p>
+        </p:txBody>
+      </p:sp>
+    </p:spTree>
+  </p:cSld>
+  <p:clrMapOvr>
+    <a:masterClrMapping/>
+  </p:clrMapOvr>
+  <p:timing>
+    <p:tnLst>
+      <p:par>
+        <p:cTn id="1" dur="indefinite" restart="never" nodeType="tmRoot"/>
+      </p:par>
+    </p:tnLst>
+  </p:timing>
+</p:sld>
+</file>
+
+<file path=ppt/slides/slide62.xml><?xml version="1.0" encoding="utf-8"?>
+<p:sld xmlns:a="http://schemas.openxmlformats.org/drawingml/2006/main" xmlns:r="http://schemas.openxmlformats.org/officeDocument/2006/relationships" xmlns:p="http://schemas.openxmlformats.org/presentationml/2006/main">
+  <p:cSld>
+    <p:spTree>
+      <p:nvGrpSpPr>
+        <p:cNvPr id="1" name=""/>
+        <p:cNvGrpSpPr/>
+        <p:nvPr/>
+      </p:nvGrpSpPr>
+      <p:grpSpPr>
+        <a:xfrm>
+          <a:off x="0" y="0"/>
+          <a:ext cx="0" cy="0"/>
+          <a:chOff x="0" y="0"/>
+          <a:chExt cx="0" cy="0"/>
+        </a:xfrm>
+      </p:grpSpPr>
+      <p:sp>
+        <p:nvSpPr>
+          <p:cNvPr id="2" name="Title 1"/>
+          <p:cNvSpPr>
+            <a:spLocks noGrp="1"/>
+          </p:cNvSpPr>
+          <p:nvPr>
+            <p:ph type="title"/>
+          </p:nvPr>
+        </p:nvSpPr>
+        <p:spPr/>
+        <p:txBody>
+          <a:bodyPr>
+            <a:normAutofit/>
+          </a:bodyPr>
+          <a:lstStyle/>
+          <a:p>
+            <a:pPr algn="ctr"/>
+            <a:r>
+              <a:rPr lang="en-US" sz="3600" dirty="0" smtClean="0"/>
+              <a:t>App Engine – Receiving Email</a:t>
+            </a:r>
+            <a:endParaRPr lang="en-IN" sz="3600" dirty="0"/>
+          </a:p>
+        </p:txBody>
+      </p:sp>
+      <p:sp>
+        <p:nvSpPr>
+          <p:cNvPr id="3" name="Content Placeholder 2"/>
+          <p:cNvSpPr>
+            <a:spLocks noGrp="1"/>
+          </p:cNvSpPr>
+          <p:nvPr>
+            <p:ph sz="quarter" idx="1"/>
+          </p:nvPr>
+        </p:nvSpPr>
+        <p:spPr>
+          <a:xfrm>
+            <a:off x="612648" y="1600200"/>
+            <a:ext cx="8153400" cy="1905000"/>
+          </a:xfrm>
+        </p:spPr>
+        <p:txBody>
+          <a:bodyPr>
+            <a:normAutofit fontScale="92500"/>
+          </a:bodyPr>
+          <a:lstStyle/>
+          <a:p>
+            <a:r>
+              <a:rPr lang="en-US" dirty="0" smtClean="0"/>
+              <a:t>To receive email in your application, first enabled the feature in the application configuration</a:t>
+            </a:r>
+          </a:p>
+          <a:p>
+            <a:r>
+              <a:rPr lang="en-US" dirty="0" smtClean="0"/>
+              <a:t>Go to </a:t>
+            </a:r>
+            <a:r>
+              <a:rPr lang="en-US" b="1" dirty="0" smtClean="0"/>
+              <a:t>appengine-web.xml</a:t>
+            </a:r>
+            <a:r>
+              <a:rPr lang="en-US" dirty="0" smtClean="0"/>
+              <a:t> in </a:t>
+            </a:r>
+            <a:r>
+              <a:rPr lang="en-US" b="1" dirty="0" smtClean="0"/>
+              <a:t>/WEB-INF</a:t>
+            </a:r>
+            <a:r>
+              <a:rPr lang="en-US" dirty="0" smtClean="0"/>
+              <a:t> folder and add the following entry:</a:t>
+            </a:r>
+          </a:p>
+          <a:p>
+            <a:endParaRPr lang="en-US" dirty="0" smtClean="0"/>
+          </a:p>
+        </p:txBody>
+      </p:sp>
+      <p:sp>
+        <p:nvSpPr>
+          <p:cNvPr id="5" name="Rectangle 4"/>
+          <p:cNvSpPr/>
+          <p:nvPr/>
+        </p:nvSpPr>
+        <p:spPr>
+          <a:xfrm>
+            <a:off x="1371600" y="3953470"/>
+            <a:ext cx="6400800" cy="1569660"/>
+          </a:xfrm>
+          <a:prstGeom prst="rect">
+            <a:avLst/>
+          </a:prstGeom>
+          <a:solidFill>
+            <a:schemeClr val="bg2"/>
+          </a:solidFill>
+        </p:spPr>
+        <p:txBody>
+          <a:bodyPr wrap="square">
+            <a:spAutoFit/>
+          </a:bodyPr>
+          <a:lstStyle/>
+          <a:p>
+            <a:r>
+              <a:rPr lang="en-IN" sz="3200" dirty="0" smtClean="0"/>
+              <a:t>&lt;inbound-services&gt;</a:t>
+            </a:r>
+          </a:p>
+          <a:p>
+            <a:r>
+              <a:rPr lang="en-IN" sz="3200" dirty="0" smtClean="0"/>
+              <a:t>	&lt;service&gt;mail&lt;/service&gt;</a:t>
+            </a:r>
+          </a:p>
+          <a:p>
+            <a:r>
+              <a:rPr lang="en-IN" sz="3200" dirty="0" smtClean="0"/>
+              <a:t>&lt;/inbound-services&gt;</a:t>
+            </a:r>
+            <a:endParaRPr lang="en-IN" sz="3200" dirty="0"/>
+          </a:p>
+        </p:txBody>
+      </p:sp>
+      <p:sp>
+        <p:nvSpPr>
+          <p:cNvPr id="6" name="Slide Number Placeholder 4"/>
+          <p:cNvSpPr>
+            <a:spLocks noGrp="1"/>
+          </p:cNvSpPr>
+          <p:nvPr>
+            <p:ph type="sldNum" sz="quarter" idx="12"/>
+          </p:nvPr>
+        </p:nvSpPr>
+        <p:spPr>
+          <a:xfrm>
+            <a:off x="0" y="1279524"/>
+            <a:ext cx="533400" cy="244476"/>
+          </a:xfrm>
+        </p:spPr>
+        <p:txBody>
+          <a:bodyPr>
+            <a:normAutofit fontScale="85000" lnSpcReduction="20000"/>
+          </a:bodyPr>
+          <a:lstStyle/>
+          <a:p>
+            <a:fld id="{F2BF1754-4D2F-46D8-A35A-EF7FA01DA8F5}" type="slidenum">
+              <a:rPr lang="en-US" smtClean="0"/>
+              <a:pPr/>
+              <a:t>62</a:t>
+            </a:fld>
+            <a:endParaRPr lang="en-US" dirty="0"/>
+          </a:p>
+        </p:txBody>
+      </p:sp>
+    </p:spTree>
+  </p:cSld>
+  <p:clrMapOvr>
+    <a:masterClrMapping/>
+  </p:clrMapOvr>
+  <p:timing>
+    <p:tnLst>
+      <p:par>
+        <p:cTn id="1" dur="indefinite" restart="never" nodeType="tmRoot"/>
+      </p:par>
+    </p:tnLst>
+  </p:timing>
+</p:sld>
+</file>
+
+<file path=ppt/slides/slide63.xml><?xml version="1.0" encoding="utf-8"?>
+<p:sld xmlns:a="http://schemas.openxmlformats.org/drawingml/2006/main" xmlns:r="http://schemas.openxmlformats.org/officeDocument/2006/relationships" xmlns:p="http://schemas.openxmlformats.org/presentationml/2006/main">
+  <p:cSld>
+    <p:spTree>
+      <p:nvGrpSpPr>
+        <p:cNvPr id="1" name=""/>
+        <p:cNvGrpSpPr/>
+        <p:nvPr/>
+      </p:nvGrpSpPr>
+      <p:grpSpPr>
+        <a:xfrm>
+          <a:off x="0" y="0"/>
+          <a:ext cx="0" cy="0"/>
+          <a:chOff x="0" y="0"/>
+          <a:chExt cx="0" cy="0"/>
+        </a:xfrm>
+      </p:grpSpPr>
+      <p:sp>
+        <p:nvSpPr>
+          <p:cNvPr id="2" name="Title 1"/>
+          <p:cNvSpPr>
+            <a:spLocks noGrp="1"/>
+          </p:cNvSpPr>
+          <p:nvPr>
+            <p:ph type="title"/>
+          </p:nvPr>
+        </p:nvSpPr>
+        <p:spPr/>
+        <p:txBody>
+          <a:bodyPr>
+            <a:normAutofit/>
+          </a:bodyPr>
+          <a:lstStyle/>
+          <a:p>
+            <a:pPr algn="ctr"/>
+            <a:r>
               <a:rPr lang="en-US" sz="3600" dirty="0" smtClean="0"/>
               <a:t>App Engine – Receiving Email</a:t>
             </a:r>
@@ -24071,515 +23977,6 @@
             <a:fld id="{F2BF1754-4D2F-46D8-A35A-EF7FA01DA8F5}" type="slidenum">
               <a:rPr lang="en-US" smtClean="0"/>
               <a:pPr/>
-              <a:t>61</a:t>
-            </a:fld>
-            <a:endParaRPr lang="en-US" dirty="0"/>
-          </a:p>
-        </p:txBody>
-      </p:sp>
-    </p:spTree>
-  </p:cSld>
-  <p:clrMapOvr>
-    <a:masterClrMapping/>
-  </p:clrMapOvr>
-  <p:timing>
-    <p:tnLst>
-      <p:par>
-        <p:cTn id="1" dur="indefinite" restart="never" nodeType="tmRoot"/>
-      </p:par>
-    </p:tnLst>
-  </p:timing>
-</p:sld>
-</file>
-
-<file path=ppt/slides/slide62.xml><?xml version="1.0" encoding="utf-8"?>
-<p:sld xmlns:a="http://schemas.openxmlformats.org/drawingml/2006/main" xmlns:r="http://schemas.openxmlformats.org/officeDocument/2006/relationships" xmlns:p="http://schemas.openxmlformats.org/presentationml/2006/main">
-  <p:cSld>
-    <p:spTree>
-      <p:nvGrpSpPr>
-        <p:cNvPr id="1" name=""/>
-        <p:cNvGrpSpPr/>
-        <p:nvPr/>
-      </p:nvGrpSpPr>
-      <p:grpSpPr>
-        <a:xfrm>
-          <a:off x="0" y="0"/>
-          <a:ext cx="0" cy="0"/>
-          <a:chOff x="0" y="0"/>
-          <a:chExt cx="0" cy="0"/>
-        </a:xfrm>
-      </p:grpSpPr>
-      <p:sp>
-        <p:nvSpPr>
-          <p:cNvPr id="2" name="Title 1"/>
-          <p:cNvSpPr>
-            <a:spLocks noGrp="1"/>
-          </p:cNvSpPr>
-          <p:nvPr>
-            <p:ph type="title"/>
-          </p:nvPr>
-        </p:nvSpPr>
-        <p:spPr>
-          <a:xfrm>
-            <a:off x="533400" y="228600"/>
-            <a:ext cx="8153400" cy="990600"/>
-          </a:xfrm>
-        </p:spPr>
-        <p:txBody>
-          <a:bodyPr>
-            <a:normAutofit/>
-          </a:bodyPr>
-          <a:lstStyle/>
-          <a:p>
-            <a:pPr algn="ctr"/>
-            <a:r>
-              <a:rPr lang="en-US" sz="3600" dirty="0" smtClean="0"/>
-              <a:t>App Engine – Receiving Email</a:t>
-            </a:r>
-            <a:endParaRPr lang="en-IN" sz="3600" dirty="0"/>
-          </a:p>
-        </p:txBody>
-      </p:sp>
-      <p:sp>
-        <p:nvSpPr>
-          <p:cNvPr id="5" name="Rectangle 4"/>
-          <p:cNvSpPr/>
-          <p:nvPr/>
-        </p:nvSpPr>
-        <p:spPr>
-          <a:xfrm>
-            <a:off x="76200" y="1600200"/>
-            <a:ext cx="9067800" cy="5293757"/>
-          </a:xfrm>
-          <a:prstGeom prst="rect">
-            <a:avLst/>
-          </a:prstGeom>
-          <a:solidFill>
-            <a:schemeClr val="bg2"/>
-          </a:solidFill>
-        </p:spPr>
-        <p:txBody>
-          <a:bodyPr wrap="square">
-            <a:spAutoFit/>
-          </a:bodyPr>
-          <a:lstStyle/>
-          <a:p>
-            <a:r>
-              <a:rPr lang="en-IN" sz="2000" dirty="0" smtClean="0"/>
-              <a:t>public void </a:t>
-            </a:r>
-            <a:r>
-              <a:rPr lang="en-IN" sz="2000" dirty="0" err="1" smtClean="0"/>
-              <a:t>doPost</a:t>
-            </a:r>
-            <a:r>
-              <a:rPr lang="en-IN" sz="2000" dirty="0" smtClean="0"/>
-              <a:t>(</a:t>
-            </a:r>
-            <a:r>
-              <a:rPr lang="en-IN" sz="2000" dirty="0" err="1" smtClean="0"/>
-              <a:t>HttpServletRequest</a:t>
-            </a:r>
-            <a:r>
-              <a:rPr lang="en-IN" sz="2000" dirty="0" smtClean="0"/>
-              <a:t> </a:t>
-            </a:r>
-            <a:r>
-              <a:rPr lang="en-IN" sz="2000" dirty="0" err="1" smtClean="0"/>
-              <a:t>req</a:t>
-            </a:r>
-            <a:r>
-              <a:rPr lang="en-IN" sz="2000" dirty="0" smtClean="0"/>
-              <a:t>, </a:t>
-            </a:r>
-            <a:r>
-              <a:rPr lang="en-IN" sz="2000" dirty="0" err="1" smtClean="0"/>
-              <a:t>HttpServletResponse</a:t>
-            </a:r>
-            <a:r>
-              <a:rPr lang="en-IN" sz="2000" dirty="0" smtClean="0"/>
-              <a:t> </a:t>
-            </a:r>
-            <a:r>
-              <a:rPr lang="en-IN" sz="2000" dirty="0" err="1" smtClean="0"/>
-              <a:t>resp</a:t>
-            </a:r>
-            <a:r>
-              <a:rPr lang="en-IN" sz="2000" dirty="0" smtClean="0"/>
-              <a:t>) throws </a:t>
-            </a:r>
-            <a:r>
-              <a:rPr lang="en-IN" sz="2000" dirty="0" err="1" smtClean="0"/>
-              <a:t>IOException</a:t>
-            </a:r>
-            <a:r>
-              <a:rPr lang="en-IN" sz="2000" dirty="0" smtClean="0"/>
-              <a:t> {</a:t>
-            </a:r>
-          </a:p>
-          <a:p>
-            <a:pPr lvl="1"/>
-            <a:r>
-              <a:rPr lang="en-IN" sz="2000" dirty="0" smtClean="0"/>
-              <a:t>Properties props = new Properties();</a:t>
-            </a:r>
-          </a:p>
-          <a:p>
-            <a:pPr lvl="1"/>
-            <a:r>
-              <a:rPr lang="en-IN" sz="2000" dirty="0" smtClean="0"/>
-              <a:t>Session </a:t>
-            </a:r>
-            <a:r>
-              <a:rPr lang="en-IN" sz="2000" dirty="0" err="1" smtClean="0"/>
-              <a:t>session</a:t>
-            </a:r>
-            <a:r>
-              <a:rPr lang="en-IN" sz="2000" dirty="0" smtClean="0"/>
-              <a:t> = </a:t>
-            </a:r>
-            <a:r>
-              <a:rPr lang="en-IN" sz="2000" dirty="0" err="1" smtClean="0"/>
-              <a:t>Session.getDefaultInstance</a:t>
-            </a:r>
-            <a:r>
-              <a:rPr lang="en-IN" sz="2000" dirty="0" smtClean="0"/>
-              <a:t>(props, null);</a:t>
-            </a:r>
-          </a:p>
-          <a:p>
-            <a:pPr lvl="1"/>
-            <a:r>
-              <a:rPr lang="en-IN" sz="2000" dirty="0" smtClean="0"/>
-              <a:t>try {</a:t>
-            </a:r>
-          </a:p>
-          <a:p>
-            <a:pPr lvl="2"/>
-            <a:r>
-              <a:rPr lang="en-IN" sz="2000" dirty="0" err="1" smtClean="0"/>
-              <a:t>MimeMessage</a:t>
-            </a:r>
-            <a:r>
-              <a:rPr lang="en-IN" sz="2000" dirty="0" smtClean="0"/>
-              <a:t> message = new </a:t>
-            </a:r>
-            <a:r>
-              <a:rPr lang="en-IN" sz="2000" dirty="0" err="1" smtClean="0"/>
-              <a:t>MimeMessage</a:t>
-            </a:r>
-            <a:r>
-              <a:rPr lang="en-IN" sz="2000" dirty="0" smtClean="0"/>
-              <a:t>(session, </a:t>
-            </a:r>
-            <a:r>
-              <a:rPr lang="en-IN" sz="2000" dirty="0" err="1" smtClean="0"/>
-              <a:t>req.getInputStream</a:t>
-            </a:r>
-            <a:r>
-              <a:rPr lang="en-IN" sz="2000" dirty="0" smtClean="0"/>
-              <a:t>());</a:t>
-            </a:r>
-          </a:p>
-          <a:p>
-            <a:pPr lvl="2"/>
-            <a:r>
-              <a:rPr lang="en-IN" sz="2000" dirty="0" smtClean="0"/>
-              <a:t>String </a:t>
-            </a:r>
-            <a:r>
-              <a:rPr lang="en-IN" sz="2000" dirty="0" err="1" smtClean="0"/>
-              <a:t>contentType</a:t>
-            </a:r>
-            <a:r>
-              <a:rPr lang="en-IN" sz="2000" dirty="0" smtClean="0"/>
-              <a:t> = </a:t>
-            </a:r>
-            <a:r>
-              <a:rPr lang="en-IN" sz="2000" dirty="0" err="1" smtClean="0"/>
-              <a:t>message.getContentType</a:t>
-            </a:r>
-            <a:r>
-              <a:rPr lang="en-IN" sz="2000" dirty="0" smtClean="0"/>
-              <a:t>();</a:t>
-            </a:r>
-          </a:p>
-          <a:p>
-            <a:pPr lvl="2"/>
-            <a:r>
-              <a:rPr lang="en-IN" sz="2000" dirty="0" smtClean="0"/>
-              <a:t>Object content = </a:t>
-            </a:r>
-            <a:r>
-              <a:rPr lang="en-IN" sz="2000" dirty="0" err="1" smtClean="0"/>
-              <a:t>message.getContent</a:t>
-            </a:r>
-            <a:r>
-              <a:rPr lang="en-IN" sz="2000" dirty="0" smtClean="0"/>
-              <a:t>();</a:t>
-            </a:r>
-          </a:p>
-          <a:p>
-            <a:pPr lvl="2"/>
-            <a:r>
-              <a:rPr lang="en-IN" sz="2000" dirty="0" smtClean="0"/>
-              <a:t>if (content </a:t>
-            </a:r>
-            <a:r>
-              <a:rPr lang="en-IN" sz="2000" dirty="0" err="1" smtClean="0"/>
-              <a:t>instanceof</a:t>
-            </a:r>
-            <a:r>
-              <a:rPr lang="en-IN" sz="2000" dirty="0" smtClean="0"/>
-              <a:t> String) {</a:t>
-            </a:r>
-          </a:p>
-          <a:p>
-            <a:pPr lvl="2"/>
-            <a:r>
-              <a:rPr lang="en-IN" sz="2000" dirty="0" smtClean="0"/>
-              <a:t>// A plain text body.</a:t>
-            </a:r>
-          </a:p>
-          <a:p>
-            <a:pPr lvl="2"/>
-            <a:r>
-              <a:rPr lang="en-IN" sz="2000" dirty="0" smtClean="0"/>
-              <a:t>} </a:t>
-            </a:r>
-          </a:p>
-          <a:p>
-            <a:pPr lvl="2"/>
-            <a:r>
-              <a:rPr lang="en-IN" sz="2000" dirty="0" smtClean="0"/>
-              <a:t>else if (content </a:t>
-            </a:r>
-            <a:r>
-              <a:rPr lang="en-IN" sz="2000" dirty="0" err="1" smtClean="0"/>
-              <a:t>instanceof</a:t>
-            </a:r>
-            <a:r>
-              <a:rPr lang="en-IN" sz="2000" dirty="0" smtClean="0"/>
-              <a:t> Multipart) {}</a:t>
-            </a:r>
-          </a:p>
-          <a:p>
-            <a:pPr lvl="1"/>
-            <a:r>
-              <a:rPr lang="en-IN" sz="2000" dirty="0" smtClean="0"/>
-              <a:t>} </a:t>
-            </a:r>
-          </a:p>
-          <a:p>
-            <a:pPr lvl="1"/>
-            <a:r>
-              <a:rPr lang="en-IN" sz="2000" dirty="0" smtClean="0"/>
-              <a:t>catch (</a:t>
-            </a:r>
-            <a:r>
-              <a:rPr lang="en-IN" sz="2000" dirty="0" err="1" smtClean="0"/>
-              <a:t>MessagingException</a:t>
-            </a:r>
-            <a:r>
-              <a:rPr lang="en-IN" sz="2000" dirty="0" smtClean="0"/>
-              <a:t> e) { </a:t>
-            </a:r>
-          </a:p>
-          <a:p>
-            <a:pPr lvl="1"/>
-            <a:r>
-              <a:rPr lang="en-IN" sz="2000" dirty="0" smtClean="0"/>
-              <a:t>//.. </a:t>
-            </a:r>
-          </a:p>
-          <a:p>
-            <a:pPr lvl="1"/>
-            <a:r>
-              <a:rPr lang="en-IN" sz="2000" dirty="0" smtClean="0"/>
-              <a:t>}</a:t>
-            </a:r>
-          </a:p>
-          <a:p>
-            <a:r>
-              <a:rPr lang="en-IN" sz="2000" dirty="0" smtClean="0"/>
-              <a:t>}</a:t>
-            </a:r>
-            <a:endParaRPr lang="en-IN" sz="2000" dirty="0"/>
-          </a:p>
-        </p:txBody>
-      </p:sp>
-      <p:sp>
-        <p:nvSpPr>
-          <p:cNvPr id="4" name="Slide Number Placeholder 4"/>
-          <p:cNvSpPr>
-            <a:spLocks noGrp="1"/>
-          </p:cNvSpPr>
-          <p:nvPr>
-            <p:ph type="sldNum" sz="quarter" idx="12"/>
-          </p:nvPr>
-        </p:nvSpPr>
-        <p:spPr>
-          <a:xfrm>
-            <a:off x="0" y="1279524"/>
-            <a:ext cx="533400" cy="244476"/>
-          </a:xfrm>
-        </p:spPr>
-        <p:txBody>
-          <a:bodyPr>
-            <a:normAutofit fontScale="85000" lnSpcReduction="20000"/>
-          </a:bodyPr>
-          <a:lstStyle/>
-          <a:p>
-            <a:fld id="{F2BF1754-4D2F-46D8-A35A-EF7FA01DA8F5}" type="slidenum">
-              <a:rPr lang="en-US" smtClean="0"/>
-              <a:pPr/>
-              <a:t>62</a:t>
-            </a:fld>
-            <a:endParaRPr lang="en-US" dirty="0"/>
-          </a:p>
-        </p:txBody>
-      </p:sp>
-    </p:spTree>
-  </p:cSld>
-  <p:clrMapOvr>
-    <a:masterClrMapping/>
-  </p:clrMapOvr>
-  <p:timing>
-    <p:tnLst>
-      <p:par>
-        <p:cTn id="1" dur="indefinite" restart="never" nodeType="tmRoot"/>
-      </p:par>
-    </p:tnLst>
-  </p:timing>
-</p:sld>
-</file>
-
-<file path=ppt/slides/slide63.xml><?xml version="1.0" encoding="utf-8"?>
-<p:sld xmlns:a="http://schemas.openxmlformats.org/drawingml/2006/main" xmlns:r="http://schemas.openxmlformats.org/officeDocument/2006/relationships" xmlns:p="http://schemas.openxmlformats.org/presentationml/2006/main">
-  <p:cSld>
-    <p:spTree>
-      <p:nvGrpSpPr>
-        <p:cNvPr id="1" name=""/>
-        <p:cNvGrpSpPr/>
-        <p:nvPr/>
-      </p:nvGrpSpPr>
-      <p:grpSpPr>
-        <a:xfrm>
-          <a:off x="0" y="0"/>
-          <a:ext cx="0" cy="0"/>
-          <a:chOff x="0" y="0"/>
-          <a:chExt cx="0" cy="0"/>
-        </a:xfrm>
-      </p:grpSpPr>
-      <p:sp>
-        <p:nvSpPr>
-          <p:cNvPr id="2" name="Title 1"/>
-          <p:cNvSpPr>
-            <a:spLocks noGrp="1"/>
-          </p:cNvSpPr>
-          <p:nvPr>
-            <p:ph type="title"/>
-          </p:nvPr>
-        </p:nvSpPr>
-        <p:spPr/>
-        <p:txBody>
-          <a:bodyPr>
-            <a:normAutofit/>
-          </a:bodyPr>
-          <a:lstStyle/>
-          <a:p>
-            <a:pPr algn="ctr"/>
-            <a:r>
-              <a:rPr lang="en-US" sz="4000" dirty="0" smtClean="0"/>
-              <a:t>App Engine – Sending Email</a:t>
-            </a:r>
-            <a:endParaRPr lang="en-IN" sz="4000" dirty="0"/>
-          </a:p>
-        </p:txBody>
-      </p:sp>
-      <p:sp>
-        <p:nvSpPr>
-          <p:cNvPr id="3" name="Content Placeholder 2"/>
-          <p:cNvSpPr>
-            <a:spLocks noGrp="1"/>
-          </p:cNvSpPr>
-          <p:nvPr>
-            <p:ph sz="quarter" idx="1"/>
-          </p:nvPr>
-        </p:nvSpPr>
-        <p:spPr/>
-        <p:txBody>
-          <a:bodyPr>
-            <a:normAutofit/>
-          </a:bodyPr>
-          <a:lstStyle/>
-          <a:p>
-            <a:r>
-              <a:rPr lang="en-US" dirty="0" smtClean="0"/>
-              <a:t>To send Email, call the API of the Mail Service</a:t>
-            </a:r>
-          </a:p>
-          <a:p>
-            <a:r>
-              <a:rPr lang="en-US" dirty="0" smtClean="0"/>
-              <a:t>Fill out From, To, CC, BCC, Subject, Message, Attachments.</a:t>
-            </a:r>
-          </a:p>
-          <a:p>
-            <a:r>
-              <a:rPr lang="en-US" dirty="0" smtClean="0"/>
-              <a:t>Valid From Address</a:t>
-            </a:r>
-          </a:p>
-          <a:p>
-            <a:pPr lvl="1"/>
-            <a:r>
-              <a:rPr lang="en-IN" sz="2800" dirty="0" smtClean="0"/>
-              <a:t>The Google Account address of one of the application administrators</a:t>
-            </a:r>
-          </a:p>
-          <a:p>
-            <a:pPr lvl="1"/>
-            <a:r>
-              <a:rPr lang="en-IN" sz="2800" dirty="0" smtClean="0"/>
-              <a:t>The address of the user currently signed in to the app</a:t>
-            </a:r>
-          </a:p>
-          <a:p>
-            <a:pPr lvl="1"/>
-            <a:r>
-              <a:rPr lang="en-IN" sz="2800" dirty="0" smtClean="0"/>
-              <a:t>A valid incoming email address for the application</a:t>
-            </a:r>
-            <a:endParaRPr lang="en-IN" sz="2800" dirty="0"/>
-          </a:p>
-        </p:txBody>
-      </p:sp>
-      <p:sp>
-        <p:nvSpPr>
-          <p:cNvPr id="4" name="Slide Number Placeholder 4"/>
-          <p:cNvSpPr>
-            <a:spLocks noGrp="1"/>
-          </p:cNvSpPr>
-          <p:nvPr>
-            <p:ph type="sldNum" sz="quarter" idx="12"/>
-          </p:nvPr>
-        </p:nvSpPr>
-        <p:spPr>
-          <a:xfrm>
-            <a:off x="0" y="1279524"/>
-            <a:ext cx="533400" cy="244476"/>
-          </a:xfrm>
-        </p:spPr>
-        <p:txBody>
-          <a:bodyPr>
-            <a:normAutofit fontScale="85000" lnSpcReduction="20000"/>
-          </a:bodyPr>
-          <a:lstStyle/>
-          <a:p>
-            <a:fld id="{F2BF1754-4D2F-46D8-A35A-EF7FA01DA8F5}" type="slidenum">
-              <a:rPr lang="en-US" smtClean="0"/>
-              <a:pPr/>
               <a:t>63</a:t>
             </a:fld>
             <a:endParaRPr lang="en-US" dirty="0"/>
@@ -24628,7 +24025,12 @@
             <p:ph type="title"/>
           </p:nvPr>
         </p:nvSpPr>
-        <p:spPr/>
+        <p:spPr>
+          <a:xfrm>
+            <a:off x="533400" y="228600"/>
+            <a:ext cx="8153400" cy="990600"/>
+          </a:xfrm>
+        </p:spPr>
         <p:txBody>
           <a:bodyPr>
             <a:normAutofit/>
@@ -24637,23 +24039,23 @@
           <a:p>
             <a:pPr algn="ctr"/>
             <a:r>
-              <a:rPr lang="en-US" sz="4000" dirty="0" smtClean="0"/>
-              <a:t>App Engine – Sending Email</a:t>
-            </a:r>
-            <a:endParaRPr lang="en-IN" sz="4000" dirty="0"/>
-          </a:p>
-        </p:txBody>
-      </p:sp>
-      <p:sp>
-        <p:nvSpPr>
-          <p:cNvPr id="4" name="Rectangle 3"/>
+              <a:rPr lang="en-US" sz="3600" dirty="0" smtClean="0"/>
+              <a:t>App Engine – Receiving Email</a:t>
+            </a:r>
+            <a:endParaRPr lang="en-IN" sz="3600" dirty="0"/>
+          </a:p>
+        </p:txBody>
+      </p:sp>
+      <p:sp>
+        <p:nvSpPr>
+          <p:cNvPr id="5" name="Rectangle 4"/>
           <p:cNvSpPr/>
           <p:nvPr/>
         </p:nvSpPr>
         <p:spPr>
           <a:xfrm>
-            <a:off x="152400" y="1600200"/>
-            <a:ext cx="8915400" cy="5170646"/>
+            <a:off x="76200" y="1600200"/>
+            <a:ext cx="9067800" cy="5293757"/>
           </a:xfrm>
           <a:prstGeom prst="rect">
             <a:avLst/>
@@ -24669,201 +24071,252 @@
           <a:lstStyle/>
           <a:p>
             <a:r>
-              <a:rPr lang="en-IN" sz="2200" dirty="0" smtClean="0"/>
+              <a:rPr lang="en-IN" sz="2000" dirty="0" smtClean="0"/>
+              <a:t>public void </a:t>
+            </a:r>
+            <a:r>
+              <a:rPr lang="en-IN" sz="2000" dirty="0" err="1" smtClean="0"/>
+              <a:t>doPost</a:t>
+            </a:r>
+            <a:r>
+              <a:rPr lang="en-IN" sz="2000" dirty="0" smtClean="0"/>
+              <a:t>(</a:t>
+            </a:r>
+            <a:r>
+              <a:rPr lang="en-IN" sz="2000" dirty="0" err="1" smtClean="0"/>
+              <a:t>HttpServletRequest</a:t>
+            </a:r>
+            <a:r>
+              <a:rPr lang="en-IN" sz="2000" dirty="0" smtClean="0"/>
+              <a:t> </a:t>
+            </a:r>
+            <a:r>
+              <a:rPr lang="en-IN" sz="2000" dirty="0" err="1" smtClean="0"/>
+              <a:t>req</a:t>
+            </a:r>
+            <a:r>
+              <a:rPr lang="en-IN" sz="2000" dirty="0" smtClean="0"/>
+              <a:t>, </a:t>
+            </a:r>
+            <a:r>
+              <a:rPr lang="en-IN" sz="2000" dirty="0" err="1" smtClean="0"/>
+              <a:t>HttpServletResponse</a:t>
+            </a:r>
+            <a:r>
+              <a:rPr lang="en-IN" sz="2000" dirty="0" smtClean="0"/>
+              <a:t> </a:t>
+            </a:r>
+            <a:r>
+              <a:rPr lang="en-IN" sz="2000" dirty="0" err="1" smtClean="0"/>
+              <a:t>resp</a:t>
+            </a:r>
+            <a:r>
+              <a:rPr lang="en-IN" sz="2000" dirty="0" smtClean="0"/>
+              <a:t>) throws </a:t>
+            </a:r>
+            <a:r>
+              <a:rPr lang="en-IN" sz="2000" dirty="0" err="1" smtClean="0"/>
+              <a:t>IOException</a:t>
+            </a:r>
+            <a:r>
+              <a:rPr lang="en-IN" sz="2000" dirty="0" smtClean="0"/>
+              <a:t> {</a:t>
+            </a:r>
+          </a:p>
+          <a:p>
+            <a:pPr lvl="1"/>
+            <a:r>
+              <a:rPr lang="en-IN" sz="2000" dirty="0" smtClean="0"/>
+              <a:t>Properties props = new Properties();</a:t>
+            </a:r>
+          </a:p>
+          <a:p>
+            <a:pPr lvl="1"/>
+            <a:r>
+              <a:rPr lang="en-IN" sz="2000" dirty="0" smtClean="0"/>
+              <a:t>Session </a:t>
+            </a:r>
+            <a:r>
+              <a:rPr lang="en-IN" sz="2000" dirty="0" err="1" smtClean="0"/>
+              <a:t>session</a:t>
+            </a:r>
+            <a:r>
+              <a:rPr lang="en-IN" sz="2000" dirty="0" smtClean="0"/>
+              <a:t> = </a:t>
+            </a:r>
+            <a:r>
+              <a:rPr lang="en-IN" sz="2000" dirty="0" err="1" smtClean="0"/>
+              <a:t>Session.getDefaultInstance</a:t>
+            </a:r>
+            <a:r>
+              <a:rPr lang="en-IN" sz="2000" dirty="0" smtClean="0"/>
+              <a:t>(props, null);</a:t>
+            </a:r>
+          </a:p>
+          <a:p>
+            <a:pPr lvl="1"/>
+            <a:r>
+              <a:rPr lang="en-IN" sz="2000" dirty="0" smtClean="0"/>
+              <a:t>try {</a:t>
+            </a:r>
+          </a:p>
+          <a:p>
+            <a:pPr lvl="2"/>
+            <a:r>
+              <a:rPr lang="en-IN" sz="2000" dirty="0" err="1" smtClean="0"/>
+              <a:t>MimeMessage</a:t>
+            </a:r>
+            <a:r>
+              <a:rPr lang="en-IN" sz="2000" dirty="0" smtClean="0"/>
+              <a:t> message = new </a:t>
+            </a:r>
+            <a:r>
+              <a:rPr lang="en-IN" sz="2000" dirty="0" err="1" smtClean="0"/>
+              <a:t>MimeMessage</a:t>
+            </a:r>
+            <a:r>
+              <a:rPr lang="en-IN" sz="2000" dirty="0" smtClean="0"/>
+              <a:t>(session, </a:t>
+            </a:r>
+            <a:r>
+              <a:rPr lang="en-IN" sz="2000" dirty="0" err="1" smtClean="0"/>
+              <a:t>req.getInputStream</a:t>
+            </a:r>
+            <a:r>
+              <a:rPr lang="en-IN" sz="2000" dirty="0" smtClean="0"/>
+              <a:t>());</a:t>
+            </a:r>
+          </a:p>
+          <a:p>
+            <a:pPr lvl="2"/>
+            <a:r>
+              <a:rPr lang="en-IN" sz="2000" dirty="0" smtClean="0"/>
               <a:t>String </a:t>
             </a:r>
             <a:r>
-              <a:rPr lang="en-IN" sz="2200" dirty="0" err="1" smtClean="0"/>
-              <a:t>recipientAddress</a:t>
-            </a:r>
-            <a:r>
-              <a:rPr lang="en-IN" sz="2200" dirty="0" smtClean="0"/>
-              <a:t> = &lt;email address&gt;;</a:t>
-            </a:r>
-          </a:p>
-          <a:p>
-            <a:r>
-              <a:rPr lang="en-IN" sz="2200" dirty="0" smtClean="0"/>
-              <a:t>Properties props = new Properties();</a:t>
-            </a:r>
-          </a:p>
-          <a:p>
-            <a:r>
-              <a:rPr lang="en-IN" sz="2200" dirty="0" smtClean="0"/>
-              <a:t>Session </a:t>
-            </a:r>
-            <a:r>
-              <a:rPr lang="en-IN" sz="2200" dirty="0" err="1" smtClean="0"/>
-              <a:t>session</a:t>
-            </a:r>
-            <a:r>
-              <a:rPr lang="en-IN" sz="2200" dirty="0" smtClean="0"/>
+              <a:rPr lang="en-IN" sz="2000" dirty="0" err="1" smtClean="0"/>
+              <a:t>contentType</a:t>
+            </a:r>
+            <a:r>
+              <a:rPr lang="en-IN" sz="2000" dirty="0" smtClean="0"/>
               <a:t> = </a:t>
             </a:r>
             <a:r>
-              <a:rPr lang="en-IN" sz="2200" dirty="0" err="1" smtClean="0"/>
-              <a:t>Session.getDefaultInstance</a:t>
-            </a:r>
-            <a:r>
-              <a:rPr lang="en-IN" sz="2200" dirty="0" smtClean="0"/>
-              <a:t>(props, null);</a:t>
-            </a:r>
-          </a:p>
-          <a:p>
-            <a:r>
-              <a:rPr lang="en-IN" sz="2200" dirty="0" smtClean="0"/>
-              <a:t>String </a:t>
-            </a:r>
-            <a:r>
-              <a:rPr lang="en-IN" sz="2200" dirty="0" err="1" smtClean="0"/>
-              <a:t>messageBody</a:t>
-            </a:r>
-            <a:r>
-              <a:rPr lang="en-IN" sz="2200" dirty="0" smtClean="0"/>
-              <a:t> =“Hi”;</a:t>
-            </a:r>
-          </a:p>
-          <a:p>
-            <a:r>
-              <a:rPr lang="en-IN" sz="2200" dirty="0" smtClean="0"/>
-              <a:t>try {</a:t>
+              <a:rPr lang="en-IN" sz="2000" dirty="0" err="1" smtClean="0"/>
+              <a:t>message.getContentType</a:t>
+            </a:r>
+            <a:r>
+              <a:rPr lang="en-IN" sz="2000" dirty="0" smtClean="0"/>
+              <a:t>();</a:t>
+            </a:r>
+          </a:p>
+          <a:p>
+            <a:pPr lvl="2"/>
+            <a:r>
+              <a:rPr lang="en-IN" sz="2000" dirty="0" smtClean="0"/>
+              <a:t>Object content = </a:t>
+            </a:r>
+            <a:r>
+              <a:rPr lang="en-IN" sz="2000" dirty="0" err="1" smtClean="0"/>
+              <a:t>message.getContent</a:t>
+            </a:r>
+            <a:r>
+              <a:rPr lang="en-IN" sz="2000" dirty="0" smtClean="0"/>
+              <a:t>();</a:t>
+            </a:r>
+          </a:p>
+          <a:p>
+            <a:pPr lvl="2"/>
+            <a:r>
+              <a:rPr lang="en-IN" sz="2000" dirty="0" smtClean="0"/>
+              <a:t>if (content </a:t>
+            </a:r>
+            <a:r>
+              <a:rPr lang="en-IN" sz="2000" dirty="0" err="1" smtClean="0"/>
+              <a:t>instanceof</a:t>
+            </a:r>
+            <a:r>
+              <a:rPr lang="en-IN" sz="2000" dirty="0" smtClean="0"/>
+              <a:t> String) {</a:t>
+            </a:r>
+          </a:p>
+          <a:p>
+            <a:pPr lvl="2"/>
+            <a:r>
+              <a:rPr lang="en-IN" sz="2000" dirty="0" smtClean="0"/>
+              <a:t>// A plain text body.</a:t>
+            </a:r>
+          </a:p>
+          <a:p>
+            <a:pPr lvl="2"/>
+            <a:r>
+              <a:rPr lang="en-IN" sz="2000" dirty="0" smtClean="0"/>
+              <a:t>} </a:t>
+            </a:r>
+          </a:p>
+          <a:p>
+            <a:pPr lvl="2"/>
+            <a:r>
+              <a:rPr lang="en-IN" sz="2000" dirty="0" smtClean="0"/>
+              <a:t>else if (content </a:t>
+            </a:r>
+            <a:r>
+              <a:rPr lang="en-IN" sz="2000" dirty="0" err="1" smtClean="0"/>
+              <a:t>instanceof</a:t>
+            </a:r>
+            <a:r>
+              <a:rPr lang="en-IN" sz="2000" dirty="0" smtClean="0"/>
+              <a:t> Multipart) {}</a:t>
             </a:r>
           </a:p>
           <a:p>
             <a:pPr lvl="1"/>
             <a:r>
-              <a:rPr lang="en-IN" sz="2200" dirty="0" smtClean="0"/>
-              <a:t>Message </a:t>
-            </a:r>
-            <a:r>
-              <a:rPr lang="en-IN" sz="2200" dirty="0" err="1" smtClean="0"/>
-              <a:t>message</a:t>
-            </a:r>
-            <a:r>
-              <a:rPr lang="en-IN" sz="2200" dirty="0" smtClean="0"/>
-              <a:t> = new </a:t>
-            </a:r>
-            <a:r>
-              <a:rPr lang="en-IN" sz="2200" dirty="0" err="1" smtClean="0"/>
-              <a:t>MimeMessage</a:t>
-            </a:r>
-            <a:r>
-              <a:rPr lang="en-IN" sz="2200" dirty="0" smtClean="0"/>
-              <a:t>(session);</a:t>
+              <a:rPr lang="en-IN" sz="2000" dirty="0" smtClean="0"/>
+              <a:t>} </a:t>
             </a:r>
           </a:p>
           <a:p>
             <a:pPr lvl="1"/>
             <a:r>
-              <a:rPr lang="en-IN" sz="2200" dirty="0" err="1" smtClean="0"/>
-              <a:t>message.setFrom</a:t>
-            </a:r>
-            <a:r>
-              <a:rPr lang="en-IN" sz="2200" dirty="0" smtClean="0"/>
-              <a:t>(new </a:t>
-            </a:r>
-            <a:r>
-              <a:rPr lang="en-IN" sz="2200" dirty="0" err="1" smtClean="0"/>
-              <a:t>InternetAddress</a:t>
-            </a:r>
-            <a:r>
-              <a:rPr lang="en-IN" sz="2200" dirty="0" smtClean="0"/>
-              <a:t>(“test@test.com"));</a:t>
+              <a:rPr lang="en-IN" sz="2000" dirty="0" smtClean="0"/>
+              <a:t>catch (</a:t>
+            </a:r>
+            <a:r>
+              <a:rPr lang="en-IN" sz="2000" dirty="0" err="1" smtClean="0"/>
+              <a:t>MessagingException</a:t>
+            </a:r>
+            <a:r>
+              <a:rPr lang="en-IN" sz="2000" dirty="0" smtClean="0"/>
+              <a:t> e) { </a:t>
             </a:r>
           </a:p>
           <a:p>
             <a:pPr lvl="1"/>
             <a:r>
-              <a:rPr lang="en-IN" sz="2200" dirty="0" err="1" smtClean="0"/>
-              <a:t>message.addRecipient</a:t>
-            </a:r>
-            <a:r>
-              <a:rPr lang="en-IN" sz="2200" dirty="0" smtClean="0"/>
-              <a:t>(Message.RecipientType.TO, new </a:t>
-            </a:r>
-            <a:r>
-              <a:rPr lang="en-IN" sz="2200" dirty="0" err="1" smtClean="0"/>
-              <a:t>InternetAddress</a:t>
-            </a:r>
-            <a:r>
-              <a:rPr lang="en-IN" sz="2200" dirty="0" smtClean="0"/>
-              <a:t>(</a:t>
-            </a:r>
-            <a:r>
-              <a:rPr lang="en-IN" sz="2200" dirty="0" err="1" smtClean="0"/>
-              <a:t>recipientAddress</a:t>
-            </a:r>
-            <a:r>
-              <a:rPr lang="en-IN" sz="2200" dirty="0" smtClean="0"/>
-              <a:t>));</a:t>
+              <a:rPr lang="en-IN" sz="2000" dirty="0" smtClean="0"/>
+              <a:t>//.. </a:t>
             </a:r>
           </a:p>
           <a:p>
             <a:pPr lvl="1"/>
             <a:r>
-              <a:rPr lang="en-IN" sz="2200" dirty="0" err="1" smtClean="0"/>
-              <a:t>message.setSubject</a:t>
-            </a:r>
-            <a:r>
-              <a:rPr lang="en-IN" sz="2200" dirty="0" smtClean="0"/>
-              <a:t>("Welcome to App Engine Workshop!");</a:t>
-            </a:r>
-          </a:p>
-          <a:p>
-            <a:pPr lvl="1"/>
-            <a:r>
-              <a:rPr lang="en-IN" sz="2200" dirty="0" err="1" smtClean="0"/>
-              <a:t>message.setText</a:t>
-            </a:r>
-            <a:r>
-              <a:rPr lang="en-IN" sz="2200" dirty="0" smtClean="0"/>
-              <a:t>(</a:t>
-            </a:r>
-            <a:r>
-              <a:rPr lang="en-IN" sz="2200" dirty="0" err="1" smtClean="0"/>
-              <a:t>messageBody</a:t>
-            </a:r>
-            <a:r>
-              <a:rPr lang="en-IN" sz="2200" dirty="0" smtClean="0"/>
-              <a:t>);</a:t>
-            </a:r>
-          </a:p>
-          <a:p>
-            <a:pPr lvl="1"/>
-            <a:r>
-              <a:rPr lang="en-IN" sz="2200" dirty="0" err="1" smtClean="0"/>
-              <a:t>Transport.send</a:t>
-            </a:r>
-            <a:r>
-              <a:rPr lang="en-IN" sz="2200" dirty="0" smtClean="0"/>
-              <a:t>(message);</a:t>
-            </a:r>
-          </a:p>
-          <a:p>
-            <a:r>
-              <a:rPr lang="en-IN" sz="2200" dirty="0" smtClean="0"/>
-              <a:t>} </a:t>
-            </a:r>
-            <a:br>
-              <a:rPr lang="en-IN" sz="2200" dirty="0" smtClean="0"/>
-            </a:br>
-            <a:r>
-              <a:rPr lang="en-IN" sz="2200" dirty="0" smtClean="0"/>
-              <a:t>catch (Exception e) {</a:t>
-            </a:r>
-          </a:p>
-          <a:p>
-            <a:r>
-              <a:rPr lang="en-IN" sz="2200" dirty="0" smtClean="0"/>
+              <a:rPr lang="en-IN" sz="2000" dirty="0" smtClean="0"/>
               <a:t>}</a:t>
             </a:r>
-            <a:endParaRPr lang="en-IN" sz="2200" dirty="0"/>
-          </a:p>
-        </p:txBody>
-      </p:sp>
-      <p:sp>
-        <p:nvSpPr>
-          <p:cNvPr id="5" name="Slide Number Placeholder 4"/>
+          </a:p>
+          <a:p>
+            <a:r>
+              <a:rPr lang="en-IN" sz="2000" dirty="0" smtClean="0"/>
+              <a:t>}</a:t>
+            </a:r>
+            <a:endParaRPr lang="en-IN" sz="2000" dirty="0"/>
+          </a:p>
+        </p:txBody>
+      </p:sp>
+      <p:sp>
+        <p:nvSpPr>
+          <p:cNvPr id="4" name="Slide Number Placeholder 4"/>
           <p:cNvSpPr>
             <a:spLocks noGrp="1"/>
           </p:cNvSpPr>
@@ -24936,75 +24389,94 @@
         </p:nvSpPr>
         <p:spPr/>
         <p:txBody>
-          <a:bodyPr/>
-          <a:lstStyle/>
-          <a:p>
-            <a:pPr algn="ctr"/>
-            <a:r>
-              <a:rPr lang="en-US" b="1" dirty="0" smtClean="0"/>
-              <a:t>Hands On Exercise</a:t>
-            </a:r>
-            <a:endParaRPr lang="en-IN" b="1" dirty="0"/>
-          </a:p>
-        </p:txBody>
-      </p:sp>
-      <p:sp>
-        <p:nvSpPr>
-          <p:cNvPr id="4" name="Content Placeholder 3"/>
-          <p:cNvSpPr>
-            <a:spLocks noGrp="1"/>
-          </p:cNvSpPr>
-          <p:nvPr>
-            <p:ph sz="quarter" idx="1"/>
-          </p:nvPr>
-        </p:nvSpPr>
-        <p:spPr/>
-        <p:txBody>
           <a:bodyPr>
             <a:normAutofit/>
           </a:bodyPr>
           <a:lstStyle/>
           <a:p>
-            <a:r>
-              <a:rPr lang="en-US" dirty="0" smtClean="0"/>
-              <a:t>Allow for anyone to request their exam result via Email</a:t>
-            </a:r>
-          </a:p>
-          <a:p>
-            <a:r>
-              <a:rPr lang="en-US" dirty="0" smtClean="0"/>
-              <a:t>Write incoming email handler to receive and parse request</a:t>
-            </a:r>
-          </a:p>
-          <a:p>
-            <a:r>
-              <a:rPr lang="en-US" dirty="0" smtClean="0"/>
-              <a:t>Send out the response via email  (Ideally this should be send out asynchronously via Task Queue API)</a:t>
-            </a:r>
-          </a:p>
-          <a:p>
-            <a:r>
-              <a:rPr lang="en-US" dirty="0" smtClean="0"/>
-              <a:t>Go to </a:t>
-            </a:r>
-            <a:r>
-              <a:rPr lang="en-US" b="1" dirty="0" smtClean="0"/>
-              <a:t>/hands-on-exercises/ExamResults-Step5-Email.docx</a:t>
-            </a:r>
-          </a:p>
-        </p:txBody>
-      </p:sp>
-      <p:sp>
-        <p:nvSpPr>
-          <p:cNvPr id="5" name="Slide Number Placeholder 4"/>
+            <a:pPr algn="ctr"/>
+            <a:r>
+              <a:rPr lang="en-US" sz="4000" dirty="0" smtClean="0"/>
+              <a:t>App Engine – Sending Email</a:t>
+            </a:r>
+            <a:endParaRPr lang="en-IN" sz="4000" dirty="0"/>
+          </a:p>
+        </p:txBody>
+      </p:sp>
+      <p:sp>
+        <p:nvSpPr>
+          <p:cNvPr id="3" name="Content Placeholder 2"/>
           <p:cNvSpPr>
             <a:spLocks noGrp="1"/>
           </p:cNvSpPr>
           <p:nvPr>
+            <p:ph sz="quarter" idx="1"/>
+          </p:nvPr>
+        </p:nvSpPr>
+        <p:spPr/>
+        <p:txBody>
+          <a:bodyPr>
+            <a:normAutofit lnSpcReduction="10000"/>
+          </a:bodyPr>
+          <a:lstStyle/>
+          <a:p>
+            <a:r>
+              <a:rPr lang="en-US" dirty="0" smtClean="0"/>
+              <a:t>To send Email, call the API of the Mail Service</a:t>
+            </a:r>
+          </a:p>
+          <a:p>
+            <a:r>
+              <a:rPr lang="en-US" dirty="0" smtClean="0"/>
+              <a:t>Fill out From, To, CC, BCC, Subject, Message, Attachments.</a:t>
+            </a:r>
+          </a:p>
+          <a:p>
+            <a:r>
+              <a:rPr lang="en-US" dirty="0" smtClean="0"/>
+              <a:t>Valid From Address</a:t>
+            </a:r>
+          </a:p>
+          <a:p>
+            <a:pPr lvl="1"/>
+            <a:r>
+              <a:rPr lang="en-IN" sz="2800" dirty="0" smtClean="0"/>
+              <a:t>The Google Account address of one of the application administrators</a:t>
+            </a:r>
+          </a:p>
+          <a:p>
+            <a:pPr lvl="1"/>
+            <a:r>
+              <a:rPr lang="en-IN" sz="2800" dirty="0" smtClean="0"/>
+              <a:t>The address of the user currently signed in to the app</a:t>
+            </a:r>
+          </a:p>
+          <a:p>
+            <a:pPr lvl="1"/>
+            <a:r>
+              <a:rPr lang="en-IN" sz="2800" dirty="0" smtClean="0"/>
+              <a:t>A valid incoming email address for the application</a:t>
+            </a:r>
+            <a:endParaRPr lang="en-IN" sz="2800" dirty="0"/>
+          </a:p>
+        </p:txBody>
+      </p:sp>
+      <p:sp>
+        <p:nvSpPr>
+          <p:cNvPr id="4" name="Slide Number Placeholder 4"/>
+          <p:cNvSpPr>
+            <a:spLocks noGrp="1"/>
+          </p:cNvSpPr>
+          <p:nvPr>
             <p:ph type="sldNum" sz="quarter" idx="12"/>
           </p:nvPr>
         </p:nvSpPr>
-        <p:spPr/>
+        <p:spPr>
+          <a:xfrm>
+            <a:off x="0" y="1279524"/>
+            <a:ext cx="533400" cy="244476"/>
+          </a:xfrm>
+        </p:spPr>
         <p:txBody>
           <a:bodyPr>
             <a:normAutofit fontScale="85000" lnSpcReduction="20000"/>
@@ -25015,6 +24487,440 @@
               <a:rPr lang="en-US" smtClean="0"/>
               <a:pPr/>
               <a:t>65</a:t>
+            </a:fld>
+            <a:endParaRPr lang="en-US" dirty="0"/>
+          </a:p>
+        </p:txBody>
+      </p:sp>
+    </p:spTree>
+  </p:cSld>
+  <p:clrMapOvr>
+    <a:masterClrMapping/>
+  </p:clrMapOvr>
+  <p:timing>
+    <p:tnLst>
+      <p:par>
+        <p:cTn id="1" dur="indefinite" restart="never" nodeType="tmRoot"/>
+      </p:par>
+    </p:tnLst>
+  </p:timing>
+</p:sld>
+</file>
+
+<file path=ppt/slides/slide66.xml><?xml version="1.0" encoding="utf-8"?>
+<p:sld xmlns:a="http://schemas.openxmlformats.org/drawingml/2006/main" xmlns:r="http://schemas.openxmlformats.org/officeDocument/2006/relationships" xmlns:p="http://schemas.openxmlformats.org/presentationml/2006/main">
+  <p:cSld>
+    <p:spTree>
+      <p:nvGrpSpPr>
+        <p:cNvPr id="1" name=""/>
+        <p:cNvGrpSpPr/>
+        <p:nvPr/>
+      </p:nvGrpSpPr>
+      <p:grpSpPr>
+        <a:xfrm>
+          <a:off x="0" y="0"/>
+          <a:ext cx="0" cy="0"/>
+          <a:chOff x="0" y="0"/>
+          <a:chExt cx="0" cy="0"/>
+        </a:xfrm>
+      </p:grpSpPr>
+      <p:sp>
+        <p:nvSpPr>
+          <p:cNvPr id="2" name="Title 1"/>
+          <p:cNvSpPr>
+            <a:spLocks noGrp="1"/>
+          </p:cNvSpPr>
+          <p:nvPr>
+            <p:ph type="title"/>
+          </p:nvPr>
+        </p:nvSpPr>
+        <p:spPr/>
+        <p:txBody>
+          <a:bodyPr>
+            <a:normAutofit/>
+          </a:bodyPr>
+          <a:lstStyle/>
+          <a:p>
+            <a:pPr algn="ctr"/>
+            <a:r>
+              <a:rPr lang="en-US" sz="4000" dirty="0" smtClean="0"/>
+              <a:t>App Engine – Sending Email</a:t>
+            </a:r>
+            <a:endParaRPr lang="en-IN" sz="4000" dirty="0"/>
+          </a:p>
+        </p:txBody>
+      </p:sp>
+      <p:sp>
+        <p:nvSpPr>
+          <p:cNvPr id="4" name="Rectangle 3"/>
+          <p:cNvSpPr/>
+          <p:nvPr/>
+        </p:nvSpPr>
+        <p:spPr>
+          <a:xfrm>
+            <a:off x="152400" y="1600200"/>
+            <a:ext cx="8915400" cy="5170646"/>
+          </a:xfrm>
+          <a:prstGeom prst="rect">
+            <a:avLst/>
+          </a:prstGeom>
+          <a:solidFill>
+            <a:schemeClr val="bg2"/>
+          </a:solidFill>
+        </p:spPr>
+        <p:txBody>
+          <a:bodyPr wrap="square">
+            <a:spAutoFit/>
+          </a:bodyPr>
+          <a:lstStyle/>
+          <a:p>
+            <a:r>
+              <a:rPr lang="en-IN" sz="2200" dirty="0" smtClean="0"/>
+              <a:t>String </a:t>
+            </a:r>
+            <a:r>
+              <a:rPr lang="en-IN" sz="2200" dirty="0" err="1" smtClean="0"/>
+              <a:t>recipientAddress</a:t>
+            </a:r>
+            <a:r>
+              <a:rPr lang="en-IN" sz="2200" dirty="0" smtClean="0"/>
+              <a:t> = &lt;email address&gt;;</a:t>
+            </a:r>
+          </a:p>
+          <a:p>
+            <a:r>
+              <a:rPr lang="en-IN" sz="2200" dirty="0" smtClean="0"/>
+              <a:t>Properties props = new Properties();</a:t>
+            </a:r>
+          </a:p>
+          <a:p>
+            <a:r>
+              <a:rPr lang="en-IN" sz="2200" dirty="0" smtClean="0"/>
+              <a:t>Session </a:t>
+            </a:r>
+            <a:r>
+              <a:rPr lang="en-IN" sz="2200" dirty="0" err="1" smtClean="0"/>
+              <a:t>session</a:t>
+            </a:r>
+            <a:r>
+              <a:rPr lang="en-IN" sz="2200" dirty="0" smtClean="0"/>
+              <a:t> = </a:t>
+            </a:r>
+            <a:r>
+              <a:rPr lang="en-IN" sz="2200" dirty="0" err="1" smtClean="0"/>
+              <a:t>Session.getDefaultInstance</a:t>
+            </a:r>
+            <a:r>
+              <a:rPr lang="en-IN" sz="2200" dirty="0" smtClean="0"/>
+              <a:t>(props, null);</a:t>
+            </a:r>
+          </a:p>
+          <a:p>
+            <a:r>
+              <a:rPr lang="en-IN" sz="2200" dirty="0" smtClean="0"/>
+              <a:t>String </a:t>
+            </a:r>
+            <a:r>
+              <a:rPr lang="en-IN" sz="2200" dirty="0" err="1" smtClean="0"/>
+              <a:t>messageBody</a:t>
+            </a:r>
+            <a:r>
+              <a:rPr lang="en-IN" sz="2200" dirty="0" smtClean="0"/>
+              <a:t> =“Hi”;</a:t>
+            </a:r>
+          </a:p>
+          <a:p>
+            <a:r>
+              <a:rPr lang="en-IN" sz="2200" dirty="0" smtClean="0"/>
+              <a:t>try {</a:t>
+            </a:r>
+          </a:p>
+          <a:p>
+            <a:pPr lvl="1"/>
+            <a:r>
+              <a:rPr lang="en-IN" sz="2200" dirty="0" smtClean="0"/>
+              <a:t>Message </a:t>
+            </a:r>
+            <a:r>
+              <a:rPr lang="en-IN" sz="2200" dirty="0" err="1" smtClean="0"/>
+              <a:t>message</a:t>
+            </a:r>
+            <a:r>
+              <a:rPr lang="en-IN" sz="2200" dirty="0" smtClean="0"/>
+              <a:t> = new </a:t>
+            </a:r>
+            <a:r>
+              <a:rPr lang="en-IN" sz="2200" dirty="0" err="1" smtClean="0"/>
+              <a:t>MimeMessage</a:t>
+            </a:r>
+            <a:r>
+              <a:rPr lang="en-IN" sz="2200" dirty="0" smtClean="0"/>
+              <a:t>(session);</a:t>
+            </a:r>
+          </a:p>
+          <a:p>
+            <a:pPr lvl="1"/>
+            <a:r>
+              <a:rPr lang="en-IN" sz="2200" dirty="0" err="1" smtClean="0"/>
+              <a:t>message.setFrom</a:t>
+            </a:r>
+            <a:r>
+              <a:rPr lang="en-IN" sz="2200" dirty="0" smtClean="0"/>
+              <a:t>(new </a:t>
+            </a:r>
+            <a:r>
+              <a:rPr lang="en-IN" sz="2200" dirty="0" err="1" smtClean="0"/>
+              <a:t>InternetAddress</a:t>
+            </a:r>
+            <a:r>
+              <a:rPr lang="en-IN" sz="2200" dirty="0" smtClean="0"/>
+              <a:t>(“test@test.com"));</a:t>
+            </a:r>
+          </a:p>
+          <a:p>
+            <a:pPr lvl="1"/>
+            <a:r>
+              <a:rPr lang="en-IN" sz="2200" dirty="0" err="1" smtClean="0"/>
+              <a:t>message.addRecipient</a:t>
+            </a:r>
+            <a:r>
+              <a:rPr lang="en-IN" sz="2200" dirty="0" smtClean="0"/>
+              <a:t>(Message.RecipientType.TO, new </a:t>
+            </a:r>
+            <a:r>
+              <a:rPr lang="en-IN" sz="2200" dirty="0" err="1" smtClean="0"/>
+              <a:t>InternetAddress</a:t>
+            </a:r>
+            <a:r>
+              <a:rPr lang="en-IN" sz="2200" dirty="0" smtClean="0"/>
+              <a:t>(</a:t>
+            </a:r>
+            <a:r>
+              <a:rPr lang="en-IN" sz="2200" dirty="0" err="1" smtClean="0"/>
+              <a:t>recipientAddress</a:t>
+            </a:r>
+            <a:r>
+              <a:rPr lang="en-IN" sz="2200" dirty="0" smtClean="0"/>
+              <a:t>));</a:t>
+            </a:r>
+          </a:p>
+          <a:p>
+            <a:pPr lvl="1"/>
+            <a:r>
+              <a:rPr lang="en-IN" sz="2200" dirty="0" err="1" smtClean="0"/>
+              <a:t>message.setSubject</a:t>
+            </a:r>
+            <a:r>
+              <a:rPr lang="en-IN" sz="2200" dirty="0" smtClean="0"/>
+              <a:t>("Welcome to App Engine Workshop!");</a:t>
+            </a:r>
+          </a:p>
+          <a:p>
+            <a:pPr lvl="1"/>
+            <a:r>
+              <a:rPr lang="en-IN" sz="2200" dirty="0" err="1" smtClean="0"/>
+              <a:t>message.setText</a:t>
+            </a:r>
+            <a:r>
+              <a:rPr lang="en-IN" sz="2200" dirty="0" smtClean="0"/>
+              <a:t>(</a:t>
+            </a:r>
+            <a:r>
+              <a:rPr lang="en-IN" sz="2200" dirty="0" err="1" smtClean="0"/>
+              <a:t>messageBody</a:t>
+            </a:r>
+            <a:r>
+              <a:rPr lang="en-IN" sz="2200" dirty="0" smtClean="0"/>
+              <a:t>);</a:t>
+            </a:r>
+          </a:p>
+          <a:p>
+            <a:pPr lvl="1"/>
+            <a:r>
+              <a:rPr lang="en-IN" sz="2200" dirty="0" err="1" smtClean="0"/>
+              <a:t>Transport.send</a:t>
+            </a:r>
+            <a:r>
+              <a:rPr lang="en-IN" sz="2200" dirty="0" smtClean="0"/>
+              <a:t>(message);</a:t>
+            </a:r>
+          </a:p>
+          <a:p>
+            <a:r>
+              <a:rPr lang="en-IN" sz="2200" dirty="0" smtClean="0"/>
+              <a:t>} </a:t>
+            </a:r>
+            <a:br>
+              <a:rPr lang="en-IN" sz="2200" dirty="0" smtClean="0"/>
+            </a:br>
+            <a:r>
+              <a:rPr lang="en-IN" sz="2200" dirty="0" smtClean="0"/>
+              <a:t>catch (Exception e) {</a:t>
+            </a:r>
+          </a:p>
+          <a:p>
+            <a:r>
+              <a:rPr lang="en-IN" sz="2200" dirty="0" smtClean="0"/>
+              <a:t>}</a:t>
+            </a:r>
+            <a:endParaRPr lang="en-IN" sz="2200" dirty="0"/>
+          </a:p>
+        </p:txBody>
+      </p:sp>
+      <p:sp>
+        <p:nvSpPr>
+          <p:cNvPr id="5" name="Slide Number Placeholder 4"/>
+          <p:cNvSpPr>
+            <a:spLocks noGrp="1"/>
+          </p:cNvSpPr>
+          <p:nvPr>
+            <p:ph type="sldNum" sz="quarter" idx="12"/>
+          </p:nvPr>
+        </p:nvSpPr>
+        <p:spPr>
+          <a:xfrm>
+            <a:off x="0" y="1279524"/>
+            <a:ext cx="533400" cy="244476"/>
+          </a:xfrm>
+        </p:spPr>
+        <p:txBody>
+          <a:bodyPr>
+            <a:normAutofit fontScale="85000" lnSpcReduction="20000"/>
+          </a:bodyPr>
+          <a:lstStyle/>
+          <a:p>
+            <a:fld id="{F2BF1754-4D2F-46D8-A35A-EF7FA01DA8F5}" type="slidenum">
+              <a:rPr lang="en-US" smtClean="0"/>
+              <a:pPr/>
+              <a:t>66</a:t>
+            </a:fld>
+            <a:endParaRPr lang="en-US" dirty="0"/>
+          </a:p>
+        </p:txBody>
+      </p:sp>
+    </p:spTree>
+  </p:cSld>
+  <p:clrMapOvr>
+    <a:masterClrMapping/>
+  </p:clrMapOvr>
+  <p:timing>
+    <p:tnLst>
+      <p:par>
+        <p:cTn id="1" dur="indefinite" restart="never" nodeType="tmRoot"/>
+      </p:par>
+    </p:tnLst>
+  </p:timing>
+</p:sld>
+</file>
+
+<file path=ppt/slides/slide67.xml><?xml version="1.0" encoding="utf-8"?>
+<p:sld xmlns:a="http://schemas.openxmlformats.org/drawingml/2006/main" xmlns:r="http://schemas.openxmlformats.org/officeDocument/2006/relationships" xmlns:p="http://schemas.openxmlformats.org/presentationml/2006/main">
+  <p:cSld>
+    <p:spTree>
+      <p:nvGrpSpPr>
+        <p:cNvPr id="1" name=""/>
+        <p:cNvGrpSpPr/>
+        <p:nvPr/>
+      </p:nvGrpSpPr>
+      <p:grpSpPr>
+        <a:xfrm>
+          <a:off x="0" y="0"/>
+          <a:ext cx="0" cy="0"/>
+          <a:chOff x="0" y="0"/>
+          <a:chExt cx="0" cy="0"/>
+        </a:xfrm>
+      </p:grpSpPr>
+      <p:sp>
+        <p:nvSpPr>
+          <p:cNvPr id="2" name="Title 1"/>
+          <p:cNvSpPr>
+            <a:spLocks noGrp="1"/>
+          </p:cNvSpPr>
+          <p:nvPr>
+            <p:ph type="title"/>
+          </p:nvPr>
+        </p:nvSpPr>
+        <p:spPr/>
+        <p:txBody>
+          <a:bodyPr/>
+          <a:lstStyle/>
+          <a:p>
+            <a:pPr algn="ctr"/>
+            <a:r>
+              <a:rPr lang="en-US" b="1" dirty="0" smtClean="0"/>
+              <a:t>Hands On Exercise</a:t>
+            </a:r>
+            <a:endParaRPr lang="en-IN" b="1" dirty="0"/>
+          </a:p>
+        </p:txBody>
+      </p:sp>
+      <p:sp>
+        <p:nvSpPr>
+          <p:cNvPr id="4" name="Content Placeholder 3"/>
+          <p:cNvSpPr>
+            <a:spLocks noGrp="1"/>
+          </p:cNvSpPr>
+          <p:nvPr>
+            <p:ph sz="quarter" idx="1"/>
+          </p:nvPr>
+        </p:nvSpPr>
+        <p:spPr/>
+        <p:txBody>
+          <a:bodyPr>
+            <a:normAutofit/>
+          </a:bodyPr>
+          <a:lstStyle/>
+          <a:p>
+            <a:r>
+              <a:rPr lang="en-US" dirty="0" smtClean="0"/>
+              <a:t>Allow for anyone to request their exam result via Email</a:t>
+            </a:r>
+          </a:p>
+          <a:p>
+            <a:r>
+              <a:rPr lang="en-US" dirty="0" smtClean="0"/>
+              <a:t>Write incoming email handler to receive and parse request</a:t>
+            </a:r>
+          </a:p>
+          <a:p>
+            <a:r>
+              <a:rPr lang="en-US" dirty="0" smtClean="0"/>
+              <a:t>Send out the response via email  (Ideally this should be send out asynchronously via Task Queue API)</a:t>
+            </a:r>
+          </a:p>
+          <a:p>
+            <a:r>
+              <a:rPr lang="en-US" dirty="0" smtClean="0"/>
+              <a:t>Go to </a:t>
+            </a:r>
+            <a:r>
+              <a:rPr lang="en-US" b="1" dirty="0" smtClean="0"/>
+              <a:t>/hands-on-exercises/ExamResults-Step5-Email.docx</a:t>
+            </a:r>
+          </a:p>
+        </p:txBody>
+      </p:sp>
+      <p:sp>
+        <p:nvSpPr>
+          <p:cNvPr id="5" name="Slide Number Placeholder 4"/>
+          <p:cNvSpPr>
+            <a:spLocks noGrp="1"/>
+          </p:cNvSpPr>
+          <p:nvPr>
+            <p:ph type="sldNum" sz="quarter" idx="12"/>
+          </p:nvPr>
+        </p:nvSpPr>
+        <p:spPr/>
+        <p:txBody>
+          <a:bodyPr>
+            <a:normAutofit fontScale="85000" lnSpcReduction="20000"/>
+          </a:bodyPr>
+          <a:lstStyle/>
+          <a:p>
+            <a:fld id="{F2BF1754-4D2F-46D8-A35A-EF7FA01DA8F5}" type="slidenum">
+              <a:rPr lang="en-US" smtClean="0"/>
+              <a:pPr/>
+              <a:t>67</a:t>
             </a:fld>
             <a:endParaRPr lang="en-US" dirty="0"/>
           </a:p>
@@ -25061,7 +24967,7 @@
 </p:sld>
 </file>
 
-<file path=ppt/slides/slide66.xml><?xml version="1.0" encoding="utf-8"?>
+<file path=ppt/slides/slide68.xml><?xml version="1.0" encoding="utf-8"?>
 <p:sld xmlns:a="http://schemas.openxmlformats.org/drawingml/2006/main" xmlns:r="http://schemas.openxmlformats.org/officeDocument/2006/relationships" xmlns:p="http://schemas.openxmlformats.org/presentationml/2006/main">
   <p:cSld>
     <p:spTree>
@@ -25098,7 +25004,7 @@
             <a:fld id="{F2BF1754-4D2F-46D8-A35A-EF7FA01DA8F5}" type="slidenum">
               <a:rPr lang="en-US" smtClean="0"/>
               <a:pPr/>
-              <a:t>66</a:t>
+              <a:t>68</a:t>
             </a:fld>
             <a:endParaRPr lang="en-US" dirty="0"/>
           </a:p>
@@ -25267,367 +25173,6 @@
 </p:sld>
 </file>
 
-<file path=ppt/slides/slide67.xml><?xml version="1.0" encoding="utf-8"?>
-<p:sld xmlns:a="http://schemas.openxmlformats.org/drawingml/2006/main" xmlns:r="http://schemas.openxmlformats.org/officeDocument/2006/relationships" xmlns:p="http://schemas.openxmlformats.org/presentationml/2006/main">
-  <p:cSld>
-    <p:spTree>
-      <p:nvGrpSpPr>
-        <p:cNvPr id="1" name=""/>
-        <p:cNvGrpSpPr/>
-        <p:nvPr/>
-      </p:nvGrpSpPr>
-      <p:grpSpPr>
-        <a:xfrm>
-          <a:off x="0" y="0"/>
-          <a:ext cx="0" cy="0"/>
-          <a:chOff x="0" y="0"/>
-          <a:chExt cx="0" cy="0"/>
-        </a:xfrm>
-      </p:grpSpPr>
-      <p:sp>
-        <p:nvSpPr>
-          <p:cNvPr id="2" name="Title 1"/>
-          <p:cNvSpPr>
-            <a:spLocks noGrp="1"/>
-          </p:cNvSpPr>
-          <p:nvPr>
-            <p:ph type="title"/>
-          </p:nvPr>
-        </p:nvSpPr>
-        <p:spPr/>
-        <p:txBody>
-          <a:bodyPr>
-            <a:normAutofit/>
-          </a:bodyPr>
-          <a:lstStyle/>
-          <a:p>
-            <a:pPr algn="ctr"/>
-            <a:r>
-              <a:rPr lang="en-US" sz="4000" dirty="0" smtClean="0"/>
-              <a:t>App Engine – </a:t>
-            </a:r>
-            <a:r>
-              <a:rPr lang="en-US" sz="4000" dirty="0" err="1" smtClean="0"/>
-              <a:t>Cron</a:t>
-            </a:r>
-            <a:r>
-              <a:rPr lang="en-US" sz="4000" dirty="0" smtClean="0"/>
-              <a:t> Service</a:t>
-            </a:r>
-            <a:endParaRPr lang="en-IN" sz="4000" dirty="0"/>
-          </a:p>
-        </p:txBody>
-      </p:sp>
-      <p:sp>
-        <p:nvSpPr>
-          <p:cNvPr id="3" name="Content Placeholder 2"/>
-          <p:cNvSpPr>
-            <a:spLocks noGrp="1"/>
-          </p:cNvSpPr>
-          <p:nvPr>
-            <p:ph sz="quarter" idx="1"/>
-          </p:nvPr>
-        </p:nvSpPr>
-        <p:spPr/>
-        <p:txBody>
-          <a:bodyPr>
-            <a:normAutofit fontScale="92500" lnSpcReduction="10000"/>
-          </a:bodyPr>
-          <a:lstStyle/>
-          <a:p>
-            <a:r>
-              <a:rPr lang="en-US" dirty="0" smtClean="0"/>
-              <a:t>Ability to run tasks at regular intervals</a:t>
-            </a:r>
-          </a:p>
-          <a:p>
-            <a:r>
-              <a:rPr lang="en-US" dirty="0" smtClean="0"/>
-              <a:t>Schedule one or more repetitive tasks to run at different intervals</a:t>
-            </a:r>
-          </a:p>
-          <a:p>
-            <a:r>
-              <a:rPr lang="en-US" dirty="0" smtClean="0"/>
-              <a:t>Ability to specify Time Zones also</a:t>
-            </a:r>
-          </a:p>
-          <a:p>
-            <a:r>
-              <a:rPr lang="en-US" dirty="0" smtClean="0"/>
-              <a:t>Examples</a:t>
-            </a:r>
-          </a:p>
-          <a:p>
-            <a:pPr lvl="1"/>
-            <a:r>
-              <a:rPr lang="en-US" dirty="0" smtClean="0"/>
-              <a:t>Fetch the latest news every 1 hour</a:t>
-            </a:r>
-          </a:p>
-          <a:p>
-            <a:pPr lvl="1"/>
-            <a:r>
-              <a:rPr lang="en-US" dirty="0" smtClean="0"/>
-              <a:t>Update App statistics every 6 hours</a:t>
-            </a:r>
-          </a:p>
-          <a:p>
-            <a:pPr lvl="1"/>
-            <a:r>
-              <a:rPr lang="en-US" dirty="0" smtClean="0"/>
-              <a:t>Check system to send any email reminders every 12 hours</a:t>
-            </a:r>
-          </a:p>
-          <a:p>
-            <a:pPr lvl="1"/>
-            <a:r>
-              <a:rPr lang="en-US" dirty="0" smtClean="0"/>
-              <a:t>Take a backup every week on Wednesday at 12:00 AM</a:t>
-            </a:r>
-          </a:p>
-          <a:p>
-            <a:r>
-              <a:rPr lang="en-IN" sz="2200" dirty="0" smtClean="0">
-                <a:hlinkClick r:id="rId2"/>
-              </a:rPr>
-              <a:t>https://developers.google.com/appengine/docs/java/config/cron</a:t>
-            </a:r>
-            <a:r>
-              <a:rPr lang="en-IN" sz="2200" dirty="0" smtClean="0"/>
-              <a:t> </a:t>
-            </a:r>
-            <a:endParaRPr lang="en-IN" sz="2200" dirty="0"/>
-          </a:p>
-        </p:txBody>
-      </p:sp>
-      <p:sp>
-        <p:nvSpPr>
-          <p:cNvPr id="4" name="Slide Number Placeholder 4"/>
-          <p:cNvSpPr>
-            <a:spLocks noGrp="1"/>
-          </p:cNvSpPr>
-          <p:nvPr>
-            <p:ph type="sldNum" sz="quarter" idx="12"/>
-          </p:nvPr>
-        </p:nvSpPr>
-        <p:spPr>
-          <a:xfrm>
-            <a:off x="0" y="1279524"/>
-            <a:ext cx="533400" cy="244476"/>
-          </a:xfrm>
-        </p:spPr>
-        <p:txBody>
-          <a:bodyPr>
-            <a:normAutofit fontScale="85000" lnSpcReduction="20000"/>
-          </a:bodyPr>
-          <a:lstStyle/>
-          <a:p>
-            <a:fld id="{F2BF1754-4D2F-46D8-A35A-EF7FA01DA8F5}" type="slidenum">
-              <a:rPr lang="en-US" smtClean="0"/>
-              <a:pPr/>
-              <a:t>67</a:t>
-            </a:fld>
-            <a:endParaRPr lang="en-US" dirty="0"/>
-          </a:p>
-        </p:txBody>
-      </p:sp>
-    </p:spTree>
-  </p:cSld>
-  <p:clrMapOvr>
-    <a:masterClrMapping/>
-  </p:clrMapOvr>
-  <p:timing>
-    <p:tnLst>
-      <p:par>
-        <p:cTn id="1" dur="indefinite" restart="never" nodeType="tmRoot"/>
-      </p:par>
-    </p:tnLst>
-  </p:timing>
-</p:sld>
-</file>
-
-<file path=ppt/slides/slide68.xml><?xml version="1.0" encoding="utf-8"?>
-<p:sld xmlns:a="http://schemas.openxmlformats.org/drawingml/2006/main" xmlns:r="http://schemas.openxmlformats.org/officeDocument/2006/relationships" xmlns:p="http://schemas.openxmlformats.org/presentationml/2006/main">
-  <p:cSld>
-    <p:spTree>
-      <p:nvGrpSpPr>
-        <p:cNvPr id="1" name=""/>
-        <p:cNvGrpSpPr/>
-        <p:nvPr/>
-      </p:nvGrpSpPr>
-      <p:grpSpPr>
-        <a:xfrm>
-          <a:off x="0" y="0"/>
-          <a:ext cx="0" cy="0"/>
-          <a:chOff x="0" y="0"/>
-          <a:chExt cx="0" cy="0"/>
-        </a:xfrm>
-      </p:grpSpPr>
-      <p:sp>
-        <p:nvSpPr>
-          <p:cNvPr id="2" name="Title 1"/>
-          <p:cNvSpPr>
-            <a:spLocks noGrp="1"/>
-          </p:cNvSpPr>
-          <p:nvPr>
-            <p:ph type="title"/>
-          </p:nvPr>
-        </p:nvSpPr>
-        <p:spPr/>
-        <p:txBody>
-          <a:bodyPr>
-            <a:normAutofit/>
-          </a:bodyPr>
-          <a:lstStyle/>
-          <a:p>
-            <a:pPr algn="ctr"/>
-            <a:r>
-              <a:rPr lang="en-US" sz="4000" dirty="0" smtClean="0"/>
-              <a:t>App Engine – </a:t>
-            </a:r>
-            <a:r>
-              <a:rPr lang="en-US" sz="4000" dirty="0" err="1" smtClean="0"/>
-              <a:t>Cron</a:t>
-            </a:r>
-            <a:r>
-              <a:rPr lang="en-US" sz="4000" dirty="0" smtClean="0"/>
-              <a:t> Service</a:t>
-            </a:r>
-            <a:endParaRPr lang="en-IN" sz="4000" dirty="0"/>
-          </a:p>
-        </p:txBody>
-      </p:sp>
-      <p:sp>
-        <p:nvSpPr>
-          <p:cNvPr id="3" name="Content Placeholder 2"/>
-          <p:cNvSpPr>
-            <a:spLocks noGrp="1"/>
-          </p:cNvSpPr>
-          <p:nvPr>
-            <p:ph sz="quarter" idx="1"/>
-          </p:nvPr>
-        </p:nvSpPr>
-        <p:spPr>
-          <a:xfrm>
-            <a:off x="612648" y="1600200"/>
-            <a:ext cx="8153400" cy="990600"/>
-          </a:xfrm>
-        </p:spPr>
-        <p:txBody>
-          <a:bodyPr/>
-          <a:lstStyle/>
-          <a:p>
-            <a:r>
-              <a:rPr lang="en-US" dirty="0" err="1" smtClean="0"/>
-              <a:t>Cron</a:t>
-            </a:r>
-            <a:r>
-              <a:rPr lang="en-US" dirty="0" smtClean="0"/>
-              <a:t> Schedules are specified in a </a:t>
-            </a:r>
-            <a:r>
-              <a:rPr lang="en-US" b="1" dirty="0" smtClean="0"/>
-              <a:t>cron.xml </a:t>
-            </a:r>
-            <a:r>
-              <a:rPr lang="en-US" dirty="0" smtClean="0"/>
-              <a:t>file that is placed in the </a:t>
-            </a:r>
-            <a:r>
-              <a:rPr lang="en-US" b="1" dirty="0" smtClean="0"/>
-              <a:t>/WEB-INF </a:t>
-            </a:r>
-            <a:r>
-              <a:rPr lang="en-US" dirty="0" smtClean="0"/>
-              <a:t>directory</a:t>
-            </a:r>
-          </a:p>
-          <a:p>
-            <a:endParaRPr lang="en-IN" dirty="0"/>
-          </a:p>
-        </p:txBody>
-      </p:sp>
-      <p:pic>
-        <p:nvPicPr>
-          <p:cNvPr id="4098" name="Picture 2"/>
-          <p:cNvPicPr>
-            <a:picLocks noChangeAspect="1" noChangeArrowheads="1"/>
-          </p:cNvPicPr>
-          <p:nvPr/>
-        </p:nvPicPr>
-        <p:blipFill>
-          <a:blip r:embed="rId2" cstate="print"/>
-          <a:srcRect/>
-          <a:stretch>
-            <a:fillRect/>
-          </a:stretch>
-        </p:blipFill>
-        <p:spPr bwMode="auto">
-          <a:xfrm>
-            <a:off x="1295400" y="2590800"/>
-            <a:ext cx="6285394" cy="3733800"/>
-          </a:xfrm>
-          <a:prstGeom prst="rect">
-            <a:avLst/>
-          </a:prstGeom>
-          <a:solidFill>
-            <a:schemeClr val="bg2"/>
-          </a:solidFill>
-          <a:ln w="9525">
-            <a:noFill/>
-            <a:miter lim="800000"/>
-            <a:headEnd/>
-            <a:tailEnd/>
-          </a:ln>
-        </p:spPr>
-      </p:pic>
-      <p:sp>
-        <p:nvSpPr>
-          <p:cNvPr id="5" name="Slide Number Placeholder 4"/>
-          <p:cNvSpPr>
-            <a:spLocks noGrp="1"/>
-          </p:cNvSpPr>
-          <p:nvPr>
-            <p:ph type="sldNum" sz="quarter" idx="12"/>
-          </p:nvPr>
-        </p:nvSpPr>
-        <p:spPr>
-          <a:xfrm>
-            <a:off x="0" y="1279524"/>
-            <a:ext cx="533400" cy="244476"/>
-          </a:xfrm>
-        </p:spPr>
-        <p:txBody>
-          <a:bodyPr>
-            <a:normAutofit fontScale="85000" lnSpcReduction="20000"/>
-          </a:bodyPr>
-          <a:lstStyle/>
-          <a:p>
-            <a:fld id="{F2BF1754-4D2F-46D8-A35A-EF7FA01DA8F5}" type="slidenum">
-              <a:rPr lang="en-US" smtClean="0"/>
-              <a:pPr/>
-              <a:t>68</a:t>
-            </a:fld>
-            <a:endParaRPr lang="en-US" dirty="0"/>
-          </a:p>
-        </p:txBody>
-      </p:sp>
-    </p:spTree>
-  </p:cSld>
-  <p:clrMapOvr>
-    <a:masterClrMapping/>
-  </p:clrMapOvr>
-  <p:timing>
-    <p:tnLst>
-      <p:par>
-        <p:cTn id="1" dur="indefinite" restart="never" nodeType="tmRoot"/>
-      </p:par>
-    </p:tnLst>
-  </p:timing>
-</p:sld>
-</file>
-
 <file path=ppt/slides/slide69.xml><?xml version="1.0" encoding="utf-8"?>
 <p:sld xmlns:a="http://schemas.openxmlformats.org/drawingml/2006/main" xmlns:r="http://schemas.openxmlformats.org/officeDocument/2006/relationships" xmlns:p="http://schemas.openxmlformats.org/presentationml/2006/main">
   <p:cSld>
@@ -25692,113 +25237,73 @@
         <p:spPr/>
         <p:txBody>
           <a:bodyPr>
-            <a:normAutofit lnSpcReduction="10000"/>
+            <a:normAutofit fontScale="92500" lnSpcReduction="20000"/>
           </a:bodyPr>
           <a:lstStyle/>
           <a:p>
             <a:r>
               <a:rPr lang="en-US" dirty="0" smtClean="0"/>
-              <a:t>Each </a:t>
-            </a:r>
-            <a:r>
-              <a:rPr lang="en-US" dirty="0" err="1" smtClean="0"/>
-              <a:t>Cron</a:t>
-            </a:r>
-            <a:r>
-              <a:rPr lang="en-US" dirty="0" smtClean="0"/>
-              <a:t> Entry specifies the following:</a:t>
+              <a:t>Ability to run tasks at regular intervals</a:t>
+            </a:r>
+          </a:p>
+          <a:p>
+            <a:r>
+              <a:rPr lang="en-US" dirty="0" smtClean="0"/>
+              <a:t>Schedule one or more repetitive tasks to run at different intervals</a:t>
+            </a:r>
+          </a:p>
+          <a:p>
+            <a:r>
+              <a:rPr lang="en-US" dirty="0" smtClean="0"/>
+              <a:t>Ability to specify Time Zones also</a:t>
+            </a:r>
+          </a:p>
+          <a:p>
+            <a:r>
+              <a:rPr lang="en-US" dirty="0" smtClean="0"/>
+              <a:t>Examples</a:t>
             </a:r>
           </a:p>
           <a:p>
             <a:pPr lvl="1"/>
             <a:r>
-              <a:rPr lang="en-US" b="1" dirty="0" smtClean="0"/>
-              <a:t>description</a:t>
-            </a:r>
-            <a:r>
-              <a:rPr lang="en-US" dirty="0" smtClean="0"/>
-              <a:t> : A description of the task</a:t>
+              <a:rPr lang="en-US" dirty="0" smtClean="0"/>
+              <a:t>Fetch the latest news every 1 hour</a:t>
             </a:r>
           </a:p>
           <a:p>
             <a:pPr lvl="1"/>
             <a:r>
-              <a:rPr lang="en-US" b="1" dirty="0" err="1" smtClean="0"/>
-              <a:t>url</a:t>
-            </a:r>
-            <a:r>
-              <a:rPr lang="en-US" dirty="0" smtClean="0"/>
-              <a:t> : the URL path of the Request handler to invoke. This will map to the </a:t>
-            </a:r>
-            <a:r>
-              <a:rPr lang="en-US" dirty="0" err="1" smtClean="0"/>
-              <a:t>Servlet</a:t>
-            </a:r>
-            <a:r>
-              <a:rPr lang="en-US" dirty="0" smtClean="0"/>
-              <a:t> that you will configure in the </a:t>
-            </a:r>
-            <a:r>
-              <a:rPr lang="en-US" b="1" dirty="0" smtClean="0"/>
-              <a:t>web.xml </a:t>
-            </a:r>
-            <a:r>
-              <a:rPr lang="en-US" dirty="0" smtClean="0"/>
-              <a:t>file</a:t>
+              <a:rPr lang="en-US" dirty="0" smtClean="0"/>
+              <a:t>Update App statistics every 6 hours</a:t>
             </a:r>
           </a:p>
           <a:p>
             <a:pPr lvl="1"/>
             <a:r>
-              <a:rPr lang="en-US" b="1" dirty="0" smtClean="0"/>
-              <a:t>schedule</a:t>
-            </a:r>
-            <a:r>
-              <a:rPr lang="en-US" dirty="0" smtClean="0"/>
-              <a:t>: the </a:t>
-            </a:r>
-            <a:r>
-              <a:rPr lang="en-US" dirty="0" err="1" smtClean="0"/>
-              <a:t>Cron</a:t>
-            </a:r>
-            <a:r>
-              <a:rPr lang="en-US" dirty="0" smtClean="0"/>
-              <a:t> expression that specifies the schedule on which to execute the task</a:t>
+              <a:rPr lang="en-US" dirty="0" smtClean="0"/>
+              <a:t>Check system to send any email reminders every 12 hours</a:t>
             </a:r>
           </a:p>
           <a:p>
             <a:pPr lvl="1"/>
             <a:r>
-              <a:rPr lang="en-US" b="1" dirty="0" err="1" smtClean="0"/>
-              <a:t>timezone</a:t>
-            </a:r>
-            <a:r>
-              <a:rPr lang="en-US" dirty="0" smtClean="0"/>
-              <a:t>: Optional. The Zone Info descriptor for the </a:t>
-            </a:r>
-            <a:r>
-              <a:rPr lang="en-US" dirty="0" err="1" smtClean="0"/>
-              <a:t>timezone</a:t>
-            </a:r>
-            <a:r>
-              <a:rPr lang="en-US" dirty="0" smtClean="0"/>
-              <a:t> e.g. America/Los Angeles. If omitted it is UTC</a:t>
-            </a:r>
-          </a:p>
-          <a:p>
-            <a:pPr lvl="1"/>
-            <a:r>
-              <a:rPr lang="en-US" b="1" dirty="0" smtClean="0"/>
-              <a:t>target</a:t>
-            </a:r>
-            <a:r>
-              <a:rPr lang="en-US" dirty="0" smtClean="0"/>
-              <a:t>: Optional. ID of the App version to use for the task. </a:t>
-            </a:r>
-          </a:p>
-          <a:p>
-            <a:pPr lvl="1"/>
-            <a:endParaRPr lang="en-IN" dirty="0"/>
+              <a:rPr lang="en-US" dirty="0" smtClean="0"/>
+              <a:t>Take a backup every week on Wednesday at 12:00 AM</a:t>
+            </a:r>
+          </a:p>
+          <a:p>
+            <a:r>
+              <a:rPr lang="en-IN" sz="2200" dirty="0" smtClean="0">
+                <a:hlinkClick r:id="rId2"/>
+              </a:rPr>
+              <a:t>https://developers.google.com/appengine/docs/java/config/cron</a:t>
+            </a:r>
+            <a:r>
+              <a:rPr lang="en-IN" sz="2200" dirty="0" smtClean="0"/>
+              <a:t> </a:t>
+            </a:r>
+            <a:endParaRPr lang="en-IN" sz="2200" dirty="0"/>
           </a:p>
         </p:txBody>
       </p:sp>
@@ -25906,7 +25411,7 @@
         </p:spPr>
         <p:txBody>
           <a:bodyPr>
-            <a:normAutofit/>
+            <a:normAutofit fontScale="92500"/>
           </a:bodyPr>
           <a:lstStyle/>
           <a:p>
@@ -26160,133 +25665,115 @@
         </p:nvSpPr>
         <p:spPr/>
         <p:txBody>
-          <a:bodyPr/>
-          <a:lstStyle/>
-          <a:p>
-            <a:pPr algn="ctr"/>
-            <a:r>
-              <a:rPr lang="en-US" dirty="0" err="1" smtClean="0"/>
-              <a:t>Cron</a:t>
-            </a:r>
-            <a:r>
-              <a:rPr lang="en-US" dirty="0" smtClean="0"/>
-              <a:t> Service - Schedules</a:t>
-            </a:r>
-            <a:endParaRPr lang="en-IN" dirty="0"/>
-          </a:p>
-        </p:txBody>
-      </p:sp>
-      <p:sp>
-        <p:nvSpPr>
-          <p:cNvPr id="3" name="Content Placeholder 2"/>
-          <p:cNvSpPr>
-            <a:spLocks noGrp="1"/>
-          </p:cNvSpPr>
-          <p:nvPr>
-            <p:ph sz="quarter" idx="1"/>
-          </p:nvPr>
-        </p:nvSpPr>
-        <p:spPr/>
-        <p:txBody>
           <a:bodyPr>
             <a:normAutofit/>
           </a:bodyPr>
           <a:lstStyle/>
           <a:p>
-            <a:pPr lvl="1"/>
-            <a:r>
-              <a:rPr lang="en-US" dirty="0" smtClean="0"/>
-              <a:t>A </a:t>
-            </a:r>
+            <a:pPr algn="ctr"/>
+            <a:r>
+              <a:rPr lang="en-US" sz="4000" dirty="0" smtClean="0"/>
+              <a:t>App Engine – </a:t>
+            </a:r>
+            <a:r>
+              <a:rPr lang="en-US" sz="4000" dirty="0" err="1" smtClean="0"/>
+              <a:t>Cron</a:t>
+            </a:r>
+            <a:r>
+              <a:rPr lang="en-US" sz="4000" dirty="0" smtClean="0"/>
+              <a:t> Service</a:t>
+            </a:r>
+            <a:endParaRPr lang="en-IN" sz="4000" dirty="0"/>
+          </a:p>
+        </p:txBody>
+      </p:sp>
+      <p:sp>
+        <p:nvSpPr>
+          <p:cNvPr id="3" name="Content Placeholder 2"/>
+          <p:cNvSpPr>
+            <a:spLocks noGrp="1"/>
+          </p:cNvSpPr>
+          <p:nvPr>
+            <p:ph sz="quarter" idx="1"/>
+          </p:nvPr>
+        </p:nvSpPr>
+        <p:spPr>
+          <a:xfrm>
+            <a:off x="612648" y="1600200"/>
+            <a:ext cx="8153400" cy="990600"/>
+          </a:xfrm>
+        </p:spPr>
+        <p:txBody>
+          <a:bodyPr/>
+          <a:lstStyle/>
+          <a:p>
             <a:r>
               <a:rPr lang="en-US" dirty="0" err="1" smtClean="0"/>
               <a:t>Cron</a:t>
             </a:r>
             <a:r>
               <a:rPr lang="en-US" dirty="0" smtClean="0"/>
-              <a:t> Expression for the schedule is a simplified English-like format</a:t>
-            </a:r>
-            <a:r>
-              <a:rPr lang="en-IN" dirty="0" smtClean="0"/>
-              <a:t> that describes the recurrence of the task</a:t>
-            </a:r>
-          </a:p>
-          <a:p>
-            <a:pPr lvl="1"/>
-            <a:r>
-              <a:rPr lang="en-US" dirty="0" smtClean="0"/>
-              <a:t>every 1 minutes</a:t>
-            </a:r>
-          </a:p>
-          <a:p>
-            <a:pPr lvl="1"/>
-            <a:r>
-              <a:rPr lang="en-US" dirty="0" smtClean="0"/>
-              <a:t>every 10 hours</a:t>
-            </a:r>
-          </a:p>
-          <a:p>
-            <a:pPr lvl="1"/>
-            <a:r>
-              <a:rPr lang="en-US" dirty="0" smtClean="0"/>
-              <a:t>every day 11:00</a:t>
-            </a:r>
-          </a:p>
-          <a:p>
-            <a:pPr lvl="1"/>
-            <a:r>
-              <a:rPr lang="en-US" dirty="0" smtClean="0"/>
-              <a:t>every </a:t>
-            </a:r>
-            <a:r>
-              <a:rPr lang="en-US" dirty="0" err="1" smtClean="0"/>
-              <a:t>wednesday</a:t>
-            </a:r>
-            <a:r>
-              <a:rPr lang="en-US" dirty="0" smtClean="0"/>
-              <a:t> 15:00</a:t>
-            </a:r>
-          </a:p>
-          <a:p>
-            <a:pPr lvl="1"/>
-            <a:r>
-              <a:rPr lang="en-US" dirty="0" smtClean="0"/>
-              <a:t>2</a:t>
-            </a:r>
-            <a:r>
-              <a:rPr lang="en-US" baseline="30000" dirty="0" smtClean="0"/>
-              <a:t>nd</a:t>
-            </a:r>
-            <a:r>
-              <a:rPr lang="en-US" dirty="0" smtClean="0"/>
-              <a:t> </a:t>
-            </a:r>
-            <a:r>
-              <a:rPr lang="en-US" dirty="0" err="1" smtClean="0"/>
-              <a:t>sunday</a:t>
-            </a:r>
-            <a:endParaRPr lang="en-US" dirty="0" smtClean="0"/>
-          </a:p>
-          <a:p>
-            <a:pPr lvl="1"/>
-            <a:r>
-              <a:rPr lang="en-US" dirty="0" smtClean="0"/>
-              <a:t>every 30 </a:t>
-            </a:r>
-            <a:r>
-              <a:rPr lang="en-US" dirty="0" err="1" smtClean="0"/>
-              <a:t>mins</a:t>
-            </a:r>
-            <a:r>
-              <a:rPr lang="en-US" dirty="0" smtClean="0"/>
-              <a:t> from 9:00 to 12:00</a:t>
-            </a:r>
-          </a:p>
-        </p:txBody>
-      </p:sp>
-      <p:sp>
-        <p:nvSpPr>
-          <p:cNvPr id="4" name="Slide Number Placeholder 4"/>
+              <a:t> Schedules are specified in a </a:t>
+            </a:r>
+            <a:r>
+              <a:rPr lang="en-US" b="1" dirty="0" smtClean="0"/>
+              <a:t>cron.xml </a:t>
+            </a:r>
+            <a:r>
+              <a:rPr lang="en-US" dirty="0" smtClean="0"/>
+              <a:t>file that is placed in the </a:t>
+            </a:r>
+            <a:r>
+              <a:rPr lang="en-US" b="1" dirty="0" smtClean="0"/>
+              <a:t>/WEB-INF </a:t>
+            </a:r>
+            <a:r>
+              <a:rPr lang="en-US" dirty="0" smtClean="0"/>
+              <a:t>directory</a:t>
+            </a:r>
+          </a:p>
+          <a:p>
+            <a:endParaRPr lang="en-IN" dirty="0"/>
+          </a:p>
+        </p:txBody>
+      </p:sp>
+      <p:pic>
+        <p:nvPicPr>
+          <p:cNvPr id="4098" name="Picture 2"/>
+          <p:cNvPicPr>
+            <a:picLocks noChangeAspect="1" noChangeArrowheads="1"/>
+          </p:cNvPicPr>
+          <p:nvPr/>
+        </p:nvPicPr>
+        <p:blipFill>
+          <a:blip r:embed="rId2" cstate="print"/>
+          <a:srcRect/>
+          <a:stretch>
+            <a:fillRect/>
+          </a:stretch>
+        </p:blipFill>
+        <p:spPr bwMode="auto">
+          <a:xfrm>
+            <a:off x="1295400" y="2590800"/>
+            <a:ext cx="6285394" cy="3733800"/>
+          </a:xfrm>
+          <a:prstGeom prst="rect">
+            <a:avLst/>
+          </a:prstGeom>
+          <a:solidFill>
+            <a:schemeClr val="bg2"/>
+          </a:solidFill>
+          <a:ln w="9525">
+            <a:noFill/>
+            <a:miter lim="800000"/>
+            <a:headEnd/>
+            <a:tailEnd/>
+          </a:ln>
+        </p:spPr>
+      </p:pic>
+      <p:sp>
+        <p:nvSpPr>
+          <p:cNvPr id="5" name="Slide Number Placeholder 4"/>
           <p:cNvSpPr>
             <a:spLocks noGrp="1"/>
           </p:cNvSpPr>
@@ -26359,137 +25846,167 @@
         </p:nvSpPr>
         <p:spPr/>
         <p:txBody>
-          <a:bodyPr/>
+          <a:bodyPr>
+            <a:normAutofit/>
+          </a:bodyPr>
           <a:lstStyle/>
           <a:p>
             <a:pPr algn="ctr"/>
             <a:r>
+              <a:rPr lang="en-US" sz="4000" dirty="0" smtClean="0"/>
+              <a:t>App Engine – </a:t>
+            </a:r>
+            <a:r>
+              <a:rPr lang="en-US" sz="4000" dirty="0" err="1" smtClean="0"/>
+              <a:t>Cron</a:t>
+            </a:r>
+            <a:r>
+              <a:rPr lang="en-US" sz="4000" dirty="0" smtClean="0"/>
+              <a:t> Service</a:t>
+            </a:r>
+            <a:endParaRPr lang="en-IN" sz="4000" dirty="0"/>
+          </a:p>
+        </p:txBody>
+      </p:sp>
+      <p:sp>
+        <p:nvSpPr>
+          <p:cNvPr id="3" name="Content Placeholder 2"/>
+          <p:cNvSpPr>
+            <a:spLocks noGrp="1"/>
+          </p:cNvSpPr>
+          <p:nvPr>
+            <p:ph sz="quarter" idx="1"/>
+          </p:nvPr>
+        </p:nvSpPr>
+        <p:spPr/>
+        <p:txBody>
+          <a:bodyPr>
+            <a:normAutofit fontScale="92500" lnSpcReduction="10000"/>
+          </a:bodyPr>
+          <a:lstStyle/>
+          <a:p>
+            <a:r>
+              <a:rPr lang="en-US" dirty="0" smtClean="0"/>
+              <a:t>Each </a:t>
+            </a:r>
+            <a:r>
+              <a:rPr lang="en-US" dirty="0" err="1" smtClean="0"/>
+              <a:t>Cron</a:t>
+            </a:r>
+            <a:r>
+              <a:rPr lang="en-US" dirty="0" smtClean="0"/>
+              <a:t> Entry specifies the following:</a:t>
+            </a:r>
+          </a:p>
+          <a:p>
+            <a:pPr lvl="1"/>
+            <a:r>
               <a:rPr lang="en-US" b="1" dirty="0" smtClean="0"/>
-              <a:t>Hands On Exercise</a:t>
-            </a:r>
-            <a:endParaRPr lang="en-IN" b="1" dirty="0"/>
-          </a:p>
-        </p:txBody>
-      </p:sp>
-      <p:sp>
-        <p:nvSpPr>
-          <p:cNvPr id="4" name="Content Placeholder 3"/>
+              <a:t>description</a:t>
+            </a:r>
+            <a:r>
+              <a:rPr lang="en-US" dirty="0" smtClean="0"/>
+              <a:t> : A description of the task</a:t>
+            </a:r>
+          </a:p>
+          <a:p>
+            <a:pPr lvl="1"/>
+            <a:r>
+              <a:rPr lang="en-US" b="1" dirty="0" err="1" smtClean="0"/>
+              <a:t>url</a:t>
+            </a:r>
+            <a:r>
+              <a:rPr lang="en-US" dirty="0" smtClean="0"/>
+              <a:t> : the URL path of the Request handler to invoke. This will map to the </a:t>
+            </a:r>
+            <a:r>
+              <a:rPr lang="en-US" dirty="0" err="1" smtClean="0"/>
+              <a:t>Servlet</a:t>
+            </a:r>
+            <a:r>
+              <a:rPr lang="en-US" dirty="0" smtClean="0"/>
+              <a:t> that you will configure in the </a:t>
+            </a:r>
+            <a:r>
+              <a:rPr lang="en-US" b="1" dirty="0" smtClean="0"/>
+              <a:t>web.xml </a:t>
+            </a:r>
+            <a:r>
+              <a:rPr lang="en-US" dirty="0" smtClean="0"/>
+              <a:t>file</a:t>
+            </a:r>
+          </a:p>
+          <a:p>
+            <a:pPr lvl="1"/>
+            <a:r>
+              <a:rPr lang="en-US" b="1" dirty="0" smtClean="0"/>
+              <a:t>schedule</a:t>
+            </a:r>
+            <a:r>
+              <a:rPr lang="en-US" dirty="0" smtClean="0"/>
+              <a:t>: the </a:t>
+            </a:r>
+            <a:r>
+              <a:rPr lang="en-US" dirty="0" err="1" smtClean="0"/>
+              <a:t>Cron</a:t>
+            </a:r>
+            <a:r>
+              <a:rPr lang="en-US" dirty="0" smtClean="0"/>
+              <a:t> expression that specifies the schedule on which to execute the task</a:t>
+            </a:r>
+          </a:p>
+          <a:p>
+            <a:pPr lvl="1"/>
+            <a:r>
+              <a:rPr lang="en-US" b="1" dirty="0" err="1" smtClean="0"/>
+              <a:t>timezone</a:t>
+            </a:r>
+            <a:r>
+              <a:rPr lang="en-US" dirty="0" smtClean="0"/>
+              <a:t>: Optional. The Zone Info descriptor for the </a:t>
+            </a:r>
+            <a:r>
+              <a:rPr lang="en-US" dirty="0" err="1" smtClean="0"/>
+              <a:t>timezone</a:t>
+            </a:r>
+            <a:r>
+              <a:rPr lang="en-US" dirty="0" smtClean="0"/>
+              <a:t> e.g. America/Los Angeles. If omitted it is UTC</a:t>
+            </a:r>
+          </a:p>
+          <a:p>
+            <a:pPr lvl="1"/>
+            <a:r>
+              <a:rPr lang="en-US" b="1" dirty="0" smtClean="0"/>
+              <a:t>target</a:t>
+            </a:r>
+            <a:r>
+              <a:rPr lang="en-US" dirty="0" smtClean="0"/>
+              <a:t>: Optional. ID of the App version to use for the task. </a:t>
+            </a:r>
+          </a:p>
+          <a:p>
+            <a:pPr lvl="1"/>
+            <a:endParaRPr lang="en-IN" dirty="0"/>
+          </a:p>
+        </p:txBody>
+      </p:sp>
+      <p:sp>
+        <p:nvSpPr>
+          <p:cNvPr id="4" name="Slide Number Placeholder 4"/>
           <p:cNvSpPr>
             <a:spLocks noGrp="1"/>
           </p:cNvSpPr>
           <p:nvPr>
-            <p:ph sz="quarter" idx="1"/>
+            <p:ph type="sldNum" sz="quarter" idx="12"/>
           </p:nvPr>
         </p:nvSpPr>
         <p:spPr>
           <a:xfrm>
-            <a:off x="612648" y="1447800"/>
-            <a:ext cx="8153400" cy="4495800"/>
+            <a:off x="0" y="1279524"/>
+            <a:ext cx="533400" cy="244476"/>
           </a:xfrm>
         </p:spPr>
-        <p:txBody>
-          <a:bodyPr>
-            <a:normAutofit lnSpcReduction="10000"/>
-          </a:bodyPr>
-          <a:lstStyle/>
-          <a:p>
-            <a:r>
-              <a:rPr lang="en-US" dirty="0" smtClean="0"/>
-              <a:t>Write out a </a:t>
-            </a:r>
-            <a:r>
-              <a:rPr lang="en-US" dirty="0" err="1" smtClean="0"/>
-              <a:t>Cron</a:t>
-            </a:r>
-            <a:r>
-              <a:rPr lang="en-US" dirty="0" smtClean="0"/>
-              <a:t> Job that executes every 2 or 1 hour and prints out a dummy string.</a:t>
-            </a:r>
-          </a:p>
-          <a:p>
-            <a:r>
-              <a:rPr lang="en-US" dirty="0" smtClean="0"/>
-              <a:t>First configure your cron.xml file with the </a:t>
-            </a:r>
-            <a:r>
-              <a:rPr lang="en-US" dirty="0" err="1" smtClean="0"/>
-              <a:t>cron</a:t>
-            </a:r>
-            <a:r>
-              <a:rPr lang="en-US" dirty="0" smtClean="0"/>
-              <a:t> entry and place it in </a:t>
-            </a:r>
-            <a:r>
-              <a:rPr lang="en-US" b="1" dirty="0" smtClean="0"/>
-              <a:t>/WEB-INF</a:t>
-            </a:r>
-            <a:r>
-              <a:rPr lang="en-US" dirty="0" smtClean="0"/>
-              <a:t> folder</a:t>
-            </a:r>
-          </a:p>
-          <a:p>
-            <a:r>
-              <a:rPr lang="en-US" dirty="0" smtClean="0"/>
-              <a:t>Map the </a:t>
-            </a:r>
-            <a:r>
-              <a:rPr lang="en-US" dirty="0" err="1" smtClean="0"/>
-              <a:t>Cron</a:t>
-            </a:r>
-            <a:r>
-              <a:rPr lang="en-US" dirty="0" smtClean="0"/>
-              <a:t> Job Request Handler to </a:t>
-            </a:r>
-            <a:r>
-              <a:rPr lang="en-US" dirty="0" err="1" smtClean="0"/>
-              <a:t>Servlet</a:t>
-            </a:r>
-            <a:r>
-              <a:rPr lang="en-US" dirty="0" smtClean="0"/>
-              <a:t> and code the </a:t>
-            </a:r>
-            <a:r>
-              <a:rPr lang="en-US" dirty="0" err="1" smtClean="0"/>
-              <a:t>Servlet</a:t>
-            </a:r>
-            <a:endParaRPr lang="en-US" dirty="0" smtClean="0"/>
-          </a:p>
-          <a:p>
-            <a:r>
-              <a:rPr lang="en-US" dirty="0" smtClean="0"/>
-              <a:t>Deploy the application on App Engine and observe the results</a:t>
-            </a:r>
-          </a:p>
-          <a:p>
-            <a:r>
-              <a:rPr lang="en-US" dirty="0" smtClean="0"/>
-              <a:t>Go to </a:t>
-            </a:r>
-            <a:r>
-              <a:rPr lang="en-US" b="1" dirty="0" smtClean="0"/>
-              <a:t>/hands-on-exercises/ExamResults-Step6-CronJob.docx</a:t>
-            </a:r>
-          </a:p>
-          <a:p>
-            <a:endParaRPr lang="en-US" dirty="0" smtClean="0"/>
-          </a:p>
-          <a:p>
-            <a:endParaRPr lang="en-US" dirty="0" smtClean="0"/>
-          </a:p>
-        </p:txBody>
-      </p:sp>
-      <p:sp>
-        <p:nvSpPr>
-          <p:cNvPr id="5" name="Slide Number Placeholder 4"/>
-          <p:cNvSpPr>
-            <a:spLocks noGrp="1"/>
-          </p:cNvSpPr>
-          <p:nvPr>
-            <p:ph type="sldNum" sz="quarter" idx="12"/>
-          </p:nvPr>
-        </p:nvSpPr>
-        <p:spPr/>
         <p:txBody>
           <a:bodyPr>
             <a:normAutofit fontScale="85000" lnSpcReduction="20000"/>
@@ -26500,6 +26017,400 @@
               <a:rPr lang="en-US" smtClean="0"/>
               <a:pPr/>
               <a:t>71</a:t>
+            </a:fld>
+            <a:endParaRPr lang="en-US" dirty="0"/>
+          </a:p>
+        </p:txBody>
+      </p:sp>
+    </p:spTree>
+  </p:cSld>
+  <p:clrMapOvr>
+    <a:masterClrMapping/>
+  </p:clrMapOvr>
+  <p:timing>
+    <p:tnLst>
+      <p:par>
+        <p:cTn id="1" dur="indefinite" restart="never" nodeType="tmRoot"/>
+      </p:par>
+    </p:tnLst>
+  </p:timing>
+</p:sld>
+</file>
+
+<file path=ppt/slides/slide72.xml><?xml version="1.0" encoding="utf-8"?>
+<p:sld xmlns:a="http://schemas.openxmlformats.org/drawingml/2006/main" xmlns:r="http://schemas.openxmlformats.org/officeDocument/2006/relationships" xmlns:p="http://schemas.openxmlformats.org/presentationml/2006/main">
+  <p:cSld>
+    <p:spTree>
+      <p:nvGrpSpPr>
+        <p:cNvPr id="1" name=""/>
+        <p:cNvGrpSpPr/>
+        <p:nvPr/>
+      </p:nvGrpSpPr>
+      <p:grpSpPr>
+        <a:xfrm>
+          <a:off x="0" y="0"/>
+          <a:ext cx="0" cy="0"/>
+          <a:chOff x="0" y="0"/>
+          <a:chExt cx="0" cy="0"/>
+        </a:xfrm>
+      </p:grpSpPr>
+      <p:sp>
+        <p:nvSpPr>
+          <p:cNvPr id="2" name="Title 1"/>
+          <p:cNvSpPr>
+            <a:spLocks noGrp="1"/>
+          </p:cNvSpPr>
+          <p:nvPr>
+            <p:ph type="title"/>
+          </p:nvPr>
+        </p:nvSpPr>
+        <p:spPr/>
+        <p:txBody>
+          <a:bodyPr/>
+          <a:lstStyle/>
+          <a:p>
+            <a:pPr algn="ctr"/>
+            <a:r>
+              <a:rPr lang="en-US" dirty="0" err="1" smtClean="0"/>
+              <a:t>Cron</a:t>
+            </a:r>
+            <a:r>
+              <a:rPr lang="en-US" dirty="0" smtClean="0"/>
+              <a:t> Service - Schedules</a:t>
+            </a:r>
+            <a:endParaRPr lang="en-IN" dirty="0"/>
+          </a:p>
+        </p:txBody>
+      </p:sp>
+      <p:sp>
+        <p:nvSpPr>
+          <p:cNvPr id="3" name="Content Placeholder 2"/>
+          <p:cNvSpPr>
+            <a:spLocks noGrp="1"/>
+          </p:cNvSpPr>
+          <p:nvPr>
+            <p:ph sz="quarter" idx="1"/>
+          </p:nvPr>
+        </p:nvSpPr>
+        <p:spPr/>
+        <p:txBody>
+          <a:bodyPr>
+            <a:normAutofit/>
+          </a:bodyPr>
+          <a:lstStyle/>
+          <a:p>
+            <a:pPr lvl="1"/>
+            <a:r>
+              <a:rPr lang="en-US" dirty="0" smtClean="0"/>
+              <a:t>A </a:t>
+            </a:r>
+            <a:r>
+              <a:rPr lang="en-US" dirty="0" err="1" smtClean="0"/>
+              <a:t>Cron</a:t>
+            </a:r>
+            <a:r>
+              <a:rPr lang="en-US" dirty="0" smtClean="0"/>
+              <a:t> Expression for the schedule is a simplified English-like format</a:t>
+            </a:r>
+            <a:r>
+              <a:rPr lang="en-IN" dirty="0" smtClean="0"/>
+              <a:t> that describes the recurrence of the task</a:t>
+            </a:r>
+          </a:p>
+          <a:p>
+            <a:pPr lvl="1"/>
+            <a:r>
+              <a:rPr lang="en-US" dirty="0" smtClean="0"/>
+              <a:t>every 1 minutes</a:t>
+            </a:r>
+          </a:p>
+          <a:p>
+            <a:pPr lvl="1"/>
+            <a:r>
+              <a:rPr lang="en-US" dirty="0" smtClean="0"/>
+              <a:t>every 10 hours</a:t>
+            </a:r>
+          </a:p>
+          <a:p>
+            <a:pPr lvl="1"/>
+            <a:r>
+              <a:rPr lang="en-US" dirty="0" smtClean="0"/>
+              <a:t>every day 11:00</a:t>
+            </a:r>
+          </a:p>
+          <a:p>
+            <a:pPr lvl="1"/>
+            <a:r>
+              <a:rPr lang="en-US" dirty="0" smtClean="0"/>
+              <a:t>every </a:t>
+            </a:r>
+            <a:r>
+              <a:rPr lang="en-US" dirty="0" err="1" smtClean="0"/>
+              <a:t>wednesday</a:t>
+            </a:r>
+            <a:r>
+              <a:rPr lang="en-US" dirty="0" smtClean="0"/>
+              <a:t> 15:00</a:t>
+            </a:r>
+          </a:p>
+          <a:p>
+            <a:pPr lvl="1"/>
+            <a:r>
+              <a:rPr lang="en-US" dirty="0" smtClean="0"/>
+              <a:t>2</a:t>
+            </a:r>
+            <a:r>
+              <a:rPr lang="en-US" baseline="30000" dirty="0" smtClean="0"/>
+              <a:t>nd</a:t>
+            </a:r>
+            <a:r>
+              <a:rPr lang="en-US" dirty="0" smtClean="0"/>
+              <a:t> </a:t>
+            </a:r>
+            <a:r>
+              <a:rPr lang="en-US" dirty="0" err="1" smtClean="0"/>
+              <a:t>sunday</a:t>
+            </a:r>
+            <a:endParaRPr lang="en-US" dirty="0" smtClean="0"/>
+          </a:p>
+          <a:p>
+            <a:pPr lvl="1"/>
+            <a:r>
+              <a:rPr lang="en-US" dirty="0" smtClean="0"/>
+              <a:t>every 30 </a:t>
+            </a:r>
+            <a:r>
+              <a:rPr lang="en-US" dirty="0" err="1" smtClean="0"/>
+              <a:t>mins</a:t>
+            </a:r>
+            <a:r>
+              <a:rPr lang="en-US" dirty="0" smtClean="0"/>
+              <a:t> from 9:00 to 12:00</a:t>
+            </a:r>
+          </a:p>
+        </p:txBody>
+      </p:sp>
+      <p:sp>
+        <p:nvSpPr>
+          <p:cNvPr id="4" name="Slide Number Placeholder 4"/>
+          <p:cNvSpPr>
+            <a:spLocks noGrp="1"/>
+          </p:cNvSpPr>
+          <p:nvPr>
+            <p:ph type="sldNum" sz="quarter" idx="12"/>
+          </p:nvPr>
+        </p:nvSpPr>
+        <p:spPr>
+          <a:xfrm>
+            <a:off x="0" y="1279524"/>
+            <a:ext cx="533400" cy="244476"/>
+          </a:xfrm>
+        </p:spPr>
+        <p:txBody>
+          <a:bodyPr>
+            <a:normAutofit fontScale="85000" lnSpcReduction="20000"/>
+          </a:bodyPr>
+          <a:lstStyle/>
+          <a:p>
+            <a:fld id="{F2BF1754-4D2F-46D8-A35A-EF7FA01DA8F5}" type="slidenum">
+              <a:rPr lang="en-US" smtClean="0"/>
+              <a:pPr/>
+              <a:t>72</a:t>
+            </a:fld>
+            <a:endParaRPr lang="en-US" dirty="0"/>
+          </a:p>
+        </p:txBody>
+      </p:sp>
+    </p:spTree>
+  </p:cSld>
+  <p:clrMapOvr>
+    <a:masterClrMapping/>
+  </p:clrMapOvr>
+  <p:timing>
+    <p:tnLst>
+      <p:par>
+        <p:cTn id="1" dur="indefinite" restart="never" nodeType="tmRoot"/>
+      </p:par>
+    </p:tnLst>
+  </p:timing>
+</p:sld>
+</file>
+
+<file path=ppt/slides/slide73.xml><?xml version="1.0" encoding="utf-8"?>
+<p:sld xmlns:a="http://schemas.openxmlformats.org/drawingml/2006/main" xmlns:r="http://schemas.openxmlformats.org/officeDocument/2006/relationships" xmlns:p="http://schemas.openxmlformats.org/presentationml/2006/main">
+  <p:cSld>
+    <p:spTree>
+      <p:nvGrpSpPr>
+        <p:cNvPr id="1" name=""/>
+        <p:cNvGrpSpPr/>
+        <p:nvPr/>
+      </p:nvGrpSpPr>
+      <p:grpSpPr>
+        <a:xfrm>
+          <a:off x="0" y="0"/>
+          <a:ext cx="0" cy="0"/>
+          <a:chOff x="0" y="0"/>
+          <a:chExt cx="0" cy="0"/>
+        </a:xfrm>
+      </p:grpSpPr>
+      <p:sp>
+        <p:nvSpPr>
+          <p:cNvPr id="2" name="Title 1"/>
+          <p:cNvSpPr>
+            <a:spLocks noGrp="1"/>
+          </p:cNvSpPr>
+          <p:nvPr>
+            <p:ph type="title"/>
+          </p:nvPr>
+        </p:nvSpPr>
+        <p:spPr/>
+        <p:txBody>
+          <a:bodyPr/>
+          <a:lstStyle/>
+          <a:p>
+            <a:pPr algn="ctr"/>
+            <a:r>
+              <a:rPr lang="en-US" b="1" dirty="0" smtClean="0"/>
+              <a:t>Hands On Exercise</a:t>
+            </a:r>
+            <a:endParaRPr lang="en-IN" b="1" dirty="0"/>
+          </a:p>
+        </p:txBody>
+      </p:sp>
+      <p:sp>
+        <p:nvSpPr>
+          <p:cNvPr id="4" name="Content Placeholder 3"/>
+          <p:cNvSpPr>
+            <a:spLocks noGrp="1"/>
+          </p:cNvSpPr>
+          <p:nvPr>
+            <p:ph sz="quarter" idx="1"/>
+          </p:nvPr>
+        </p:nvSpPr>
+        <p:spPr>
+          <a:xfrm>
+            <a:off x="612648" y="1600200"/>
+            <a:ext cx="8153400" cy="4495800"/>
+          </a:xfrm>
+        </p:spPr>
+        <p:txBody>
+          <a:bodyPr>
+            <a:normAutofit fontScale="92500" lnSpcReduction="20000"/>
+          </a:bodyPr>
+          <a:lstStyle/>
+          <a:p>
+            <a:r>
+              <a:rPr lang="en-US" dirty="0" smtClean="0"/>
+              <a:t>Write out a </a:t>
+            </a:r>
+            <a:r>
+              <a:rPr lang="en-US" dirty="0" err="1" smtClean="0"/>
+              <a:t>Cron</a:t>
+            </a:r>
+            <a:r>
+              <a:rPr lang="en-US" dirty="0" smtClean="0"/>
+              <a:t> Job that executes every 2 or 1 hour and prints out a dummy </a:t>
+            </a:r>
+            <a:r>
+              <a:rPr lang="en-US" dirty="0" smtClean="0"/>
+              <a:t>string or Twitter Search.</a:t>
+            </a:r>
+            <a:endParaRPr lang="en-US" dirty="0" smtClean="0"/>
+          </a:p>
+          <a:p>
+            <a:r>
+              <a:rPr lang="en-US" dirty="0" smtClean="0"/>
+              <a:t>First configure your cron.xml file with the </a:t>
+            </a:r>
+            <a:r>
+              <a:rPr lang="en-US" dirty="0" err="1" smtClean="0"/>
+              <a:t>cron</a:t>
+            </a:r>
+            <a:r>
+              <a:rPr lang="en-US" dirty="0" smtClean="0"/>
+              <a:t> entry and place it in </a:t>
+            </a:r>
+            <a:r>
+              <a:rPr lang="en-US" b="1" dirty="0" smtClean="0"/>
+              <a:t>/WEB-INF</a:t>
+            </a:r>
+            <a:r>
+              <a:rPr lang="en-US" dirty="0" smtClean="0"/>
+              <a:t> folder</a:t>
+            </a:r>
+          </a:p>
+          <a:p>
+            <a:r>
+              <a:rPr lang="en-US" dirty="0" smtClean="0"/>
+              <a:t>Map the </a:t>
+            </a:r>
+            <a:r>
+              <a:rPr lang="en-US" dirty="0" err="1" smtClean="0"/>
+              <a:t>Cron</a:t>
+            </a:r>
+            <a:r>
+              <a:rPr lang="en-US" dirty="0" smtClean="0"/>
+              <a:t> Job Request Handler to </a:t>
+            </a:r>
+            <a:r>
+              <a:rPr lang="en-US" dirty="0" err="1" smtClean="0"/>
+              <a:t>Servlet</a:t>
+            </a:r>
+            <a:r>
+              <a:rPr lang="en-US" dirty="0" smtClean="0"/>
+              <a:t> and code the </a:t>
+            </a:r>
+            <a:r>
+              <a:rPr lang="en-US" dirty="0" err="1" smtClean="0"/>
+              <a:t>Servlet</a:t>
+            </a:r>
+            <a:endParaRPr lang="en-US" dirty="0" smtClean="0"/>
+          </a:p>
+          <a:p>
+            <a:r>
+              <a:rPr lang="en-US" dirty="0" smtClean="0"/>
+              <a:t>Deploy the application on App Engine and observe the results</a:t>
+            </a:r>
+          </a:p>
+          <a:p>
+            <a:r>
+              <a:rPr lang="en-US" dirty="0" smtClean="0"/>
+              <a:t>Go to </a:t>
+            </a:r>
+            <a:r>
+              <a:rPr lang="en-US" b="1" dirty="0" smtClean="0"/>
+              <a:t>/hands-on-exercises/ExamResults-Step6-CronJob.docx</a:t>
+            </a:r>
+          </a:p>
+          <a:p>
+            <a:endParaRPr lang="en-US" dirty="0" smtClean="0"/>
+          </a:p>
+          <a:p>
+            <a:endParaRPr lang="en-US" dirty="0" smtClean="0"/>
+          </a:p>
+        </p:txBody>
+      </p:sp>
+      <p:sp>
+        <p:nvSpPr>
+          <p:cNvPr id="5" name="Slide Number Placeholder 4"/>
+          <p:cNvSpPr>
+            <a:spLocks noGrp="1"/>
+          </p:cNvSpPr>
+          <p:nvPr>
+            <p:ph type="sldNum" sz="quarter" idx="12"/>
+          </p:nvPr>
+        </p:nvSpPr>
+        <p:spPr/>
+        <p:txBody>
+          <a:bodyPr>
+            <a:normAutofit fontScale="85000" lnSpcReduction="20000"/>
+          </a:bodyPr>
+          <a:lstStyle/>
+          <a:p>
+            <a:fld id="{F2BF1754-4D2F-46D8-A35A-EF7FA01DA8F5}" type="slidenum">
+              <a:rPr lang="en-US" smtClean="0"/>
+              <a:pPr/>
+              <a:t>73</a:t>
             </a:fld>
             <a:endParaRPr lang="en-US" dirty="0"/>
           </a:p>
@@ -26546,7 +26457,7 @@
 </p:sld>
 </file>
 
-<file path=ppt/slides/slide72.xml><?xml version="1.0" encoding="utf-8"?>
+<file path=ppt/slides/slide74.xml><?xml version="1.0" encoding="utf-8"?>
 <p:sld xmlns:a="http://schemas.openxmlformats.org/drawingml/2006/main" xmlns:r="http://schemas.openxmlformats.org/officeDocument/2006/relationships" xmlns:p="http://schemas.openxmlformats.org/presentationml/2006/main">
   <p:cSld>
     <p:spTree>
@@ -26583,7 +26494,7 @@
             <a:fld id="{F2BF1754-4D2F-46D8-A35A-EF7FA01DA8F5}" type="slidenum">
               <a:rPr lang="en-US" smtClean="0"/>
               <a:pPr/>
-              <a:t>72</a:t>
+              <a:t>74</a:t>
             </a:fld>
             <a:endParaRPr lang="en-US" dirty="0"/>
           </a:p>
@@ -26748,7 +26659,7 @@
 </p:sld>
 </file>
 
-<file path=ppt/slides/slide73.xml><?xml version="1.0" encoding="utf-8"?>
+<file path=ppt/slides/slide75.xml><?xml version="1.0" encoding="utf-8"?>
 <p:sld xmlns:a="http://schemas.openxmlformats.org/drawingml/2006/main" xmlns:r="http://schemas.openxmlformats.org/officeDocument/2006/relationships" xmlns:p="http://schemas.openxmlformats.org/presentationml/2006/main">
   <p:cSld>
     <p:spTree>
@@ -26887,7 +26798,7 @@
             <a:fld id="{F2BF1754-4D2F-46D8-A35A-EF7FA01DA8F5}" type="slidenum">
               <a:rPr lang="en-US" smtClean="0"/>
               <a:pPr/>
-              <a:t>73</a:t>
+              <a:t>75</a:t>
             </a:fld>
             <a:endParaRPr lang="en-US" dirty="0"/>
           </a:p>
@@ -26908,7 +26819,7 @@
 </p:sld>
 </file>
 
-<file path=ppt/slides/slide74.xml><?xml version="1.0" encoding="utf-8"?>
+<file path=ppt/slides/slide76.xml><?xml version="1.0" encoding="utf-8"?>
 <p:sld xmlns:a="http://schemas.openxmlformats.org/drawingml/2006/main" xmlns:r="http://schemas.openxmlformats.org/officeDocument/2006/relationships" xmlns:p="http://schemas.openxmlformats.org/presentationml/2006/main">
   <p:cSld>
     <p:spTree>
@@ -27032,7 +26943,7 @@
             <a:fld id="{F2BF1754-4D2F-46D8-A35A-EF7FA01DA8F5}" type="slidenum">
               <a:rPr lang="en-US" smtClean="0"/>
               <a:pPr/>
-              <a:t>74</a:t>
+              <a:t>76</a:t>
             </a:fld>
             <a:endParaRPr lang="en-US" dirty="0"/>
           </a:p>
@@ -27053,7 +26964,7 @@
 </p:sld>
 </file>
 
-<file path=ppt/slides/slide75.xml><?xml version="1.0" encoding="utf-8"?>
+<file path=ppt/slides/slide77.xml><?xml version="1.0" encoding="utf-8"?>
 <p:sld xmlns:a="http://schemas.openxmlformats.org/drawingml/2006/main" xmlns:r="http://schemas.openxmlformats.org/officeDocument/2006/relationships" xmlns:p="http://schemas.openxmlformats.org/presentationml/2006/main">
   <p:cSld>
     <p:spTree>
@@ -27180,7 +27091,7 @@
             <a:fld id="{F2BF1754-4D2F-46D8-A35A-EF7FA01DA8F5}" type="slidenum">
               <a:rPr lang="en-US" smtClean="0"/>
               <a:pPr/>
-              <a:t>75</a:t>
+              <a:t>77</a:t>
             </a:fld>
             <a:endParaRPr lang="en-US" dirty="0"/>
           </a:p>
@@ -27227,359 +27138,6 @@
 </p:sld>
 </file>
 
-<file path=ppt/slides/slide76.xml><?xml version="1.0" encoding="utf-8"?>
-<p:sld xmlns:a="http://schemas.openxmlformats.org/drawingml/2006/main" xmlns:r="http://schemas.openxmlformats.org/officeDocument/2006/relationships" xmlns:p="http://schemas.openxmlformats.org/presentationml/2006/main">
-  <p:cSld>
-    <p:spTree>
-      <p:nvGrpSpPr>
-        <p:cNvPr id="1" name=""/>
-        <p:cNvGrpSpPr/>
-        <p:nvPr/>
-      </p:nvGrpSpPr>
-      <p:grpSpPr>
-        <a:xfrm>
-          <a:off x="0" y="0"/>
-          <a:ext cx="0" cy="0"/>
-          <a:chOff x="0" y="0"/>
-          <a:chExt cx="0" cy="0"/>
-        </a:xfrm>
-      </p:grpSpPr>
-      <p:sp>
-        <p:nvSpPr>
-          <p:cNvPr id="2" name="Title 1"/>
-          <p:cNvSpPr>
-            <a:spLocks noGrp="1"/>
-          </p:cNvSpPr>
-          <p:nvPr>
-            <p:ph type="title"/>
-          </p:nvPr>
-        </p:nvSpPr>
-        <p:spPr/>
-        <p:txBody>
-          <a:bodyPr/>
-          <a:lstStyle/>
-          <a:p>
-            <a:pPr algn="ctr"/>
-            <a:r>
-              <a:rPr lang="en-US" dirty="0" smtClean="0"/>
-              <a:t>More Services</a:t>
-            </a:r>
-            <a:endParaRPr lang="en-IN" dirty="0"/>
-          </a:p>
-        </p:txBody>
-      </p:sp>
-      <p:sp>
-        <p:nvSpPr>
-          <p:cNvPr id="3" name="Content Placeholder 2"/>
-          <p:cNvSpPr>
-            <a:spLocks noGrp="1"/>
-          </p:cNvSpPr>
-          <p:nvPr>
-            <p:ph sz="quarter" idx="1"/>
-          </p:nvPr>
-        </p:nvSpPr>
-        <p:spPr>
-          <a:xfrm>
-            <a:off x="228600" y="1600200"/>
-            <a:ext cx="8686800" cy="4495800"/>
-          </a:xfrm>
-        </p:spPr>
-        <p:txBody>
-          <a:bodyPr>
-            <a:normAutofit/>
-          </a:bodyPr>
-          <a:lstStyle/>
-          <a:p>
-            <a:r>
-              <a:rPr lang="en-US" dirty="0" smtClean="0"/>
-              <a:t>We have only seen a few of the App Engine Services</a:t>
-            </a:r>
-          </a:p>
-          <a:p>
-            <a:r>
-              <a:rPr lang="en-US" dirty="0" smtClean="0"/>
-              <a:t>Investigate and learn about these additional ones</a:t>
-            </a:r>
-          </a:p>
-          <a:p>
-            <a:pPr lvl="1"/>
-            <a:r>
-              <a:rPr lang="en-US" dirty="0" err="1" smtClean="0"/>
-              <a:t>Blobstore</a:t>
-            </a:r>
-            <a:r>
-              <a:rPr lang="en-US" dirty="0" smtClean="0"/>
-              <a:t> – for storing large amounts of data</a:t>
-            </a:r>
-          </a:p>
-          <a:p>
-            <a:pPr lvl="1"/>
-            <a:r>
-              <a:rPr lang="en-US" dirty="0" smtClean="0"/>
-              <a:t>Memory Cache – store and retrieve data from memory</a:t>
-            </a:r>
-          </a:p>
-          <a:p>
-            <a:pPr lvl="1"/>
-            <a:r>
-              <a:rPr lang="en-US" dirty="0" smtClean="0"/>
-              <a:t>Task Queues – Create asynchronous tasks that are executed by App Engine automatically</a:t>
-            </a:r>
-          </a:p>
-          <a:p>
-            <a:pPr lvl="1"/>
-            <a:r>
-              <a:rPr lang="en-US" dirty="0" smtClean="0"/>
-              <a:t>And more … </a:t>
-            </a:r>
-          </a:p>
-          <a:p>
-            <a:pPr lvl="1"/>
-            <a:r>
-              <a:rPr lang="en-US" dirty="0" smtClean="0"/>
-              <a:t>Visit : </a:t>
-            </a:r>
-            <a:r>
-              <a:rPr lang="en-US" dirty="0" smtClean="0">
-                <a:hlinkClick r:id="rId2"/>
-              </a:rPr>
-              <a:t>https://developers.google.com/appengine/docs/java/</a:t>
-            </a:r>
-            <a:r>
-              <a:rPr lang="en-US" dirty="0" smtClean="0"/>
-              <a:t> </a:t>
-            </a:r>
-          </a:p>
-          <a:p>
-            <a:pPr lvl="1"/>
-            <a:endParaRPr lang="en-IN" dirty="0"/>
-          </a:p>
-        </p:txBody>
-      </p:sp>
-      <p:sp>
-        <p:nvSpPr>
-          <p:cNvPr id="4" name="Slide Number Placeholder 4"/>
-          <p:cNvSpPr>
-            <a:spLocks noGrp="1"/>
-          </p:cNvSpPr>
-          <p:nvPr>
-            <p:ph type="sldNum" sz="quarter" idx="12"/>
-          </p:nvPr>
-        </p:nvSpPr>
-        <p:spPr>
-          <a:xfrm>
-            <a:off x="0" y="1279524"/>
-            <a:ext cx="533400" cy="244476"/>
-          </a:xfrm>
-        </p:spPr>
-        <p:txBody>
-          <a:bodyPr>
-            <a:normAutofit fontScale="85000" lnSpcReduction="20000"/>
-          </a:bodyPr>
-          <a:lstStyle/>
-          <a:p>
-            <a:fld id="{F2BF1754-4D2F-46D8-A35A-EF7FA01DA8F5}" type="slidenum">
-              <a:rPr lang="en-US" smtClean="0"/>
-              <a:pPr/>
-              <a:t>76</a:t>
-            </a:fld>
-            <a:endParaRPr lang="en-US" dirty="0"/>
-          </a:p>
-        </p:txBody>
-      </p:sp>
-    </p:spTree>
-  </p:cSld>
-  <p:clrMapOvr>
-    <a:masterClrMapping/>
-  </p:clrMapOvr>
-  <p:timing>
-    <p:tnLst>
-      <p:par>
-        <p:cTn id="1" dur="indefinite" restart="never" nodeType="tmRoot"/>
-      </p:par>
-    </p:tnLst>
-  </p:timing>
-</p:sld>
-</file>
-
-<file path=ppt/slides/slide77.xml><?xml version="1.0" encoding="utf-8"?>
-<p:sld xmlns:a="http://schemas.openxmlformats.org/drawingml/2006/main" xmlns:r="http://schemas.openxmlformats.org/officeDocument/2006/relationships" xmlns:p="http://schemas.openxmlformats.org/presentationml/2006/main">
-  <p:cSld>
-    <p:spTree>
-      <p:nvGrpSpPr>
-        <p:cNvPr id="1" name=""/>
-        <p:cNvGrpSpPr/>
-        <p:nvPr/>
-      </p:nvGrpSpPr>
-      <p:grpSpPr>
-        <a:xfrm>
-          <a:off x="0" y="0"/>
-          <a:ext cx="0" cy="0"/>
-          <a:chOff x="0" y="0"/>
-          <a:chExt cx="0" cy="0"/>
-        </a:xfrm>
-      </p:grpSpPr>
-      <p:sp>
-        <p:nvSpPr>
-          <p:cNvPr id="2" name="Title 1"/>
-          <p:cNvSpPr>
-            <a:spLocks noGrp="1"/>
-          </p:cNvSpPr>
-          <p:nvPr>
-            <p:ph type="title"/>
-          </p:nvPr>
-        </p:nvSpPr>
-        <p:spPr/>
-        <p:txBody>
-          <a:bodyPr/>
-          <a:lstStyle/>
-          <a:p>
-            <a:pPr algn="ctr"/>
-            <a:r>
-              <a:rPr lang="en-US" dirty="0" smtClean="0"/>
-              <a:t>Important URLs</a:t>
-            </a:r>
-            <a:endParaRPr lang="en-IN" dirty="0"/>
-          </a:p>
-        </p:txBody>
-      </p:sp>
-      <p:sp>
-        <p:nvSpPr>
-          <p:cNvPr id="3" name="Content Placeholder 2"/>
-          <p:cNvSpPr>
-            <a:spLocks noGrp="1"/>
-          </p:cNvSpPr>
-          <p:nvPr>
-            <p:ph sz="quarter" idx="1"/>
-          </p:nvPr>
-        </p:nvSpPr>
-        <p:spPr/>
-        <p:txBody>
-          <a:bodyPr/>
-          <a:lstStyle/>
-          <a:p>
-            <a:r>
-              <a:rPr lang="en-US" dirty="0" smtClean="0"/>
-              <a:t>Official Site : </a:t>
-            </a:r>
-            <a:r>
-              <a:rPr lang="en-US" dirty="0" smtClean="0">
-                <a:hlinkClick r:id="rId2"/>
-              </a:rPr>
-              <a:t>https://cloud.google.com/products/</a:t>
-            </a:r>
-            <a:endParaRPr lang="en-US" dirty="0" smtClean="0"/>
-          </a:p>
-          <a:p>
-            <a:r>
-              <a:rPr lang="en-US" dirty="0" err="1" smtClean="0"/>
-              <a:t>AppEngine</a:t>
-            </a:r>
-            <a:r>
-              <a:rPr lang="en-US" dirty="0" smtClean="0"/>
-              <a:t> Console: </a:t>
-            </a:r>
-            <a:r>
-              <a:rPr lang="en-US" dirty="0" smtClean="0">
-                <a:hlinkClick r:id="rId3"/>
-              </a:rPr>
-              <a:t>http://appengine.google.com</a:t>
-            </a:r>
-            <a:r>
-              <a:rPr lang="en-US" dirty="0" smtClean="0"/>
-              <a:t> </a:t>
-            </a:r>
-          </a:p>
-          <a:p>
-            <a:r>
-              <a:rPr lang="en-US" dirty="0" smtClean="0"/>
-              <a:t>Java Documentation: </a:t>
-            </a:r>
-            <a:r>
-              <a:rPr lang="en-US" dirty="0" smtClean="0">
-                <a:hlinkClick r:id="rId4"/>
-              </a:rPr>
-              <a:t>https://developers.google.com/appengine/docs/java/overview</a:t>
-            </a:r>
-            <a:r>
-              <a:rPr lang="en-US" dirty="0" smtClean="0"/>
-              <a:t> </a:t>
-            </a:r>
-          </a:p>
-          <a:p>
-            <a:r>
-              <a:rPr lang="en-US" dirty="0" err="1" smtClean="0"/>
-              <a:t>AppEngine</a:t>
-            </a:r>
-            <a:r>
-              <a:rPr lang="en-US" dirty="0" smtClean="0"/>
-              <a:t> Code Lab: </a:t>
-            </a:r>
-            <a:r>
-              <a:rPr lang="en-US" sz="2400" dirty="0" smtClean="0">
-                <a:sym typeface="Wingdings" pitchFamily="2" charset="2"/>
-                <a:hlinkClick r:id="rId5"/>
-              </a:rPr>
-              <a:t>http://googcloudlabs.appspot.com</a:t>
-            </a:r>
-            <a:r>
-              <a:rPr lang="en-US" sz="2400" dirty="0" smtClean="0">
-                <a:sym typeface="Wingdings" pitchFamily="2" charset="2"/>
-              </a:rPr>
-              <a:t> </a:t>
-            </a:r>
-          </a:p>
-          <a:p>
-            <a:endParaRPr lang="en-IN" dirty="0"/>
-          </a:p>
-        </p:txBody>
-      </p:sp>
-      <p:sp>
-        <p:nvSpPr>
-          <p:cNvPr id="4" name="Slide Number Placeholder 4"/>
-          <p:cNvSpPr>
-            <a:spLocks noGrp="1"/>
-          </p:cNvSpPr>
-          <p:nvPr>
-            <p:ph type="sldNum" sz="quarter" idx="12"/>
-          </p:nvPr>
-        </p:nvSpPr>
-        <p:spPr>
-          <a:xfrm>
-            <a:off x="0" y="1279524"/>
-            <a:ext cx="533400" cy="244476"/>
-          </a:xfrm>
-        </p:spPr>
-        <p:txBody>
-          <a:bodyPr>
-            <a:normAutofit fontScale="85000" lnSpcReduction="20000"/>
-          </a:bodyPr>
-          <a:lstStyle/>
-          <a:p>
-            <a:fld id="{F2BF1754-4D2F-46D8-A35A-EF7FA01DA8F5}" type="slidenum">
-              <a:rPr lang="en-US" smtClean="0"/>
-              <a:pPr/>
-              <a:t>77</a:t>
-            </a:fld>
-            <a:endParaRPr lang="en-US" dirty="0"/>
-          </a:p>
-        </p:txBody>
-      </p:sp>
-    </p:spTree>
-  </p:cSld>
-  <p:clrMapOvr>
-    <a:masterClrMapping/>
-  </p:clrMapOvr>
-  <p:timing>
-    <p:tnLst>
-      <p:par>
-        <p:cTn id="1" dur="indefinite" restart="never" nodeType="tmRoot"/>
-      </p:par>
-    </p:tnLst>
-  </p:timing>
-</p:sld>
-</file>
-
 <file path=ppt/slides/slide78.xml><?xml version="1.0" encoding="utf-8"?>
 <p:sld xmlns:a="http://schemas.openxmlformats.org/drawingml/2006/main" xmlns:r="http://schemas.openxmlformats.org/officeDocument/2006/relationships" xmlns:p="http://schemas.openxmlformats.org/presentationml/2006/main">
   <p:cSld>
@@ -27615,7 +27173,7 @@
             <a:pPr algn="ctr"/>
             <a:r>
               <a:rPr lang="en-US" dirty="0" smtClean="0"/>
-              <a:t>Books</a:t>
+              <a:t>More Services</a:t>
             </a:r>
             <a:endParaRPr lang="en-IN" dirty="0"/>
           </a:p>
@@ -27633,171 +27191,110 @@
         </p:nvSpPr>
         <p:spPr>
           <a:xfrm>
-            <a:off x="612648" y="1600200"/>
-            <a:ext cx="8153400" cy="1905000"/>
+            <a:off x="228600" y="1600200"/>
+            <a:ext cx="8686800" cy="4495800"/>
           </a:xfrm>
         </p:spPr>
         <p:txBody>
           <a:bodyPr>
-            <a:normAutofit lnSpcReduction="10000"/>
+            <a:normAutofit fontScale="92500"/>
           </a:bodyPr>
           <a:lstStyle/>
           <a:p>
             <a:r>
               <a:rPr lang="en-US" dirty="0" smtClean="0"/>
-              <a:t>Excellent in-depth book on Google App Engine covering both Python and Java</a:t>
-            </a:r>
-          </a:p>
-          <a:p>
-            <a:r>
-              <a:rPr lang="en-US" dirty="0" smtClean="0"/>
-              <a:t>Code snippets in this presentation taken from book for demonstration purpose only</a:t>
-            </a:r>
+              <a:t>We have only seen a few of the App Engine Services</a:t>
+            </a:r>
+          </a:p>
+          <a:p>
+            <a:r>
+              <a:rPr lang="en-US" dirty="0" smtClean="0"/>
+              <a:t>Investigate and learn about these additional ones</a:t>
+            </a:r>
+          </a:p>
+          <a:p>
+            <a:pPr lvl="1"/>
+            <a:r>
+              <a:rPr lang="en-US" dirty="0" err="1" smtClean="0"/>
+              <a:t>Blobstore</a:t>
+            </a:r>
+            <a:r>
+              <a:rPr lang="en-US" dirty="0" smtClean="0"/>
+              <a:t> – for storing large amounts of data</a:t>
+            </a:r>
+          </a:p>
+          <a:p>
+            <a:pPr lvl="1"/>
+            <a:r>
+              <a:rPr lang="en-US" dirty="0" smtClean="0"/>
+              <a:t>Memory Cache – store and retrieve data from memory</a:t>
+            </a:r>
+          </a:p>
+          <a:p>
+            <a:pPr lvl="1"/>
+            <a:r>
+              <a:rPr lang="en-US" dirty="0" smtClean="0"/>
+              <a:t>Task Queues – Create asynchronous tasks that are executed by App Engine automatically</a:t>
+            </a:r>
+          </a:p>
+          <a:p>
+            <a:pPr lvl="1"/>
+            <a:r>
+              <a:rPr lang="en-US" dirty="0" smtClean="0"/>
+              <a:t>And more … </a:t>
+            </a:r>
+          </a:p>
+          <a:p>
+            <a:pPr lvl="1"/>
+            <a:r>
+              <a:rPr lang="en-US" dirty="0" smtClean="0"/>
+              <a:t>Visit : </a:t>
+            </a:r>
+            <a:r>
+              <a:rPr lang="en-US" dirty="0" smtClean="0">
+                <a:hlinkClick r:id="rId2"/>
+              </a:rPr>
+              <a:t>https://developers.google.com/appengine/docs/java/</a:t>
+            </a:r>
+            <a:r>
+              <a:rPr lang="en-US" dirty="0" smtClean="0"/>
+              <a:t> </a:t>
+            </a:r>
+          </a:p>
+          <a:p>
+            <a:pPr lvl="1"/>
             <a:endParaRPr lang="en-IN" dirty="0"/>
           </a:p>
         </p:txBody>
       </p:sp>
-      <p:pic>
-        <p:nvPicPr>
-          <p:cNvPr id="1026" name="Picture 2" descr="Build &amp; Run Scalable Web Applications on Google's Infrastructure"/>
-          <p:cNvPicPr>
-            <a:picLocks noChangeAspect="1" noChangeArrowheads="1"/>
-          </p:cNvPicPr>
-          <p:nvPr/>
-        </p:nvPicPr>
-        <p:blipFill>
-          <a:blip r:embed="rId2" cstate="print"/>
-          <a:srcRect/>
-          <a:stretch>
-            <a:fillRect/>
-          </a:stretch>
-        </p:blipFill>
-        <p:spPr bwMode="auto">
-          <a:xfrm>
-            <a:off x="990600" y="3505200"/>
-            <a:ext cx="1981200" cy="2597574"/>
-          </a:xfrm>
-          <a:prstGeom prst="rect">
-            <a:avLst/>
-          </a:prstGeom>
-          <a:noFill/>
-        </p:spPr>
-      </p:pic>
-      <p:sp>
-        <p:nvSpPr>
-          <p:cNvPr id="5" name="Rectangle 4"/>
-          <p:cNvSpPr/>
-          <p:nvPr/>
+      <p:sp>
+        <p:nvSpPr>
+          <p:cNvPr id="4" name="Slide Number Placeholder 4"/>
+          <p:cNvSpPr>
+            <a:spLocks noGrp="1"/>
+          </p:cNvSpPr>
+          <p:nvPr>
+            <p:ph type="sldNum" sz="quarter" idx="12"/>
+          </p:nvPr>
         </p:nvSpPr>
         <p:spPr>
           <a:xfrm>
-            <a:off x="3048000" y="3516868"/>
-            <a:ext cx="5830570" cy="400110"/>
+            <a:off x="0" y="1279524"/>
+            <a:ext cx="533400" cy="244476"/>
           </a:xfrm>
-          <a:prstGeom prst="rect">
-            <a:avLst/>
-          </a:prstGeom>
         </p:spPr>
         <p:txBody>
-          <a:bodyPr wrap="none">
-            <a:spAutoFit/>
+          <a:bodyPr>
+            <a:normAutofit fontScale="85000" lnSpcReduction="20000"/>
           </a:bodyPr>
           <a:lstStyle/>
           <a:p>
-            <a:r>
-              <a:rPr lang="en-IN" sz="2000" b="1" dirty="0" smtClean="0"/>
-              <a:t>Programming Google App Engine, 2nd Edition</a:t>
-            </a:r>
-            <a:endParaRPr lang="en-IN" sz="2000" dirty="0"/>
-          </a:p>
-        </p:txBody>
-      </p:sp>
-      <p:sp>
-        <p:nvSpPr>
-          <p:cNvPr id="6" name="Rectangle 5"/>
-          <p:cNvSpPr/>
-          <p:nvPr/>
-        </p:nvSpPr>
-        <p:spPr>
-          <a:xfrm>
-            <a:off x="3048000" y="4057471"/>
-            <a:ext cx="4572000" cy="1200329"/>
-          </a:xfrm>
-          <a:prstGeom prst="rect">
-            <a:avLst/>
-          </a:prstGeom>
-        </p:spPr>
-        <p:txBody>
-          <a:bodyPr>
-            <a:spAutoFit/>
-          </a:bodyPr>
-          <a:lstStyle/>
-          <a:p>
-            <a:r>
-              <a:rPr lang="en-IN" dirty="0" smtClean="0"/>
-              <a:t>By </a:t>
-            </a:r>
-            <a:r>
-              <a:rPr lang="en-IN" dirty="0" smtClean="0">
-                <a:hlinkClick r:id="rId3"/>
-              </a:rPr>
-              <a:t>Dan Sanderson</a:t>
-            </a:r>
-            <a:endParaRPr lang="en-IN" dirty="0" smtClean="0"/>
-          </a:p>
-          <a:p>
-            <a:r>
-              <a:rPr lang="en-IN" dirty="0" smtClean="0"/>
-              <a:t>Publisher: O'Reilly Media</a:t>
-            </a:r>
-          </a:p>
-          <a:p>
-            <a:r>
-              <a:rPr lang="en-IN" dirty="0" smtClean="0"/>
-              <a:t>Released: October 2012</a:t>
-            </a:r>
-          </a:p>
-          <a:p>
-            <a:r>
-              <a:rPr lang="en-IN" dirty="0" smtClean="0"/>
-              <a:t>Pages: 538</a:t>
-            </a:r>
-            <a:endParaRPr lang="en-IN" dirty="0"/>
-          </a:p>
-        </p:txBody>
-      </p:sp>
-      <p:sp>
-        <p:nvSpPr>
-          <p:cNvPr id="7" name="Rectangle 6"/>
-          <p:cNvSpPr/>
-          <p:nvPr/>
-        </p:nvSpPr>
-        <p:spPr>
-          <a:xfrm>
-            <a:off x="3048000" y="5574268"/>
-            <a:ext cx="5181600" cy="338554"/>
-          </a:xfrm>
-          <a:prstGeom prst="rect">
-            <a:avLst/>
-          </a:prstGeom>
-        </p:spPr>
-        <p:txBody>
-          <a:bodyPr wrap="square">
-            <a:spAutoFit/>
-          </a:bodyPr>
-          <a:lstStyle/>
-          <a:p>
-            <a:r>
-              <a:rPr lang="en-IN" sz="1600" dirty="0" smtClean="0">
-                <a:hlinkClick r:id="rId3"/>
-              </a:rPr>
-              <a:t>http://shop.oreilly.com/product/0636920017547.do</a:t>
-            </a:r>
-            <a:r>
-              <a:rPr lang="en-IN" sz="1600" dirty="0" smtClean="0"/>
-              <a:t> </a:t>
-            </a:r>
-            <a:endParaRPr lang="en-IN" sz="1600" dirty="0"/>
+            <a:fld id="{F2BF1754-4D2F-46D8-A35A-EF7FA01DA8F5}" type="slidenum">
+              <a:rPr lang="en-US" smtClean="0"/>
+              <a:pPr/>
+              <a:t>78</a:t>
+            </a:fld>
+            <a:endParaRPr lang="en-US" dirty="0"/>
           </a:p>
         </p:txBody>
       </p:sp>
@@ -27835,77 +27332,122 @@
       </p:grpSpPr>
       <p:sp>
         <p:nvSpPr>
-          <p:cNvPr id="4" name="Content Placeholder 3"/>
+          <p:cNvPr id="2" name="Title 1"/>
           <p:cNvSpPr>
             <a:spLocks noGrp="1"/>
           </p:cNvSpPr>
           <p:nvPr>
+            <p:ph type="title"/>
+          </p:nvPr>
+        </p:nvSpPr>
+        <p:spPr/>
+        <p:txBody>
+          <a:bodyPr/>
+          <a:lstStyle/>
+          <a:p>
+            <a:pPr algn="ctr"/>
+            <a:r>
+              <a:rPr lang="en-US" dirty="0" smtClean="0"/>
+              <a:t>Important URLs</a:t>
+            </a:r>
+            <a:endParaRPr lang="en-IN" dirty="0"/>
+          </a:p>
+        </p:txBody>
+      </p:sp>
+      <p:sp>
+        <p:nvSpPr>
+          <p:cNvPr id="3" name="Content Placeholder 2"/>
+          <p:cNvSpPr>
+            <a:spLocks noGrp="1"/>
+          </p:cNvSpPr>
+          <p:nvPr>
             <p:ph sz="quarter" idx="1"/>
           </p:nvPr>
         </p:nvSpPr>
-        <p:spPr>
-          <a:xfrm>
-            <a:off x="612648" y="1752600"/>
-            <a:ext cx="8153400" cy="2286000"/>
-          </a:xfrm>
-        </p:spPr>
+        <p:spPr/>
         <p:txBody>
           <a:bodyPr/>
           <a:lstStyle/>
           <a:p>
             <a:r>
               <a:rPr lang="en-US" dirty="0" smtClean="0"/>
-              <a:t>Q &amp; A</a:t>
-            </a:r>
-          </a:p>
-          <a:p>
-            <a:r>
-              <a:rPr lang="en-US" dirty="0" smtClean="0"/>
-              <a:t>Website : </a:t>
+              <a:t>Official Site : </a:t>
             </a:r>
             <a:r>
               <a:rPr lang="en-US" dirty="0" smtClean="0">
                 <a:hlinkClick r:id="rId2"/>
               </a:rPr>
-              <a:t>http://www.mindstormsoftware.com</a:t>
-            </a:r>
-            <a:r>
-              <a:rPr lang="en-US" dirty="0" smtClean="0"/>
-              <a:t> </a:t>
-            </a:r>
-          </a:p>
-          <a:p>
-            <a:r>
-              <a:rPr lang="en-US" dirty="0" smtClean="0"/>
-              <a:t>Email : </a:t>
+              <a:t>https://cloud.google.com/products/</a:t>
+            </a:r>
+            <a:endParaRPr lang="en-US" dirty="0" smtClean="0"/>
+          </a:p>
+          <a:p>
+            <a:r>
+              <a:rPr lang="en-US" dirty="0" err="1" smtClean="0"/>
+              <a:t>AppEngine</a:t>
+            </a:r>
+            <a:r>
+              <a:rPr lang="en-US" dirty="0" smtClean="0"/>
+              <a:t> Console: </a:t>
             </a:r>
             <a:r>
               <a:rPr lang="en-US" dirty="0" smtClean="0">
                 <a:hlinkClick r:id="rId3"/>
               </a:rPr>
-              <a:t>romin.irani@mindstormsoftware.com</a:t>
-            </a:r>
-            <a:endParaRPr lang="en-US" dirty="0" smtClean="0"/>
-          </a:p>
-          <a:p>
-            <a:r>
-              <a:rPr lang="en-US" dirty="0" smtClean="0"/>
-              <a:t>Twitter : @</a:t>
-            </a:r>
+              <a:t>http://appengine.google.com</a:t>
+            </a:r>
+            <a:r>
+              <a:rPr lang="en-US" dirty="0" smtClean="0"/>
+              <a:t> </a:t>
+            </a:r>
+          </a:p>
+          <a:p>
+            <a:r>
+              <a:rPr lang="en-US" dirty="0" smtClean="0"/>
+              <a:t>Java Documentation: </a:t>
+            </a:r>
+            <a:r>
+              <a:rPr lang="en-US" dirty="0" smtClean="0">
+                <a:hlinkClick r:id="rId4"/>
+              </a:rPr>
+              <a:t>https://developers.google.com/appengine/docs/java/overview</a:t>
+            </a:r>
+            <a:r>
+              <a:rPr lang="en-US" dirty="0" smtClean="0"/>
+              <a:t> </a:t>
+            </a:r>
+          </a:p>
+          <a:p>
             <a:r>
               <a:rPr lang="en-US" dirty="0" err="1" smtClean="0"/>
-              <a:t>iRomin</a:t>
-            </a:r>
-            <a:r>
-              <a:rPr lang="en-US" dirty="0" smtClean="0"/>
+              <a:t>AppEngine</a:t>
+            </a:r>
+            <a:r>
+              <a:rPr lang="en-US" dirty="0" smtClean="0"/>
+              <a:t> Code Lab: </a:t>
+            </a:r>
+            <a:r>
+              <a:rPr lang="en-US" sz="2400" dirty="0" smtClean="0">
+                <a:sym typeface="Wingdings" pitchFamily="2" charset="2"/>
+                <a:hlinkClick r:id="rId5"/>
+              </a:rPr>
+              <a:t>http://googcloudlabs.appspot.com</a:t>
+            </a:r>
+            <a:r>
+              <a:rPr lang="en-US" sz="2400" dirty="0" smtClean="0">
+                <a:sym typeface="Wingdings" pitchFamily="2" charset="2"/>
+              </a:rPr>
               <a:t> </a:t>
             </a:r>
           </a:p>
-        </p:txBody>
-      </p:sp>
-      <p:sp>
-        <p:nvSpPr>
-          <p:cNvPr id="5" name="Slide Number Placeholder 4"/>
+          <a:p>
+            <a:endParaRPr lang="en-IN" dirty="0"/>
+          </a:p>
+        </p:txBody>
+      </p:sp>
+      <p:sp>
+        <p:nvSpPr>
+          <p:cNvPr id="4" name="Slide Number Placeholder 4"/>
           <p:cNvSpPr>
             <a:spLocks noGrp="1"/>
           </p:cNvSpPr>
@@ -27913,7 +27455,12 @@
             <p:ph type="sldNum" sz="quarter" idx="12"/>
           </p:nvPr>
         </p:nvSpPr>
-        <p:spPr/>
+        <p:spPr>
+          <a:xfrm>
+            <a:off x="0" y="1279524"/>
+            <a:ext cx="533400" cy="244476"/>
+          </a:xfrm>
+        </p:spPr>
         <p:txBody>
           <a:bodyPr>
             <a:normAutofit fontScale="85000" lnSpcReduction="20000"/>
@@ -27926,35 +27473,6 @@
               <a:t>79</a:t>
             </a:fld>
             <a:endParaRPr lang="en-US" dirty="0"/>
-          </a:p>
-        </p:txBody>
-      </p:sp>
-      <p:sp>
-        <p:nvSpPr>
-          <p:cNvPr id="6" name="Title 1"/>
-          <p:cNvSpPr>
-            <a:spLocks noGrp="1"/>
-          </p:cNvSpPr>
-          <p:nvPr>
-            <p:ph type="title"/>
-          </p:nvPr>
-        </p:nvSpPr>
-        <p:spPr>
-          <a:xfrm>
-            <a:off x="612648" y="228600"/>
-            <a:ext cx="8153400" cy="990600"/>
-          </a:xfrm>
-        </p:spPr>
-        <p:txBody>
-          <a:bodyPr/>
-          <a:lstStyle/>
-          <a:p>
-            <a:pPr algn="ctr"/>
-            <a:r>
-              <a:rPr lang="en-US" dirty="0" smtClean="0"/>
-              <a:t>Thank You</a:t>
-            </a:r>
-            <a:endParaRPr lang="en-IN" dirty="0"/>
           </a:p>
         </p:txBody>
       </p:sp>
@@ -28150,6 +27668,399 @@
           <a:noFill/>
         </p:spPr>
       </p:pic>
+    </p:spTree>
+  </p:cSld>
+  <p:clrMapOvr>
+    <a:masterClrMapping/>
+  </p:clrMapOvr>
+  <p:timing>
+    <p:tnLst>
+      <p:par>
+        <p:cTn id="1" dur="indefinite" restart="never" nodeType="tmRoot"/>
+      </p:par>
+    </p:tnLst>
+  </p:timing>
+</p:sld>
+</file>
+
+<file path=ppt/slides/slide80.xml><?xml version="1.0" encoding="utf-8"?>
+<p:sld xmlns:a="http://schemas.openxmlformats.org/drawingml/2006/main" xmlns:r="http://schemas.openxmlformats.org/officeDocument/2006/relationships" xmlns:p="http://schemas.openxmlformats.org/presentationml/2006/main">
+  <p:cSld>
+    <p:spTree>
+      <p:nvGrpSpPr>
+        <p:cNvPr id="1" name=""/>
+        <p:cNvGrpSpPr/>
+        <p:nvPr/>
+      </p:nvGrpSpPr>
+      <p:grpSpPr>
+        <a:xfrm>
+          <a:off x="0" y="0"/>
+          <a:ext cx="0" cy="0"/>
+          <a:chOff x="0" y="0"/>
+          <a:chExt cx="0" cy="0"/>
+        </a:xfrm>
+      </p:grpSpPr>
+      <p:sp>
+        <p:nvSpPr>
+          <p:cNvPr id="2" name="Title 1"/>
+          <p:cNvSpPr>
+            <a:spLocks noGrp="1"/>
+          </p:cNvSpPr>
+          <p:nvPr>
+            <p:ph type="title"/>
+          </p:nvPr>
+        </p:nvSpPr>
+        <p:spPr/>
+        <p:txBody>
+          <a:bodyPr/>
+          <a:lstStyle/>
+          <a:p>
+            <a:pPr algn="ctr"/>
+            <a:r>
+              <a:rPr lang="en-US" dirty="0" smtClean="0"/>
+              <a:t>Books</a:t>
+            </a:r>
+            <a:endParaRPr lang="en-IN" dirty="0"/>
+          </a:p>
+        </p:txBody>
+      </p:sp>
+      <p:sp>
+        <p:nvSpPr>
+          <p:cNvPr id="3" name="Content Placeholder 2"/>
+          <p:cNvSpPr>
+            <a:spLocks noGrp="1"/>
+          </p:cNvSpPr>
+          <p:nvPr>
+            <p:ph sz="quarter" idx="1"/>
+          </p:nvPr>
+        </p:nvSpPr>
+        <p:spPr>
+          <a:xfrm>
+            <a:off x="612648" y="1600200"/>
+            <a:ext cx="8153400" cy="1905000"/>
+          </a:xfrm>
+        </p:spPr>
+        <p:txBody>
+          <a:bodyPr>
+            <a:normAutofit lnSpcReduction="10000"/>
+          </a:bodyPr>
+          <a:lstStyle/>
+          <a:p>
+            <a:r>
+              <a:rPr lang="en-US" dirty="0" smtClean="0"/>
+              <a:t>Excellent in-depth book on Google App Engine covering both Python and Java</a:t>
+            </a:r>
+          </a:p>
+          <a:p>
+            <a:r>
+              <a:rPr lang="en-US" dirty="0" smtClean="0"/>
+              <a:t>Code snippets in this presentation taken from book for demonstration purpose only</a:t>
+            </a:r>
+            <a:endParaRPr lang="en-IN" dirty="0"/>
+          </a:p>
+        </p:txBody>
+      </p:sp>
+      <p:pic>
+        <p:nvPicPr>
+          <p:cNvPr id="1026" name="Picture 2" descr="Build &amp; Run Scalable Web Applications on Google's Infrastructure"/>
+          <p:cNvPicPr>
+            <a:picLocks noChangeAspect="1" noChangeArrowheads="1"/>
+          </p:cNvPicPr>
+          <p:nvPr/>
+        </p:nvPicPr>
+        <p:blipFill>
+          <a:blip r:embed="rId2" cstate="print"/>
+          <a:srcRect/>
+          <a:stretch>
+            <a:fillRect/>
+          </a:stretch>
+        </p:blipFill>
+        <p:spPr bwMode="auto">
+          <a:xfrm>
+            <a:off x="990600" y="3505200"/>
+            <a:ext cx="1981200" cy="2597574"/>
+          </a:xfrm>
+          <a:prstGeom prst="rect">
+            <a:avLst/>
+          </a:prstGeom>
+          <a:noFill/>
+        </p:spPr>
+      </p:pic>
+      <p:sp>
+        <p:nvSpPr>
+          <p:cNvPr id="5" name="Rectangle 4"/>
+          <p:cNvSpPr/>
+          <p:nvPr/>
+        </p:nvSpPr>
+        <p:spPr>
+          <a:xfrm>
+            <a:off x="3048000" y="3516868"/>
+            <a:ext cx="5830570" cy="400110"/>
+          </a:xfrm>
+          <a:prstGeom prst="rect">
+            <a:avLst/>
+          </a:prstGeom>
+        </p:spPr>
+        <p:txBody>
+          <a:bodyPr wrap="none">
+            <a:spAutoFit/>
+          </a:bodyPr>
+          <a:lstStyle/>
+          <a:p>
+            <a:r>
+              <a:rPr lang="en-IN" sz="2000" b="1" dirty="0" smtClean="0"/>
+              <a:t>Programming Google App Engine, 2nd Edition</a:t>
+            </a:r>
+            <a:endParaRPr lang="en-IN" sz="2000" dirty="0"/>
+          </a:p>
+        </p:txBody>
+      </p:sp>
+      <p:sp>
+        <p:nvSpPr>
+          <p:cNvPr id="6" name="Rectangle 5"/>
+          <p:cNvSpPr/>
+          <p:nvPr/>
+        </p:nvSpPr>
+        <p:spPr>
+          <a:xfrm>
+            <a:off x="3048000" y="4057471"/>
+            <a:ext cx="4572000" cy="1200329"/>
+          </a:xfrm>
+          <a:prstGeom prst="rect">
+            <a:avLst/>
+          </a:prstGeom>
+        </p:spPr>
+        <p:txBody>
+          <a:bodyPr>
+            <a:spAutoFit/>
+          </a:bodyPr>
+          <a:lstStyle/>
+          <a:p>
+            <a:r>
+              <a:rPr lang="en-IN" dirty="0" smtClean="0"/>
+              <a:t>By </a:t>
+            </a:r>
+            <a:r>
+              <a:rPr lang="en-IN" dirty="0" smtClean="0">
+                <a:hlinkClick r:id="rId3"/>
+              </a:rPr>
+              <a:t>Dan Sanderson</a:t>
+            </a:r>
+            <a:endParaRPr lang="en-IN" dirty="0" smtClean="0"/>
+          </a:p>
+          <a:p>
+            <a:r>
+              <a:rPr lang="en-IN" dirty="0" smtClean="0"/>
+              <a:t>Publisher: O'Reilly Media</a:t>
+            </a:r>
+          </a:p>
+          <a:p>
+            <a:r>
+              <a:rPr lang="en-IN" dirty="0" smtClean="0"/>
+              <a:t>Released: October 2012</a:t>
+            </a:r>
+          </a:p>
+          <a:p>
+            <a:r>
+              <a:rPr lang="en-IN" dirty="0" smtClean="0"/>
+              <a:t>Pages: 538</a:t>
+            </a:r>
+            <a:endParaRPr lang="en-IN" dirty="0"/>
+          </a:p>
+        </p:txBody>
+      </p:sp>
+      <p:sp>
+        <p:nvSpPr>
+          <p:cNvPr id="7" name="Rectangle 6"/>
+          <p:cNvSpPr/>
+          <p:nvPr/>
+        </p:nvSpPr>
+        <p:spPr>
+          <a:xfrm>
+            <a:off x="3048000" y="5574268"/>
+            <a:ext cx="5181600" cy="338554"/>
+          </a:xfrm>
+          <a:prstGeom prst="rect">
+            <a:avLst/>
+          </a:prstGeom>
+        </p:spPr>
+        <p:txBody>
+          <a:bodyPr wrap="square">
+            <a:spAutoFit/>
+          </a:bodyPr>
+          <a:lstStyle/>
+          <a:p>
+            <a:r>
+              <a:rPr lang="en-IN" sz="1600" dirty="0" smtClean="0">
+                <a:hlinkClick r:id="rId3"/>
+              </a:rPr>
+              <a:t>http://shop.oreilly.com/product/0636920017547.do</a:t>
+            </a:r>
+            <a:r>
+              <a:rPr lang="en-IN" sz="1600" dirty="0" smtClean="0"/>
+              <a:t> </a:t>
+            </a:r>
+            <a:endParaRPr lang="en-IN" sz="1600" dirty="0"/>
+          </a:p>
+        </p:txBody>
+      </p:sp>
+    </p:spTree>
+  </p:cSld>
+  <p:clrMapOvr>
+    <a:masterClrMapping/>
+  </p:clrMapOvr>
+  <p:timing>
+    <p:tnLst>
+      <p:par>
+        <p:cTn id="1" dur="indefinite" restart="never" nodeType="tmRoot"/>
+      </p:par>
+    </p:tnLst>
+  </p:timing>
+</p:sld>
+</file>
+
+<file path=ppt/slides/slide81.xml><?xml version="1.0" encoding="utf-8"?>
+<p:sld xmlns:a="http://schemas.openxmlformats.org/drawingml/2006/main" xmlns:r="http://schemas.openxmlformats.org/officeDocument/2006/relationships" xmlns:p="http://schemas.openxmlformats.org/presentationml/2006/main">
+  <p:cSld>
+    <p:spTree>
+      <p:nvGrpSpPr>
+        <p:cNvPr id="1" name=""/>
+        <p:cNvGrpSpPr/>
+        <p:nvPr/>
+      </p:nvGrpSpPr>
+      <p:grpSpPr>
+        <a:xfrm>
+          <a:off x="0" y="0"/>
+          <a:ext cx="0" cy="0"/>
+          <a:chOff x="0" y="0"/>
+          <a:chExt cx="0" cy="0"/>
+        </a:xfrm>
+      </p:grpSpPr>
+      <p:sp>
+        <p:nvSpPr>
+          <p:cNvPr id="4" name="Content Placeholder 3"/>
+          <p:cNvSpPr>
+            <a:spLocks noGrp="1"/>
+          </p:cNvSpPr>
+          <p:nvPr>
+            <p:ph sz="quarter" idx="1"/>
+          </p:nvPr>
+        </p:nvSpPr>
+        <p:spPr>
+          <a:xfrm>
+            <a:off x="612648" y="1752600"/>
+            <a:ext cx="8153400" cy="2286000"/>
+          </a:xfrm>
+        </p:spPr>
+        <p:txBody>
+          <a:bodyPr/>
+          <a:lstStyle/>
+          <a:p>
+            <a:r>
+              <a:rPr lang="en-US" dirty="0" smtClean="0"/>
+              <a:t>Q &amp; A</a:t>
+            </a:r>
+          </a:p>
+          <a:p>
+            <a:r>
+              <a:rPr lang="en-US" dirty="0" smtClean="0"/>
+              <a:t>Website : </a:t>
+            </a:r>
+            <a:r>
+              <a:rPr lang="en-US" dirty="0" smtClean="0">
+                <a:hlinkClick r:id="rId2"/>
+              </a:rPr>
+              <a:t>http://www.mindstormsoftware.com</a:t>
+            </a:r>
+            <a:r>
+              <a:rPr lang="en-US" dirty="0" smtClean="0"/>
+              <a:t> </a:t>
+            </a:r>
+          </a:p>
+          <a:p>
+            <a:r>
+              <a:rPr lang="en-US" dirty="0" smtClean="0"/>
+              <a:t>Email : </a:t>
+            </a:r>
+            <a:r>
+              <a:rPr lang="en-US" dirty="0" smtClean="0">
+                <a:hlinkClick r:id="rId3"/>
+              </a:rPr>
+              <a:t>romin.irani@mindstormsoftware.com</a:t>
+            </a:r>
+            <a:endParaRPr lang="en-US" dirty="0" smtClean="0"/>
+          </a:p>
+          <a:p>
+            <a:r>
+              <a:rPr lang="en-US" dirty="0" smtClean="0"/>
+              <a:t>Twitter : @</a:t>
+            </a:r>
+            <a:r>
+              <a:rPr lang="en-US" dirty="0" err="1" smtClean="0"/>
+              <a:t>iRomin</a:t>
+            </a:r>
+            <a:r>
+              <a:rPr lang="en-US" dirty="0" smtClean="0"/>
+              <a:t> </a:t>
+            </a:r>
+          </a:p>
+        </p:txBody>
+      </p:sp>
+      <p:sp>
+        <p:nvSpPr>
+          <p:cNvPr id="5" name="Slide Number Placeholder 4"/>
+          <p:cNvSpPr>
+            <a:spLocks noGrp="1"/>
+          </p:cNvSpPr>
+          <p:nvPr>
+            <p:ph type="sldNum" sz="quarter" idx="12"/>
+          </p:nvPr>
+        </p:nvSpPr>
+        <p:spPr/>
+        <p:txBody>
+          <a:bodyPr>
+            <a:normAutofit fontScale="85000" lnSpcReduction="20000"/>
+          </a:bodyPr>
+          <a:lstStyle/>
+          <a:p>
+            <a:fld id="{F2BF1754-4D2F-46D8-A35A-EF7FA01DA8F5}" type="slidenum">
+              <a:rPr lang="en-US" smtClean="0"/>
+              <a:pPr/>
+              <a:t>81</a:t>
+            </a:fld>
+            <a:endParaRPr lang="en-US" dirty="0"/>
+          </a:p>
+        </p:txBody>
+      </p:sp>
+      <p:sp>
+        <p:nvSpPr>
+          <p:cNvPr id="6" name="Title 1"/>
+          <p:cNvSpPr>
+            <a:spLocks noGrp="1"/>
+          </p:cNvSpPr>
+          <p:nvPr>
+            <p:ph type="title"/>
+          </p:nvPr>
+        </p:nvSpPr>
+        <p:spPr>
+          <a:xfrm>
+            <a:off x="612648" y="228600"/>
+            <a:ext cx="8153400" cy="990600"/>
+          </a:xfrm>
+        </p:spPr>
+        <p:txBody>
+          <a:bodyPr/>
+          <a:lstStyle/>
+          <a:p>
+            <a:pPr algn="ctr"/>
+            <a:r>
+              <a:rPr lang="en-US" dirty="0" smtClean="0"/>
+              <a:t>Thank You</a:t>
+            </a:r>
+            <a:endParaRPr lang="en-IN" dirty="0"/>
+          </a:p>
+        </p:txBody>
+      </p:sp>
     </p:spTree>
   </p:cSld>
   <p:clrMapOvr>

--- a/Mindstorm-AppEngine-Training.pptx
+++ b/Mindstorm-AppEngine-Training.pptx
@@ -5,10 +5,10 @@
     <p:sldMasterId id="2147483660" r:id="rId1"/>
   </p:sldMasterIdLst>
   <p:notesMasterIdLst>
-    <p:notesMasterId r:id="rId83"/>
+    <p:notesMasterId r:id="rId84"/>
   </p:notesMasterIdLst>
   <p:handoutMasterIdLst>
-    <p:handoutMasterId r:id="rId84"/>
+    <p:handoutMasterId r:id="rId85"/>
   </p:handoutMasterIdLst>
   <p:sldIdLst>
     <p:sldId id="309" r:id="rId2"/>
@@ -91,7 +91,8 @@
     <p:sldId id="551" r:id="rId79"/>
     <p:sldId id="561" r:id="rId80"/>
     <p:sldId id="599" r:id="rId81"/>
-    <p:sldId id="316" r:id="rId82"/>
+    <p:sldId id="619" r:id="rId82"/>
+    <p:sldId id="316" r:id="rId83"/>
   </p:sldIdLst>
   <p:sldSz cx="9144000" cy="6858000" type="screen4x3"/>
   <p:notesSz cx="6858000" cy="9144000"/>
@@ -5611,7 +5612,7 @@
             <a:fld id="{1BA51D97-022B-4480-9EC8-BE185C2D8528}" type="datetimeFigureOut">
               <a:rPr lang="en-IN" smtClean="0"/>
               <a:pPr/>
-              <a:t>19-04-2013</a:t>
+              <a:t>20-04-2013</a:t>
             </a:fld>
             <a:endParaRPr lang="en-IN"/>
           </a:p>
@@ -5773,7 +5774,7 @@
             <a:fld id="{06847785-F4B1-4B4B-8734-A11976B5384E}" type="datetimeFigureOut">
               <a:rPr lang="en-IN" smtClean="0"/>
               <a:pPr/>
-              <a:t>19-04-2013</a:t>
+              <a:t>20-04-2013</a:t>
             </a:fld>
             <a:endParaRPr lang="en-IN"/>
           </a:p>
@@ -7815,7 +7816,7 @@
             <a:fld id="{D6563E86-4730-4A25-9F15-F3F8C9FA149B}" type="datetimeFigureOut">
               <a:rPr lang="en-IN" smtClean="0"/>
               <a:pPr/>
-              <a:t>19-04-2013</a:t>
+              <a:t>20-04-2013</a:t>
             </a:fld>
             <a:endParaRPr lang="en-IN"/>
           </a:p>
@@ -8225,7 +8226,7 @@
             <a:fld id="{D6563E86-4730-4A25-9F15-F3F8C9FA149B}" type="datetimeFigureOut">
               <a:rPr lang="en-IN" smtClean="0"/>
               <a:pPr/>
-              <a:t>19-04-2013</a:t>
+              <a:t>20-04-2013</a:t>
             </a:fld>
             <a:endParaRPr lang="en-IN"/>
           </a:p>
@@ -8412,7 +8413,7 @@
             <a:fld id="{D6563E86-4730-4A25-9F15-F3F8C9FA149B}" type="datetimeFigureOut">
               <a:rPr lang="en-IN" smtClean="0"/>
               <a:pPr/>
-              <a:t>19-04-2013</a:t>
+              <a:t>20-04-2013</a:t>
             </a:fld>
             <a:endParaRPr lang="en-IN"/>
           </a:p>
@@ -8677,7 +8678,7 @@
             <a:fld id="{D6563E86-4730-4A25-9F15-F3F8C9FA149B}" type="datetimeFigureOut">
               <a:rPr lang="en-IN" smtClean="0"/>
               <a:pPr/>
-              <a:t>19-04-2013</a:t>
+              <a:t>20-04-2013</a:t>
             </a:fld>
             <a:endParaRPr lang="en-IN"/>
           </a:p>
@@ -9105,7 +9106,7 @@
             <a:fld id="{D6563E86-4730-4A25-9F15-F3F8C9FA149B}" type="datetimeFigureOut">
               <a:rPr lang="en-IN" smtClean="0"/>
               <a:pPr/>
-              <a:t>19-04-2013</a:t>
+              <a:t>20-04-2013</a:t>
             </a:fld>
             <a:endParaRPr lang="en-IN"/>
           </a:p>
@@ -9349,7 +9350,7 @@
             <a:fld id="{D6563E86-4730-4A25-9F15-F3F8C9FA149B}" type="datetimeFigureOut">
               <a:rPr lang="en-IN" smtClean="0"/>
               <a:pPr/>
-              <a:t>19-04-2013</a:t>
+              <a:t>20-04-2013</a:t>
             </a:fld>
             <a:endParaRPr lang="en-IN"/>
           </a:p>
@@ -9587,7 +9588,7 @@
             <a:fld id="{D6563E86-4730-4A25-9F15-F3F8C9FA149B}" type="datetimeFigureOut">
               <a:rPr lang="en-IN" smtClean="0"/>
               <a:pPr/>
-              <a:t>19-04-2013</a:t>
+              <a:t>20-04-2013</a:t>
             </a:fld>
             <a:endParaRPr lang="en-IN"/>
           </a:p>
@@ -9784,7 +9785,7 @@
             <a:fld id="{D6563E86-4730-4A25-9F15-F3F8C9FA149B}" type="datetimeFigureOut">
               <a:rPr lang="en-IN" smtClean="0"/>
               <a:pPr/>
-              <a:t>19-04-2013</a:t>
+              <a:t>20-04-2013</a:t>
             </a:fld>
             <a:endParaRPr lang="en-IN"/>
           </a:p>
@@ -9884,7 +9885,7 @@
             <a:fld id="{D6563E86-4730-4A25-9F15-F3F8C9FA149B}" type="datetimeFigureOut">
               <a:rPr lang="en-IN" smtClean="0"/>
               <a:pPr/>
-              <a:t>19-04-2013</a:t>
+              <a:t>20-04-2013</a:t>
             </a:fld>
             <a:endParaRPr lang="en-IN"/>
           </a:p>
@@ -10022,7 +10023,7 @@
             <a:fld id="{D6563E86-4730-4A25-9F15-F3F8C9FA149B}" type="datetimeFigureOut">
               <a:rPr lang="en-IN" smtClean="0"/>
               <a:pPr/>
-              <a:t>19-04-2013</a:t>
+              <a:t>20-04-2013</a:t>
             </a:fld>
             <a:endParaRPr lang="en-IN"/>
           </a:p>
@@ -10542,7 +10543,7 @@
             <a:fld id="{D6563E86-4730-4A25-9F15-F3F8C9FA149B}" type="datetimeFigureOut">
               <a:rPr lang="en-IN" smtClean="0"/>
               <a:pPr/>
-              <a:t>19-04-2013</a:t>
+              <a:t>20-04-2013</a:t>
             </a:fld>
             <a:endParaRPr lang="en-IN"/>
           </a:p>
@@ -10805,7 +10806,7 @@
             <a:fld id="{D6563E86-4730-4A25-9F15-F3F8C9FA149B}" type="datetimeFigureOut">
               <a:rPr lang="en-IN" smtClean="0"/>
               <a:pPr/>
-              <a:t>19-04-2013</a:t>
+              <a:t>20-04-2013</a:t>
             </a:fld>
             <a:endParaRPr lang="en-IN"/>
           </a:p>
@@ -12264,6 +12265,37 @@
           <a:noFill/>
         </p:spPr>
       </p:pic>
+      <p:sp>
+        <p:nvSpPr>
+          <p:cNvPr id="6" name="Slide Number Placeholder 4"/>
+          <p:cNvSpPr>
+            <a:spLocks noGrp="1"/>
+          </p:cNvSpPr>
+          <p:nvPr>
+            <p:ph type="sldNum" sz="quarter" idx="12"/>
+          </p:nvPr>
+        </p:nvSpPr>
+        <p:spPr>
+          <a:xfrm>
+            <a:off x="0" y="1279524"/>
+            <a:ext cx="533400" cy="244476"/>
+          </a:xfrm>
+        </p:spPr>
+        <p:txBody>
+          <a:bodyPr>
+            <a:normAutofit fontScale="85000" lnSpcReduction="20000"/>
+          </a:bodyPr>
+          <a:lstStyle/>
+          <a:p>
+            <a:fld id="{F2BF1754-4D2F-46D8-A35A-EF7FA01DA8F5}" type="slidenum">
+              <a:rPr lang="en-US" smtClean="0"/>
+              <a:pPr/>
+              <a:t>13</a:t>
+            </a:fld>
+            <a:endParaRPr lang="en-US" dirty="0"/>
+          </a:p>
+        </p:txBody>
+      </p:sp>
     </p:spTree>
   </p:cSld>
   <p:clrMapOvr>
@@ -12332,10 +12364,15 @@
             <p:ph sz="quarter" idx="1"/>
           </p:nvPr>
         </p:nvSpPr>
-        <p:spPr/>
+        <p:spPr>
+          <a:xfrm>
+            <a:off x="228600" y="1600200"/>
+            <a:ext cx="8537448" cy="4495800"/>
+          </a:xfrm>
+        </p:spPr>
         <p:txBody>
           <a:bodyPr>
-            <a:normAutofit lnSpcReduction="10000"/>
+            <a:normAutofit/>
           </a:bodyPr>
           <a:lstStyle/>
           <a:p>
@@ -15614,13 +15651,8 @@
             <a:pPr lvl="1"/>
             <a:r>
               <a:rPr lang="en-US" dirty="0" smtClean="0"/>
-              <a:t>App Engine SDK (Latest version is </a:t>
-            </a:r>
-            <a:r>
-              <a:rPr lang="en-US" dirty="0" smtClean="0"/>
-              <a:t>1.7.7.1)</a:t>
-            </a:r>
-            <a:endParaRPr lang="en-US" dirty="0" smtClean="0"/>
+              <a:t>App Engine SDK (Latest version is 1.7.7.1)</a:t>
+            </a:r>
           </a:p>
           <a:p>
             <a:pPr lvl="1"/>
@@ -15641,11 +15673,7 @@
             </a:r>
             <a:r>
               <a:rPr lang="en-US" dirty="0" smtClean="0"/>
-              <a:t> for Eclipse </a:t>
-            </a:r>
-            <a:r>
-              <a:rPr lang="en-US" dirty="0" smtClean="0"/>
-              <a:t>Juno</a:t>
+              <a:t> for Eclipse Juno</a:t>
             </a:r>
           </a:p>
           <a:p>
@@ -15848,26 +15876,15 @@
             <a:pPr lvl="1"/>
             <a:r>
               <a:rPr lang="en-US" dirty="0" smtClean="0"/>
-              <a:t>Go to </a:t>
-            </a:r>
-            <a:r>
-              <a:rPr lang="en-US" b="1" dirty="0" smtClean="0"/>
-              <a:t>/hands-on-exercises</a:t>
-            </a:r>
-            <a:r>
-              <a:rPr lang="en-US" dirty="0" smtClean="0"/>
-              <a:t> folder </a:t>
-            </a:r>
-          </a:p>
-          <a:p>
-            <a:pPr lvl="1"/>
-            <a:r>
-              <a:rPr lang="en-US" dirty="0" smtClean="0"/>
               <a:t>Follow </a:t>
             </a:r>
             <a:r>
               <a:rPr lang="en-IN" b="1" dirty="0" smtClean="0"/>
-              <a:t>From Scratch - Google App Engine Development Environment Setup.docx.</a:t>
+              <a:t>Google </a:t>
+            </a:r>
+            <a:r>
+              <a:rPr lang="en-IN" b="1" dirty="0" smtClean="0"/>
+              <a:t>App Engine Development Environment Setup.docx.</a:t>
             </a:r>
             <a:endParaRPr lang="en-US" b="1" dirty="0" smtClean="0"/>
           </a:p>
@@ -15899,6 +15916,97 @@
           <a:noFill/>
         </p:spPr>
       </p:pic>
+      <p:sp>
+        <p:nvSpPr>
+          <p:cNvPr id="5" name="Slide Number Placeholder 4"/>
+          <p:cNvSpPr txBox="1">
+            <a:spLocks/>
+          </p:cNvSpPr>
+          <p:nvPr/>
+        </p:nvSpPr>
+        <p:spPr>
+          <a:xfrm>
+            <a:off x="0" y="1279524"/>
+            <a:ext cx="533400" cy="244476"/>
+          </a:xfrm>
+          <a:prstGeom prst="rect">
+            <a:avLst/>
+          </a:prstGeom>
+        </p:spPr>
+        <p:txBody>
+          <a:bodyPr vert="horz" anchor="ctr" anchorCtr="0">
+            <a:normAutofit fontScale="85000" lnSpcReduction="20000"/>
+          </a:bodyPr>
+          <a:lstStyle/>
+          <a:p>
+            <a:pPr marL="0" marR="0" lvl="0" indent="0" algn="ctr" defTabSz="914400" rtl="0" eaLnBrk="1" fontAlgn="auto" latinLnBrk="0" hangingPunct="1">
+              <a:lnSpc>
+                <a:spcPct val="100000"/>
+              </a:lnSpc>
+              <a:spcBef>
+                <a:spcPts val="0"/>
+              </a:spcBef>
+              <a:spcAft>
+                <a:spcPts val="0"/>
+              </a:spcAft>
+              <a:buClrTx/>
+              <a:buSzTx/>
+              <a:buFontTx/>
+              <a:buNone/>
+              <a:tabLst/>
+              <a:defRPr/>
+            </a:pPr>
+            <a:fld id="{F2BF1754-4D2F-46D8-A35A-EF7FA01DA8F5}" type="slidenum">
+              <a:rPr kumimoji="0" lang="en-US" sz="1400" b="1" i="0" u="none" strike="noStrike" kern="1200" cap="none" spc="0" normalizeH="0" baseline="0" noProof="0" smtClean="0">
+                <a:ln>
+                  <a:noFill/>
+                </a:ln>
+                <a:solidFill>
+                  <a:srgbClr val="FFFFFF"/>
+                </a:solidFill>
+                <a:effectLst/>
+                <a:uLnTx/>
+                <a:uFillTx/>
+                <a:latin typeface="+mn-lt"/>
+                <a:ea typeface="+mn-ea"/>
+                <a:cs typeface="+mn-cs"/>
+              </a:rPr>
+              <a:pPr marL="0" marR="0" lvl="0" indent="0" algn="ctr" defTabSz="914400" rtl="0" eaLnBrk="1" fontAlgn="auto" latinLnBrk="0" hangingPunct="1">
+                <a:lnSpc>
+                  <a:spcPct val="100000"/>
+                </a:lnSpc>
+                <a:spcBef>
+                  <a:spcPts val="0"/>
+                </a:spcBef>
+                <a:spcAft>
+                  <a:spcPts val="0"/>
+                </a:spcAft>
+                <a:buClrTx/>
+                <a:buSzTx/>
+                <a:buFontTx/>
+                <a:buNone/>
+                <a:tabLst/>
+                <a:defRPr/>
+              </a:pPr>
+              <a:t>25</a:t>
+            </a:fld>
+            <a:endParaRPr kumimoji="0" lang="en-US" sz="1400" b="1" i="0" u="none" strike="noStrike" kern="1200" cap="none" spc="0" normalizeH="0" baseline="0" noProof="0" dirty="0">
+              <a:ln>
+                <a:noFill/>
+              </a:ln>
+              <a:solidFill>
+                <a:srgbClr val="FFFFFF"/>
+              </a:solidFill>
+              <a:effectLst/>
+              <a:uLnTx/>
+              <a:uFillTx/>
+              <a:latin typeface="+mn-lt"/>
+              <a:ea typeface="+mn-ea"/>
+              <a:cs typeface="+mn-cs"/>
+            </a:endParaRPr>
+          </a:p>
+        </p:txBody>
+      </p:sp>
     </p:spTree>
   </p:cSld>
   <p:clrMapOvr>
@@ -15980,58 +16088,13 @@
           <a:p>
             <a:r>
               <a:rPr lang="en-US" dirty="0" smtClean="0"/>
-              <a:t>Go to </a:t>
-            </a:r>
-            <a:r>
-              <a:rPr lang="en-US" b="1" dirty="0" smtClean="0"/>
-              <a:t>/hands-on-exercises </a:t>
-            </a:r>
-            <a:r>
-              <a:rPr lang="en-US" dirty="0" smtClean="0"/>
-              <a:t>folder.</a:t>
-            </a:r>
-          </a:p>
-          <a:p>
-            <a:r>
-              <a:rPr lang="en-US" dirty="0" smtClean="0"/>
               <a:t>Follow </a:t>
             </a:r>
             <a:r>
-              <a:rPr lang="fr-FR" b="1" dirty="0" err="1" smtClean="0"/>
-              <a:t>App</a:t>
-            </a:r>
-            <a:r>
-              <a:rPr lang="fr-FR" b="1" dirty="0" smtClean="0"/>
-              <a:t> </a:t>
-            </a:r>
-            <a:r>
-              <a:rPr lang="fr-FR" b="1" dirty="0" err="1" smtClean="0"/>
-              <a:t>Engine</a:t>
-            </a:r>
-            <a:r>
-              <a:rPr lang="fr-FR" b="1" dirty="0" smtClean="0"/>
-              <a:t> </a:t>
-            </a:r>
-            <a:r>
-              <a:rPr lang="fr-FR" b="1" dirty="0" err="1" smtClean="0"/>
-              <a:t>Dev</a:t>
-            </a:r>
-            <a:r>
-              <a:rPr lang="fr-FR" b="1" dirty="0" smtClean="0"/>
-              <a:t> </a:t>
-            </a:r>
-            <a:r>
-              <a:rPr lang="fr-FR" b="1" dirty="0" err="1" smtClean="0"/>
-              <a:t>Environment</a:t>
-            </a:r>
-            <a:r>
-              <a:rPr lang="fr-FR" b="1" dirty="0" smtClean="0"/>
-              <a:t> Setup.docx</a:t>
-            </a:r>
-            <a:r>
-              <a:rPr lang="en-US" dirty="0" smtClean="0"/>
-              <a:t> </a:t>
-            </a:r>
+              <a:rPr lang="en-IN" b="1" dirty="0" smtClean="0"/>
+              <a:t>Google App Engine Development Environment Setup.docx</a:t>
+            </a:r>
+            <a:endParaRPr lang="en-US" dirty="0" smtClean="0"/>
           </a:p>
         </p:txBody>
       </p:sp>
@@ -16971,6 +17034,97 @@
               <a:rPr lang="en-US" dirty="0" smtClean="0"/>
               <a:t> </a:t>
             </a:r>
+          </a:p>
+        </p:txBody>
+      </p:sp>
+      <p:sp>
+        <p:nvSpPr>
+          <p:cNvPr id="4" name="Slide Number Placeholder 4"/>
+          <p:cNvSpPr txBox="1">
+            <a:spLocks/>
+          </p:cNvSpPr>
+          <p:nvPr/>
+        </p:nvSpPr>
+        <p:spPr>
+          <a:xfrm>
+            <a:off x="0" y="1279524"/>
+            <a:ext cx="533400" cy="244476"/>
+          </a:xfrm>
+          <a:prstGeom prst="rect">
+            <a:avLst/>
+          </a:prstGeom>
+        </p:spPr>
+        <p:txBody>
+          <a:bodyPr vert="horz" anchor="ctr" anchorCtr="0">
+            <a:normAutofit fontScale="85000" lnSpcReduction="20000"/>
+          </a:bodyPr>
+          <a:lstStyle/>
+          <a:p>
+            <a:pPr marL="0" marR="0" lvl="0" indent="0" algn="ctr" defTabSz="914400" rtl="0" eaLnBrk="1" fontAlgn="auto" latinLnBrk="0" hangingPunct="1">
+              <a:lnSpc>
+                <a:spcPct val="100000"/>
+              </a:lnSpc>
+              <a:spcBef>
+                <a:spcPts val="0"/>
+              </a:spcBef>
+              <a:spcAft>
+                <a:spcPts val="0"/>
+              </a:spcAft>
+              <a:buClrTx/>
+              <a:buSzTx/>
+              <a:buFontTx/>
+              <a:buNone/>
+              <a:tabLst/>
+              <a:defRPr/>
+            </a:pPr>
+            <a:fld id="{F2BF1754-4D2F-46D8-A35A-EF7FA01DA8F5}" type="slidenum">
+              <a:rPr kumimoji="0" lang="en-US" sz="1400" b="1" i="0" u="none" strike="noStrike" kern="1200" cap="none" spc="0" normalizeH="0" baseline="0" noProof="0" smtClean="0">
+                <a:ln>
+                  <a:noFill/>
+                </a:ln>
+                <a:solidFill>
+                  <a:srgbClr val="FFFFFF"/>
+                </a:solidFill>
+                <a:effectLst/>
+                <a:uLnTx/>
+                <a:uFillTx/>
+                <a:latin typeface="+mn-lt"/>
+                <a:ea typeface="+mn-ea"/>
+                <a:cs typeface="+mn-cs"/>
+              </a:rPr>
+              <a:pPr marL="0" marR="0" lvl="0" indent="0" algn="ctr" defTabSz="914400" rtl="0" eaLnBrk="1" fontAlgn="auto" latinLnBrk="0" hangingPunct="1">
+                <a:lnSpc>
+                  <a:spcPct val="100000"/>
+                </a:lnSpc>
+                <a:spcBef>
+                  <a:spcPts val="0"/>
+                </a:spcBef>
+                <a:spcAft>
+                  <a:spcPts val="0"/>
+                </a:spcAft>
+                <a:buClrTx/>
+                <a:buSzTx/>
+                <a:buFontTx/>
+                <a:buNone/>
+                <a:tabLst/>
+                <a:defRPr/>
+              </a:pPr>
+              <a:t>31</a:t>
+            </a:fld>
+            <a:endParaRPr kumimoji="0" lang="en-US" sz="1400" b="1" i="0" u="none" strike="noStrike" kern="1200" cap="none" spc="0" normalizeH="0" baseline="0" noProof="0" dirty="0">
+              <a:ln>
+                <a:noFill/>
+              </a:ln>
+              <a:solidFill>
+                <a:srgbClr val="FFFFFF"/>
+              </a:solidFill>
+              <a:effectLst/>
+              <a:uLnTx/>
+              <a:uFillTx/>
+              <a:latin typeface="+mn-lt"/>
+              <a:ea typeface="+mn-ea"/>
+              <a:cs typeface="+mn-cs"/>
+            </a:endParaRPr>
           </a:p>
         </p:txBody>
       </p:sp>
@@ -18169,6 +18323,97 @@
           </a:p>
         </p:txBody>
       </p:sp>
+      <p:sp>
+        <p:nvSpPr>
+          <p:cNvPr id="4" name="Slide Number Placeholder 4"/>
+          <p:cNvSpPr txBox="1">
+            <a:spLocks/>
+          </p:cNvSpPr>
+          <p:nvPr/>
+        </p:nvSpPr>
+        <p:spPr>
+          <a:xfrm>
+            <a:off x="0" y="1279524"/>
+            <a:ext cx="533400" cy="244476"/>
+          </a:xfrm>
+          <a:prstGeom prst="rect">
+            <a:avLst/>
+          </a:prstGeom>
+        </p:spPr>
+        <p:txBody>
+          <a:bodyPr vert="horz" anchor="ctr" anchorCtr="0">
+            <a:normAutofit fontScale="85000" lnSpcReduction="20000"/>
+          </a:bodyPr>
+          <a:lstStyle/>
+          <a:p>
+            <a:pPr marL="0" marR="0" lvl="0" indent="0" algn="ctr" defTabSz="914400" rtl="0" eaLnBrk="1" fontAlgn="auto" latinLnBrk="0" hangingPunct="1">
+              <a:lnSpc>
+                <a:spcPct val="100000"/>
+              </a:lnSpc>
+              <a:spcBef>
+                <a:spcPts val="0"/>
+              </a:spcBef>
+              <a:spcAft>
+                <a:spcPts val="0"/>
+              </a:spcAft>
+              <a:buClrTx/>
+              <a:buSzTx/>
+              <a:buFontTx/>
+              <a:buNone/>
+              <a:tabLst/>
+              <a:defRPr/>
+            </a:pPr>
+            <a:fld id="{F2BF1754-4D2F-46D8-A35A-EF7FA01DA8F5}" type="slidenum">
+              <a:rPr kumimoji="0" lang="en-US" sz="1400" b="1" i="0" u="none" strike="noStrike" kern="1200" cap="none" spc="0" normalizeH="0" baseline="0" noProof="0" smtClean="0">
+                <a:ln>
+                  <a:noFill/>
+                </a:ln>
+                <a:solidFill>
+                  <a:srgbClr val="FFFFFF"/>
+                </a:solidFill>
+                <a:effectLst/>
+                <a:uLnTx/>
+                <a:uFillTx/>
+                <a:latin typeface="+mn-lt"/>
+                <a:ea typeface="+mn-ea"/>
+                <a:cs typeface="+mn-cs"/>
+              </a:rPr>
+              <a:pPr marL="0" marR="0" lvl="0" indent="0" algn="ctr" defTabSz="914400" rtl="0" eaLnBrk="1" fontAlgn="auto" latinLnBrk="0" hangingPunct="1">
+                <a:lnSpc>
+                  <a:spcPct val="100000"/>
+                </a:lnSpc>
+                <a:spcBef>
+                  <a:spcPts val="0"/>
+                </a:spcBef>
+                <a:spcAft>
+                  <a:spcPts val="0"/>
+                </a:spcAft>
+                <a:buClrTx/>
+                <a:buSzTx/>
+                <a:buFontTx/>
+                <a:buNone/>
+                <a:tabLst/>
+                <a:defRPr/>
+              </a:pPr>
+              <a:t>38</a:t>
+            </a:fld>
+            <a:endParaRPr kumimoji="0" lang="en-US" sz="1400" b="1" i="0" u="none" strike="noStrike" kern="1200" cap="none" spc="0" normalizeH="0" baseline="0" noProof="0" dirty="0">
+              <a:ln>
+                <a:noFill/>
+              </a:ln>
+              <a:solidFill>
+                <a:srgbClr val="FFFFFF"/>
+              </a:solidFill>
+              <a:effectLst/>
+              <a:uLnTx/>
+              <a:uFillTx/>
+              <a:latin typeface="+mn-lt"/>
+              <a:ea typeface="+mn-ea"/>
+              <a:cs typeface="+mn-cs"/>
+            </a:endParaRPr>
+          </a:p>
+        </p:txBody>
+      </p:sp>
     </p:spTree>
   </p:cSld>
   <p:clrMapOvr>
@@ -18491,6 +18736,97 @@
               <a:t>ExamResultsServlet.java</a:t>
             </a:r>
             <a:endParaRPr lang="en-IN" b="1" dirty="0"/>
+          </a:p>
+        </p:txBody>
+      </p:sp>
+      <p:sp>
+        <p:nvSpPr>
+          <p:cNvPr id="15" name="Slide Number Placeholder 4"/>
+          <p:cNvSpPr txBox="1">
+            <a:spLocks/>
+          </p:cNvSpPr>
+          <p:nvPr/>
+        </p:nvSpPr>
+        <p:spPr>
+          <a:xfrm>
+            <a:off x="0" y="1279524"/>
+            <a:ext cx="533400" cy="244476"/>
+          </a:xfrm>
+          <a:prstGeom prst="rect">
+            <a:avLst/>
+          </a:prstGeom>
+        </p:spPr>
+        <p:txBody>
+          <a:bodyPr vert="horz" anchor="ctr" anchorCtr="0">
+            <a:normAutofit fontScale="85000" lnSpcReduction="20000"/>
+          </a:bodyPr>
+          <a:lstStyle/>
+          <a:p>
+            <a:pPr marL="0" marR="0" lvl="0" indent="0" algn="ctr" defTabSz="914400" rtl="0" eaLnBrk="1" fontAlgn="auto" latinLnBrk="0" hangingPunct="1">
+              <a:lnSpc>
+                <a:spcPct val="100000"/>
+              </a:lnSpc>
+              <a:spcBef>
+                <a:spcPts val="0"/>
+              </a:spcBef>
+              <a:spcAft>
+                <a:spcPts val="0"/>
+              </a:spcAft>
+              <a:buClrTx/>
+              <a:buSzTx/>
+              <a:buFontTx/>
+              <a:buNone/>
+              <a:tabLst/>
+              <a:defRPr/>
+            </a:pPr>
+            <a:fld id="{F2BF1754-4D2F-46D8-A35A-EF7FA01DA8F5}" type="slidenum">
+              <a:rPr kumimoji="0" lang="en-US" sz="1400" b="1" i="0" u="none" strike="noStrike" kern="1200" cap="none" spc="0" normalizeH="0" baseline="0" noProof="0" smtClean="0">
+                <a:ln>
+                  <a:noFill/>
+                </a:ln>
+                <a:solidFill>
+                  <a:srgbClr val="FFFFFF"/>
+                </a:solidFill>
+                <a:effectLst/>
+                <a:uLnTx/>
+                <a:uFillTx/>
+                <a:latin typeface="+mn-lt"/>
+                <a:ea typeface="+mn-ea"/>
+                <a:cs typeface="+mn-cs"/>
+              </a:rPr>
+              <a:pPr marL="0" marR="0" lvl="0" indent="0" algn="ctr" defTabSz="914400" rtl="0" eaLnBrk="1" fontAlgn="auto" latinLnBrk="0" hangingPunct="1">
+                <a:lnSpc>
+                  <a:spcPct val="100000"/>
+                </a:lnSpc>
+                <a:spcBef>
+                  <a:spcPts val="0"/>
+                </a:spcBef>
+                <a:spcAft>
+                  <a:spcPts val="0"/>
+                </a:spcAft>
+                <a:buClrTx/>
+                <a:buSzTx/>
+                <a:buFontTx/>
+                <a:buNone/>
+                <a:tabLst/>
+                <a:defRPr/>
+              </a:pPr>
+              <a:t>39</a:t>
+            </a:fld>
+            <a:endParaRPr kumimoji="0" lang="en-US" sz="1400" b="1" i="0" u="none" strike="noStrike" kern="1200" cap="none" spc="0" normalizeH="0" baseline="0" noProof="0" dirty="0">
+              <a:ln>
+                <a:noFill/>
+              </a:ln>
+              <a:solidFill>
+                <a:srgbClr val="FFFFFF"/>
+              </a:solidFill>
+              <a:effectLst/>
+              <a:uLnTx/>
+              <a:uFillTx/>
+              <a:latin typeface="+mn-lt"/>
+              <a:ea typeface="+mn-ea"/>
+              <a:cs typeface="+mn-cs"/>
+            </a:endParaRPr>
           </a:p>
         </p:txBody>
       </p:sp>
@@ -19237,11 +19573,7 @@
           <a:p>
             <a:r>
               <a:rPr lang="en-US" dirty="0" smtClean="0"/>
-              <a:t>App Engine provides a highly scalable option for persisting your </a:t>
-            </a:r>
-            <a:r>
-              <a:rPr lang="en-US" dirty="0" smtClean="0"/>
-              <a:t>data</a:t>
+              <a:t>App Engine provides a highly scalable option for persisting your data</a:t>
             </a:r>
           </a:p>
           <a:p>
@@ -19263,13 +19595,8 @@
             </a:r>
             <a:r>
               <a:rPr lang="en-US" dirty="0" smtClean="0"/>
-              <a:t> </a:t>
-            </a:r>
-            <a:r>
-              <a:rPr lang="en-US" dirty="0" smtClean="0"/>
-              <a:t>object store.</a:t>
-            </a:r>
-            <a:endParaRPr lang="en-US" dirty="0" smtClean="0"/>
+              <a:t> object store.</a:t>
+            </a:r>
           </a:p>
           <a:p>
             <a:r>
@@ -19332,7 +19659,6 @@
               <a:rPr lang="en-US" dirty="0" smtClean="0"/>
               <a:t> party libraries (Objectify)</a:t>
             </a:r>
-            <a:endParaRPr lang="en-US" dirty="0" smtClean="0"/>
           </a:p>
         </p:txBody>
       </p:sp>
@@ -19454,11 +19780,7 @@
           <a:p>
             <a:r>
               <a:rPr lang="en-US" dirty="0" smtClean="0"/>
-              <a:t>Entities do not have columns, they have one </a:t>
-            </a:r>
-            <a:r>
-              <a:rPr lang="en-US" dirty="0" smtClean="0"/>
-              <a:t>or more </a:t>
+              <a:t>Entities do not have columns, they have one or more </a:t>
             </a:r>
             <a:r>
               <a:rPr lang="en-US" b="1" i="1" dirty="0" smtClean="0"/>
@@ -19826,11 +20148,7 @@
             </a:r>
             <a:r>
               <a:rPr lang="en-US" dirty="0" smtClean="0"/>
-              <a:t> </a:t>
-            </a:r>
-            <a:r>
-              <a:rPr lang="en-US" dirty="0" smtClean="0"/>
-              <a:t>= </a:t>
+              <a:t> = </a:t>
             </a:r>
             <a:r>
               <a:rPr lang="en-US" b="1" dirty="0" smtClean="0"/>
@@ -20104,11 +20422,7 @@
             </a:r>
             <a:r>
               <a:rPr lang="en-US" i="1" dirty="0" smtClean="0"/>
-              <a:t> = </a:t>
-            </a:r>
-            <a:r>
-              <a:rPr lang="en-US" i="1" dirty="0" smtClean="0"/>
-              <a:t> </a:t>
+              <a:t> =  </a:t>
             </a:r>
             <a:r>
               <a:rPr lang="en-US" dirty="0" err="1" smtClean="0"/>
@@ -26309,13 +26623,8 @@
             </a:r>
             <a:r>
               <a:rPr lang="en-US" dirty="0" smtClean="0"/>
-              <a:t> Job that executes every 2 or 1 hour and prints out a dummy </a:t>
-            </a:r>
-            <a:r>
-              <a:rPr lang="en-US" dirty="0" smtClean="0"/>
-              <a:t>string or Twitter Search.</a:t>
-            </a:r>
-            <a:endParaRPr lang="en-US" dirty="0" smtClean="0"/>
+              <a:t> Job that executes every 2 or 1 hour and prints out a dummy string or Twitter Search.</a:t>
+            </a:r>
           </a:p>
           <a:p>
             <a:r>
@@ -27668,6 +27977,97 @@
           <a:noFill/>
         </p:spPr>
       </p:pic>
+      <p:sp>
+        <p:nvSpPr>
+          <p:cNvPr id="5" name="Slide Number Placeholder 4"/>
+          <p:cNvSpPr txBox="1">
+            <a:spLocks/>
+          </p:cNvSpPr>
+          <p:nvPr/>
+        </p:nvSpPr>
+        <p:spPr>
+          <a:xfrm>
+            <a:off x="0" y="1279524"/>
+            <a:ext cx="533400" cy="244476"/>
+          </a:xfrm>
+          <a:prstGeom prst="rect">
+            <a:avLst/>
+          </a:prstGeom>
+        </p:spPr>
+        <p:txBody>
+          <a:bodyPr vert="horz" anchor="ctr" anchorCtr="0">
+            <a:normAutofit fontScale="85000" lnSpcReduction="20000"/>
+          </a:bodyPr>
+          <a:lstStyle/>
+          <a:p>
+            <a:pPr marL="0" marR="0" lvl="0" indent="0" algn="ctr" defTabSz="914400" rtl="0" eaLnBrk="1" fontAlgn="auto" latinLnBrk="0" hangingPunct="1">
+              <a:lnSpc>
+                <a:spcPct val="100000"/>
+              </a:lnSpc>
+              <a:spcBef>
+                <a:spcPts val="0"/>
+              </a:spcBef>
+              <a:spcAft>
+                <a:spcPts val="0"/>
+              </a:spcAft>
+              <a:buClrTx/>
+              <a:buSzTx/>
+              <a:buFontTx/>
+              <a:buNone/>
+              <a:tabLst/>
+              <a:defRPr/>
+            </a:pPr>
+            <a:fld id="{F2BF1754-4D2F-46D8-A35A-EF7FA01DA8F5}" type="slidenum">
+              <a:rPr kumimoji="0" lang="en-US" sz="1400" b="1" i="0" u="none" strike="noStrike" kern="1200" cap="none" spc="0" normalizeH="0" baseline="0" noProof="0" smtClean="0">
+                <a:ln>
+                  <a:noFill/>
+                </a:ln>
+                <a:solidFill>
+                  <a:srgbClr val="FFFFFF"/>
+                </a:solidFill>
+                <a:effectLst/>
+                <a:uLnTx/>
+                <a:uFillTx/>
+                <a:latin typeface="+mn-lt"/>
+                <a:ea typeface="+mn-ea"/>
+                <a:cs typeface="+mn-cs"/>
+              </a:rPr>
+              <a:pPr marL="0" marR="0" lvl="0" indent="0" algn="ctr" defTabSz="914400" rtl="0" eaLnBrk="1" fontAlgn="auto" latinLnBrk="0" hangingPunct="1">
+                <a:lnSpc>
+                  <a:spcPct val="100000"/>
+                </a:lnSpc>
+                <a:spcBef>
+                  <a:spcPts val="0"/>
+                </a:spcBef>
+                <a:spcAft>
+                  <a:spcPts val="0"/>
+                </a:spcAft>
+                <a:buClrTx/>
+                <a:buSzTx/>
+                <a:buFontTx/>
+                <a:buNone/>
+                <a:tabLst/>
+                <a:defRPr/>
+              </a:pPr>
+              <a:t>8</a:t>
+            </a:fld>
+            <a:endParaRPr kumimoji="0" lang="en-US" sz="1400" b="1" i="0" u="none" strike="noStrike" kern="1200" cap="none" spc="0" normalizeH="0" baseline="0" noProof="0" dirty="0">
+              <a:ln>
+                <a:noFill/>
+              </a:ln>
+              <a:solidFill>
+                <a:srgbClr val="FFFFFF"/>
+              </a:solidFill>
+              <a:effectLst/>
+              <a:uLnTx/>
+              <a:uFillTx/>
+              <a:latin typeface="+mn-lt"/>
+              <a:ea typeface="+mn-ea"/>
+              <a:cs typeface="+mn-cs"/>
+            </a:endParaRPr>
+          </a:p>
+        </p:txBody>
+      </p:sp>
     </p:spTree>
   </p:cSld>
   <p:clrMapOvr>
@@ -27904,6 +28304,97 @@
           </a:p>
         </p:txBody>
       </p:sp>
+      <p:sp>
+        <p:nvSpPr>
+          <p:cNvPr id="8" name="Slide Number Placeholder 4"/>
+          <p:cNvSpPr txBox="1">
+            <a:spLocks/>
+          </p:cNvSpPr>
+          <p:nvPr/>
+        </p:nvSpPr>
+        <p:spPr>
+          <a:xfrm>
+            <a:off x="0" y="1279524"/>
+            <a:ext cx="533400" cy="244476"/>
+          </a:xfrm>
+          <a:prstGeom prst="rect">
+            <a:avLst/>
+          </a:prstGeom>
+        </p:spPr>
+        <p:txBody>
+          <a:bodyPr vert="horz" anchor="ctr" anchorCtr="0">
+            <a:normAutofit fontScale="85000" lnSpcReduction="20000"/>
+          </a:bodyPr>
+          <a:lstStyle/>
+          <a:p>
+            <a:pPr marL="0" marR="0" lvl="0" indent="0" algn="ctr" defTabSz="914400" rtl="0" eaLnBrk="1" fontAlgn="auto" latinLnBrk="0" hangingPunct="1">
+              <a:lnSpc>
+                <a:spcPct val="100000"/>
+              </a:lnSpc>
+              <a:spcBef>
+                <a:spcPts val="0"/>
+              </a:spcBef>
+              <a:spcAft>
+                <a:spcPts val="0"/>
+              </a:spcAft>
+              <a:buClrTx/>
+              <a:buSzTx/>
+              <a:buFontTx/>
+              <a:buNone/>
+              <a:tabLst/>
+              <a:defRPr/>
+            </a:pPr>
+            <a:fld id="{F2BF1754-4D2F-46D8-A35A-EF7FA01DA8F5}" type="slidenum">
+              <a:rPr kumimoji="0" lang="en-US" sz="1400" b="1" i="0" u="none" strike="noStrike" kern="1200" cap="none" spc="0" normalizeH="0" baseline="0" noProof="0" smtClean="0">
+                <a:ln>
+                  <a:noFill/>
+                </a:ln>
+                <a:solidFill>
+                  <a:srgbClr val="FFFFFF"/>
+                </a:solidFill>
+                <a:effectLst/>
+                <a:uLnTx/>
+                <a:uFillTx/>
+                <a:latin typeface="+mn-lt"/>
+                <a:ea typeface="+mn-ea"/>
+                <a:cs typeface="+mn-cs"/>
+              </a:rPr>
+              <a:pPr marL="0" marR="0" lvl="0" indent="0" algn="ctr" defTabSz="914400" rtl="0" eaLnBrk="1" fontAlgn="auto" latinLnBrk="0" hangingPunct="1">
+                <a:lnSpc>
+                  <a:spcPct val="100000"/>
+                </a:lnSpc>
+                <a:spcBef>
+                  <a:spcPts val="0"/>
+                </a:spcBef>
+                <a:spcAft>
+                  <a:spcPts val="0"/>
+                </a:spcAft>
+                <a:buClrTx/>
+                <a:buSzTx/>
+                <a:buFontTx/>
+                <a:buNone/>
+                <a:tabLst/>
+                <a:defRPr/>
+              </a:pPr>
+              <a:t>80</a:t>
+            </a:fld>
+            <a:endParaRPr kumimoji="0" lang="en-US" sz="1400" b="1" i="0" u="none" strike="noStrike" kern="1200" cap="none" spc="0" normalizeH="0" baseline="0" noProof="0" dirty="0">
+              <a:ln>
+                <a:noFill/>
+              </a:ln>
+              <a:solidFill>
+                <a:srgbClr val="FFFFFF"/>
+              </a:solidFill>
+              <a:effectLst/>
+              <a:uLnTx/>
+              <a:uFillTx/>
+              <a:latin typeface="+mn-lt"/>
+              <a:ea typeface="+mn-ea"/>
+              <a:cs typeface="+mn-cs"/>
+            </a:endParaRPr>
+          </a:p>
+        </p:txBody>
+      </p:sp>
     </p:spTree>
   </p:cSld>
   <p:clrMapOvr>
@@ -27938,6 +28429,246 @@
       </p:grpSpPr>
       <p:sp>
         <p:nvSpPr>
+          <p:cNvPr id="2" name="Title 1"/>
+          <p:cNvSpPr>
+            <a:spLocks noGrp="1"/>
+          </p:cNvSpPr>
+          <p:nvPr>
+            <p:ph type="title"/>
+          </p:nvPr>
+        </p:nvSpPr>
+        <p:spPr/>
+        <p:txBody>
+          <a:bodyPr/>
+          <a:lstStyle/>
+          <a:p>
+            <a:pPr algn="ctr"/>
+            <a:r>
+              <a:rPr lang="en-US" dirty="0" smtClean="0"/>
+              <a:t>App Engine for Startups</a:t>
+            </a:r>
+            <a:endParaRPr lang="en-US" dirty="0"/>
+          </a:p>
+        </p:txBody>
+      </p:sp>
+      <p:sp>
+        <p:nvSpPr>
+          <p:cNvPr id="3" name="Content Placeholder 2"/>
+          <p:cNvSpPr>
+            <a:spLocks noGrp="1"/>
+          </p:cNvSpPr>
+          <p:nvPr>
+            <p:ph sz="quarter" idx="1"/>
+          </p:nvPr>
+        </p:nvSpPr>
+        <p:spPr/>
+        <p:txBody>
+          <a:bodyPr/>
+          <a:lstStyle/>
+          <a:p>
+            <a:r>
+              <a:rPr lang="en-US" dirty="0" smtClean="0"/>
+              <a:t>$1,000 of </a:t>
+            </a:r>
+            <a:r>
+              <a:rPr lang="en-US" dirty="0" smtClean="0"/>
+              <a:t>credit to build Apps on GAE</a:t>
+            </a:r>
+          </a:p>
+          <a:p>
+            <a:r>
+              <a:rPr lang="en-US" dirty="0" smtClean="0">
+                <a:hlinkClick r:id="rId2"/>
+              </a:rPr>
+              <a:t>http</a:t>
+            </a:r>
+            <a:r>
+              <a:rPr lang="en-US" dirty="0" smtClean="0">
+                <a:hlinkClick r:id="rId2"/>
+              </a:rPr>
+              <a:t>://</a:t>
+            </a:r>
+            <a:r>
+              <a:rPr lang="en-US" dirty="0" smtClean="0">
+                <a:hlinkClick r:id="rId2"/>
+              </a:rPr>
+              <a:t>cloud.google.com/startups</a:t>
+            </a:r>
+            <a:endParaRPr lang="en-US" dirty="0" smtClean="0"/>
+          </a:p>
+          <a:p>
+            <a:r>
+              <a:rPr lang="en-US" dirty="0" smtClean="0"/>
+              <a:t>Verification Code : DR-03</a:t>
+            </a:r>
+          </a:p>
+          <a:p>
+            <a:r>
+              <a:rPr lang="en-US" dirty="0" smtClean="0"/>
+              <a:t>Application deadline is April 30, 2013</a:t>
+            </a:r>
+            <a:endParaRPr lang="en-US" dirty="0"/>
+          </a:p>
+        </p:txBody>
+      </p:sp>
+      <p:pic>
+        <p:nvPicPr>
+          <p:cNvPr id="1026" name="Picture 2"/>
+          <p:cNvPicPr>
+            <a:picLocks noChangeAspect="1" noChangeArrowheads="1"/>
+          </p:cNvPicPr>
+          <p:nvPr/>
+        </p:nvPicPr>
+        <p:blipFill>
+          <a:blip r:embed="rId3"/>
+          <a:srcRect/>
+          <a:stretch>
+            <a:fillRect/>
+          </a:stretch>
+        </p:blipFill>
+        <p:spPr bwMode="auto">
+          <a:xfrm>
+            <a:off x="2438400" y="4038600"/>
+            <a:ext cx="4524375" cy="1933575"/>
+          </a:xfrm>
+          <a:prstGeom prst="rect">
+            <a:avLst/>
+          </a:prstGeom>
+          <a:noFill/>
+          <a:ln w="9525">
+            <a:noFill/>
+            <a:miter lim="800000"/>
+            <a:headEnd/>
+            <a:tailEnd/>
+          </a:ln>
+          <a:effectLst/>
+        </p:spPr>
+      </p:pic>
+      <p:sp>
+        <p:nvSpPr>
+          <p:cNvPr id="5" name="Slide Number Placeholder 4"/>
+          <p:cNvSpPr txBox="1">
+            <a:spLocks/>
+          </p:cNvSpPr>
+          <p:nvPr/>
+        </p:nvSpPr>
+        <p:spPr>
+          <a:xfrm>
+            <a:off x="0" y="1279524"/>
+            <a:ext cx="533400" cy="244476"/>
+          </a:xfrm>
+          <a:prstGeom prst="rect">
+            <a:avLst/>
+          </a:prstGeom>
+        </p:spPr>
+        <p:txBody>
+          <a:bodyPr vert="horz" anchor="ctr" anchorCtr="0">
+            <a:normAutofit fontScale="85000" lnSpcReduction="20000"/>
+          </a:bodyPr>
+          <a:lstStyle/>
+          <a:p>
+            <a:pPr marL="0" marR="0" lvl="0" indent="0" algn="ctr" defTabSz="914400" rtl="0" eaLnBrk="1" fontAlgn="auto" latinLnBrk="0" hangingPunct="1">
+              <a:lnSpc>
+                <a:spcPct val="100000"/>
+              </a:lnSpc>
+              <a:spcBef>
+                <a:spcPts val="0"/>
+              </a:spcBef>
+              <a:spcAft>
+                <a:spcPts val="0"/>
+              </a:spcAft>
+              <a:buClrTx/>
+              <a:buSzTx/>
+              <a:buFontTx/>
+              <a:buNone/>
+              <a:tabLst/>
+              <a:defRPr/>
+            </a:pPr>
+            <a:fld id="{F2BF1754-4D2F-46D8-A35A-EF7FA01DA8F5}" type="slidenum">
+              <a:rPr kumimoji="0" lang="en-US" sz="1400" b="1" i="0" u="none" strike="noStrike" kern="1200" cap="none" spc="0" normalizeH="0" baseline="0" noProof="0" smtClean="0">
+                <a:ln>
+                  <a:noFill/>
+                </a:ln>
+                <a:solidFill>
+                  <a:srgbClr val="FFFFFF"/>
+                </a:solidFill>
+                <a:effectLst/>
+                <a:uLnTx/>
+                <a:uFillTx/>
+                <a:latin typeface="+mn-lt"/>
+                <a:ea typeface="+mn-ea"/>
+                <a:cs typeface="+mn-cs"/>
+              </a:rPr>
+              <a:pPr marL="0" marR="0" lvl="0" indent="0" algn="ctr" defTabSz="914400" rtl="0" eaLnBrk="1" fontAlgn="auto" latinLnBrk="0" hangingPunct="1">
+                <a:lnSpc>
+                  <a:spcPct val="100000"/>
+                </a:lnSpc>
+                <a:spcBef>
+                  <a:spcPts val="0"/>
+                </a:spcBef>
+                <a:spcAft>
+                  <a:spcPts val="0"/>
+                </a:spcAft>
+                <a:buClrTx/>
+                <a:buSzTx/>
+                <a:buFontTx/>
+                <a:buNone/>
+                <a:tabLst/>
+                <a:defRPr/>
+              </a:pPr>
+              <a:t>81</a:t>
+            </a:fld>
+            <a:endParaRPr kumimoji="0" lang="en-US" sz="1400" b="1" i="0" u="none" strike="noStrike" kern="1200" cap="none" spc="0" normalizeH="0" baseline="0" noProof="0" dirty="0">
+              <a:ln>
+                <a:noFill/>
+              </a:ln>
+              <a:solidFill>
+                <a:srgbClr val="FFFFFF"/>
+              </a:solidFill>
+              <a:effectLst/>
+              <a:uLnTx/>
+              <a:uFillTx/>
+              <a:latin typeface="+mn-lt"/>
+              <a:ea typeface="+mn-ea"/>
+              <a:cs typeface="+mn-cs"/>
+            </a:endParaRPr>
+          </a:p>
+        </p:txBody>
+      </p:sp>
+    </p:spTree>
+  </p:cSld>
+  <p:clrMapOvr>
+    <a:masterClrMapping/>
+  </p:clrMapOvr>
+  <p:timing>
+    <p:tnLst>
+      <p:par>
+        <p:cTn id="1" dur="indefinite" restart="never" nodeType="tmRoot"/>
+      </p:par>
+    </p:tnLst>
+  </p:timing>
+</p:sld>
+</file>
+
+<file path=ppt/slides/slide82.xml><?xml version="1.0" encoding="utf-8"?>
+<p:sld xmlns:a="http://schemas.openxmlformats.org/drawingml/2006/main" xmlns:r="http://schemas.openxmlformats.org/officeDocument/2006/relationships" xmlns:p="http://schemas.openxmlformats.org/presentationml/2006/main">
+  <p:cSld>
+    <p:spTree>
+      <p:nvGrpSpPr>
+        <p:cNvPr id="1" name=""/>
+        <p:cNvGrpSpPr/>
+        <p:nvPr/>
+      </p:nvGrpSpPr>
+      <p:grpSpPr>
+        <a:xfrm>
+          <a:off x="0" y="0"/>
+          <a:ext cx="0" cy="0"/>
+          <a:chOff x="0" y="0"/>
+          <a:chExt cx="0" cy="0"/>
+        </a:xfrm>
+      </p:grpSpPr>
+      <p:sp>
+        <p:nvSpPr>
           <p:cNvPr id="4" name="Content Placeholder 3"/>
           <p:cNvSpPr>
             <a:spLocks noGrp="1"/>
@@ -27949,11 +28680,13 @@
         <p:spPr>
           <a:xfrm>
             <a:off x="612648" y="1752600"/>
-            <a:ext cx="8153400" cy="2286000"/>
+            <a:ext cx="8153400" cy="3886200"/>
           </a:xfrm>
         </p:spPr>
         <p:txBody>
-          <a:bodyPr/>
+          <a:bodyPr>
+            <a:normAutofit/>
+          </a:bodyPr>
           <a:lstStyle/>
           <a:p>
             <a:r>
@@ -27964,7 +28697,57 @@
           <a:p>
             <a:r>
               <a:rPr lang="en-US" dirty="0" smtClean="0"/>
-              <a:t>Website : </a:t>
+              <a:t>Blog : w </a:t>
+            </a:r>
+            <a:r>
+              <a:rPr lang="en-US" dirty="0" err="1" smtClean="0"/>
+              <a:t>w</a:t>
+            </a:r>
+            <a:r>
+              <a:rPr lang="en-US" dirty="0" smtClean="0"/>
+              <a:t> </a:t>
+            </a:r>
+            <a:r>
+              <a:rPr lang="en-US" dirty="0" err="1" smtClean="0"/>
+              <a:t>w</a:t>
+            </a:r>
+            <a:r>
+              <a:rPr lang="en-US" dirty="0" smtClean="0"/>
+              <a:t> . r o m </a:t>
+            </a:r>
+            <a:r>
+              <a:rPr lang="en-US" dirty="0" err="1" smtClean="0"/>
+              <a:t>i</a:t>
+            </a:r>
+            <a:r>
+              <a:rPr lang="en-US" dirty="0" smtClean="0"/>
+              <a:t> n </a:t>
+            </a:r>
+            <a:r>
+              <a:rPr lang="en-US" dirty="0" err="1" smtClean="0"/>
+              <a:t>i</a:t>
+            </a:r>
+            <a:r>
+              <a:rPr lang="en-US" dirty="0" smtClean="0"/>
+              <a:t> r a n </a:t>
+            </a:r>
+            <a:r>
+              <a:rPr lang="en-US" dirty="0" err="1" smtClean="0"/>
+              <a:t>i</a:t>
+            </a:r>
+            <a:r>
+              <a:rPr lang="en-US" dirty="0" smtClean="0"/>
+              <a:t> . c o m </a:t>
+            </a:r>
+          </a:p>
+          <a:p>
+            <a:r>
+              <a:rPr lang="en-US" dirty="0" smtClean="0"/>
+              <a:t>Website </a:t>
+            </a:r>
+            <a:r>
+              <a:rPr lang="en-US" dirty="0" smtClean="0"/>
+              <a:t>: </a:t>
             </a:r>
             <a:r>
               <a:rPr lang="en-US" dirty="0" smtClean="0">
@@ -28003,6 +28786,7 @@
               <a:rPr lang="en-US" dirty="0" smtClean="0"/>
               <a:t> </a:t>
             </a:r>
+            <a:endParaRPr lang="en-US" dirty="0" smtClean="0"/>
           </a:p>
         </p:txBody>
       </p:sp>
@@ -28026,7 +28810,7 @@
             <a:fld id="{F2BF1754-4D2F-46D8-A35A-EF7FA01DA8F5}" type="slidenum">
               <a:rPr lang="en-US" smtClean="0"/>
               <a:pPr/>
-              <a:t>81</a:t>
+              <a:t>82</a:t>
             </a:fld>
             <a:endParaRPr lang="en-US" dirty="0"/>
           </a:p>
@@ -28061,6 +28845,32 @@
           </a:p>
         </p:txBody>
       </p:sp>
+      <p:pic>
+        <p:nvPicPr>
+          <p:cNvPr id="7" name="Picture 2" descr="http://res.sys-con.com/story/apr10/1370793/Google%20AppEngine%20for%20Java.png"/>
+          <p:cNvPicPr>
+            <a:picLocks noChangeAspect="1" noChangeArrowheads="1"/>
+          </p:cNvPicPr>
+          <p:nvPr/>
+        </p:nvPicPr>
+        <p:blipFill>
+          <a:blip r:embed="rId4" cstate="print"/>
+          <a:srcRect/>
+          <a:stretch>
+            <a:fillRect/>
+          </a:stretch>
+        </p:blipFill>
+        <p:spPr bwMode="auto">
+          <a:xfrm>
+            <a:off x="3048000" y="4191000"/>
+            <a:ext cx="2581836" cy="1995055"/>
+          </a:xfrm>
+          <a:prstGeom prst="rect">
+            <a:avLst/>
+          </a:prstGeom>
+          <a:noFill/>
+        </p:spPr>
+      </p:pic>
     </p:spTree>
   </p:cSld>
   <p:clrMapOvr>
